--- a/figs/flow.pptx
+++ b/figs/flow.pptx
@@ -8,6 +8,8 @@
     <p:sldId id="256" r:id="rId2"/>
     <p:sldId id="258" r:id="rId3"/>
     <p:sldId id="259" r:id="rId4"/>
+    <p:sldId id="260" r:id="rId5"/>
+    <p:sldId id="261" r:id="rId6"/>
   </p:sldIdLst>
   <p:sldSz cx="12192000" cy="6858000"/>
   <p:notesSz cx="6858000" cy="9144000"/>
@@ -2866,6 +2868,1844 @@
 </dgm:colorsDef>
 </file>
 
+<file path=ppt/diagrams/colors4.xml><?xml version="1.0" encoding="utf-8"?>
+<dgm:colorsDef xmlns:dgm="http://schemas.openxmlformats.org/drawingml/2006/diagram" xmlns:a="http://schemas.openxmlformats.org/drawingml/2006/main" uniqueId="urn:microsoft.com/office/officeart/2005/8/colors/colorful1">
+  <dgm:title val=""/>
+  <dgm:desc val=""/>
+  <dgm:catLst>
+    <dgm:cat type="colorful" pri="10100"/>
+  </dgm:catLst>
+  <dgm:styleLbl name="node0">
+    <dgm:fillClrLst meth="repeat">
+      <a:schemeClr val="accent1"/>
+    </dgm:fillClrLst>
+    <dgm:linClrLst meth="repeat">
+      <a:schemeClr val="lt1"/>
+    </dgm:linClrLst>
+    <dgm:effectClrLst/>
+    <dgm:txLinClrLst/>
+    <dgm:txFillClrLst/>
+    <dgm:txEffectClrLst/>
+  </dgm:styleLbl>
+  <dgm:styleLbl name="node1">
+    <dgm:fillClrLst meth="repeat">
+      <a:schemeClr val="accent2"/>
+      <a:schemeClr val="accent3"/>
+      <a:schemeClr val="accent4"/>
+      <a:schemeClr val="accent5"/>
+      <a:schemeClr val="accent6"/>
+    </dgm:fillClrLst>
+    <dgm:linClrLst meth="repeat">
+      <a:schemeClr val="lt1"/>
+    </dgm:linClrLst>
+    <dgm:effectClrLst/>
+    <dgm:txLinClrLst/>
+    <dgm:txFillClrLst/>
+    <dgm:txEffectClrLst/>
+  </dgm:styleLbl>
+  <dgm:styleLbl name="alignNode1">
+    <dgm:fillClrLst meth="repeat">
+      <a:schemeClr val="accent2"/>
+      <a:schemeClr val="accent3"/>
+      <a:schemeClr val="accent4"/>
+      <a:schemeClr val="accent5"/>
+      <a:schemeClr val="accent6"/>
+    </dgm:fillClrLst>
+    <dgm:linClrLst meth="repeat">
+      <a:schemeClr val="accent2"/>
+      <a:schemeClr val="accent3"/>
+      <a:schemeClr val="accent4"/>
+      <a:schemeClr val="accent5"/>
+      <a:schemeClr val="accent6"/>
+    </dgm:linClrLst>
+    <dgm:effectClrLst/>
+    <dgm:txLinClrLst/>
+    <dgm:txFillClrLst/>
+    <dgm:txEffectClrLst/>
+  </dgm:styleLbl>
+  <dgm:styleLbl name="lnNode1">
+    <dgm:fillClrLst meth="repeat">
+      <a:schemeClr val="accent2"/>
+      <a:schemeClr val="accent3"/>
+      <a:schemeClr val="accent4"/>
+      <a:schemeClr val="accent5"/>
+      <a:schemeClr val="accent6"/>
+    </dgm:fillClrLst>
+    <dgm:linClrLst meth="repeat">
+      <a:schemeClr val="lt1"/>
+    </dgm:linClrLst>
+    <dgm:effectClrLst/>
+    <dgm:txLinClrLst/>
+    <dgm:txFillClrLst/>
+    <dgm:txEffectClrLst/>
+  </dgm:styleLbl>
+  <dgm:styleLbl name="vennNode1">
+    <dgm:fillClrLst meth="repeat">
+      <a:schemeClr val="accent2">
+        <a:alpha val="50000"/>
+      </a:schemeClr>
+      <a:schemeClr val="accent3">
+        <a:alpha val="50000"/>
+      </a:schemeClr>
+      <a:schemeClr val="accent4">
+        <a:alpha val="50000"/>
+      </a:schemeClr>
+      <a:schemeClr val="accent5">
+        <a:alpha val="50000"/>
+      </a:schemeClr>
+      <a:schemeClr val="accent6">
+        <a:alpha val="50000"/>
+      </a:schemeClr>
+    </dgm:fillClrLst>
+    <dgm:linClrLst meth="repeat">
+      <a:schemeClr val="lt1"/>
+    </dgm:linClrLst>
+    <dgm:effectClrLst/>
+    <dgm:txLinClrLst/>
+    <dgm:txFillClrLst/>
+    <dgm:txEffectClrLst/>
+  </dgm:styleLbl>
+  <dgm:styleLbl name="node2">
+    <dgm:fillClrLst>
+      <a:schemeClr val="accent2"/>
+    </dgm:fillClrLst>
+    <dgm:linClrLst meth="repeat">
+      <a:schemeClr val="lt1"/>
+    </dgm:linClrLst>
+    <dgm:effectClrLst/>
+    <dgm:txLinClrLst/>
+    <dgm:txFillClrLst/>
+    <dgm:txEffectClrLst/>
+  </dgm:styleLbl>
+  <dgm:styleLbl name="node3">
+    <dgm:fillClrLst>
+      <a:schemeClr val="accent3"/>
+    </dgm:fillClrLst>
+    <dgm:linClrLst meth="repeat">
+      <a:schemeClr val="lt1"/>
+    </dgm:linClrLst>
+    <dgm:effectClrLst/>
+    <dgm:txLinClrLst/>
+    <dgm:txFillClrLst/>
+    <dgm:txEffectClrLst/>
+  </dgm:styleLbl>
+  <dgm:styleLbl name="node4">
+    <dgm:fillClrLst>
+      <a:schemeClr val="accent4"/>
+    </dgm:fillClrLst>
+    <dgm:linClrLst meth="repeat">
+      <a:schemeClr val="lt1"/>
+    </dgm:linClrLst>
+    <dgm:effectClrLst/>
+    <dgm:txLinClrLst/>
+    <dgm:txFillClrLst/>
+    <dgm:txEffectClrLst/>
+  </dgm:styleLbl>
+  <dgm:styleLbl name="fgImgPlace1">
+    <dgm:fillClrLst meth="repeat">
+      <a:schemeClr val="accent2">
+        <a:tint val="50000"/>
+      </a:schemeClr>
+      <a:schemeClr val="accent3">
+        <a:tint val="50000"/>
+      </a:schemeClr>
+      <a:schemeClr val="accent4">
+        <a:tint val="50000"/>
+      </a:schemeClr>
+      <a:schemeClr val="accent5">
+        <a:tint val="50000"/>
+      </a:schemeClr>
+      <a:schemeClr val="accent6">
+        <a:tint val="50000"/>
+      </a:schemeClr>
+    </dgm:fillClrLst>
+    <dgm:linClrLst meth="repeat">
+      <a:schemeClr val="lt1"/>
+    </dgm:linClrLst>
+    <dgm:effectClrLst/>
+    <dgm:txLinClrLst/>
+    <dgm:txFillClrLst meth="repeat">
+      <a:schemeClr val="lt1"/>
+    </dgm:txFillClrLst>
+    <dgm:txEffectClrLst/>
+  </dgm:styleLbl>
+  <dgm:styleLbl name="alignImgPlace1">
+    <dgm:fillClrLst>
+      <a:schemeClr val="accent1">
+        <a:tint val="50000"/>
+      </a:schemeClr>
+      <a:schemeClr val="accent2">
+        <a:tint val="20000"/>
+      </a:schemeClr>
+    </dgm:fillClrLst>
+    <dgm:linClrLst meth="repeat">
+      <a:schemeClr val="lt1"/>
+    </dgm:linClrLst>
+    <dgm:effectClrLst/>
+    <dgm:txLinClrLst/>
+    <dgm:txFillClrLst meth="repeat">
+      <a:schemeClr val="lt1"/>
+    </dgm:txFillClrLst>
+    <dgm:txEffectClrLst/>
+  </dgm:styleLbl>
+  <dgm:styleLbl name="bgImgPlace1">
+    <dgm:fillClrLst>
+      <a:schemeClr val="accent1">
+        <a:tint val="50000"/>
+      </a:schemeClr>
+      <a:schemeClr val="accent2">
+        <a:tint val="20000"/>
+      </a:schemeClr>
+    </dgm:fillClrLst>
+    <dgm:linClrLst meth="repeat">
+      <a:schemeClr val="lt1"/>
+    </dgm:linClrLst>
+    <dgm:effectClrLst/>
+    <dgm:txLinClrLst/>
+    <dgm:txFillClrLst meth="repeat">
+      <a:schemeClr val="lt1"/>
+    </dgm:txFillClrLst>
+    <dgm:txEffectClrLst/>
+  </dgm:styleLbl>
+  <dgm:styleLbl name="sibTrans2D1">
+    <dgm:fillClrLst meth="repeat">
+      <a:schemeClr val="accent2"/>
+      <a:schemeClr val="accent3"/>
+      <a:schemeClr val="accent4"/>
+      <a:schemeClr val="accent5"/>
+      <a:schemeClr val="accent6"/>
+    </dgm:fillClrLst>
+    <dgm:linClrLst meth="cycle">
+      <a:schemeClr val="lt1"/>
+    </dgm:linClrLst>
+    <dgm:effectClrLst/>
+    <dgm:txLinClrLst/>
+    <dgm:txFillClrLst/>
+    <dgm:txEffectClrLst/>
+  </dgm:styleLbl>
+  <dgm:styleLbl name="fgSibTrans2D1">
+    <dgm:fillClrLst meth="repeat">
+      <a:schemeClr val="accent2"/>
+      <a:schemeClr val="accent3"/>
+      <a:schemeClr val="accent4"/>
+      <a:schemeClr val="accent5"/>
+      <a:schemeClr val="accent6"/>
+    </dgm:fillClrLst>
+    <dgm:linClrLst meth="cycle">
+      <a:schemeClr val="lt1"/>
+    </dgm:linClrLst>
+    <dgm:effectClrLst/>
+    <dgm:txLinClrLst/>
+    <dgm:txFillClrLst meth="repeat">
+      <a:schemeClr val="lt1"/>
+    </dgm:txFillClrLst>
+    <dgm:txEffectClrLst/>
+  </dgm:styleLbl>
+  <dgm:styleLbl name="bgSibTrans2D1">
+    <dgm:fillClrLst meth="repeat">
+      <a:schemeClr val="accent2"/>
+      <a:schemeClr val="accent3"/>
+      <a:schemeClr val="accent4"/>
+      <a:schemeClr val="accent5"/>
+      <a:schemeClr val="accent6"/>
+    </dgm:fillClrLst>
+    <dgm:linClrLst meth="cycle">
+      <a:schemeClr val="lt1"/>
+    </dgm:linClrLst>
+    <dgm:effectClrLst/>
+    <dgm:txLinClrLst/>
+    <dgm:txFillClrLst meth="repeat">
+      <a:schemeClr val="lt1"/>
+    </dgm:txFillClrLst>
+    <dgm:txEffectClrLst/>
+  </dgm:styleLbl>
+  <dgm:styleLbl name="sibTrans1D1">
+    <dgm:fillClrLst meth="repeat">
+      <a:schemeClr val="accent2"/>
+      <a:schemeClr val="accent3"/>
+      <a:schemeClr val="accent4"/>
+      <a:schemeClr val="accent5"/>
+      <a:schemeClr val="accent6"/>
+    </dgm:fillClrLst>
+    <dgm:linClrLst meth="repeat">
+      <a:schemeClr val="accent2"/>
+      <a:schemeClr val="accent3"/>
+      <a:schemeClr val="accent4"/>
+      <a:schemeClr val="accent5"/>
+      <a:schemeClr val="accent6"/>
+    </dgm:linClrLst>
+    <dgm:effectClrLst/>
+    <dgm:txLinClrLst/>
+    <dgm:txFillClrLst meth="repeat">
+      <a:schemeClr val="tx1"/>
+    </dgm:txFillClrLst>
+    <dgm:txEffectClrLst/>
+  </dgm:styleLbl>
+  <dgm:styleLbl name="callout">
+    <dgm:fillClrLst meth="repeat">
+      <a:schemeClr val="accent2"/>
+    </dgm:fillClrLst>
+    <dgm:linClrLst meth="repeat">
+      <a:schemeClr val="accent2">
+        <a:tint val="50000"/>
+      </a:schemeClr>
+    </dgm:linClrLst>
+    <dgm:effectClrLst/>
+    <dgm:txLinClrLst/>
+    <dgm:txFillClrLst meth="repeat">
+      <a:schemeClr val="tx1"/>
+    </dgm:txFillClrLst>
+    <dgm:txEffectClrLst/>
+  </dgm:styleLbl>
+  <dgm:styleLbl name="asst0">
+    <dgm:fillClrLst meth="repeat">
+      <a:schemeClr val="accent1"/>
+    </dgm:fillClrLst>
+    <dgm:linClrLst meth="repeat">
+      <a:schemeClr val="lt1"/>
+    </dgm:linClrLst>
+    <dgm:effectClrLst/>
+    <dgm:txLinClrLst/>
+    <dgm:txFillClrLst/>
+    <dgm:txEffectClrLst/>
+  </dgm:styleLbl>
+  <dgm:styleLbl name="asst1">
+    <dgm:fillClrLst meth="repeat">
+      <a:schemeClr val="accent2"/>
+    </dgm:fillClrLst>
+    <dgm:linClrLst meth="repeat">
+      <a:schemeClr val="lt1"/>
+    </dgm:linClrLst>
+    <dgm:effectClrLst/>
+    <dgm:txLinClrLst/>
+    <dgm:txFillClrLst/>
+    <dgm:txEffectClrLst/>
+  </dgm:styleLbl>
+  <dgm:styleLbl name="asst2">
+    <dgm:fillClrLst>
+      <a:schemeClr val="accent3"/>
+    </dgm:fillClrLst>
+    <dgm:linClrLst meth="repeat">
+      <a:schemeClr val="lt1"/>
+    </dgm:linClrLst>
+    <dgm:effectClrLst/>
+    <dgm:txLinClrLst/>
+    <dgm:txFillClrLst/>
+    <dgm:txEffectClrLst/>
+  </dgm:styleLbl>
+  <dgm:styleLbl name="asst3">
+    <dgm:fillClrLst>
+      <a:schemeClr val="accent4"/>
+    </dgm:fillClrLst>
+    <dgm:linClrLst meth="repeat">
+      <a:schemeClr val="lt1"/>
+    </dgm:linClrLst>
+    <dgm:effectClrLst/>
+    <dgm:txLinClrLst/>
+    <dgm:txFillClrLst/>
+    <dgm:txEffectClrLst/>
+  </dgm:styleLbl>
+  <dgm:styleLbl name="asst4">
+    <dgm:fillClrLst>
+      <a:schemeClr val="accent5"/>
+    </dgm:fillClrLst>
+    <dgm:linClrLst meth="repeat">
+      <a:schemeClr val="lt1"/>
+    </dgm:linClrLst>
+    <dgm:effectClrLst/>
+    <dgm:txLinClrLst/>
+    <dgm:txFillClrLst/>
+    <dgm:txEffectClrLst/>
+  </dgm:styleLbl>
+  <dgm:styleLbl name="parChTrans2D1">
+    <dgm:fillClrLst meth="repeat">
+      <a:schemeClr val="accent2"/>
+    </dgm:fillClrLst>
+    <dgm:linClrLst meth="repeat">
+      <a:schemeClr val="lt1"/>
+    </dgm:linClrLst>
+    <dgm:effectClrLst/>
+    <dgm:txLinClrLst/>
+    <dgm:txFillClrLst meth="repeat">
+      <a:schemeClr val="lt1"/>
+    </dgm:txFillClrLst>
+    <dgm:txEffectClrLst/>
+  </dgm:styleLbl>
+  <dgm:styleLbl name="parChTrans2D2">
+    <dgm:fillClrLst meth="repeat">
+      <a:schemeClr val="accent3"/>
+    </dgm:fillClrLst>
+    <dgm:linClrLst meth="repeat">
+      <a:schemeClr val="lt1"/>
+    </dgm:linClrLst>
+    <dgm:effectClrLst/>
+    <dgm:txLinClrLst/>
+    <dgm:txFillClrLst/>
+    <dgm:txEffectClrLst/>
+  </dgm:styleLbl>
+  <dgm:styleLbl name="parChTrans2D3">
+    <dgm:fillClrLst meth="repeat">
+      <a:schemeClr val="accent4"/>
+    </dgm:fillClrLst>
+    <dgm:linClrLst meth="repeat">
+      <a:schemeClr val="lt1"/>
+    </dgm:linClrLst>
+    <dgm:effectClrLst/>
+    <dgm:txLinClrLst/>
+    <dgm:txFillClrLst/>
+    <dgm:txEffectClrLst/>
+  </dgm:styleLbl>
+  <dgm:styleLbl name="parChTrans2D4">
+    <dgm:fillClrLst meth="repeat">
+      <a:schemeClr val="accent5"/>
+    </dgm:fillClrLst>
+    <dgm:linClrLst meth="repeat">
+      <a:schemeClr val="lt1"/>
+    </dgm:linClrLst>
+    <dgm:effectClrLst/>
+    <dgm:txLinClrLst/>
+    <dgm:txFillClrLst meth="repeat">
+      <a:schemeClr val="lt1"/>
+    </dgm:txFillClrLst>
+    <dgm:txEffectClrLst/>
+  </dgm:styleLbl>
+  <dgm:styleLbl name="parChTrans1D1">
+    <dgm:fillClrLst meth="repeat">
+      <a:schemeClr val="accent2"/>
+    </dgm:fillClrLst>
+    <dgm:linClrLst meth="repeat">
+      <a:schemeClr val="accent1"/>
+    </dgm:linClrLst>
+    <dgm:effectClrLst/>
+    <dgm:txLinClrLst/>
+    <dgm:txFillClrLst meth="repeat">
+      <a:schemeClr val="tx1"/>
+    </dgm:txFillClrLst>
+    <dgm:txEffectClrLst/>
+  </dgm:styleLbl>
+  <dgm:styleLbl name="parChTrans1D2">
+    <dgm:fillClrLst meth="repeat">
+      <a:schemeClr val="accent3">
+        <a:tint val="90000"/>
+      </a:schemeClr>
+    </dgm:fillClrLst>
+    <dgm:linClrLst meth="repeat">
+      <a:schemeClr val="accent2"/>
+    </dgm:linClrLst>
+    <dgm:effectClrLst/>
+    <dgm:txLinClrLst/>
+    <dgm:txFillClrLst meth="repeat">
+      <a:schemeClr val="tx1"/>
+    </dgm:txFillClrLst>
+    <dgm:txEffectClrLst/>
+  </dgm:styleLbl>
+  <dgm:styleLbl name="parChTrans1D3">
+    <dgm:fillClrLst meth="repeat">
+      <a:schemeClr val="accent4">
+        <a:tint val="70000"/>
+      </a:schemeClr>
+    </dgm:fillClrLst>
+    <dgm:linClrLst meth="repeat">
+      <a:schemeClr val="accent3"/>
+    </dgm:linClrLst>
+    <dgm:effectClrLst/>
+    <dgm:txLinClrLst/>
+    <dgm:txFillClrLst meth="repeat">
+      <a:schemeClr val="tx1"/>
+    </dgm:txFillClrLst>
+    <dgm:txEffectClrLst/>
+  </dgm:styleLbl>
+  <dgm:styleLbl name="parChTrans1D4">
+    <dgm:fillClrLst meth="repeat">
+      <a:schemeClr val="accent5">
+        <a:tint val="50000"/>
+      </a:schemeClr>
+    </dgm:fillClrLst>
+    <dgm:linClrLst meth="repeat">
+      <a:schemeClr val="accent4"/>
+    </dgm:linClrLst>
+    <dgm:effectClrLst/>
+    <dgm:txLinClrLst/>
+    <dgm:txFillClrLst meth="repeat">
+      <a:schemeClr val="tx1"/>
+    </dgm:txFillClrLst>
+    <dgm:txEffectClrLst/>
+  </dgm:styleLbl>
+  <dgm:styleLbl name="fgAcc1">
+    <dgm:fillClrLst meth="repeat">
+      <a:schemeClr val="lt1">
+        <a:alpha val="90000"/>
+      </a:schemeClr>
+    </dgm:fillClrLst>
+    <dgm:linClrLst meth="repeat">
+      <a:schemeClr val="accent2"/>
+      <a:schemeClr val="accent3"/>
+      <a:schemeClr val="accent4"/>
+      <a:schemeClr val="accent5"/>
+      <a:schemeClr val="accent6"/>
+    </dgm:linClrLst>
+    <dgm:effectClrLst/>
+    <dgm:txLinClrLst/>
+    <dgm:txFillClrLst meth="repeat">
+      <a:schemeClr val="dk1"/>
+    </dgm:txFillClrLst>
+    <dgm:txEffectClrLst/>
+  </dgm:styleLbl>
+  <dgm:styleLbl name="conFgAcc1">
+    <dgm:fillClrLst meth="repeat">
+      <a:schemeClr val="lt1">
+        <a:alpha val="90000"/>
+      </a:schemeClr>
+    </dgm:fillClrLst>
+    <dgm:linClrLst meth="repeat">
+      <a:schemeClr val="accent2"/>
+      <a:schemeClr val="accent3"/>
+      <a:schemeClr val="accent4"/>
+      <a:schemeClr val="accent5"/>
+      <a:schemeClr val="accent6"/>
+    </dgm:linClrLst>
+    <dgm:effectClrLst/>
+    <dgm:txLinClrLst/>
+    <dgm:txFillClrLst meth="repeat">
+      <a:schemeClr val="dk1"/>
+    </dgm:txFillClrLst>
+    <dgm:txEffectClrLst/>
+  </dgm:styleLbl>
+  <dgm:styleLbl name="alignAcc1">
+    <dgm:fillClrLst meth="repeat">
+      <a:schemeClr val="lt1">
+        <a:alpha val="90000"/>
+      </a:schemeClr>
+    </dgm:fillClrLst>
+    <dgm:linClrLst meth="repeat">
+      <a:schemeClr val="accent2"/>
+      <a:schemeClr val="accent3"/>
+      <a:schemeClr val="accent4"/>
+      <a:schemeClr val="accent5"/>
+      <a:schemeClr val="accent6"/>
+    </dgm:linClrLst>
+    <dgm:effectClrLst/>
+    <dgm:txLinClrLst/>
+    <dgm:txFillClrLst meth="repeat">
+      <a:schemeClr val="dk1"/>
+    </dgm:txFillClrLst>
+    <dgm:txEffectClrLst/>
+  </dgm:styleLbl>
+  <dgm:styleLbl name="trAlignAcc1">
+    <dgm:fillClrLst meth="repeat">
+      <a:schemeClr val="lt1">
+        <a:alpha val="40000"/>
+      </a:schemeClr>
+    </dgm:fillClrLst>
+    <dgm:linClrLst meth="repeat">
+      <a:schemeClr val="accent1"/>
+    </dgm:linClrLst>
+    <dgm:effectClrLst/>
+    <dgm:txLinClrLst/>
+    <dgm:txFillClrLst meth="repeat">
+      <a:schemeClr val="dk1"/>
+    </dgm:txFillClrLst>
+    <dgm:txEffectClrLst/>
+  </dgm:styleLbl>
+  <dgm:styleLbl name="bgAcc1">
+    <dgm:fillClrLst meth="repeat">
+      <a:schemeClr val="lt1">
+        <a:alpha val="90000"/>
+      </a:schemeClr>
+    </dgm:fillClrLst>
+    <dgm:linClrLst meth="repeat">
+      <a:schemeClr val="accent2"/>
+      <a:schemeClr val="accent3"/>
+      <a:schemeClr val="accent4"/>
+      <a:schemeClr val="accent5"/>
+      <a:schemeClr val="accent6"/>
+    </dgm:linClrLst>
+    <dgm:effectClrLst/>
+    <dgm:txLinClrLst/>
+    <dgm:txFillClrLst meth="repeat">
+      <a:schemeClr val="dk1"/>
+    </dgm:txFillClrLst>
+    <dgm:txEffectClrLst/>
+  </dgm:styleLbl>
+  <dgm:styleLbl name="solidFgAcc1">
+    <dgm:fillClrLst meth="repeat">
+      <a:schemeClr val="lt1"/>
+    </dgm:fillClrLst>
+    <dgm:linClrLst meth="repeat">
+      <a:schemeClr val="accent2"/>
+      <a:schemeClr val="accent3"/>
+      <a:schemeClr val="accent4"/>
+      <a:schemeClr val="accent5"/>
+      <a:schemeClr val="accent6"/>
+    </dgm:linClrLst>
+    <dgm:effectClrLst/>
+    <dgm:txLinClrLst/>
+    <dgm:txFillClrLst meth="repeat">
+      <a:schemeClr val="dk1"/>
+    </dgm:txFillClrLst>
+    <dgm:txEffectClrLst/>
+  </dgm:styleLbl>
+  <dgm:styleLbl name="solidAlignAcc1">
+    <dgm:fillClrLst meth="repeat">
+      <a:schemeClr val="lt1"/>
+    </dgm:fillClrLst>
+    <dgm:linClrLst meth="repeat">
+      <a:schemeClr val="accent2"/>
+      <a:schemeClr val="accent3"/>
+      <a:schemeClr val="accent4"/>
+      <a:schemeClr val="accent5"/>
+      <a:schemeClr val="accent6"/>
+    </dgm:linClrLst>
+    <dgm:effectClrLst/>
+    <dgm:txLinClrLst/>
+    <dgm:txFillClrLst meth="repeat">
+      <a:schemeClr val="dk1"/>
+    </dgm:txFillClrLst>
+    <dgm:txEffectClrLst/>
+  </dgm:styleLbl>
+  <dgm:styleLbl name="solidBgAcc1">
+    <dgm:fillClrLst meth="repeat">
+      <a:schemeClr val="lt1"/>
+    </dgm:fillClrLst>
+    <dgm:linClrLst meth="repeat">
+      <a:schemeClr val="accent2"/>
+      <a:schemeClr val="accent3"/>
+      <a:schemeClr val="accent4"/>
+      <a:schemeClr val="accent5"/>
+      <a:schemeClr val="accent6"/>
+    </dgm:linClrLst>
+    <dgm:effectClrLst/>
+    <dgm:txLinClrLst/>
+    <dgm:txFillClrLst meth="repeat">
+      <a:schemeClr val="dk1"/>
+    </dgm:txFillClrLst>
+    <dgm:txEffectClrLst/>
+  </dgm:styleLbl>
+  <dgm:styleLbl name="fgAccFollowNode1">
+    <dgm:fillClrLst meth="repeat">
+      <a:schemeClr val="accent2">
+        <a:tint val="40000"/>
+        <a:alpha val="90000"/>
+      </a:schemeClr>
+      <a:schemeClr val="accent3">
+        <a:tint val="40000"/>
+        <a:alpha val="90000"/>
+      </a:schemeClr>
+      <a:schemeClr val="accent4">
+        <a:tint val="40000"/>
+        <a:alpha val="90000"/>
+      </a:schemeClr>
+      <a:schemeClr val="accent5">
+        <a:tint val="40000"/>
+        <a:alpha val="90000"/>
+      </a:schemeClr>
+      <a:schemeClr val="accent6">
+        <a:tint val="40000"/>
+        <a:alpha val="90000"/>
+      </a:schemeClr>
+    </dgm:fillClrLst>
+    <dgm:linClrLst meth="repeat">
+      <a:schemeClr val="accent2">
+        <a:tint val="40000"/>
+        <a:alpha val="90000"/>
+      </a:schemeClr>
+      <a:schemeClr val="accent3">
+        <a:tint val="40000"/>
+        <a:alpha val="90000"/>
+      </a:schemeClr>
+      <a:schemeClr val="accent4">
+        <a:tint val="40000"/>
+        <a:alpha val="90000"/>
+      </a:schemeClr>
+      <a:schemeClr val="accent5">
+        <a:tint val="40000"/>
+        <a:alpha val="90000"/>
+      </a:schemeClr>
+      <a:schemeClr val="accent6">
+        <a:tint val="40000"/>
+        <a:alpha val="90000"/>
+      </a:schemeClr>
+    </dgm:linClrLst>
+    <dgm:effectClrLst/>
+    <dgm:txLinClrLst/>
+    <dgm:txFillClrLst meth="repeat">
+      <a:schemeClr val="dk1"/>
+    </dgm:txFillClrLst>
+    <dgm:txEffectClrLst/>
+  </dgm:styleLbl>
+  <dgm:styleLbl name="alignAccFollowNode1">
+    <dgm:fillClrLst meth="repeat">
+      <a:schemeClr val="accent2">
+        <a:tint val="40000"/>
+        <a:alpha val="90000"/>
+      </a:schemeClr>
+      <a:schemeClr val="accent3">
+        <a:tint val="40000"/>
+        <a:alpha val="90000"/>
+      </a:schemeClr>
+      <a:schemeClr val="accent4">
+        <a:tint val="40000"/>
+        <a:alpha val="90000"/>
+      </a:schemeClr>
+      <a:schemeClr val="accent5">
+        <a:tint val="40000"/>
+        <a:alpha val="90000"/>
+      </a:schemeClr>
+      <a:schemeClr val="accent6">
+        <a:tint val="40000"/>
+        <a:alpha val="90000"/>
+      </a:schemeClr>
+    </dgm:fillClrLst>
+    <dgm:linClrLst meth="repeat">
+      <a:schemeClr val="accent2">
+        <a:tint val="40000"/>
+        <a:alpha val="90000"/>
+      </a:schemeClr>
+      <a:schemeClr val="accent3">
+        <a:tint val="40000"/>
+        <a:alpha val="90000"/>
+      </a:schemeClr>
+      <a:schemeClr val="accent4">
+        <a:tint val="40000"/>
+        <a:alpha val="90000"/>
+      </a:schemeClr>
+      <a:schemeClr val="accent5">
+        <a:tint val="40000"/>
+        <a:alpha val="90000"/>
+      </a:schemeClr>
+      <a:schemeClr val="accent6">
+        <a:tint val="40000"/>
+        <a:alpha val="90000"/>
+      </a:schemeClr>
+    </dgm:linClrLst>
+    <dgm:effectClrLst/>
+    <dgm:txLinClrLst/>
+    <dgm:txFillClrLst meth="repeat">
+      <a:schemeClr val="dk1"/>
+    </dgm:txFillClrLst>
+    <dgm:txEffectClrLst/>
+  </dgm:styleLbl>
+  <dgm:styleLbl name="bgAccFollowNode1">
+    <dgm:fillClrLst meth="repeat">
+      <a:schemeClr val="accent2">
+        <a:tint val="40000"/>
+        <a:alpha val="90000"/>
+      </a:schemeClr>
+      <a:schemeClr val="accent3">
+        <a:tint val="40000"/>
+        <a:alpha val="90000"/>
+      </a:schemeClr>
+      <a:schemeClr val="accent4">
+        <a:tint val="40000"/>
+        <a:alpha val="90000"/>
+      </a:schemeClr>
+      <a:schemeClr val="accent5">
+        <a:tint val="40000"/>
+        <a:alpha val="90000"/>
+      </a:schemeClr>
+      <a:schemeClr val="accent6">
+        <a:tint val="40000"/>
+        <a:alpha val="90000"/>
+      </a:schemeClr>
+    </dgm:fillClrLst>
+    <dgm:linClrLst meth="repeat">
+      <a:schemeClr val="accent2">
+        <a:tint val="40000"/>
+        <a:alpha val="90000"/>
+      </a:schemeClr>
+      <a:schemeClr val="accent3">
+        <a:tint val="40000"/>
+        <a:alpha val="90000"/>
+      </a:schemeClr>
+      <a:schemeClr val="accent4">
+        <a:tint val="40000"/>
+        <a:alpha val="90000"/>
+      </a:schemeClr>
+      <a:schemeClr val="accent5">
+        <a:tint val="40000"/>
+        <a:alpha val="90000"/>
+      </a:schemeClr>
+      <a:schemeClr val="accent6">
+        <a:tint val="40000"/>
+        <a:alpha val="90000"/>
+      </a:schemeClr>
+    </dgm:linClrLst>
+    <dgm:effectClrLst/>
+    <dgm:txLinClrLst/>
+    <dgm:txFillClrLst meth="repeat">
+      <a:schemeClr val="dk1"/>
+    </dgm:txFillClrLst>
+    <dgm:txEffectClrLst/>
+  </dgm:styleLbl>
+  <dgm:styleLbl name="fgAcc0">
+    <dgm:fillClrLst meth="repeat">
+      <a:schemeClr val="lt1">
+        <a:alpha val="90000"/>
+      </a:schemeClr>
+    </dgm:fillClrLst>
+    <dgm:linClrLst>
+      <a:schemeClr val="accent1"/>
+    </dgm:linClrLst>
+    <dgm:effectClrLst/>
+    <dgm:txLinClrLst/>
+    <dgm:txFillClrLst meth="repeat">
+      <a:schemeClr val="dk1"/>
+    </dgm:txFillClrLst>
+    <dgm:txEffectClrLst/>
+  </dgm:styleLbl>
+  <dgm:styleLbl name="fgAcc2">
+    <dgm:fillClrLst meth="repeat">
+      <a:schemeClr val="lt1">
+        <a:alpha val="90000"/>
+      </a:schemeClr>
+    </dgm:fillClrLst>
+    <dgm:linClrLst>
+      <a:schemeClr val="accent2"/>
+    </dgm:linClrLst>
+    <dgm:effectClrLst/>
+    <dgm:txLinClrLst/>
+    <dgm:txFillClrLst meth="repeat">
+      <a:schemeClr val="dk1"/>
+    </dgm:txFillClrLst>
+    <dgm:txEffectClrLst/>
+  </dgm:styleLbl>
+  <dgm:styleLbl name="fgAcc3">
+    <dgm:fillClrLst meth="repeat">
+      <a:schemeClr val="lt1">
+        <a:alpha val="90000"/>
+      </a:schemeClr>
+    </dgm:fillClrLst>
+    <dgm:linClrLst>
+      <a:schemeClr val="accent3"/>
+    </dgm:linClrLst>
+    <dgm:effectClrLst/>
+    <dgm:txLinClrLst/>
+    <dgm:txFillClrLst meth="repeat">
+      <a:schemeClr val="dk1"/>
+    </dgm:txFillClrLst>
+    <dgm:txEffectClrLst/>
+  </dgm:styleLbl>
+  <dgm:styleLbl name="fgAcc4">
+    <dgm:fillClrLst meth="repeat">
+      <a:schemeClr val="lt1">
+        <a:alpha val="90000"/>
+      </a:schemeClr>
+    </dgm:fillClrLst>
+    <dgm:linClrLst>
+      <a:schemeClr val="accent4"/>
+    </dgm:linClrLst>
+    <dgm:effectClrLst/>
+    <dgm:txLinClrLst/>
+    <dgm:txFillClrLst meth="repeat">
+      <a:schemeClr val="dk1"/>
+    </dgm:txFillClrLst>
+    <dgm:txEffectClrLst/>
+  </dgm:styleLbl>
+  <dgm:styleLbl name="bgShp">
+    <dgm:fillClrLst meth="repeat">
+      <a:schemeClr val="accent2">
+        <a:tint val="40000"/>
+      </a:schemeClr>
+    </dgm:fillClrLst>
+    <dgm:linClrLst meth="repeat">
+      <a:schemeClr val="dk1"/>
+    </dgm:linClrLst>
+    <dgm:effectClrLst/>
+    <dgm:txLinClrLst/>
+    <dgm:txFillClrLst meth="repeat">
+      <a:schemeClr val="dk1"/>
+    </dgm:txFillClrLst>
+    <dgm:txEffectClrLst/>
+  </dgm:styleLbl>
+  <dgm:styleLbl name="dkBgShp">
+    <dgm:fillClrLst meth="repeat">
+      <a:schemeClr val="accent2">
+        <a:shade val="90000"/>
+      </a:schemeClr>
+    </dgm:fillClrLst>
+    <dgm:linClrLst meth="repeat">
+      <a:schemeClr val="dk1"/>
+    </dgm:linClrLst>
+    <dgm:effectClrLst/>
+    <dgm:txLinClrLst/>
+    <dgm:txFillClrLst meth="repeat">
+      <a:schemeClr val="lt1"/>
+    </dgm:txFillClrLst>
+    <dgm:txEffectClrLst/>
+  </dgm:styleLbl>
+  <dgm:styleLbl name="trBgShp">
+    <dgm:fillClrLst meth="repeat">
+      <a:schemeClr val="accent1">
+        <a:tint val="50000"/>
+        <a:alpha val="40000"/>
+      </a:schemeClr>
+    </dgm:fillClrLst>
+    <dgm:linClrLst meth="repeat">
+      <a:schemeClr val="accent2"/>
+    </dgm:linClrLst>
+    <dgm:effectClrLst/>
+    <dgm:txLinClrLst/>
+    <dgm:txFillClrLst meth="repeat">
+      <a:schemeClr val="lt1"/>
+    </dgm:txFillClrLst>
+    <dgm:txEffectClrLst/>
+  </dgm:styleLbl>
+  <dgm:styleLbl name="fgShp">
+    <dgm:fillClrLst meth="repeat">
+      <a:schemeClr val="accent2">
+        <a:tint val="40000"/>
+      </a:schemeClr>
+    </dgm:fillClrLst>
+    <dgm:linClrLst meth="repeat">
+      <a:schemeClr val="lt1"/>
+    </dgm:linClrLst>
+    <dgm:effectClrLst/>
+    <dgm:txLinClrLst/>
+    <dgm:txFillClrLst meth="repeat">
+      <a:schemeClr val="dk1"/>
+    </dgm:txFillClrLst>
+    <dgm:txEffectClrLst/>
+  </dgm:styleLbl>
+  <dgm:styleLbl name="revTx">
+    <dgm:fillClrLst meth="repeat">
+      <a:schemeClr val="lt1">
+        <a:alpha val="0"/>
+      </a:schemeClr>
+    </dgm:fillClrLst>
+    <dgm:linClrLst meth="repeat">
+      <a:schemeClr val="dk1">
+        <a:alpha val="0"/>
+      </a:schemeClr>
+    </dgm:linClrLst>
+    <dgm:effectClrLst/>
+    <dgm:txLinClrLst/>
+    <dgm:txFillClrLst meth="repeat">
+      <a:schemeClr val="tx1"/>
+    </dgm:txFillClrLst>
+    <dgm:txEffectClrLst/>
+  </dgm:styleLbl>
+</dgm:colorsDef>
+</file>
+
+<file path=ppt/diagrams/colors5.xml><?xml version="1.0" encoding="utf-8"?>
+<dgm:colorsDef xmlns:dgm="http://schemas.openxmlformats.org/drawingml/2006/diagram" xmlns:a="http://schemas.openxmlformats.org/drawingml/2006/main" uniqueId="urn:microsoft.com/office/officeart/2005/8/colors/colorful1">
+  <dgm:title val=""/>
+  <dgm:desc val=""/>
+  <dgm:catLst>
+    <dgm:cat type="colorful" pri="10100"/>
+  </dgm:catLst>
+  <dgm:styleLbl name="node0">
+    <dgm:fillClrLst meth="repeat">
+      <a:schemeClr val="accent1"/>
+    </dgm:fillClrLst>
+    <dgm:linClrLst meth="repeat">
+      <a:schemeClr val="lt1"/>
+    </dgm:linClrLst>
+    <dgm:effectClrLst/>
+    <dgm:txLinClrLst/>
+    <dgm:txFillClrLst/>
+    <dgm:txEffectClrLst/>
+  </dgm:styleLbl>
+  <dgm:styleLbl name="node1">
+    <dgm:fillClrLst meth="repeat">
+      <a:schemeClr val="accent2"/>
+      <a:schemeClr val="accent3"/>
+      <a:schemeClr val="accent4"/>
+      <a:schemeClr val="accent5"/>
+      <a:schemeClr val="accent6"/>
+    </dgm:fillClrLst>
+    <dgm:linClrLst meth="repeat">
+      <a:schemeClr val="lt1"/>
+    </dgm:linClrLst>
+    <dgm:effectClrLst/>
+    <dgm:txLinClrLst/>
+    <dgm:txFillClrLst/>
+    <dgm:txEffectClrLst/>
+  </dgm:styleLbl>
+  <dgm:styleLbl name="alignNode1">
+    <dgm:fillClrLst meth="repeat">
+      <a:schemeClr val="accent2"/>
+      <a:schemeClr val="accent3"/>
+      <a:schemeClr val="accent4"/>
+      <a:schemeClr val="accent5"/>
+      <a:schemeClr val="accent6"/>
+    </dgm:fillClrLst>
+    <dgm:linClrLst meth="repeat">
+      <a:schemeClr val="accent2"/>
+      <a:schemeClr val="accent3"/>
+      <a:schemeClr val="accent4"/>
+      <a:schemeClr val="accent5"/>
+      <a:schemeClr val="accent6"/>
+    </dgm:linClrLst>
+    <dgm:effectClrLst/>
+    <dgm:txLinClrLst/>
+    <dgm:txFillClrLst/>
+    <dgm:txEffectClrLst/>
+  </dgm:styleLbl>
+  <dgm:styleLbl name="lnNode1">
+    <dgm:fillClrLst meth="repeat">
+      <a:schemeClr val="accent2"/>
+      <a:schemeClr val="accent3"/>
+      <a:schemeClr val="accent4"/>
+      <a:schemeClr val="accent5"/>
+      <a:schemeClr val="accent6"/>
+    </dgm:fillClrLst>
+    <dgm:linClrLst meth="repeat">
+      <a:schemeClr val="lt1"/>
+    </dgm:linClrLst>
+    <dgm:effectClrLst/>
+    <dgm:txLinClrLst/>
+    <dgm:txFillClrLst/>
+    <dgm:txEffectClrLst/>
+  </dgm:styleLbl>
+  <dgm:styleLbl name="vennNode1">
+    <dgm:fillClrLst meth="repeat">
+      <a:schemeClr val="accent2">
+        <a:alpha val="50000"/>
+      </a:schemeClr>
+      <a:schemeClr val="accent3">
+        <a:alpha val="50000"/>
+      </a:schemeClr>
+      <a:schemeClr val="accent4">
+        <a:alpha val="50000"/>
+      </a:schemeClr>
+      <a:schemeClr val="accent5">
+        <a:alpha val="50000"/>
+      </a:schemeClr>
+      <a:schemeClr val="accent6">
+        <a:alpha val="50000"/>
+      </a:schemeClr>
+    </dgm:fillClrLst>
+    <dgm:linClrLst meth="repeat">
+      <a:schemeClr val="lt1"/>
+    </dgm:linClrLst>
+    <dgm:effectClrLst/>
+    <dgm:txLinClrLst/>
+    <dgm:txFillClrLst/>
+    <dgm:txEffectClrLst/>
+  </dgm:styleLbl>
+  <dgm:styleLbl name="node2">
+    <dgm:fillClrLst>
+      <a:schemeClr val="accent2"/>
+    </dgm:fillClrLst>
+    <dgm:linClrLst meth="repeat">
+      <a:schemeClr val="lt1"/>
+    </dgm:linClrLst>
+    <dgm:effectClrLst/>
+    <dgm:txLinClrLst/>
+    <dgm:txFillClrLst/>
+    <dgm:txEffectClrLst/>
+  </dgm:styleLbl>
+  <dgm:styleLbl name="node3">
+    <dgm:fillClrLst>
+      <a:schemeClr val="accent3"/>
+    </dgm:fillClrLst>
+    <dgm:linClrLst meth="repeat">
+      <a:schemeClr val="lt1"/>
+    </dgm:linClrLst>
+    <dgm:effectClrLst/>
+    <dgm:txLinClrLst/>
+    <dgm:txFillClrLst/>
+    <dgm:txEffectClrLst/>
+  </dgm:styleLbl>
+  <dgm:styleLbl name="node4">
+    <dgm:fillClrLst>
+      <a:schemeClr val="accent4"/>
+    </dgm:fillClrLst>
+    <dgm:linClrLst meth="repeat">
+      <a:schemeClr val="lt1"/>
+    </dgm:linClrLst>
+    <dgm:effectClrLst/>
+    <dgm:txLinClrLst/>
+    <dgm:txFillClrLst/>
+    <dgm:txEffectClrLst/>
+  </dgm:styleLbl>
+  <dgm:styleLbl name="fgImgPlace1">
+    <dgm:fillClrLst meth="repeat">
+      <a:schemeClr val="accent2">
+        <a:tint val="50000"/>
+      </a:schemeClr>
+      <a:schemeClr val="accent3">
+        <a:tint val="50000"/>
+      </a:schemeClr>
+      <a:schemeClr val="accent4">
+        <a:tint val="50000"/>
+      </a:schemeClr>
+      <a:schemeClr val="accent5">
+        <a:tint val="50000"/>
+      </a:schemeClr>
+      <a:schemeClr val="accent6">
+        <a:tint val="50000"/>
+      </a:schemeClr>
+    </dgm:fillClrLst>
+    <dgm:linClrLst meth="repeat">
+      <a:schemeClr val="lt1"/>
+    </dgm:linClrLst>
+    <dgm:effectClrLst/>
+    <dgm:txLinClrLst/>
+    <dgm:txFillClrLst meth="repeat">
+      <a:schemeClr val="lt1"/>
+    </dgm:txFillClrLst>
+    <dgm:txEffectClrLst/>
+  </dgm:styleLbl>
+  <dgm:styleLbl name="alignImgPlace1">
+    <dgm:fillClrLst>
+      <a:schemeClr val="accent1">
+        <a:tint val="50000"/>
+      </a:schemeClr>
+      <a:schemeClr val="accent2">
+        <a:tint val="20000"/>
+      </a:schemeClr>
+    </dgm:fillClrLst>
+    <dgm:linClrLst meth="repeat">
+      <a:schemeClr val="lt1"/>
+    </dgm:linClrLst>
+    <dgm:effectClrLst/>
+    <dgm:txLinClrLst/>
+    <dgm:txFillClrLst meth="repeat">
+      <a:schemeClr val="lt1"/>
+    </dgm:txFillClrLst>
+    <dgm:txEffectClrLst/>
+  </dgm:styleLbl>
+  <dgm:styleLbl name="bgImgPlace1">
+    <dgm:fillClrLst>
+      <a:schemeClr val="accent1">
+        <a:tint val="50000"/>
+      </a:schemeClr>
+      <a:schemeClr val="accent2">
+        <a:tint val="20000"/>
+      </a:schemeClr>
+    </dgm:fillClrLst>
+    <dgm:linClrLst meth="repeat">
+      <a:schemeClr val="lt1"/>
+    </dgm:linClrLst>
+    <dgm:effectClrLst/>
+    <dgm:txLinClrLst/>
+    <dgm:txFillClrLst meth="repeat">
+      <a:schemeClr val="lt1"/>
+    </dgm:txFillClrLst>
+    <dgm:txEffectClrLst/>
+  </dgm:styleLbl>
+  <dgm:styleLbl name="sibTrans2D1">
+    <dgm:fillClrLst meth="repeat">
+      <a:schemeClr val="accent2"/>
+      <a:schemeClr val="accent3"/>
+      <a:schemeClr val="accent4"/>
+      <a:schemeClr val="accent5"/>
+      <a:schemeClr val="accent6"/>
+    </dgm:fillClrLst>
+    <dgm:linClrLst meth="cycle">
+      <a:schemeClr val="lt1"/>
+    </dgm:linClrLst>
+    <dgm:effectClrLst/>
+    <dgm:txLinClrLst/>
+    <dgm:txFillClrLst/>
+    <dgm:txEffectClrLst/>
+  </dgm:styleLbl>
+  <dgm:styleLbl name="fgSibTrans2D1">
+    <dgm:fillClrLst meth="repeat">
+      <a:schemeClr val="accent2"/>
+      <a:schemeClr val="accent3"/>
+      <a:schemeClr val="accent4"/>
+      <a:schemeClr val="accent5"/>
+      <a:schemeClr val="accent6"/>
+    </dgm:fillClrLst>
+    <dgm:linClrLst meth="cycle">
+      <a:schemeClr val="lt1"/>
+    </dgm:linClrLst>
+    <dgm:effectClrLst/>
+    <dgm:txLinClrLst/>
+    <dgm:txFillClrLst meth="repeat">
+      <a:schemeClr val="lt1"/>
+    </dgm:txFillClrLst>
+    <dgm:txEffectClrLst/>
+  </dgm:styleLbl>
+  <dgm:styleLbl name="bgSibTrans2D1">
+    <dgm:fillClrLst meth="repeat">
+      <a:schemeClr val="accent2"/>
+      <a:schemeClr val="accent3"/>
+      <a:schemeClr val="accent4"/>
+      <a:schemeClr val="accent5"/>
+      <a:schemeClr val="accent6"/>
+    </dgm:fillClrLst>
+    <dgm:linClrLst meth="cycle">
+      <a:schemeClr val="lt1"/>
+    </dgm:linClrLst>
+    <dgm:effectClrLst/>
+    <dgm:txLinClrLst/>
+    <dgm:txFillClrLst meth="repeat">
+      <a:schemeClr val="lt1"/>
+    </dgm:txFillClrLst>
+    <dgm:txEffectClrLst/>
+  </dgm:styleLbl>
+  <dgm:styleLbl name="sibTrans1D1">
+    <dgm:fillClrLst meth="repeat">
+      <a:schemeClr val="accent2"/>
+      <a:schemeClr val="accent3"/>
+      <a:schemeClr val="accent4"/>
+      <a:schemeClr val="accent5"/>
+      <a:schemeClr val="accent6"/>
+    </dgm:fillClrLst>
+    <dgm:linClrLst meth="repeat">
+      <a:schemeClr val="accent2"/>
+      <a:schemeClr val="accent3"/>
+      <a:schemeClr val="accent4"/>
+      <a:schemeClr val="accent5"/>
+      <a:schemeClr val="accent6"/>
+    </dgm:linClrLst>
+    <dgm:effectClrLst/>
+    <dgm:txLinClrLst/>
+    <dgm:txFillClrLst meth="repeat">
+      <a:schemeClr val="tx1"/>
+    </dgm:txFillClrLst>
+    <dgm:txEffectClrLst/>
+  </dgm:styleLbl>
+  <dgm:styleLbl name="callout">
+    <dgm:fillClrLst meth="repeat">
+      <a:schemeClr val="accent2"/>
+    </dgm:fillClrLst>
+    <dgm:linClrLst meth="repeat">
+      <a:schemeClr val="accent2">
+        <a:tint val="50000"/>
+      </a:schemeClr>
+    </dgm:linClrLst>
+    <dgm:effectClrLst/>
+    <dgm:txLinClrLst/>
+    <dgm:txFillClrLst meth="repeat">
+      <a:schemeClr val="tx1"/>
+    </dgm:txFillClrLst>
+    <dgm:txEffectClrLst/>
+  </dgm:styleLbl>
+  <dgm:styleLbl name="asst0">
+    <dgm:fillClrLst meth="repeat">
+      <a:schemeClr val="accent1"/>
+    </dgm:fillClrLst>
+    <dgm:linClrLst meth="repeat">
+      <a:schemeClr val="lt1"/>
+    </dgm:linClrLst>
+    <dgm:effectClrLst/>
+    <dgm:txLinClrLst/>
+    <dgm:txFillClrLst/>
+    <dgm:txEffectClrLst/>
+  </dgm:styleLbl>
+  <dgm:styleLbl name="asst1">
+    <dgm:fillClrLst meth="repeat">
+      <a:schemeClr val="accent2"/>
+    </dgm:fillClrLst>
+    <dgm:linClrLst meth="repeat">
+      <a:schemeClr val="lt1"/>
+    </dgm:linClrLst>
+    <dgm:effectClrLst/>
+    <dgm:txLinClrLst/>
+    <dgm:txFillClrLst/>
+    <dgm:txEffectClrLst/>
+  </dgm:styleLbl>
+  <dgm:styleLbl name="asst2">
+    <dgm:fillClrLst>
+      <a:schemeClr val="accent3"/>
+    </dgm:fillClrLst>
+    <dgm:linClrLst meth="repeat">
+      <a:schemeClr val="lt1"/>
+    </dgm:linClrLst>
+    <dgm:effectClrLst/>
+    <dgm:txLinClrLst/>
+    <dgm:txFillClrLst/>
+    <dgm:txEffectClrLst/>
+  </dgm:styleLbl>
+  <dgm:styleLbl name="asst3">
+    <dgm:fillClrLst>
+      <a:schemeClr val="accent4"/>
+    </dgm:fillClrLst>
+    <dgm:linClrLst meth="repeat">
+      <a:schemeClr val="lt1"/>
+    </dgm:linClrLst>
+    <dgm:effectClrLst/>
+    <dgm:txLinClrLst/>
+    <dgm:txFillClrLst/>
+    <dgm:txEffectClrLst/>
+  </dgm:styleLbl>
+  <dgm:styleLbl name="asst4">
+    <dgm:fillClrLst>
+      <a:schemeClr val="accent5"/>
+    </dgm:fillClrLst>
+    <dgm:linClrLst meth="repeat">
+      <a:schemeClr val="lt1"/>
+    </dgm:linClrLst>
+    <dgm:effectClrLst/>
+    <dgm:txLinClrLst/>
+    <dgm:txFillClrLst/>
+    <dgm:txEffectClrLst/>
+  </dgm:styleLbl>
+  <dgm:styleLbl name="parChTrans2D1">
+    <dgm:fillClrLst meth="repeat">
+      <a:schemeClr val="accent2"/>
+    </dgm:fillClrLst>
+    <dgm:linClrLst meth="repeat">
+      <a:schemeClr val="lt1"/>
+    </dgm:linClrLst>
+    <dgm:effectClrLst/>
+    <dgm:txLinClrLst/>
+    <dgm:txFillClrLst meth="repeat">
+      <a:schemeClr val="lt1"/>
+    </dgm:txFillClrLst>
+    <dgm:txEffectClrLst/>
+  </dgm:styleLbl>
+  <dgm:styleLbl name="parChTrans2D2">
+    <dgm:fillClrLst meth="repeat">
+      <a:schemeClr val="accent3"/>
+    </dgm:fillClrLst>
+    <dgm:linClrLst meth="repeat">
+      <a:schemeClr val="lt1"/>
+    </dgm:linClrLst>
+    <dgm:effectClrLst/>
+    <dgm:txLinClrLst/>
+    <dgm:txFillClrLst/>
+    <dgm:txEffectClrLst/>
+  </dgm:styleLbl>
+  <dgm:styleLbl name="parChTrans2D3">
+    <dgm:fillClrLst meth="repeat">
+      <a:schemeClr val="accent4"/>
+    </dgm:fillClrLst>
+    <dgm:linClrLst meth="repeat">
+      <a:schemeClr val="lt1"/>
+    </dgm:linClrLst>
+    <dgm:effectClrLst/>
+    <dgm:txLinClrLst/>
+    <dgm:txFillClrLst/>
+    <dgm:txEffectClrLst/>
+  </dgm:styleLbl>
+  <dgm:styleLbl name="parChTrans2D4">
+    <dgm:fillClrLst meth="repeat">
+      <a:schemeClr val="accent5"/>
+    </dgm:fillClrLst>
+    <dgm:linClrLst meth="repeat">
+      <a:schemeClr val="lt1"/>
+    </dgm:linClrLst>
+    <dgm:effectClrLst/>
+    <dgm:txLinClrLst/>
+    <dgm:txFillClrLst meth="repeat">
+      <a:schemeClr val="lt1"/>
+    </dgm:txFillClrLst>
+    <dgm:txEffectClrLst/>
+  </dgm:styleLbl>
+  <dgm:styleLbl name="parChTrans1D1">
+    <dgm:fillClrLst meth="repeat">
+      <a:schemeClr val="accent2"/>
+    </dgm:fillClrLst>
+    <dgm:linClrLst meth="repeat">
+      <a:schemeClr val="accent1"/>
+    </dgm:linClrLst>
+    <dgm:effectClrLst/>
+    <dgm:txLinClrLst/>
+    <dgm:txFillClrLst meth="repeat">
+      <a:schemeClr val="tx1"/>
+    </dgm:txFillClrLst>
+    <dgm:txEffectClrLst/>
+  </dgm:styleLbl>
+  <dgm:styleLbl name="parChTrans1D2">
+    <dgm:fillClrLst meth="repeat">
+      <a:schemeClr val="accent3">
+        <a:tint val="90000"/>
+      </a:schemeClr>
+    </dgm:fillClrLst>
+    <dgm:linClrLst meth="repeat">
+      <a:schemeClr val="accent2"/>
+    </dgm:linClrLst>
+    <dgm:effectClrLst/>
+    <dgm:txLinClrLst/>
+    <dgm:txFillClrLst meth="repeat">
+      <a:schemeClr val="tx1"/>
+    </dgm:txFillClrLst>
+    <dgm:txEffectClrLst/>
+  </dgm:styleLbl>
+  <dgm:styleLbl name="parChTrans1D3">
+    <dgm:fillClrLst meth="repeat">
+      <a:schemeClr val="accent4">
+        <a:tint val="70000"/>
+      </a:schemeClr>
+    </dgm:fillClrLst>
+    <dgm:linClrLst meth="repeat">
+      <a:schemeClr val="accent3"/>
+    </dgm:linClrLst>
+    <dgm:effectClrLst/>
+    <dgm:txLinClrLst/>
+    <dgm:txFillClrLst meth="repeat">
+      <a:schemeClr val="tx1"/>
+    </dgm:txFillClrLst>
+    <dgm:txEffectClrLst/>
+  </dgm:styleLbl>
+  <dgm:styleLbl name="parChTrans1D4">
+    <dgm:fillClrLst meth="repeat">
+      <a:schemeClr val="accent5">
+        <a:tint val="50000"/>
+      </a:schemeClr>
+    </dgm:fillClrLst>
+    <dgm:linClrLst meth="repeat">
+      <a:schemeClr val="accent4"/>
+    </dgm:linClrLst>
+    <dgm:effectClrLst/>
+    <dgm:txLinClrLst/>
+    <dgm:txFillClrLst meth="repeat">
+      <a:schemeClr val="tx1"/>
+    </dgm:txFillClrLst>
+    <dgm:txEffectClrLst/>
+  </dgm:styleLbl>
+  <dgm:styleLbl name="fgAcc1">
+    <dgm:fillClrLst meth="repeat">
+      <a:schemeClr val="lt1">
+        <a:alpha val="90000"/>
+      </a:schemeClr>
+    </dgm:fillClrLst>
+    <dgm:linClrLst meth="repeat">
+      <a:schemeClr val="accent2"/>
+      <a:schemeClr val="accent3"/>
+      <a:schemeClr val="accent4"/>
+      <a:schemeClr val="accent5"/>
+      <a:schemeClr val="accent6"/>
+    </dgm:linClrLst>
+    <dgm:effectClrLst/>
+    <dgm:txLinClrLst/>
+    <dgm:txFillClrLst meth="repeat">
+      <a:schemeClr val="dk1"/>
+    </dgm:txFillClrLst>
+    <dgm:txEffectClrLst/>
+  </dgm:styleLbl>
+  <dgm:styleLbl name="conFgAcc1">
+    <dgm:fillClrLst meth="repeat">
+      <a:schemeClr val="lt1">
+        <a:alpha val="90000"/>
+      </a:schemeClr>
+    </dgm:fillClrLst>
+    <dgm:linClrLst meth="repeat">
+      <a:schemeClr val="accent2"/>
+      <a:schemeClr val="accent3"/>
+      <a:schemeClr val="accent4"/>
+      <a:schemeClr val="accent5"/>
+      <a:schemeClr val="accent6"/>
+    </dgm:linClrLst>
+    <dgm:effectClrLst/>
+    <dgm:txLinClrLst/>
+    <dgm:txFillClrLst meth="repeat">
+      <a:schemeClr val="dk1"/>
+    </dgm:txFillClrLst>
+    <dgm:txEffectClrLst/>
+  </dgm:styleLbl>
+  <dgm:styleLbl name="alignAcc1">
+    <dgm:fillClrLst meth="repeat">
+      <a:schemeClr val="lt1">
+        <a:alpha val="90000"/>
+      </a:schemeClr>
+    </dgm:fillClrLst>
+    <dgm:linClrLst meth="repeat">
+      <a:schemeClr val="accent2"/>
+      <a:schemeClr val="accent3"/>
+      <a:schemeClr val="accent4"/>
+      <a:schemeClr val="accent5"/>
+      <a:schemeClr val="accent6"/>
+    </dgm:linClrLst>
+    <dgm:effectClrLst/>
+    <dgm:txLinClrLst/>
+    <dgm:txFillClrLst meth="repeat">
+      <a:schemeClr val="dk1"/>
+    </dgm:txFillClrLst>
+    <dgm:txEffectClrLst/>
+  </dgm:styleLbl>
+  <dgm:styleLbl name="trAlignAcc1">
+    <dgm:fillClrLst meth="repeat">
+      <a:schemeClr val="lt1">
+        <a:alpha val="40000"/>
+      </a:schemeClr>
+    </dgm:fillClrLst>
+    <dgm:linClrLst meth="repeat">
+      <a:schemeClr val="accent1"/>
+    </dgm:linClrLst>
+    <dgm:effectClrLst/>
+    <dgm:txLinClrLst/>
+    <dgm:txFillClrLst meth="repeat">
+      <a:schemeClr val="dk1"/>
+    </dgm:txFillClrLst>
+    <dgm:txEffectClrLst/>
+  </dgm:styleLbl>
+  <dgm:styleLbl name="bgAcc1">
+    <dgm:fillClrLst meth="repeat">
+      <a:schemeClr val="lt1">
+        <a:alpha val="90000"/>
+      </a:schemeClr>
+    </dgm:fillClrLst>
+    <dgm:linClrLst meth="repeat">
+      <a:schemeClr val="accent2"/>
+      <a:schemeClr val="accent3"/>
+      <a:schemeClr val="accent4"/>
+      <a:schemeClr val="accent5"/>
+      <a:schemeClr val="accent6"/>
+    </dgm:linClrLst>
+    <dgm:effectClrLst/>
+    <dgm:txLinClrLst/>
+    <dgm:txFillClrLst meth="repeat">
+      <a:schemeClr val="dk1"/>
+    </dgm:txFillClrLst>
+    <dgm:txEffectClrLst/>
+  </dgm:styleLbl>
+  <dgm:styleLbl name="solidFgAcc1">
+    <dgm:fillClrLst meth="repeat">
+      <a:schemeClr val="lt1"/>
+    </dgm:fillClrLst>
+    <dgm:linClrLst meth="repeat">
+      <a:schemeClr val="accent2"/>
+      <a:schemeClr val="accent3"/>
+      <a:schemeClr val="accent4"/>
+      <a:schemeClr val="accent5"/>
+      <a:schemeClr val="accent6"/>
+    </dgm:linClrLst>
+    <dgm:effectClrLst/>
+    <dgm:txLinClrLst/>
+    <dgm:txFillClrLst meth="repeat">
+      <a:schemeClr val="dk1"/>
+    </dgm:txFillClrLst>
+    <dgm:txEffectClrLst/>
+  </dgm:styleLbl>
+  <dgm:styleLbl name="solidAlignAcc1">
+    <dgm:fillClrLst meth="repeat">
+      <a:schemeClr val="lt1"/>
+    </dgm:fillClrLst>
+    <dgm:linClrLst meth="repeat">
+      <a:schemeClr val="accent2"/>
+      <a:schemeClr val="accent3"/>
+      <a:schemeClr val="accent4"/>
+      <a:schemeClr val="accent5"/>
+      <a:schemeClr val="accent6"/>
+    </dgm:linClrLst>
+    <dgm:effectClrLst/>
+    <dgm:txLinClrLst/>
+    <dgm:txFillClrLst meth="repeat">
+      <a:schemeClr val="dk1"/>
+    </dgm:txFillClrLst>
+    <dgm:txEffectClrLst/>
+  </dgm:styleLbl>
+  <dgm:styleLbl name="solidBgAcc1">
+    <dgm:fillClrLst meth="repeat">
+      <a:schemeClr val="lt1"/>
+    </dgm:fillClrLst>
+    <dgm:linClrLst meth="repeat">
+      <a:schemeClr val="accent2"/>
+      <a:schemeClr val="accent3"/>
+      <a:schemeClr val="accent4"/>
+      <a:schemeClr val="accent5"/>
+      <a:schemeClr val="accent6"/>
+    </dgm:linClrLst>
+    <dgm:effectClrLst/>
+    <dgm:txLinClrLst/>
+    <dgm:txFillClrLst meth="repeat">
+      <a:schemeClr val="dk1"/>
+    </dgm:txFillClrLst>
+    <dgm:txEffectClrLst/>
+  </dgm:styleLbl>
+  <dgm:styleLbl name="fgAccFollowNode1">
+    <dgm:fillClrLst meth="repeat">
+      <a:schemeClr val="accent2">
+        <a:tint val="40000"/>
+        <a:alpha val="90000"/>
+      </a:schemeClr>
+      <a:schemeClr val="accent3">
+        <a:tint val="40000"/>
+        <a:alpha val="90000"/>
+      </a:schemeClr>
+      <a:schemeClr val="accent4">
+        <a:tint val="40000"/>
+        <a:alpha val="90000"/>
+      </a:schemeClr>
+      <a:schemeClr val="accent5">
+        <a:tint val="40000"/>
+        <a:alpha val="90000"/>
+      </a:schemeClr>
+      <a:schemeClr val="accent6">
+        <a:tint val="40000"/>
+        <a:alpha val="90000"/>
+      </a:schemeClr>
+    </dgm:fillClrLst>
+    <dgm:linClrLst meth="repeat">
+      <a:schemeClr val="accent2">
+        <a:tint val="40000"/>
+        <a:alpha val="90000"/>
+      </a:schemeClr>
+      <a:schemeClr val="accent3">
+        <a:tint val="40000"/>
+        <a:alpha val="90000"/>
+      </a:schemeClr>
+      <a:schemeClr val="accent4">
+        <a:tint val="40000"/>
+        <a:alpha val="90000"/>
+      </a:schemeClr>
+      <a:schemeClr val="accent5">
+        <a:tint val="40000"/>
+        <a:alpha val="90000"/>
+      </a:schemeClr>
+      <a:schemeClr val="accent6">
+        <a:tint val="40000"/>
+        <a:alpha val="90000"/>
+      </a:schemeClr>
+    </dgm:linClrLst>
+    <dgm:effectClrLst/>
+    <dgm:txLinClrLst/>
+    <dgm:txFillClrLst meth="repeat">
+      <a:schemeClr val="dk1"/>
+    </dgm:txFillClrLst>
+    <dgm:txEffectClrLst/>
+  </dgm:styleLbl>
+  <dgm:styleLbl name="alignAccFollowNode1">
+    <dgm:fillClrLst meth="repeat">
+      <a:schemeClr val="accent2">
+        <a:tint val="40000"/>
+        <a:alpha val="90000"/>
+      </a:schemeClr>
+      <a:schemeClr val="accent3">
+        <a:tint val="40000"/>
+        <a:alpha val="90000"/>
+      </a:schemeClr>
+      <a:schemeClr val="accent4">
+        <a:tint val="40000"/>
+        <a:alpha val="90000"/>
+      </a:schemeClr>
+      <a:schemeClr val="accent5">
+        <a:tint val="40000"/>
+        <a:alpha val="90000"/>
+      </a:schemeClr>
+      <a:schemeClr val="accent6">
+        <a:tint val="40000"/>
+        <a:alpha val="90000"/>
+      </a:schemeClr>
+    </dgm:fillClrLst>
+    <dgm:linClrLst meth="repeat">
+      <a:schemeClr val="accent2">
+        <a:tint val="40000"/>
+        <a:alpha val="90000"/>
+      </a:schemeClr>
+      <a:schemeClr val="accent3">
+        <a:tint val="40000"/>
+        <a:alpha val="90000"/>
+      </a:schemeClr>
+      <a:schemeClr val="accent4">
+        <a:tint val="40000"/>
+        <a:alpha val="90000"/>
+      </a:schemeClr>
+      <a:schemeClr val="accent5">
+        <a:tint val="40000"/>
+        <a:alpha val="90000"/>
+      </a:schemeClr>
+      <a:schemeClr val="accent6">
+        <a:tint val="40000"/>
+        <a:alpha val="90000"/>
+      </a:schemeClr>
+    </dgm:linClrLst>
+    <dgm:effectClrLst/>
+    <dgm:txLinClrLst/>
+    <dgm:txFillClrLst meth="repeat">
+      <a:schemeClr val="dk1"/>
+    </dgm:txFillClrLst>
+    <dgm:txEffectClrLst/>
+  </dgm:styleLbl>
+  <dgm:styleLbl name="bgAccFollowNode1">
+    <dgm:fillClrLst meth="repeat">
+      <a:schemeClr val="accent2">
+        <a:tint val="40000"/>
+        <a:alpha val="90000"/>
+      </a:schemeClr>
+      <a:schemeClr val="accent3">
+        <a:tint val="40000"/>
+        <a:alpha val="90000"/>
+      </a:schemeClr>
+      <a:schemeClr val="accent4">
+        <a:tint val="40000"/>
+        <a:alpha val="90000"/>
+      </a:schemeClr>
+      <a:schemeClr val="accent5">
+        <a:tint val="40000"/>
+        <a:alpha val="90000"/>
+      </a:schemeClr>
+      <a:schemeClr val="accent6">
+        <a:tint val="40000"/>
+        <a:alpha val="90000"/>
+      </a:schemeClr>
+    </dgm:fillClrLst>
+    <dgm:linClrLst meth="repeat">
+      <a:schemeClr val="accent2">
+        <a:tint val="40000"/>
+        <a:alpha val="90000"/>
+      </a:schemeClr>
+      <a:schemeClr val="accent3">
+        <a:tint val="40000"/>
+        <a:alpha val="90000"/>
+      </a:schemeClr>
+      <a:schemeClr val="accent4">
+        <a:tint val="40000"/>
+        <a:alpha val="90000"/>
+      </a:schemeClr>
+      <a:schemeClr val="accent5">
+        <a:tint val="40000"/>
+        <a:alpha val="90000"/>
+      </a:schemeClr>
+      <a:schemeClr val="accent6">
+        <a:tint val="40000"/>
+        <a:alpha val="90000"/>
+      </a:schemeClr>
+    </dgm:linClrLst>
+    <dgm:effectClrLst/>
+    <dgm:txLinClrLst/>
+    <dgm:txFillClrLst meth="repeat">
+      <a:schemeClr val="dk1"/>
+    </dgm:txFillClrLst>
+    <dgm:txEffectClrLst/>
+  </dgm:styleLbl>
+  <dgm:styleLbl name="fgAcc0">
+    <dgm:fillClrLst meth="repeat">
+      <a:schemeClr val="lt1">
+        <a:alpha val="90000"/>
+      </a:schemeClr>
+    </dgm:fillClrLst>
+    <dgm:linClrLst>
+      <a:schemeClr val="accent1"/>
+    </dgm:linClrLst>
+    <dgm:effectClrLst/>
+    <dgm:txLinClrLst/>
+    <dgm:txFillClrLst meth="repeat">
+      <a:schemeClr val="dk1"/>
+    </dgm:txFillClrLst>
+    <dgm:txEffectClrLst/>
+  </dgm:styleLbl>
+  <dgm:styleLbl name="fgAcc2">
+    <dgm:fillClrLst meth="repeat">
+      <a:schemeClr val="lt1">
+        <a:alpha val="90000"/>
+      </a:schemeClr>
+    </dgm:fillClrLst>
+    <dgm:linClrLst>
+      <a:schemeClr val="accent2"/>
+    </dgm:linClrLst>
+    <dgm:effectClrLst/>
+    <dgm:txLinClrLst/>
+    <dgm:txFillClrLst meth="repeat">
+      <a:schemeClr val="dk1"/>
+    </dgm:txFillClrLst>
+    <dgm:txEffectClrLst/>
+  </dgm:styleLbl>
+  <dgm:styleLbl name="fgAcc3">
+    <dgm:fillClrLst meth="repeat">
+      <a:schemeClr val="lt1">
+        <a:alpha val="90000"/>
+      </a:schemeClr>
+    </dgm:fillClrLst>
+    <dgm:linClrLst>
+      <a:schemeClr val="accent3"/>
+    </dgm:linClrLst>
+    <dgm:effectClrLst/>
+    <dgm:txLinClrLst/>
+    <dgm:txFillClrLst meth="repeat">
+      <a:schemeClr val="dk1"/>
+    </dgm:txFillClrLst>
+    <dgm:txEffectClrLst/>
+  </dgm:styleLbl>
+  <dgm:styleLbl name="fgAcc4">
+    <dgm:fillClrLst meth="repeat">
+      <a:schemeClr val="lt1">
+        <a:alpha val="90000"/>
+      </a:schemeClr>
+    </dgm:fillClrLst>
+    <dgm:linClrLst>
+      <a:schemeClr val="accent4"/>
+    </dgm:linClrLst>
+    <dgm:effectClrLst/>
+    <dgm:txLinClrLst/>
+    <dgm:txFillClrLst meth="repeat">
+      <a:schemeClr val="dk1"/>
+    </dgm:txFillClrLst>
+    <dgm:txEffectClrLst/>
+  </dgm:styleLbl>
+  <dgm:styleLbl name="bgShp">
+    <dgm:fillClrLst meth="repeat">
+      <a:schemeClr val="accent2">
+        <a:tint val="40000"/>
+      </a:schemeClr>
+    </dgm:fillClrLst>
+    <dgm:linClrLst meth="repeat">
+      <a:schemeClr val="dk1"/>
+    </dgm:linClrLst>
+    <dgm:effectClrLst/>
+    <dgm:txLinClrLst/>
+    <dgm:txFillClrLst meth="repeat">
+      <a:schemeClr val="dk1"/>
+    </dgm:txFillClrLst>
+    <dgm:txEffectClrLst/>
+  </dgm:styleLbl>
+  <dgm:styleLbl name="dkBgShp">
+    <dgm:fillClrLst meth="repeat">
+      <a:schemeClr val="accent2">
+        <a:shade val="90000"/>
+      </a:schemeClr>
+    </dgm:fillClrLst>
+    <dgm:linClrLst meth="repeat">
+      <a:schemeClr val="dk1"/>
+    </dgm:linClrLst>
+    <dgm:effectClrLst/>
+    <dgm:txLinClrLst/>
+    <dgm:txFillClrLst meth="repeat">
+      <a:schemeClr val="lt1"/>
+    </dgm:txFillClrLst>
+    <dgm:txEffectClrLst/>
+  </dgm:styleLbl>
+  <dgm:styleLbl name="trBgShp">
+    <dgm:fillClrLst meth="repeat">
+      <a:schemeClr val="accent1">
+        <a:tint val="50000"/>
+        <a:alpha val="40000"/>
+      </a:schemeClr>
+    </dgm:fillClrLst>
+    <dgm:linClrLst meth="repeat">
+      <a:schemeClr val="accent2"/>
+    </dgm:linClrLst>
+    <dgm:effectClrLst/>
+    <dgm:txLinClrLst/>
+    <dgm:txFillClrLst meth="repeat">
+      <a:schemeClr val="lt1"/>
+    </dgm:txFillClrLst>
+    <dgm:txEffectClrLst/>
+  </dgm:styleLbl>
+  <dgm:styleLbl name="fgShp">
+    <dgm:fillClrLst meth="repeat">
+      <a:schemeClr val="accent2">
+        <a:tint val="40000"/>
+      </a:schemeClr>
+    </dgm:fillClrLst>
+    <dgm:linClrLst meth="repeat">
+      <a:schemeClr val="lt1"/>
+    </dgm:linClrLst>
+    <dgm:effectClrLst/>
+    <dgm:txLinClrLst/>
+    <dgm:txFillClrLst meth="repeat">
+      <a:schemeClr val="dk1"/>
+    </dgm:txFillClrLst>
+    <dgm:txEffectClrLst/>
+  </dgm:styleLbl>
+  <dgm:styleLbl name="revTx">
+    <dgm:fillClrLst meth="repeat">
+      <a:schemeClr val="lt1">
+        <a:alpha val="0"/>
+      </a:schemeClr>
+    </dgm:fillClrLst>
+    <dgm:linClrLst meth="repeat">
+      <a:schemeClr val="dk1">
+        <a:alpha val="0"/>
+      </a:schemeClr>
+    </dgm:linClrLst>
+    <dgm:effectClrLst/>
+    <dgm:txLinClrLst/>
+    <dgm:txFillClrLst meth="repeat">
+      <a:schemeClr val="tx1"/>
+    </dgm:txFillClrLst>
+    <dgm:txEffectClrLst/>
+  </dgm:styleLbl>
+</dgm:colorsDef>
+</file>
+
 <file path=ppt/diagrams/data1.xml><?xml version="1.0" encoding="utf-8"?>
 <dgm:dataModel xmlns:dgm="http://schemas.openxmlformats.org/drawingml/2006/diagram" xmlns:a="http://schemas.openxmlformats.org/drawingml/2006/main">
   <dgm:ptLst>
@@ -5058,6 +6898,1400 @@
     <dgm:cxn modelId="{FF7A9631-D2CB-AF4E-B1BF-058214761997}" type="presParOf" srcId="{AC75D91B-9807-0C46-99E3-436C2CB1B513}" destId="{8B8971D7-FD1B-5F44-A8D9-E5C8372E40E3}" srcOrd="1" destOrd="0" presId="urn:microsoft.com/office/officeart/2005/8/layout/hProcess6"/>
     <dgm:cxn modelId="{0A441106-B627-6A42-ABE8-4BBB7D1905AD}" type="presParOf" srcId="{AC75D91B-9807-0C46-99E3-436C2CB1B513}" destId="{AE0C6596-008A-5044-AA04-B89967C8CF4A}" srcOrd="2" destOrd="0" presId="urn:microsoft.com/office/officeart/2005/8/layout/hProcess6"/>
     <dgm:cxn modelId="{1B97D0AB-A290-0F49-9AD8-33A69EDD3765}" type="presParOf" srcId="{AC75D91B-9807-0C46-99E3-436C2CB1B513}" destId="{06323B85-9574-B14B-B23B-56FAAA4D96E1}" srcOrd="3" destOrd="0" presId="urn:microsoft.com/office/officeart/2005/8/layout/hProcess6"/>
+  </dgm:cxnLst>
+  <dgm:bg/>
+  <dgm:whole/>
+  <dgm:extLst>
+    <a:ext uri="http://schemas.microsoft.com/office/drawing/2008/diagram">
+      <dsp:dataModelExt xmlns:dsp="http://schemas.microsoft.com/office/drawing/2008/diagram" relId="rId6" minVer="http://schemas.openxmlformats.org/drawingml/2006/diagram"/>
+    </a:ext>
+  </dgm:extLst>
+</dgm:dataModel>
+</file>
+
+<file path=ppt/diagrams/data4.xml><?xml version="1.0" encoding="utf-8"?>
+<dgm:dataModel xmlns:dgm="http://schemas.openxmlformats.org/drawingml/2006/diagram" xmlns:a="http://schemas.openxmlformats.org/drawingml/2006/main">
+  <dgm:ptLst>
+    <dgm:pt modelId="{1FF27E07-8665-C945-9297-D904B93FFF1D}" type="doc">
+      <dgm:prSet loTypeId="urn:microsoft.com/office/officeart/2005/8/layout/hProcess9" loCatId="" qsTypeId="urn:microsoft.com/office/officeart/2005/8/quickstyle/simple1" qsCatId="simple" csTypeId="urn:microsoft.com/office/officeart/2005/8/colors/colorful1" csCatId="colorful" phldr="1"/>
+      <dgm:spPr/>
+      <dgm:t>
+        <a:bodyPr/>
+        <a:lstStyle/>
+        <a:p>
+          <a:endParaRPr lang="en-US"/>
+        </a:p>
+      </dgm:t>
+    </dgm:pt>
+    <dgm:pt modelId="{26117898-1D6E-3340-9889-98CAC460F41A}">
+      <dgm:prSet phldrT="[Text]" custT="1"/>
+      <dgm:spPr/>
+      <dgm:t>
+        <a:bodyPr/>
+        <a:lstStyle/>
+        <a:p>
+          <a:r>
+            <a:rPr lang="en-US" sz="2000" b="1" dirty="0">
+              <a:latin typeface="Source Sans Pro" panose="020B0503030403020204" pitchFamily="34" charset="77"/>
+            </a:rPr>
+            <a:t>Spatial</a:t>
+          </a:r>
+        </a:p>
+      </dgm:t>
+    </dgm:pt>
+    <dgm:pt modelId="{F22A7C96-AAEE-A842-8444-BE3EA0B6C56F}" type="parTrans" cxnId="{AE2EE953-059A-5849-8FBB-F7E273E4310A}">
+      <dgm:prSet/>
+      <dgm:spPr/>
+      <dgm:t>
+        <a:bodyPr/>
+        <a:lstStyle/>
+        <a:p>
+          <a:endParaRPr lang="en-US">
+            <a:latin typeface="Source Sans Pro" panose="020B0503030403020204" pitchFamily="34" charset="77"/>
+          </a:endParaRPr>
+        </a:p>
+      </dgm:t>
+    </dgm:pt>
+    <dgm:pt modelId="{975D04AC-C84F-904E-A15E-A367145DA949}" type="sibTrans" cxnId="{AE2EE953-059A-5849-8FBB-F7E273E4310A}">
+      <dgm:prSet/>
+      <dgm:spPr/>
+      <dgm:t>
+        <a:bodyPr/>
+        <a:lstStyle/>
+        <a:p>
+          <a:endParaRPr lang="en-US">
+            <a:latin typeface="Source Sans Pro" panose="020B0503030403020204" pitchFamily="34" charset="77"/>
+          </a:endParaRPr>
+        </a:p>
+      </dgm:t>
+    </dgm:pt>
+    <dgm:pt modelId="{277C3733-8AEC-F14B-9662-2580168B0F9D}">
+      <dgm:prSet phldrT="[Text]" custT="1"/>
+      <dgm:spPr/>
+      <dgm:t>
+        <a:bodyPr/>
+        <a:lstStyle/>
+        <a:p>
+          <a:r>
+            <a:rPr lang="en-US" sz="1600" dirty="0">
+              <a:latin typeface="Source Sans Pro" panose="020B0503030403020204" pitchFamily="34" charset="77"/>
+            </a:rPr>
+            <a:t>Banking + Buffering</a:t>
+          </a:r>
+        </a:p>
+      </dgm:t>
+    </dgm:pt>
+    <dgm:pt modelId="{95AF4B9B-4A81-4143-9766-301665185E5F}" type="parTrans" cxnId="{67FD47EC-85D5-5F46-9F95-D63A10AC6EBD}">
+      <dgm:prSet/>
+      <dgm:spPr/>
+      <dgm:t>
+        <a:bodyPr/>
+        <a:lstStyle/>
+        <a:p>
+          <a:endParaRPr lang="en-US">
+            <a:latin typeface="Source Sans Pro" panose="020B0503030403020204" pitchFamily="34" charset="77"/>
+          </a:endParaRPr>
+        </a:p>
+      </dgm:t>
+    </dgm:pt>
+    <dgm:pt modelId="{F55669F3-D338-1F48-B33C-E0F964CD19AE}" type="sibTrans" cxnId="{67FD47EC-85D5-5F46-9F95-D63A10AC6EBD}">
+      <dgm:prSet/>
+      <dgm:spPr/>
+      <dgm:t>
+        <a:bodyPr/>
+        <a:lstStyle/>
+        <a:p>
+          <a:endParaRPr lang="en-US">
+            <a:latin typeface="Source Sans Pro" panose="020B0503030403020204" pitchFamily="34" charset="77"/>
+          </a:endParaRPr>
+        </a:p>
+      </dgm:t>
+    </dgm:pt>
+    <dgm:pt modelId="{44E6FEF5-80C3-D547-9BF8-E0ED9CD18CA7}">
+      <dgm:prSet phldrT="[Text]" custT="1"/>
+      <dgm:spPr/>
+      <dgm:t>
+        <a:bodyPr/>
+        <a:lstStyle/>
+        <a:p>
+          <a:r>
+            <a:rPr lang="en-US" sz="1600" dirty="0">
+              <a:latin typeface="Source Sans Pro" panose="020B0503030403020204" pitchFamily="34" charset="77"/>
+            </a:rPr>
+            <a:t>Loop Unrolling</a:t>
+          </a:r>
+        </a:p>
+      </dgm:t>
+    </dgm:pt>
+    <dgm:pt modelId="{E64B0601-DB4C-C94F-84E2-24C10ADEC5CE}" type="parTrans" cxnId="{D1ED3615-F37D-F946-B100-9432B1A313FB}">
+      <dgm:prSet/>
+      <dgm:spPr/>
+      <dgm:t>
+        <a:bodyPr/>
+        <a:lstStyle/>
+        <a:p>
+          <a:endParaRPr lang="en-US">
+            <a:latin typeface="Source Sans Pro" panose="020B0503030403020204" pitchFamily="34" charset="77"/>
+          </a:endParaRPr>
+        </a:p>
+      </dgm:t>
+    </dgm:pt>
+    <dgm:pt modelId="{3416095F-E7A1-054D-BFE5-F31DD0AD54BD}" type="sibTrans" cxnId="{D1ED3615-F37D-F946-B100-9432B1A313FB}">
+      <dgm:prSet/>
+      <dgm:spPr/>
+      <dgm:t>
+        <a:bodyPr/>
+        <a:lstStyle/>
+        <a:p>
+          <a:endParaRPr lang="en-US">
+            <a:latin typeface="Source Sans Pro" panose="020B0503030403020204" pitchFamily="34" charset="77"/>
+          </a:endParaRPr>
+        </a:p>
+      </dgm:t>
+    </dgm:pt>
+    <dgm:pt modelId="{0126AD6F-FCAD-D14A-8353-B8EA2B851EE5}">
+      <dgm:prSet phldrT="[Text]" custT="1"/>
+      <dgm:spPr/>
+      <dgm:t>
+        <a:bodyPr/>
+        <a:lstStyle/>
+        <a:p>
+          <a:r>
+            <a:rPr lang="en-US" sz="2000" b="1" dirty="0">
+              <a:latin typeface="Source Sans Pro" panose="020B0503030403020204" pitchFamily="34" charset="77"/>
+            </a:rPr>
+            <a:t>Plasticine IR</a:t>
+          </a:r>
+        </a:p>
+      </dgm:t>
+    </dgm:pt>
+    <dgm:pt modelId="{65B48314-47B7-FC4F-B65F-273D453860E6}" type="parTrans" cxnId="{C1EDC9F3-580D-794F-9258-D758ED608E10}">
+      <dgm:prSet/>
+      <dgm:spPr/>
+      <dgm:t>
+        <a:bodyPr/>
+        <a:lstStyle/>
+        <a:p>
+          <a:endParaRPr lang="en-US">
+            <a:latin typeface="Source Sans Pro" panose="020B0503030403020204" pitchFamily="34" charset="77"/>
+          </a:endParaRPr>
+        </a:p>
+      </dgm:t>
+    </dgm:pt>
+    <dgm:pt modelId="{A5EF1ABC-D534-104D-8DF9-343203C874EB}" type="sibTrans" cxnId="{C1EDC9F3-580D-794F-9258-D758ED608E10}">
+      <dgm:prSet/>
+      <dgm:spPr/>
+      <dgm:t>
+        <a:bodyPr/>
+        <a:lstStyle/>
+        <a:p>
+          <a:endParaRPr lang="en-US">
+            <a:latin typeface="Source Sans Pro" panose="020B0503030403020204" pitchFamily="34" charset="77"/>
+          </a:endParaRPr>
+        </a:p>
+      </dgm:t>
+    </dgm:pt>
+    <dgm:pt modelId="{3C721F0F-E112-8747-8256-86E74B510CEB}">
+      <dgm:prSet phldrT="[Text]" custT="1"/>
+      <dgm:spPr/>
+      <dgm:t>
+        <a:bodyPr/>
+        <a:lstStyle/>
+        <a:p>
+          <a:r>
+            <a:rPr lang="en-US" sz="1600" dirty="0">
+              <a:latin typeface="Source Sans Pro" panose="020B0503030403020204" pitchFamily="34" charset="77"/>
+            </a:rPr>
+            <a:t>Compute Unit Allocation and Partitioning</a:t>
+          </a:r>
+        </a:p>
+      </dgm:t>
+    </dgm:pt>
+    <dgm:pt modelId="{EC542947-0AEB-0D4C-9F35-F87E9AC1320C}" type="parTrans" cxnId="{289FBE39-0DEC-1E41-A06A-E78F964C9CC2}">
+      <dgm:prSet/>
+      <dgm:spPr/>
+      <dgm:t>
+        <a:bodyPr/>
+        <a:lstStyle/>
+        <a:p>
+          <a:endParaRPr lang="en-US">
+            <a:latin typeface="Source Sans Pro" panose="020B0503030403020204" pitchFamily="34" charset="77"/>
+          </a:endParaRPr>
+        </a:p>
+      </dgm:t>
+    </dgm:pt>
+    <dgm:pt modelId="{541D82AA-F4F5-474E-B693-78DDD850FC49}" type="sibTrans" cxnId="{289FBE39-0DEC-1E41-A06A-E78F964C9CC2}">
+      <dgm:prSet/>
+      <dgm:spPr/>
+      <dgm:t>
+        <a:bodyPr/>
+        <a:lstStyle/>
+        <a:p>
+          <a:endParaRPr lang="en-US">
+            <a:latin typeface="Source Sans Pro" panose="020B0503030403020204" pitchFamily="34" charset="77"/>
+          </a:endParaRPr>
+        </a:p>
+      </dgm:t>
+    </dgm:pt>
+    <dgm:pt modelId="{9AA4E197-FEB2-3C43-8458-5FC043D0AF9F}">
+      <dgm:prSet phldrT="[Text]" custT="1"/>
+      <dgm:spPr/>
+      <dgm:t>
+        <a:bodyPr/>
+        <a:lstStyle/>
+        <a:p>
+          <a:r>
+            <a:rPr lang="en-US" sz="1600" dirty="0">
+              <a:latin typeface="Source Sans Pro" panose="020B0503030403020204" pitchFamily="34" charset="77"/>
+            </a:rPr>
+            <a:t>Control Logic Allocation</a:t>
+          </a:r>
+        </a:p>
+      </dgm:t>
+    </dgm:pt>
+    <dgm:pt modelId="{635D954A-2172-0D4E-A5A7-6E68C8A478BE}" type="parTrans" cxnId="{F1E93579-4293-CC41-8563-70C18768C36D}">
+      <dgm:prSet/>
+      <dgm:spPr/>
+      <dgm:t>
+        <a:bodyPr/>
+        <a:lstStyle/>
+        <a:p>
+          <a:endParaRPr lang="en-US">
+            <a:latin typeface="Source Sans Pro" panose="020B0503030403020204" pitchFamily="34" charset="77"/>
+          </a:endParaRPr>
+        </a:p>
+      </dgm:t>
+    </dgm:pt>
+    <dgm:pt modelId="{1E736497-2076-8348-BD25-C331F762FCED}" type="sibTrans" cxnId="{F1E93579-4293-CC41-8563-70C18768C36D}">
+      <dgm:prSet/>
+      <dgm:spPr/>
+      <dgm:t>
+        <a:bodyPr/>
+        <a:lstStyle/>
+        <a:p>
+          <a:endParaRPr lang="en-US">
+            <a:latin typeface="Source Sans Pro" panose="020B0503030403020204" pitchFamily="34" charset="77"/>
+          </a:endParaRPr>
+        </a:p>
+      </dgm:t>
+    </dgm:pt>
+    <dgm:pt modelId="{35025888-FD8D-8744-A128-71A706B88DDE}">
+      <dgm:prSet phldrT="[Text]" custT="1"/>
+      <dgm:spPr/>
+      <dgm:t>
+        <a:bodyPr/>
+        <a:lstStyle/>
+        <a:p>
+          <a:r>
+            <a:rPr lang="en-US" sz="2000" b="1" dirty="0">
+              <a:latin typeface="Source Sans Pro" panose="020B0503030403020204" pitchFamily="34" charset="77"/>
+            </a:rPr>
+            <a:t>Mapping</a:t>
+          </a:r>
+        </a:p>
+      </dgm:t>
+    </dgm:pt>
+    <dgm:pt modelId="{E26ECD42-7062-2041-B13D-F341FED33C64}" type="parTrans" cxnId="{A469314D-C54D-3448-A275-09E9D9EA8D60}">
+      <dgm:prSet/>
+      <dgm:spPr/>
+      <dgm:t>
+        <a:bodyPr/>
+        <a:lstStyle/>
+        <a:p>
+          <a:endParaRPr lang="en-US">
+            <a:latin typeface="Source Sans Pro" panose="020B0503030403020204" pitchFamily="34" charset="77"/>
+          </a:endParaRPr>
+        </a:p>
+      </dgm:t>
+    </dgm:pt>
+    <dgm:pt modelId="{93F32E4C-665A-4A46-A8F6-D8A1845D53FE}" type="sibTrans" cxnId="{A469314D-C54D-3448-A275-09E9D9EA8D60}">
+      <dgm:prSet/>
+      <dgm:spPr/>
+      <dgm:t>
+        <a:bodyPr/>
+        <a:lstStyle/>
+        <a:p>
+          <a:endParaRPr lang="en-US">
+            <a:latin typeface="Source Sans Pro" panose="020B0503030403020204" pitchFamily="34" charset="77"/>
+          </a:endParaRPr>
+        </a:p>
+      </dgm:t>
+    </dgm:pt>
+    <dgm:pt modelId="{2488CF3A-3460-704C-A8E1-ACE282E88B0F}">
+      <dgm:prSet phldrT="[Text]" custT="1"/>
+      <dgm:spPr/>
+      <dgm:t>
+        <a:bodyPr/>
+        <a:lstStyle/>
+        <a:p>
+          <a:r>
+            <a:rPr lang="en-US" sz="1600" dirty="0">
+              <a:latin typeface="Source Sans Pro" panose="020B0503030403020204" pitchFamily="34" charset="77"/>
+            </a:rPr>
+            <a:t>Placement and Routing</a:t>
+          </a:r>
+        </a:p>
+      </dgm:t>
+    </dgm:pt>
+    <dgm:pt modelId="{9CC15F14-B068-3D47-A9B5-30A439EE60D4}" type="parTrans" cxnId="{FC7BF3F2-EE36-3146-AEE5-72F3BE3CA3D1}">
+      <dgm:prSet/>
+      <dgm:spPr/>
+      <dgm:t>
+        <a:bodyPr/>
+        <a:lstStyle/>
+        <a:p>
+          <a:endParaRPr lang="en-US">
+            <a:latin typeface="Source Sans Pro" panose="020B0503030403020204" pitchFamily="34" charset="77"/>
+          </a:endParaRPr>
+        </a:p>
+      </dgm:t>
+    </dgm:pt>
+    <dgm:pt modelId="{32765ABA-A82D-424C-A688-B6112AA6366E}" type="sibTrans" cxnId="{FC7BF3F2-EE36-3146-AEE5-72F3BE3CA3D1}">
+      <dgm:prSet/>
+      <dgm:spPr/>
+      <dgm:t>
+        <a:bodyPr/>
+        <a:lstStyle/>
+        <a:p>
+          <a:endParaRPr lang="en-US">
+            <a:latin typeface="Source Sans Pro" panose="020B0503030403020204" pitchFamily="34" charset="77"/>
+          </a:endParaRPr>
+        </a:p>
+      </dgm:t>
+    </dgm:pt>
+    <dgm:pt modelId="{E2576C8E-B3AC-8E47-8F4E-4B3048AF5F20}">
+      <dgm:prSet phldrT="[Text]" custT="1"/>
+      <dgm:spPr/>
+      <dgm:t>
+        <a:bodyPr/>
+        <a:lstStyle/>
+        <a:p>
+          <a:r>
+            <a:rPr lang="en-US" sz="1600" dirty="0">
+              <a:latin typeface="Source Sans Pro" panose="020B0503030403020204" pitchFamily="34" charset="77"/>
+            </a:rPr>
+            <a:t>VC Allocation</a:t>
+          </a:r>
+        </a:p>
+      </dgm:t>
+    </dgm:pt>
+    <dgm:pt modelId="{98473D38-1A29-C14D-9840-7C94483658CD}" type="parTrans" cxnId="{27E390C4-4F25-1A41-841E-08A7A3C15E6B}">
+      <dgm:prSet/>
+      <dgm:spPr/>
+      <dgm:t>
+        <a:bodyPr/>
+        <a:lstStyle/>
+        <a:p>
+          <a:endParaRPr lang="en-US">
+            <a:latin typeface="Source Sans Pro" panose="020B0503030403020204" pitchFamily="34" charset="77"/>
+          </a:endParaRPr>
+        </a:p>
+      </dgm:t>
+    </dgm:pt>
+    <dgm:pt modelId="{521ECD97-A86D-544A-8B96-F9B7843DAADC}" type="sibTrans" cxnId="{27E390C4-4F25-1A41-841E-08A7A3C15E6B}">
+      <dgm:prSet/>
+      <dgm:spPr/>
+      <dgm:t>
+        <a:bodyPr/>
+        <a:lstStyle/>
+        <a:p>
+          <a:endParaRPr lang="en-US">
+            <a:latin typeface="Source Sans Pro" panose="020B0503030403020204" pitchFamily="34" charset="77"/>
+          </a:endParaRPr>
+        </a:p>
+      </dgm:t>
+    </dgm:pt>
+    <dgm:pt modelId="{0FCC7809-694A-7B46-94D1-6545DFBEDE61}">
+      <dgm:prSet custT="1"/>
+      <dgm:spPr/>
+      <dgm:t>
+        <a:bodyPr/>
+        <a:lstStyle/>
+        <a:p>
+          <a:r>
+            <a:rPr lang="en-US" sz="2000" b="1" dirty="0">
+              <a:latin typeface="Source Sans Pro" panose="020B0503030403020204" pitchFamily="34" charset="77"/>
+            </a:rPr>
+            <a:t>Simulation</a:t>
+          </a:r>
+        </a:p>
+      </dgm:t>
+    </dgm:pt>
+    <dgm:pt modelId="{C3F0806D-BABF-4448-AE06-62985379CF80}" type="parTrans" cxnId="{7202E1BA-07C7-7A47-A8E6-6479DA3DF4A8}">
+      <dgm:prSet/>
+      <dgm:spPr/>
+      <dgm:t>
+        <a:bodyPr/>
+        <a:lstStyle/>
+        <a:p>
+          <a:endParaRPr lang="en-US">
+            <a:latin typeface="Source Sans Pro" panose="020B0503030403020204" pitchFamily="34" charset="77"/>
+          </a:endParaRPr>
+        </a:p>
+      </dgm:t>
+    </dgm:pt>
+    <dgm:pt modelId="{1E0ECC71-E185-B34D-A81F-9352714B3E60}" type="sibTrans" cxnId="{7202E1BA-07C7-7A47-A8E6-6479DA3DF4A8}">
+      <dgm:prSet/>
+      <dgm:spPr/>
+      <dgm:t>
+        <a:bodyPr/>
+        <a:lstStyle/>
+        <a:p>
+          <a:endParaRPr lang="en-US">
+            <a:latin typeface="Source Sans Pro" panose="020B0503030403020204" pitchFamily="34" charset="77"/>
+          </a:endParaRPr>
+        </a:p>
+      </dgm:t>
+    </dgm:pt>
+    <dgm:pt modelId="{D4D17A9C-EA6A-0241-9430-5DCFC3D9780E}">
+      <dgm:prSet custT="1"/>
+      <dgm:spPr/>
+      <dgm:t>
+        <a:bodyPr/>
+        <a:lstStyle/>
+        <a:p>
+          <a:r>
+            <a:rPr lang="en-US" sz="1600" dirty="0">
+              <a:latin typeface="Source Sans Pro" panose="020B0503030403020204" pitchFamily="34" charset="77"/>
+            </a:rPr>
+            <a:t>Fast Cycle Accurate Control Simulation</a:t>
+          </a:r>
+        </a:p>
+      </dgm:t>
+    </dgm:pt>
+    <dgm:pt modelId="{9D2506E3-42DA-2146-8E20-0A29E679188F}" type="parTrans" cxnId="{A556FCD6-4BB3-944C-AF1A-3462CA42939E}">
+      <dgm:prSet/>
+      <dgm:spPr/>
+      <dgm:t>
+        <a:bodyPr/>
+        <a:lstStyle/>
+        <a:p>
+          <a:endParaRPr lang="en-US">
+            <a:latin typeface="Source Sans Pro" panose="020B0503030403020204" pitchFamily="34" charset="77"/>
+          </a:endParaRPr>
+        </a:p>
+      </dgm:t>
+    </dgm:pt>
+    <dgm:pt modelId="{EC9CFD6D-A0D3-F14F-912E-D5449BAE9C4F}" type="sibTrans" cxnId="{A556FCD6-4BB3-944C-AF1A-3462CA42939E}">
+      <dgm:prSet/>
+      <dgm:spPr/>
+      <dgm:t>
+        <a:bodyPr/>
+        <a:lstStyle/>
+        <a:p>
+          <a:endParaRPr lang="en-US">
+            <a:latin typeface="Source Sans Pro" panose="020B0503030403020204" pitchFamily="34" charset="77"/>
+          </a:endParaRPr>
+        </a:p>
+      </dgm:t>
+    </dgm:pt>
+    <dgm:pt modelId="{2E7BFF9E-117E-8146-A601-CD247E87743F}">
+      <dgm:prSet custT="1"/>
+      <dgm:spPr/>
+      <dgm:t>
+        <a:bodyPr/>
+        <a:lstStyle/>
+        <a:p>
+          <a:r>
+            <a:rPr lang="en-US" sz="1600" dirty="0">
+              <a:latin typeface="Source Sans Pro" panose="020B0503030403020204" pitchFamily="34" charset="77"/>
+            </a:rPr>
+            <a:t>Integrated with </a:t>
+          </a:r>
+          <a:r>
+            <a:rPr lang="en-US" sz="1600" dirty="0" err="1">
+              <a:latin typeface="Source Sans Pro" panose="020B0503030403020204" pitchFamily="34" charset="77"/>
+            </a:rPr>
+            <a:t>DRAMSim</a:t>
+          </a:r>
+          <a:r>
+            <a:rPr lang="en-US" sz="1600" dirty="0">
+              <a:latin typeface="Source Sans Pro" panose="020B0503030403020204" pitchFamily="34" charset="77"/>
+            </a:rPr>
+            <a:t> and </a:t>
+          </a:r>
+          <a:r>
+            <a:rPr lang="en-US" sz="1600" dirty="0" err="1">
+              <a:latin typeface="Source Sans Pro" panose="020B0503030403020204" pitchFamily="34" charset="77"/>
+            </a:rPr>
+            <a:t>BookSim</a:t>
+          </a:r>
+          <a:endParaRPr lang="en-US" sz="1600" dirty="0">
+            <a:latin typeface="Source Sans Pro" panose="020B0503030403020204" pitchFamily="34" charset="77"/>
+          </a:endParaRPr>
+        </a:p>
+      </dgm:t>
+    </dgm:pt>
+    <dgm:pt modelId="{B99B26BB-7C92-5244-A013-5306C7799A00}" type="parTrans" cxnId="{E3BE9725-8F5D-DC46-993B-7394051E2942}">
+      <dgm:prSet/>
+      <dgm:spPr/>
+      <dgm:t>
+        <a:bodyPr/>
+        <a:lstStyle/>
+        <a:p>
+          <a:endParaRPr lang="en-US">
+            <a:latin typeface="Source Sans Pro" panose="020B0503030403020204" pitchFamily="34" charset="77"/>
+          </a:endParaRPr>
+        </a:p>
+      </dgm:t>
+    </dgm:pt>
+    <dgm:pt modelId="{B23ED67C-932A-9D4E-82D0-CF04945D6C5E}" type="sibTrans" cxnId="{E3BE9725-8F5D-DC46-993B-7394051E2942}">
+      <dgm:prSet/>
+      <dgm:spPr/>
+      <dgm:t>
+        <a:bodyPr/>
+        <a:lstStyle/>
+        <a:p>
+          <a:endParaRPr lang="en-US">
+            <a:latin typeface="Source Sans Pro" panose="020B0503030403020204" pitchFamily="34" charset="77"/>
+          </a:endParaRPr>
+        </a:p>
+      </dgm:t>
+    </dgm:pt>
+    <dgm:pt modelId="{340CB922-FD30-4E4C-859E-C0210A7F74EA}" type="pres">
+      <dgm:prSet presAssocID="{1FF27E07-8665-C945-9297-D904B93FFF1D}" presName="CompostProcess" presStyleCnt="0">
+        <dgm:presLayoutVars>
+          <dgm:dir/>
+          <dgm:resizeHandles val="exact"/>
+        </dgm:presLayoutVars>
+      </dgm:prSet>
+      <dgm:spPr/>
+    </dgm:pt>
+    <dgm:pt modelId="{7F321D06-88EA-964A-A449-06F05C2C6941}" type="pres">
+      <dgm:prSet presAssocID="{1FF27E07-8665-C945-9297-D904B93FFF1D}" presName="arrow" presStyleLbl="bgShp" presStyleIdx="0" presStyleCnt="1"/>
+      <dgm:spPr/>
+    </dgm:pt>
+    <dgm:pt modelId="{8B281EE0-F8DC-B44E-8BFE-1BD5787D4A1D}" type="pres">
+      <dgm:prSet presAssocID="{1FF27E07-8665-C945-9297-D904B93FFF1D}" presName="linearProcess" presStyleCnt="0"/>
+      <dgm:spPr/>
+    </dgm:pt>
+    <dgm:pt modelId="{A2D8E73C-D3C2-964C-B8A6-12E66C2CCAF7}" type="pres">
+      <dgm:prSet presAssocID="{26117898-1D6E-3340-9889-98CAC460F41A}" presName="textNode" presStyleLbl="node1" presStyleIdx="0" presStyleCnt="4">
+        <dgm:presLayoutVars>
+          <dgm:bulletEnabled val="1"/>
+        </dgm:presLayoutVars>
+      </dgm:prSet>
+      <dgm:spPr/>
+    </dgm:pt>
+    <dgm:pt modelId="{5A279CCB-602F-7542-B414-86C64DFA8B0E}" type="pres">
+      <dgm:prSet presAssocID="{975D04AC-C84F-904E-A15E-A367145DA949}" presName="sibTrans" presStyleCnt="0"/>
+      <dgm:spPr/>
+    </dgm:pt>
+    <dgm:pt modelId="{0D297AB3-DCFC-914C-9557-A9A6C7F0C4D4}" type="pres">
+      <dgm:prSet presAssocID="{0126AD6F-FCAD-D14A-8353-B8EA2B851EE5}" presName="textNode" presStyleLbl="node1" presStyleIdx="1" presStyleCnt="4">
+        <dgm:presLayoutVars>
+          <dgm:bulletEnabled val="1"/>
+        </dgm:presLayoutVars>
+      </dgm:prSet>
+      <dgm:spPr/>
+    </dgm:pt>
+    <dgm:pt modelId="{E2A90447-3510-4B4A-B357-7C83CB95F185}" type="pres">
+      <dgm:prSet presAssocID="{A5EF1ABC-D534-104D-8DF9-343203C874EB}" presName="sibTrans" presStyleCnt="0"/>
+      <dgm:spPr/>
+    </dgm:pt>
+    <dgm:pt modelId="{A344AAB6-699E-9540-AD34-59F6011B61B0}" type="pres">
+      <dgm:prSet presAssocID="{35025888-FD8D-8744-A128-71A706B88DDE}" presName="textNode" presStyleLbl="node1" presStyleIdx="2" presStyleCnt="4">
+        <dgm:presLayoutVars>
+          <dgm:bulletEnabled val="1"/>
+        </dgm:presLayoutVars>
+      </dgm:prSet>
+      <dgm:spPr/>
+    </dgm:pt>
+    <dgm:pt modelId="{4B2FB95A-9C1E-9547-8C1D-3F533BCA0223}" type="pres">
+      <dgm:prSet presAssocID="{93F32E4C-665A-4A46-A8F6-D8A1845D53FE}" presName="sibTrans" presStyleCnt="0"/>
+      <dgm:spPr/>
+    </dgm:pt>
+    <dgm:pt modelId="{1A9B96BC-57CD-C543-8A37-C32EA988B85E}" type="pres">
+      <dgm:prSet presAssocID="{0FCC7809-694A-7B46-94D1-6545DFBEDE61}" presName="textNode" presStyleLbl="node1" presStyleIdx="3" presStyleCnt="4">
+        <dgm:presLayoutVars>
+          <dgm:bulletEnabled val="1"/>
+        </dgm:presLayoutVars>
+      </dgm:prSet>
+      <dgm:spPr/>
+    </dgm:pt>
+  </dgm:ptLst>
+  <dgm:cxnLst>
+    <dgm:cxn modelId="{B442770F-65BF-B041-9F9A-59FABF21AE33}" type="presOf" srcId="{9AA4E197-FEB2-3C43-8458-5FC043D0AF9F}" destId="{0D297AB3-DCFC-914C-9557-A9A6C7F0C4D4}" srcOrd="0" destOrd="2" presId="urn:microsoft.com/office/officeart/2005/8/layout/hProcess9"/>
+    <dgm:cxn modelId="{35F9D70F-C381-8B4B-BDFA-73AFDC2C1F9A}" type="presOf" srcId="{D4D17A9C-EA6A-0241-9430-5DCFC3D9780E}" destId="{1A9B96BC-57CD-C543-8A37-C32EA988B85E}" srcOrd="0" destOrd="1" presId="urn:microsoft.com/office/officeart/2005/8/layout/hProcess9"/>
+    <dgm:cxn modelId="{D1ED3615-F37D-F946-B100-9432B1A313FB}" srcId="{26117898-1D6E-3340-9889-98CAC460F41A}" destId="{44E6FEF5-80C3-D547-9BF8-E0ED9CD18CA7}" srcOrd="1" destOrd="0" parTransId="{E64B0601-DB4C-C94F-84E2-24C10ADEC5CE}" sibTransId="{3416095F-E7A1-054D-BFE5-F31DD0AD54BD}"/>
+    <dgm:cxn modelId="{E3BE9725-8F5D-DC46-993B-7394051E2942}" srcId="{0FCC7809-694A-7B46-94D1-6545DFBEDE61}" destId="{2E7BFF9E-117E-8146-A601-CD247E87743F}" srcOrd="1" destOrd="0" parTransId="{B99B26BB-7C92-5244-A013-5306C7799A00}" sibTransId="{B23ED67C-932A-9D4E-82D0-CF04945D6C5E}"/>
+    <dgm:cxn modelId="{289FBE39-0DEC-1E41-A06A-E78F964C9CC2}" srcId="{0126AD6F-FCAD-D14A-8353-B8EA2B851EE5}" destId="{3C721F0F-E112-8747-8256-86E74B510CEB}" srcOrd="0" destOrd="0" parTransId="{EC542947-0AEB-0D4C-9F35-F87E9AC1320C}" sibTransId="{541D82AA-F4F5-474E-B693-78DDD850FC49}"/>
+    <dgm:cxn modelId="{A469314D-C54D-3448-A275-09E9D9EA8D60}" srcId="{1FF27E07-8665-C945-9297-D904B93FFF1D}" destId="{35025888-FD8D-8744-A128-71A706B88DDE}" srcOrd="2" destOrd="0" parTransId="{E26ECD42-7062-2041-B13D-F341FED33C64}" sibTransId="{93F32E4C-665A-4A46-A8F6-D8A1845D53FE}"/>
+    <dgm:cxn modelId="{AE2EE953-059A-5849-8FBB-F7E273E4310A}" srcId="{1FF27E07-8665-C945-9297-D904B93FFF1D}" destId="{26117898-1D6E-3340-9889-98CAC460F41A}" srcOrd="0" destOrd="0" parTransId="{F22A7C96-AAEE-A842-8444-BE3EA0B6C56F}" sibTransId="{975D04AC-C84F-904E-A15E-A367145DA949}"/>
+    <dgm:cxn modelId="{CA9D9964-3CB0-A344-9D50-D8EA229FE1A1}" type="presOf" srcId="{E2576C8E-B3AC-8E47-8F4E-4B3048AF5F20}" destId="{A344AAB6-699E-9540-AD34-59F6011B61B0}" srcOrd="0" destOrd="2" presId="urn:microsoft.com/office/officeart/2005/8/layout/hProcess9"/>
+    <dgm:cxn modelId="{A69ACE71-854D-2847-A16D-41F512F4A0D2}" type="presOf" srcId="{0FCC7809-694A-7B46-94D1-6545DFBEDE61}" destId="{1A9B96BC-57CD-C543-8A37-C32EA988B85E}" srcOrd="0" destOrd="0" presId="urn:microsoft.com/office/officeart/2005/8/layout/hProcess9"/>
+    <dgm:cxn modelId="{7C190C77-AE7C-4048-9151-22B0C100A341}" type="presOf" srcId="{26117898-1D6E-3340-9889-98CAC460F41A}" destId="{A2D8E73C-D3C2-964C-B8A6-12E66C2CCAF7}" srcOrd="0" destOrd="0" presId="urn:microsoft.com/office/officeart/2005/8/layout/hProcess9"/>
+    <dgm:cxn modelId="{F1E93579-4293-CC41-8563-70C18768C36D}" srcId="{0126AD6F-FCAD-D14A-8353-B8EA2B851EE5}" destId="{9AA4E197-FEB2-3C43-8458-5FC043D0AF9F}" srcOrd="1" destOrd="0" parTransId="{635D954A-2172-0D4E-A5A7-6E68C8A478BE}" sibTransId="{1E736497-2076-8348-BD25-C331F762FCED}"/>
+    <dgm:cxn modelId="{2F533886-CCC1-9A4E-AE22-041A0FE1DD9D}" type="presOf" srcId="{277C3733-8AEC-F14B-9662-2580168B0F9D}" destId="{A2D8E73C-D3C2-964C-B8A6-12E66C2CCAF7}" srcOrd="0" destOrd="1" presId="urn:microsoft.com/office/officeart/2005/8/layout/hProcess9"/>
+    <dgm:cxn modelId="{5309DF97-6191-3A47-B34B-EE228DC46597}" type="presOf" srcId="{2488CF3A-3460-704C-A8E1-ACE282E88B0F}" destId="{A344AAB6-699E-9540-AD34-59F6011B61B0}" srcOrd="0" destOrd="1" presId="urn:microsoft.com/office/officeart/2005/8/layout/hProcess9"/>
+    <dgm:cxn modelId="{D80BDAA0-DD57-5940-B432-0A76DB61E7EB}" type="presOf" srcId="{44E6FEF5-80C3-D547-9BF8-E0ED9CD18CA7}" destId="{A2D8E73C-D3C2-964C-B8A6-12E66C2CCAF7}" srcOrd="0" destOrd="2" presId="urn:microsoft.com/office/officeart/2005/8/layout/hProcess9"/>
+    <dgm:cxn modelId="{471069A2-77A9-8041-92EA-BEEC5F016070}" type="presOf" srcId="{1FF27E07-8665-C945-9297-D904B93FFF1D}" destId="{340CB922-FD30-4E4C-859E-C0210A7F74EA}" srcOrd="0" destOrd="0" presId="urn:microsoft.com/office/officeart/2005/8/layout/hProcess9"/>
+    <dgm:cxn modelId="{5464B3AA-84CA-884B-99B5-4DC2D506FBF2}" type="presOf" srcId="{35025888-FD8D-8744-A128-71A706B88DDE}" destId="{A344AAB6-699E-9540-AD34-59F6011B61B0}" srcOrd="0" destOrd="0" presId="urn:microsoft.com/office/officeart/2005/8/layout/hProcess9"/>
+    <dgm:cxn modelId="{7202E1BA-07C7-7A47-A8E6-6479DA3DF4A8}" srcId="{1FF27E07-8665-C945-9297-D904B93FFF1D}" destId="{0FCC7809-694A-7B46-94D1-6545DFBEDE61}" srcOrd="3" destOrd="0" parTransId="{C3F0806D-BABF-4448-AE06-62985379CF80}" sibTransId="{1E0ECC71-E185-B34D-A81F-9352714B3E60}"/>
+    <dgm:cxn modelId="{144B1ABB-E479-DF47-8F4D-7F6DBA4290BC}" type="presOf" srcId="{3C721F0F-E112-8747-8256-86E74B510CEB}" destId="{0D297AB3-DCFC-914C-9557-A9A6C7F0C4D4}" srcOrd="0" destOrd="1" presId="urn:microsoft.com/office/officeart/2005/8/layout/hProcess9"/>
+    <dgm:cxn modelId="{27E390C4-4F25-1A41-841E-08A7A3C15E6B}" srcId="{35025888-FD8D-8744-A128-71A706B88DDE}" destId="{E2576C8E-B3AC-8E47-8F4E-4B3048AF5F20}" srcOrd="1" destOrd="0" parTransId="{98473D38-1A29-C14D-9840-7C94483658CD}" sibTransId="{521ECD97-A86D-544A-8B96-F9B7843DAADC}"/>
+    <dgm:cxn modelId="{E61E73C6-0751-B04C-BBE3-D06714CFD449}" type="presOf" srcId="{0126AD6F-FCAD-D14A-8353-B8EA2B851EE5}" destId="{0D297AB3-DCFC-914C-9557-A9A6C7F0C4D4}" srcOrd="0" destOrd="0" presId="urn:microsoft.com/office/officeart/2005/8/layout/hProcess9"/>
+    <dgm:cxn modelId="{E34A96D5-88E6-1C4C-A84A-524AE3F342E1}" type="presOf" srcId="{2E7BFF9E-117E-8146-A601-CD247E87743F}" destId="{1A9B96BC-57CD-C543-8A37-C32EA988B85E}" srcOrd="0" destOrd="2" presId="urn:microsoft.com/office/officeart/2005/8/layout/hProcess9"/>
+    <dgm:cxn modelId="{A556FCD6-4BB3-944C-AF1A-3462CA42939E}" srcId="{0FCC7809-694A-7B46-94D1-6545DFBEDE61}" destId="{D4D17A9C-EA6A-0241-9430-5DCFC3D9780E}" srcOrd="0" destOrd="0" parTransId="{9D2506E3-42DA-2146-8E20-0A29E679188F}" sibTransId="{EC9CFD6D-A0D3-F14F-912E-D5449BAE9C4F}"/>
+    <dgm:cxn modelId="{67FD47EC-85D5-5F46-9F95-D63A10AC6EBD}" srcId="{26117898-1D6E-3340-9889-98CAC460F41A}" destId="{277C3733-8AEC-F14B-9662-2580168B0F9D}" srcOrd="0" destOrd="0" parTransId="{95AF4B9B-4A81-4143-9766-301665185E5F}" sibTransId="{F55669F3-D338-1F48-B33C-E0F964CD19AE}"/>
+    <dgm:cxn modelId="{FC7BF3F2-EE36-3146-AEE5-72F3BE3CA3D1}" srcId="{35025888-FD8D-8744-A128-71A706B88DDE}" destId="{2488CF3A-3460-704C-A8E1-ACE282E88B0F}" srcOrd="0" destOrd="0" parTransId="{9CC15F14-B068-3D47-A9B5-30A439EE60D4}" sibTransId="{32765ABA-A82D-424C-A688-B6112AA6366E}"/>
+    <dgm:cxn modelId="{C1EDC9F3-580D-794F-9258-D758ED608E10}" srcId="{1FF27E07-8665-C945-9297-D904B93FFF1D}" destId="{0126AD6F-FCAD-D14A-8353-B8EA2B851EE5}" srcOrd="1" destOrd="0" parTransId="{65B48314-47B7-FC4F-B65F-273D453860E6}" sibTransId="{A5EF1ABC-D534-104D-8DF9-343203C874EB}"/>
+    <dgm:cxn modelId="{1AD43357-0BE2-984B-B62A-4DD9A1AE741B}" type="presParOf" srcId="{340CB922-FD30-4E4C-859E-C0210A7F74EA}" destId="{7F321D06-88EA-964A-A449-06F05C2C6941}" srcOrd="0" destOrd="0" presId="urn:microsoft.com/office/officeart/2005/8/layout/hProcess9"/>
+    <dgm:cxn modelId="{AFE6AB72-3856-884F-97D7-EA5E0AFD3A52}" type="presParOf" srcId="{340CB922-FD30-4E4C-859E-C0210A7F74EA}" destId="{8B281EE0-F8DC-B44E-8BFE-1BD5787D4A1D}" srcOrd="1" destOrd="0" presId="urn:microsoft.com/office/officeart/2005/8/layout/hProcess9"/>
+    <dgm:cxn modelId="{6FF35628-F1BA-C343-B36E-20B9BBBE57EE}" type="presParOf" srcId="{8B281EE0-F8DC-B44E-8BFE-1BD5787D4A1D}" destId="{A2D8E73C-D3C2-964C-B8A6-12E66C2CCAF7}" srcOrd="0" destOrd="0" presId="urn:microsoft.com/office/officeart/2005/8/layout/hProcess9"/>
+    <dgm:cxn modelId="{08B6E23D-8EB6-2C4C-B95A-73166DC7C7CF}" type="presParOf" srcId="{8B281EE0-F8DC-B44E-8BFE-1BD5787D4A1D}" destId="{5A279CCB-602F-7542-B414-86C64DFA8B0E}" srcOrd="1" destOrd="0" presId="urn:microsoft.com/office/officeart/2005/8/layout/hProcess9"/>
+    <dgm:cxn modelId="{053A6CBE-77D4-B644-A997-AC5CE1C1BD5A}" type="presParOf" srcId="{8B281EE0-F8DC-B44E-8BFE-1BD5787D4A1D}" destId="{0D297AB3-DCFC-914C-9557-A9A6C7F0C4D4}" srcOrd="2" destOrd="0" presId="urn:microsoft.com/office/officeart/2005/8/layout/hProcess9"/>
+    <dgm:cxn modelId="{C1A3246F-6FEE-0F4C-803D-3BA9E1BAE058}" type="presParOf" srcId="{8B281EE0-F8DC-B44E-8BFE-1BD5787D4A1D}" destId="{E2A90447-3510-4B4A-B357-7C83CB95F185}" srcOrd="3" destOrd="0" presId="urn:microsoft.com/office/officeart/2005/8/layout/hProcess9"/>
+    <dgm:cxn modelId="{59B35678-2E47-4042-9FED-EBE18F31F345}" type="presParOf" srcId="{8B281EE0-F8DC-B44E-8BFE-1BD5787D4A1D}" destId="{A344AAB6-699E-9540-AD34-59F6011B61B0}" srcOrd="4" destOrd="0" presId="urn:microsoft.com/office/officeart/2005/8/layout/hProcess9"/>
+    <dgm:cxn modelId="{78A91074-486B-CF45-8101-861A11B2225F}" type="presParOf" srcId="{8B281EE0-F8DC-B44E-8BFE-1BD5787D4A1D}" destId="{4B2FB95A-9C1E-9547-8C1D-3F533BCA0223}" srcOrd="5" destOrd="0" presId="urn:microsoft.com/office/officeart/2005/8/layout/hProcess9"/>
+    <dgm:cxn modelId="{53894C0B-A19E-6343-9D74-3EFCE133C427}" type="presParOf" srcId="{8B281EE0-F8DC-B44E-8BFE-1BD5787D4A1D}" destId="{1A9B96BC-57CD-C543-8A37-C32EA988B85E}" srcOrd="6" destOrd="0" presId="urn:microsoft.com/office/officeart/2005/8/layout/hProcess9"/>
+  </dgm:cxnLst>
+  <dgm:bg/>
+  <dgm:whole/>
+  <dgm:extLst>
+    <a:ext uri="http://schemas.microsoft.com/office/drawing/2008/diagram">
+      <dsp:dataModelExt xmlns:dsp="http://schemas.microsoft.com/office/drawing/2008/diagram" relId="rId6" minVer="http://schemas.openxmlformats.org/drawingml/2006/diagram"/>
+    </a:ext>
+  </dgm:extLst>
+</dgm:dataModel>
+</file>
+
+<file path=ppt/diagrams/data5.xml><?xml version="1.0" encoding="utf-8"?>
+<dgm:dataModel xmlns:dgm="http://schemas.openxmlformats.org/drawingml/2006/diagram" xmlns:a="http://schemas.openxmlformats.org/drawingml/2006/main">
+  <dgm:ptLst>
+    <dgm:pt modelId="{1FF27E07-8665-C945-9297-D904B93FFF1D}" type="doc">
+      <dgm:prSet loTypeId="urn:microsoft.com/office/officeart/2005/8/layout/process3" loCatId="" qsTypeId="urn:microsoft.com/office/officeart/2005/8/quickstyle/simple1" qsCatId="simple" csTypeId="urn:microsoft.com/office/officeart/2005/8/colors/colorful1" csCatId="colorful" phldr="1"/>
+      <dgm:spPr/>
+      <dgm:t>
+        <a:bodyPr/>
+        <a:lstStyle/>
+        <a:p>
+          <a:endParaRPr lang="en-US"/>
+        </a:p>
+      </dgm:t>
+    </dgm:pt>
+    <dgm:pt modelId="{26117898-1D6E-3340-9889-98CAC460F41A}">
+      <dgm:prSet phldrT="[Text]" custT="1"/>
+      <dgm:spPr/>
+      <dgm:t>
+        <a:bodyPr/>
+        <a:lstStyle/>
+        <a:p>
+          <a:r>
+            <a:rPr lang="en-US" sz="2000" b="1" dirty="0">
+              <a:latin typeface="Source Sans Pro" panose="020B0503030403020204" pitchFamily="34" charset="77"/>
+            </a:rPr>
+            <a:t>Spatial</a:t>
+          </a:r>
+        </a:p>
+      </dgm:t>
+    </dgm:pt>
+    <dgm:pt modelId="{F22A7C96-AAEE-A842-8444-BE3EA0B6C56F}" type="parTrans" cxnId="{AE2EE953-059A-5849-8FBB-F7E273E4310A}">
+      <dgm:prSet/>
+      <dgm:spPr/>
+      <dgm:t>
+        <a:bodyPr/>
+        <a:lstStyle/>
+        <a:p>
+          <a:endParaRPr lang="en-US">
+            <a:latin typeface="Source Sans Pro" panose="020B0503030403020204" pitchFamily="34" charset="77"/>
+          </a:endParaRPr>
+        </a:p>
+      </dgm:t>
+    </dgm:pt>
+    <dgm:pt modelId="{975D04AC-C84F-904E-A15E-A367145DA949}" type="sibTrans" cxnId="{AE2EE953-059A-5849-8FBB-F7E273E4310A}">
+      <dgm:prSet/>
+      <dgm:spPr/>
+      <dgm:t>
+        <a:bodyPr/>
+        <a:lstStyle/>
+        <a:p>
+          <a:endParaRPr lang="en-US">
+            <a:latin typeface="Source Sans Pro" panose="020B0503030403020204" pitchFamily="34" charset="77"/>
+          </a:endParaRPr>
+        </a:p>
+      </dgm:t>
+    </dgm:pt>
+    <dgm:pt modelId="{277C3733-8AEC-F14B-9662-2580168B0F9D}">
+      <dgm:prSet phldrT="[Text]" custT="1"/>
+      <dgm:spPr/>
+      <dgm:t>
+        <a:bodyPr/>
+        <a:lstStyle/>
+        <a:p>
+          <a:r>
+            <a:rPr lang="en-US" sz="1600" dirty="0">
+              <a:latin typeface="Source Sans Pro" panose="020B0503030403020204" pitchFamily="34" charset="77"/>
+            </a:rPr>
+            <a:t>Banking + Buffering</a:t>
+          </a:r>
+        </a:p>
+      </dgm:t>
+    </dgm:pt>
+    <dgm:pt modelId="{95AF4B9B-4A81-4143-9766-301665185E5F}" type="parTrans" cxnId="{67FD47EC-85D5-5F46-9F95-D63A10AC6EBD}">
+      <dgm:prSet/>
+      <dgm:spPr/>
+      <dgm:t>
+        <a:bodyPr/>
+        <a:lstStyle/>
+        <a:p>
+          <a:endParaRPr lang="en-US">
+            <a:latin typeface="Source Sans Pro" panose="020B0503030403020204" pitchFamily="34" charset="77"/>
+          </a:endParaRPr>
+        </a:p>
+      </dgm:t>
+    </dgm:pt>
+    <dgm:pt modelId="{F55669F3-D338-1F48-B33C-E0F964CD19AE}" type="sibTrans" cxnId="{67FD47EC-85D5-5F46-9F95-D63A10AC6EBD}">
+      <dgm:prSet/>
+      <dgm:spPr/>
+      <dgm:t>
+        <a:bodyPr/>
+        <a:lstStyle/>
+        <a:p>
+          <a:endParaRPr lang="en-US">
+            <a:latin typeface="Source Sans Pro" panose="020B0503030403020204" pitchFamily="34" charset="77"/>
+          </a:endParaRPr>
+        </a:p>
+      </dgm:t>
+    </dgm:pt>
+    <dgm:pt modelId="{44E6FEF5-80C3-D547-9BF8-E0ED9CD18CA7}">
+      <dgm:prSet phldrT="[Text]" custT="1"/>
+      <dgm:spPr/>
+      <dgm:t>
+        <a:bodyPr/>
+        <a:lstStyle/>
+        <a:p>
+          <a:r>
+            <a:rPr lang="en-US" sz="1600" dirty="0">
+              <a:latin typeface="Source Sans Pro" panose="020B0503030403020204" pitchFamily="34" charset="77"/>
+            </a:rPr>
+            <a:t>Loop Unrolling</a:t>
+          </a:r>
+        </a:p>
+      </dgm:t>
+    </dgm:pt>
+    <dgm:pt modelId="{E64B0601-DB4C-C94F-84E2-24C10ADEC5CE}" type="parTrans" cxnId="{D1ED3615-F37D-F946-B100-9432B1A313FB}">
+      <dgm:prSet/>
+      <dgm:spPr/>
+      <dgm:t>
+        <a:bodyPr/>
+        <a:lstStyle/>
+        <a:p>
+          <a:endParaRPr lang="en-US">
+            <a:latin typeface="Source Sans Pro" panose="020B0503030403020204" pitchFamily="34" charset="77"/>
+          </a:endParaRPr>
+        </a:p>
+      </dgm:t>
+    </dgm:pt>
+    <dgm:pt modelId="{3416095F-E7A1-054D-BFE5-F31DD0AD54BD}" type="sibTrans" cxnId="{D1ED3615-F37D-F946-B100-9432B1A313FB}">
+      <dgm:prSet/>
+      <dgm:spPr/>
+      <dgm:t>
+        <a:bodyPr/>
+        <a:lstStyle/>
+        <a:p>
+          <a:endParaRPr lang="en-US">
+            <a:latin typeface="Source Sans Pro" panose="020B0503030403020204" pitchFamily="34" charset="77"/>
+          </a:endParaRPr>
+        </a:p>
+      </dgm:t>
+    </dgm:pt>
+    <dgm:pt modelId="{0126AD6F-FCAD-D14A-8353-B8EA2B851EE5}">
+      <dgm:prSet phldrT="[Text]" custT="1"/>
+      <dgm:spPr/>
+      <dgm:t>
+        <a:bodyPr/>
+        <a:lstStyle/>
+        <a:p>
+          <a:r>
+            <a:rPr lang="en-US" sz="2000" b="1" dirty="0">
+              <a:latin typeface="Source Sans Pro" panose="020B0503030403020204" pitchFamily="34" charset="77"/>
+            </a:rPr>
+            <a:t>Plasticine IR</a:t>
+          </a:r>
+        </a:p>
+      </dgm:t>
+    </dgm:pt>
+    <dgm:pt modelId="{65B48314-47B7-FC4F-B65F-273D453860E6}" type="parTrans" cxnId="{C1EDC9F3-580D-794F-9258-D758ED608E10}">
+      <dgm:prSet/>
+      <dgm:spPr/>
+      <dgm:t>
+        <a:bodyPr/>
+        <a:lstStyle/>
+        <a:p>
+          <a:endParaRPr lang="en-US">
+            <a:latin typeface="Source Sans Pro" panose="020B0503030403020204" pitchFamily="34" charset="77"/>
+          </a:endParaRPr>
+        </a:p>
+      </dgm:t>
+    </dgm:pt>
+    <dgm:pt modelId="{A5EF1ABC-D534-104D-8DF9-343203C874EB}" type="sibTrans" cxnId="{C1EDC9F3-580D-794F-9258-D758ED608E10}">
+      <dgm:prSet/>
+      <dgm:spPr/>
+      <dgm:t>
+        <a:bodyPr/>
+        <a:lstStyle/>
+        <a:p>
+          <a:endParaRPr lang="en-US">
+            <a:latin typeface="Source Sans Pro" panose="020B0503030403020204" pitchFamily="34" charset="77"/>
+          </a:endParaRPr>
+        </a:p>
+      </dgm:t>
+    </dgm:pt>
+    <dgm:pt modelId="{3C721F0F-E112-8747-8256-86E74B510CEB}">
+      <dgm:prSet phldrT="[Text]" custT="1"/>
+      <dgm:spPr/>
+      <dgm:t>
+        <a:bodyPr/>
+        <a:lstStyle/>
+        <a:p>
+          <a:r>
+            <a:rPr lang="en-US" sz="1600" dirty="0">
+              <a:latin typeface="Source Sans Pro" panose="020B0503030403020204" pitchFamily="34" charset="77"/>
+            </a:rPr>
+            <a:t>Compute Unit Allocation and Partitioning</a:t>
+          </a:r>
+        </a:p>
+      </dgm:t>
+    </dgm:pt>
+    <dgm:pt modelId="{EC542947-0AEB-0D4C-9F35-F87E9AC1320C}" type="parTrans" cxnId="{289FBE39-0DEC-1E41-A06A-E78F964C9CC2}">
+      <dgm:prSet/>
+      <dgm:spPr/>
+      <dgm:t>
+        <a:bodyPr/>
+        <a:lstStyle/>
+        <a:p>
+          <a:endParaRPr lang="en-US">
+            <a:latin typeface="Source Sans Pro" panose="020B0503030403020204" pitchFamily="34" charset="77"/>
+          </a:endParaRPr>
+        </a:p>
+      </dgm:t>
+    </dgm:pt>
+    <dgm:pt modelId="{541D82AA-F4F5-474E-B693-78DDD850FC49}" type="sibTrans" cxnId="{289FBE39-0DEC-1E41-A06A-E78F964C9CC2}">
+      <dgm:prSet/>
+      <dgm:spPr/>
+      <dgm:t>
+        <a:bodyPr/>
+        <a:lstStyle/>
+        <a:p>
+          <a:endParaRPr lang="en-US">
+            <a:latin typeface="Source Sans Pro" panose="020B0503030403020204" pitchFamily="34" charset="77"/>
+          </a:endParaRPr>
+        </a:p>
+      </dgm:t>
+    </dgm:pt>
+    <dgm:pt modelId="{9AA4E197-FEB2-3C43-8458-5FC043D0AF9F}">
+      <dgm:prSet phldrT="[Text]" custT="1"/>
+      <dgm:spPr/>
+      <dgm:t>
+        <a:bodyPr/>
+        <a:lstStyle/>
+        <a:p>
+          <a:r>
+            <a:rPr lang="en-US" sz="1600" dirty="0">
+              <a:latin typeface="Source Sans Pro" panose="020B0503030403020204" pitchFamily="34" charset="77"/>
+            </a:rPr>
+            <a:t>Control Logic Allocation</a:t>
+          </a:r>
+        </a:p>
+      </dgm:t>
+    </dgm:pt>
+    <dgm:pt modelId="{635D954A-2172-0D4E-A5A7-6E68C8A478BE}" type="parTrans" cxnId="{F1E93579-4293-CC41-8563-70C18768C36D}">
+      <dgm:prSet/>
+      <dgm:spPr/>
+      <dgm:t>
+        <a:bodyPr/>
+        <a:lstStyle/>
+        <a:p>
+          <a:endParaRPr lang="en-US">
+            <a:latin typeface="Source Sans Pro" panose="020B0503030403020204" pitchFamily="34" charset="77"/>
+          </a:endParaRPr>
+        </a:p>
+      </dgm:t>
+    </dgm:pt>
+    <dgm:pt modelId="{1E736497-2076-8348-BD25-C331F762FCED}" type="sibTrans" cxnId="{F1E93579-4293-CC41-8563-70C18768C36D}">
+      <dgm:prSet/>
+      <dgm:spPr/>
+      <dgm:t>
+        <a:bodyPr/>
+        <a:lstStyle/>
+        <a:p>
+          <a:endParaRPr lang="en-US">
+            <a:latin typeface="Source Sans Pro" panose="020B0503030403020204" pitchFamily="34" charset="77"/>
+          </a:endParaRPr>
+        </a:p>
+      </dgm:t>
+    </dgm:pt>
+    <dgm:pt modelId="{35025888-FD8D-8744-A128-71A706B88DDE}">
+      <dgm:prSet phldrT="[Text]" custT="1"/>
+      <dgm:spPr/>
+      <dgm:t>
+        <a:bodyPr/>
+        <a:lstStyle/>
+        <a:p>
+          <a:r>
+            <a:rPr lang="en-US" sz="2000" b="1" dirty="0">
+              <a:latin typeface="Source Sans Pro" panose="020B0503030403020204" pitchFamily="34" charset="77"/>
+            </a:rPr>
+            <a:t>Mapping</a:t>
+          </a:r>
+        </a:p>
+      </dgm:t>
+    </dgm:pt>
+    <dgm:pt modelId="{E26ECD42-7062-2041-B13D-F341FED33C64}" type="parTrans" cxnId="{A469314D-C54D-3448-A275-09E9D9EA8D60}">
+      <dgm:prSet/>
+      <dgm:spPr/>
+      <dgm:t>
+        <a:bodyPr/>
+        <a:lstStyle/>
+        <a:p>
+          <a:endParaRPr lang="en-US">
+            <a:latin typeface="Source Sans Pro" panose="020B0503030403020204" pitchFamily="34" charset="77"/>
+          </a:endParaRPr>
+        </a:p>
+      </dgm:t>
+    </dgm:pt>
+    <dgm:pt modelId="{93F32E4C-665A-4A46-A8F6-D8A1845D53FE}" type="sibTrans" cxnId="{A469314D-C54D-3448-A275-09E9D9EA8D60}">
+      <dgm:prSet/>
+      <dgm:spPr/>
+      <dgm:t>
+        <a:bodyPr/>
+        <a:lstStyle/>
+        <a:p>
+          <a:endParaRPr lang="en-US">
+            <a:latin typeface="Source Sans Pro" panose="020B0503030403020204" pitchFamily="34" charset="77"/>
+          </a:endParaRPr>
+        </a:p>
+      </dgm:t>
+    </dgm:pt>
+    <dgm:pt modelId="{2488CF3A-3460-704C-A8E1-ACE282E88B0F}">
+      <dgm:prSet phldrT="[Text]" custT="1"/>
+      <dgm:spPr/>
+      <dgm:t>
+        <a:bodyPr/>
+        <a:lstStyle/>
+        <a:p>
+          <a:r>
+            <a:rPr lang="en-US" sz="1600" dirty="0">
+              <a:latin typeface="Source Sans Pro" panose="020B0503030403020204" pitchFamily="34" charset="77"/>
+            </a:rPr>
+            <a:t>Placement and Routing</a:t>
+          </a:r>
+        </a:p>
+      </dgm:t>
+    </dgm:pt>
+    <dgm:pt modelId="{9CC15F14-B068-3D47-A9B5-30A439EE60D4}" type="parTrans" cxnId="{FC7BF3F2-EE36-3146-AEE5-72F3BE3CA3D1}">
+      <dgm:prSet/>
+      <dgm:spPr/>
+      <dgm:t>
+        <a:bodyPr/>
+        <a:lstStyle/>
+        <a:p>
+          <a:endParaRPr lang="en-US">
+            <a:latin typeface="Source Sans Pro" panose="020B0503030403020204" pitchFamily="34" charset="77"/>
+          </a:endParaRPr>
+        </a:p>
+      </dgm:t>
+    </dgm:pt>
+    <dgm:pt modelId="{32765ABA-A82D-424C-A688-B6112AA6366E}" type="sibTrans" cxnId="{FC7BF3F2-EE36-3146-AEE5-72F3BE3CA3D1}">
+      <dgm:prSet/>
+      <dgm:spPr/>
+      <dgm:t>
+        <a:bodyPr/>
+        <a:lstStyle/>
+        <a:p>
+          <a:endParaRPr lang="en-US">
+            <a:latin typeface="Source Sans Pro" panose="020B0503030403020204" pitchFamily="34" charset="77"/>
+          </a:endParaRPr>
+        </a:p>
+      </dgm:t>
+    </dgm:pt>
+    <dgm:pt modelId="{E2576C8E-B3AC-8E47-8F4E-4B3048AF5F20}">
+      <dgm:prSet phldrT="[Text]" custT="1"/>
+      <dgm:spPr/>
+      <dgm:t>
+        <a:bodyPr/>
+        <a:lstStyle/>
+        <a:p>
+          <a:r>
+            <a:rPr lang="en-US" sz="1600" dirty="0">
+              <a:latin typeface="Source Sans Pro" panose="020B0503030403020204" pitchFamily="34" charset="77"/>
+            </a:rPr>
+            <a:t>VC Allocation</a:t>
+          </a:r>
+        </a:p>
+      </dgm:t>
+    </dgm:pt>
+    <dgm:pt modelId="{98473D38-1A29-C14D-9840-7C94483658CD}" type="parTrans" cxnId="{27E390C4-4F25-1A41-841E-08A7A3C15E6B}">
+      <dgm:prSet/>
+      <dgm:spPr/>
+      <dgm:t>
+        <a:bodyPr/>
+        <a:lstStyle/>
+        <a:p>
+          <a:endParaRPr lang="en-US">
+            <a:latin typeface="Source Sans Pro" panose="020B0503030403020204" pitchFamily="34" charset="77"/>
+          </a:endParaRPr>
+        </a:p>
+      </dgm:t>
+    </dgm:pt>
+    <dgm:pt modelId="{521ECD97-A86D-544A-8B96-F9B7843DAADC}" type="sibTrans" cxnId="{27E390C4-4F25-1A41-841E-08A7A3C15E6B}">
+      <dgm:prSet/>
+      <dgm:spPr/>
+      <dgm:t>
+        <a:bodyPr/>
+        <a:lstStyle/>
+        <a:p>
+          <a:endParaRPr lang="en-US">
+            <a:latin typeface="Source Sans Pro" panose="020B0503030403020204" pitchFamily="34" charset="77"/>
+          </a:endParaRPr>
+        </a:p>
+      </dgm:t>
+    </dgm:pt>
+    <dgm:pt modelId="{0FCC7809-694A-7B46-94D1-6545DFBEDE61}">
+      <dgm:prSet custT="1"/>
+      <dgm:spPr/>
+      <dgm:t>
+        <a:bodyPr/>
+        <a:lstStyle/>
+        <a:p>
+          <a:r>
+            <a:rPr lang="en-US" sz="2000" b="1" dirty="0">
+              <a:latin typeface="Source Sans Pro" panose="020B0503030403020204" pitchFamily="34" charset="77"/>
+            </a:rPr>
+            <a:t>Simulation</a:t>
+          </a:r>
+        </a:p>
+      </dgm:t>
+    </dgm:pt>
+    <dgm:pt modelId="{C3F0806D-BABF-4448-AE06-62985379CF80}" type="parTrans" cxnId="{7202E1BA-07C7-7A47-A8E6-6479DA3DF4A8}">
+      <dgm:prSet/>
+      <dgm:spPr/>
+      <dgm:t>
+        <a:bodyPr/>
+        <a:lstStyle/>
+        <a:p>
+          <a:endParaRPr lang="en-US">
+            <a:latin typeface="Source Sans Pro" panose="020B0503030403020204" pitchFamily="34" charset="77"/>
+          </a:endParaRPr>
+        </a:p>
+      </dgm:t>
+    </dgm:pt>
+    <dgm:pt modelId="{1E0ECC71-E185-B34D-A81F-9352714B3E60}" type="sibTrans" cxnId="{7202E1BA-07C7-7A47-A8E6-6479DA3DF4A8}">
+      <dgm:prSet/>
+      <dgm:spPr/>
+      <dgm:t>
+        <a:bodyPr/>
+        <a:lstStyle/>
+        <a:p>
+          <a:endParaRPr lang="en-US">
+            <a:latin typeface="Source Sans Pro" panose="020B0503030403020204" pitchFamily="34" charset="77"/>
+          </a:endParaRPr>
+        </a:p>
+      </dgm:t>
+    </dgm:pt>
+    <dgm:pt modelId="{D4D17A9C-EA6A-0241-9430-5DCFC3D9780E}">
+      <dgm:prSet custT="1"/>
+      <dgm:spPr/>
+      <dgm:t>
+        <a:bodyPr/>
+        <a:lstStyle/>
+        <a:p>
+          <a:r>
+            <a:rPr lang="en-US" sz="1600" dirty="0">
+              <a:latin typeface="Source Sans Pro" panose="020B0503030403020204" pitchFamily="34" charset="77"/>
+            </a:rPr>
+            <a:t>Fast Cycle Accurate Control Simulator</a:t>
+          </a:r>
+        </a:p>
+      </dgm:t>
+    </dgm:pt>
+    <dgm:pt modelId="{9D2506E3-42DA-2146-8E20-0A29E679188F}" type="parTrans" cxnId="{A556FCD6-4BB3-944C-AF1A-3462CA42939E}">
+      <dgm:prSet/>
+      <dgm:spPr/>
+      <dgm:t>
+        <a:bodyPr/>
+        <a:lstStyle/>
+        <a:p>
+          <a:endParaRPr lang="en-US">
+            <a:latin typeface="Source Sans Pro" panose="020B0503030403020204" pitchFamily="34" charset="77"/>
+          </a:endParaRPr>
+        </a:p>
+      </dgm:t>
+    </dgm:pt>
+    <dgm:pt modelId="{EC9CFD6D-A0D3-F14F-912E-D5449BAE9C4F}" type="sibTrans" cxnId="{A556FCD6-4BB3-944C-AF1A-3462CA42939E}">
+      <dgm:prSet/>
+      <dgm:spPr/>
+      <dgm:t>
+        <a:bodyPr/>
+        <a:lstStyle/>
+        <a:p>
+          <a:endParaRPr lang="en-US">
+            <a:latin typeface="Source Sans Pro" panose="020B0503030403020204" pitchFamily="34" charset="77"/>
+          </a:endParaRPr>
+        </a:p>
+      </dgm:t>
+    </dgm:pt>
+    <dgm:pt modelId="{2E7BFF9E-117E-8146-A601-CD247E87743F}">
+      <dgm:prSet custT="1"/>
+      <dgm:spPr/>
+      <dgm:t>
+        <a:bodyPr/>
+        <a:lstStyle/>
+        <a:p>
+          <a:r>
+            <a:rPr lang="en-US" sz="1600" dirty="0">
+              <a:latin typeface="Source Sans Pro" panose="020B0503030403020204" pitchFamily="34" charset="77"/>
+            </a:rPr>
+            <a:t>Integrated with </a:t>
+          </a:r>
+          <a:r>
+            <a:rPr lang="en-US" sz="1600" dirty="0" err="1">
+              <a:latin typeface="Source Sans Pro" panose="020B0503030403020204" pitchFamily="34" charset="77"/>
+            </a:rPr>
+            <a:t>DRAMSim</a:t>
+          </a:r>
+          <a:r>
+            <a:rPr lang="en-US" sz="1600" dirty="0">
+              <a:latin typeface="Source Sans Pro" panose="020B0503030403020204" pitchFamily="34" charset="77"/>
+            </a:rPr>
+            <a:t> and </a:t>
+          </a:r>
+          <a:r>
+            <a:rPr lang="en-US" sz="1600" dirty="0" err="1">
+              <a:latin typeface="Source Sans Pro" panose="020B0503030403020204" pitchFamily="34" charset="77"/>
+            </a:rPr>
+            <a:t>BookSim</a:t>
+          </a:r>
+          <a:endParaRPr lang="en-US" sz="1600" dirty="0">
+            <a:latin typeface="Source Sans Pro" panose="020B0503030403020204" pitchFamily="34" charset="77"/>
+          </a:endParaRPr>
+        </a:p>
+      </dgm:t>
+    </dgm:pt>
+    <dgm:pt modelId="{B99B26BB-7C92-5244-A013-5306C7799A00}" type="parTrans" cxnId="{E3BE9725-8F5D-DC46-993B-7394051E2942}">
+      <dgm:prSet/>
+      <dgm:spPr/>
+      <dgm:t>
+        <a:bodyPr/>
+        <a:lstStyle/>
+        <a:p>
+          <a:endParaRPr lang="en-US">
+            <a:latin typeface="Source Sans Pro" panose="020B0503030403020204" pitchFamily="34" charset="77"/>
+          </a:endParaRPr>
+        </a:p>
+      </dgm:t>
+    </dgm:pt>
+    <dgm:pt modelId="{B23ED67C-932A-9D4E-82D0-CF04945D6C5E}" type="sibTrans" cxnId="{E3BE9725-8F5D-DC46-993B-7394051E2942}">
+      <dgm:prSet/>
+      <dgm:spPr/>
+      <dgm:t>
+        <a:bodyPr/>
+        <a:lstStyle/>
+        <a:p>
+          <a:endParaRPr lang="en-US">
+            <a:latin typeface="Source Sans Pro" panose="020B0503030403020204" pitchFamily="34" charset="77"/>
+          </a:endParaRPr>
+        </a:p>
+      </dgm:t>
+    </dgm:pt>
+    <dgm:pt modelId="{B59C4841-4132-1B41-B2B7-37272BDFC9AE}" type="pres">
+      <dgm:prSet presAssocID="{1FF27E07-8665-C945-9297-D904B93FFF1D}" presName="linearFlow" presStyleCnt="0">
+        <dgm:presLayoutVars>
+          <dgm:dir/>
+          <dgm:animLvl val="lvl"/>
+          <dgm:resizeHandles val="exact"/>
+        </dgm:presLayoutVars>
+      </dgm:prSet>
+      <dgm:spPr/>
+    </dgm:pt>
+    <dgm:pt modelId="{5F783564-809C-A243-B88E-1DB95090EA7B}" type="pres">
+      <dgm:prSet presAssocID="{26117898-1D6E-3340-9889-98CAC460F41A}" presName="composite" presStyleCnt="0"/>
+      <dgm:spPr/>
+    </dgm:pt>
+    <dgm:pt modelId="{D0500886-6026-C140-93C4-DAD1F5F29443}" type="pres">
+      <dgm:prSet presAssocID="{26117898-1D6E-3340-9889-98CAC460F41A}" presName="parTx" presStyleLbl="node1" presStyleIdx="0" presStyleCnt="4">
+        <dgm:presLayoutVars>
+          <dgm:chMax val="0"/>
+          <dgm:chPref val="0"/>
+          <dgm:bulletEnabled val="1"/>
+        </dgm:presLayoutVars>
+      </dgm:prSet>
+      <dgm:spPr/>
+    </dgm:pt>
+    <dgm:pt modelId="{0D2FE111-8CA2-C349-AB56-C6828140202D}" type="pres">
+      <dgm:prSet presAssocID="{26117898-1D6E-3340-9889-98CAC460F41A}" presName="parSh" presStyleLbl="node1" presStyleIdx="0" presStyleCnt="4"/>
+      <dgm:spPr/>
+    </dgm:pt>
+    <dgm:pt modelId="{41D9FDBE-AAD2-934C-83C5-A5C70E113C63}" type="pres">
+      <dgm:prSet presAssocID="{26117898-1D6E-3340-9889-98CAC460F41A}" presName="desTx" presStyleLbl="fgAcc1" presStyleIdx="0" presStyleCnt="4" custScaleX="109157">
+        <dgm:presLayoutVars>
+          <dgm:bulletEnabled val="1"/>
+        </dgm:presLayoutVars>
+      </dgm:prSet>
+      <dgm:spPr/>
+    </dgm:pt>
+    <dgm:pt modelId="{BA97008B-6018-8E49-83E7-0B090F526192}" type="pres">
+      <dgm:prSet presAssocID="{975D04AC-C84F-904E-A15E-A367145DA949}" presName="sibTrans" presStyleLbl="sibTrans2D1" presStyleIdx="0" presStyleCnt="3"/>
+      <dgm:spPr/>
+    </dgm:pt>
+    <dgm:pt modelId="{6F8A142E-BE58-4F4D-A442-D8BBD7181007}" type="pres">
+      <dgm:prSet presAssocID="{975D04AC-C84F-904E-A15E-A367145DA949}" presName="connTx" presStyleLbl="sibTrans2D1" presStyleIdx="0" presStyleCnt="3"/>
+      <dgm:spPr/>
+    </dgm:pt>
+    <dgm:pt modelId="{DDFA797E-9C52-5B40-BBAF-3550EC1D340C}" type="pres">
+      <dgm:prSet presAssocID="{0126AD6F-FCAD-D14A-8353-B8EA2B851EE5}" presName="composite" presStyleCnt="0"/>
+      <dgm:spPr/>
+    </dgm:pt>
+    <dgm:pt modelId="{54F70A37-CA77-5A46-BA72-593BA53E909F}" type="pres">
+      <dgm:prSet presAssocID="{0126AD6F-FCAD-D14A-8353-B8EA2B851EE5}" presName="parTx" presStyleLbl="node1" presStyleIdx="0" presStyleCnt="4">
+        <dgm:presLayoutVars>
+          <dgm:chMax val="0"/>
+          <dgm:chPref val="0"/>
+          <dgm:bulletEnabled val="1"/>
+        </dgm:presLayoutVars>
+      </dgm:prSet>
+      <dgm:spPr/>
+    </dgm:pt>
+    <dgm:pt modelId="{74D8BB76-A676-D545-913C-D9061EE62F76}" type="pres">
+      <dgm:prSet presAssocID="{0126AD6F-FCAD-D14A-8353-B8EA2B851EE5}" presName="parSh" presStyleLbl="node1" presStyleIdx="1" presStyleCnt="4"/>
+      <dgm:spPr/>
+    </dgm:pt>
+    <dgm:pt modelId="{2158AAC2-E0B2-B14A-933A-2718451A24B5}" type="pres">
+      <dgm:prSet presAssocID="{0126AD6F-FCAD-D14A-8353-B8EA2B851EE5}" presName="desTx" presStyleLbl="fgAcc1" presStyleIdx="1" presStyleCnt="4" custScaleX="110988">
+        <dgm:presLayoutVars>
+          <dgm:bulletEnabled val="1"/>
+        </dgm:presLayoutVars>
+      </dgm:prSet>
+      <dgm:spPr/>
+    </dgm:pt>
+    <dgm:pt modelId="{AA0C2FC1-640B-3E4D-B2B5-5B3D5FCEDE6B}" type="pres">
+      <dgm:prSet presAssocID="{A5EF1ABC-D534-104D-8DF9-343203C874EB}" presName="sibTrans" presStyleLbl="sibTrans2D1" presStyleIdx="1" presStyleCnt="3"/>
+      <dgm:spPr/>
+    </dgm:pt>
+    <dgm:pt modelId="{E8C24078-41B4-024C-B588-3E494703454C}" type="pres">
+      <dgm:prSet presAssocID="{A5EF1ABC-D534-104D-8DF9-343203C874EB}" presName="connTx" presStyleLbl="sibTrans2D1" presStyleIdx="1" presStyleCnt="3"/>
+      <dgm:spPr/>
+    </dgm:pt>
+    <dgm:pt modelId="{FE3C7E81-0ED5-EA4F-B630-E14DF25385FF}" type="pres">
+      <dgm:prSet presAssocID="{35025888-FD8D-8744-A128-71A706B88DDE}" presName="composite" presStyleCnt="0"/>
+      <dgm:spPr/>
+    </dgm:pt>
+    <dgm:pt modelId="{80FE26A3-9FD8-7048-9273-165FBCCE2E75}" type="pres">
+      <dgm:prSet presAssocID="{35025888-FD8D-8744-A128-71A706B88DDE}" presName="parTx" presStyleLbl="node1" presStyleIdx="1" presStyleCnt="4">
+        <dgm:presLayoutVars>
+          <dgm:chMax val="0"/>
+          <dgm:chPref val="0"/>
+          <dgm:bulletEnabled val="1"/>
+        </dgm:presLayoutVars>
+      </dgm:prSet>
+      <dgm:spPr/>
+    </dgm:pt>
+    <dgm:pt modelId="{C3AF2ECD-577C-104D-956E-E9A22772C6F1}" type="pres">
+      <dgm:prSet presAssocID="{35025888-FD8D-8744-A128-71A706B88DDE}" presName="parSh" presStyleLbl="node1" presStyleIdx="2" presStyleCnt="4"/>
+      <dgm:spPr/>
+    </dgm:pt>
+    <dgm:pt modelId="{D966FE66-A74A-D744-9EB2-B25AF491C6C6}" type="pres">
+      <dgm:prSet presAssocID="{35025888-FD8D-8744-A128-71A706B88DDE}" presName="desTx" presStyleLbl="fgAcc1" presStyleIdx="2" presStyleCnt="4" custScaleX="114428">
+        <dgm:presLayoutVars>
+          <dgm:bulletEnabled val="1"/>
+        </dgm:presLayoutVars>
+      </dgm:prSet>
+      <dgm:spPr/>
+    </dgm:pt>
+    <dgm:pt modelId="{B35E5B03-B2F2-874D-A9EC-901BEAAC6287}" type="pres">
+      <dgm:prSet presAssocID="{93F32E4C-665A-4A46-A8F6-D8A1845D53FE}" presName="sibTrans" presStyleLbl="sibTrans2D1" presStyleIdx="2" presStyleCnt="3"/>
+      <dgm:spPr/>
+    </dgm:pt>
+    <dgm:pt modelId="{5F973C4C-A852-4843-9C32-E0DA896BD5F7}" type="pres">
+      <dgm:prSet presAssocID="{93F32E4C-665A-4A46-A8F6-D8A1845D53FE}" presName="connTx" presStyleLbl="sibTrans2D1" presStyleIdx="2" presStyleCnt="3"/>
+      <dgm:spPr/>
+    </dgm:pt>
+    <dgm:pt modelId="{0ACFA7E5-75FF-F04B-9240-1E15EE2DD056}" type="pres">
+      <dgm:prSet presAssocID="{0FCC7809-694A-7B46-94D1-6545DFBEDE61}" presName="composite" presStyleCnt="0"/>
+      <dgm:spPr/>
+    </dgm:pt>
+    <dgm:pt modelId="{55A476EA-3561-1B42-A084-0890F0185109}" type="pres">
+      <dgm:prSet presAssocID="{0FCC7809-694A-7B46-94D1-6545DFBEDE61}" presName="parTx" presStyleLbl="node1" presStyleIdx="2" presStyleCnt="4">
+        <dgm:presLayoutVars>
+          <dgm:chMax val="0"/>
+          <dgm:chPref val="0"/>
+          <dgm:bulletEnabled val="1"/>
+        </dgm:presLayoutVars>
+      </dgm:prSet>
+      <dgm:spPr/>
+    </dgm:pt>
+    <dgm:pt modelId="{092D8CA3-6324-264E-BF85-18C8A59AC1D8}" type="pres">
+      <dgm:prSet presAssocID="{0FCC7809-694A-7B46-94D1-6545DFBEDE61}" presName="parSh" presStyleLbl="node1" presStyleIdx="3" presStyleCnt="4"/>
+      <dgm:spPr/>
+    </dgm:pt>
+    <dgm:pt modelId="{5E24692E-E2F2-0E4C-9922-06D71F7390D2}" type="pres">
+      <dgm:prSet presAssocID="{0FCC7809-694A-7B46-94D1-6545DFBEDE61}" presName="desTx" presStyleLbl="fgAcc1" presStyleIdx="3" presStyleCnt="4" custScaleX="119242">
+        <dgm:presLayoutVars>
+          <dgm:bulletEnabled val="1"/>
+        </dgm:presLayoutVars>
+      </dgm:prSet>
+      <dgm:spPr/>
+    </dgm:pt>
+  </dgm:ptLst>
+  <dgm:cxnLst>
+    <dgm:cxn modelId="{2A9BD001-6878-6148-A0E4-DD9144534F6F}" type="presOf" srcId="{0FCC7809-694A-7B46-94D1-6545DFBEDE61}" destId="{092D8CA3-6324-264E-BF85-18C8A59AC1D8}" srcOrd="1" destOrd="0" presId="urn:microsoft.com/office/officeart/2005/8/layout/process3"/>
+    <dgm:cxn modelId="{EA10FD0E-1720-C641-A5F6-A98AE89F9693}" type="presOf" srcId="{93F32E4C-665A-4A46-A8F6-D8A1845D53FE}" destId="{5F973C4C-A852-4843-9C32-E0DA896BD5F7}" srcOrd="1" destOrd="0" presId="urn:microsoft.com/office/officeart/2005/8/layout/process3"/>
+    <dgm:cxn modelId="{D1ED3615-F37D-F946-B100-9432B1A313FB}" srcId="{26117898-1D6E-3340-9889-98CAC460F41A}" destId="{44E6FEF5-80C3-D547-9BF8-E0ED9CD18CA7}" srcOrd="1" destOrd="0" parTransId="{E64B0601-DB4C-C94F-84E2-24C10ADEC5CE}" sibTransId="{3416095F-E7A1-054D-BFE5-F31DD0AD54BD}"/>
+    <dgm:cxn modelId="{E3BE9725-8F5D-DC46-993B-7394051E2942}" srcId="{0FCC7809-694A-7B46-94D1-6545DFBEDE61}" destId="{2E7BFF9E-117E-8146-A601-CD247E87743F}" srcOrd="1" destOrd="0" parTransId="{B99B26BB-7C92-5244-A013-5306C7799A00}" sibTransId="{B23ED67C-932A-9D4E-82D0-CF04945D6C5E}"/>
+    <dgm:cxn modelId="{0F3F8830-BBC8-9340-8243-31115402F07E}" type="presOf" srcId="{35025888-FD8D-8744-A128-71A706B88DDE}" destId="{80FE26A3-9FD8-7048-9273-165FBCCE2E75}" srcOrd="0" destOrd="0" presId="urn:microsoft.com/office/officeart/2005/8/layout/process3"/>
+    <dgm:cxn modelId="{8D332038-BE89-5E46-85CB-D8755F194480}" type="presOf" srcId="{93F32E4C-665A-4A46-A8F6-D8A1845D53FE}" destId="{B35E5B03-B2F2-874D-A9EC-901BEAAC6287}" srcOrd="0" destOrd="0" presId="urn:microsoft.com/office/officeart/2005/8/layout/process3"/>
+    <dgm:cxn modelId="{289FBE39-0DEC-1E41-A06A-E78F964C9CC2}" srcId="{0126AD6F-FCAD-D14A-8353-B8EA2B851EE5}" destId="{3C721F0F-E112-8747-8256-86E74B510CEB}" srcOrd="0" destOrd="0" parTransId="{EC542947-0AEB-0D4C-9F35-F87E9AC1320C}" sibTransId="{541D82AA-F4F5-474E-B693-78DDD850FC49}"/>
+    <dgm:cxn modelId="{461E9749-0407-544F-A819-41BA0B14BAC6}" type="presOf" srcId="{2488CF3A-3460-704C-A8E1-ACE282E88B0F}" destId="{D966FE66-A74A-D744-9EB2-B25AF491C6C6}" srcOrd="0" destOrd="0" presId="urn:microsoft.com/office/officeart/2005/8/layout/process3"/>
+    <dgm:cxn modelId="{1372A549-FD0F-184B-A20E-162C50CD5FE5}" type="presOf" srcId="{9AA4E197-FEB2-3C43-8458-5FC043D0AF9F}" destId="{2158AAC2-E0B2-B14A-933A-2718451A24B5}" srcOrd="0" destOrd="1" presId="urn:microsoft.com/office/officeart/2005/8/layout/process3"/>
+    <dgm:cxn modelId="{A469314D-C54D-3448-A275-09E9D9EA8D60}" srcId="{1FF27E07-8665-C945-9297-D904B93FFF1D}" destId="{35025888-FD8D-8744-A128-71A706B88DDE}" srcOrd="2" destOrd="0" parTransId="{E26ECD42-7062-2041-B13D-F341FED33C64}" sibTransId="{93F32E4C-665A-4A46-A8F6-D8A1845D53FE}"/>
+    <dgm:cxn modelId="{27BA7F52-D032-5545-8D0E-148D376A5DC4}" type="presOf" srcId="{975D04AC-C84F-904E-A15E-A367145DA949}" destId="{BA97008B-6018-8E49-83E7-0B090F526192}" srcOrd="0" destOrd="0" presId="urn:microsoft.com/office/officeart/2005/8/layout/process3"/>
+    <dgm:cxn modelId="{AE2EE953-059A-5849-8FBB-F7E273E4310A}" srcId="{1FF27E07-8665-C945-9297-D904B93FFF1D}" destId="{26117898-1D6E-3340-9889-98CAC460F41A}" srcOrd="0" destOrd="0" parTransId="{F22A7C96-AAEE-A842-8444-BE3EA0B6C56F}" sibTransId="{975D04AC-C84F-904E-A15E-A367145DA949}"/>
+    <dgm:cxn modelId="{0A5F4064-BCBC-EE49-9C7B-CD99985D25F9}" type="presOf" srcId="{2E7BFF9E-117E-8146-A601-CD247E87743F}" destId="{5E24692E-E2F2-0E4C-9922-06D71F7390D2}" srcOrd="0" destOrd="1" presId="urn:microsoft.com/office/officeart/2005/8/layout/process3"/>
+    <dgm:cxn modelId="{9B27796D-A6D3-4D44-B61B-94B2C3542189}" type="presOf" srcId="{0FCC7809-694A-7B46-94D1-6545DFBEDE61}" destId="{55A476EA-3561-1B42-A084-0890F0185109}" srcOrd="0" destOrd="0" presId="urn:microsoft.com/office/officeart/2005/8/layout/process3"/>
+    <dgm:cxn modelId="{0B9D3476-FE72-4A48-9746-E5EFE0EA11CE}" type="presOf" srcId="{26117898-1D6E-3340-9889-98CAC460F41A}" destId="{0D2FE111-8CA2-C349-AB56-C6828140202D}" srcOrd="1" destOrd="0" presId="urn:microsoft.com/office/officeart/2005/8/layout/process3"/>
+    <dgm:cxn modelId="{5DB5EF77-5AF9-3947-982D-6DF6B9F2F2AE}" type="presOf" srcId="{A5EF1ABC-D534-104D-8DF9-343203C874EB}" destId="{AA0C2FC1-640B-3E4D-B2B5-5B3D5FCEDE6B}" srcOrd="0" destOrd="0" presId="urn:microsoft.com/office/officeart/2005/8/layout/process3"/>
+    <dgm:cxn modelId="{F1E93579-4293-CC41-8563-70C18768C36D}" srcId="{0126AD6F-FCAD-D14A-8353-B8EA2B851EE5}" destId="{9AA4E197-FEB2-3C43-8458-5FC043D0AF9F}" srcOrd="1" destOrd="0" parTransId="{635D954A-2172-0D4E-A5A7-6E68C8A478BE}" sibTransId="{1E736497-2076-8348-BD25-C331F762FCED}"/>
+    <dgm:cxn modelId="{A63E6890-6794-0847-A90D-9614B0DD70F1}" type="presOf" srcId="{0126AD6F-FCAD-D14A-8353-B8EA2B851EE5}" destId="{54F70A37-CA77-5A46-BA72-593BA53E909F}" srcOrd="0" destOrd="0" presId="urn:microsoft.com/office/officeart/2005/8/layout/process3"/>
+    <dgm:cxn modelId="{48B122A7-D4CA-3445-B8FC-07F5AFFDFC49}" type="presOf" srcId="{26117898-1D6E-3340-9889-98CAC460F41A}" destId="{D0500886-6026-C140-93C4-DAD1F5F29443}" srcOrd="0" destOrd="0" presId="urn:microsoft.com/office/officeart/2005/8/layout/process3"/>
+    <dgm:cxn modelId="{D83568AD-3930-2D42-804F-C89A578BAF49}" type="presOf" srcId="{277C3733-8AEC-F14B-9662-2580168B0F9D}" destId="{41D9FDBE-AAD2-934C-83C5-A5C70E113C63}" srcOrd="0" destOrd="0" presId="urn:microsoft.com/office/officeart/2005/8/layout/process3"/>
+    <dgm:cxn modelId="{1182FFAE-123B-7041-BB71-4F532EC90CB3}" type="presOf" srcId="{3C721F0F-E112-8747-8256-86E74B510CEB}" destId="{2158AAC2-E0B2-B14A-933A-2718451A24B5}" srcOrd="0" destOrd="0" presId="urn:microsoft.com/office/officeart/2005/8/layout/process3"/>
+    <dgm:cxn modelId="{774DABB7-D891-A94D-A70B-9B585AD02CF0}" type="presOf" srcId="{975D04AC-C84F-904E-A15E-A367145DA949}" destId="{6F8A142E-BE58-4F4D-A442-D8BBD7181007}" srcOrd="1" destOrd="0" presId="urn:microsoft.com/office/officeart/2005/8/layout/process3"/>
+    <dgm:cxn modelId="{78D2C0B8-6571-5C41-8426-8F76C8CABC79}" type="presOf" srcId="{E2576C8E-B3AC-8E47-8F4E-4B3048AF5F20}" destId="{D966FE66-A74A-D744-9EB2-B25AF491C6C6}" srcOrd="0" destOrd="1" presId="urn:microsoft.com/office/officeart/2005/8/layout/process3"/>
+    <dgm:cxn modelId="{3A988BB9-46A3-D14C-B5FE-A24B9D232DEA}" type="presOf" srcId="{35025888-FD8D-8744-A128-71A706B88DDE}" destId="{C3AF2ECD-577C-104D-956E-E9A22772C6F1}" srcOrd="1" destOrd="0" presId="urn:microsoft.com/office/officeart/2005/8/layout/process3"/>
+    <dgm:cxn modelId="{7202E1BA-07C7-7A47-A8E6-6479DA3DF4A8}" srcId="{1FF27E07-8665-C945-9297-D904B93FFF1D}" destId="{0FCC7809-694A-7B46-94D1-6545DFBEDE61}" srcOrd="3" destOrd="0" parTransId="{C3F0806D-BABF-4448-AE06-62985379CF80}" sibTransId="{1E0ECC71-E185-B34D-A81F-9352714B3E60}"/>
+    <dgm:cxn modelId="{27E390C4-4F25-1A41-841E-08A7A3C15E6B}" srcId="{35025888-FD8D-8744-A128-71A706B88DDE}" destId="{E2576C8E-B3AC-8E47-8F4E-4B3048AF5F20}" srcOrd="1" destOrd="0" parTransId="{98473D38-1A29-C14D-9840-7C94483658CD}" sibTransId="{521ECD97-A86D-544A-8B96-F9B7843DAADC}"/>
+    <dgm:cxn modelId="{D598A0C9-91BE-8449-964A-49DA66CFC8B5}" type="presOf" srcId="{D4D17A9C-EA6A-0241-9430-5DCFC3D9780E}" destId="{5E24692E-E2F2-0E4C-9922-06D71F7390D2}" srcOrd="0" destOrd="0" presId="urn:microsoft.com/office/officeart/2005/8/layout/process3"/>
+    <dgm:cxn modelId="{DD963CD1-D612-9646-99D2-91959031F2E4}" type="presOf" srcId="{A5EF1ABC-D534-104D-8DF9-343203C874EB}" destId="{E8C24078-41B4-024C-B588-3E494703454C}" srcOrd="1" destOrd="0" presId="urn:microsoft.com/office/officeart/2005/8/layout/process3"/>
+    <dgm:cxn modelId="{7F1345D3-95E9-684D-97F6-137A7A7E00DA}" type="presOf" srcId="{0126AD6F-FCAD-D14A-8353-B8EA2B851EE5}" destId="{74D8BB76-A676-D545-913C-D9061EE62F76}" srcOrd="1" destOrd="0" presId="urn:microsoft.com/office/officeart/2005/8/layout/process3"/>
+    <dgm:cxn modelId="{13AC54D6-F7A2-C445-83F8-B6D7686D6206}" type="presOf" srcId="{1FF27E07-8665-C945-9297-D904B93FFF1D}" destId="{B59C4841-4132-1B41-B2B7-37272BDFC9AE}" srcOrd="0" destOrd="0" presId="urn:microsoft.com/office/officeart/2005/8/layout/process3"/>
+    <dgm:cxn modelId="{A556FCD6-4BB3-944C-AF1A-3462CA42939E}" srcId="{0FCC7809-694A-7B46-94D1-6545DFBEDE61}" destId="{D4D17A9C-EA6A-0241-9430-5DCFC3D9780E}" srcOrd="0" destOrd="0" parTransId="{9D2506E3-42DA-2146-8E20-0A29E679188F}" sibTransId="{EC9CFD6D-A0D3-F14F-912E-D5449BAE9C4F}"/>
+    <dgm:cxn modelId="{FBBF4BD7-3E0E-8D4E-82B8-EF053F694484}" type="presOf" srcId="{44E6FEF5-80C3-D547-9BF8-E0ED9CD18CA7}" destId="{41D9FDBE-AAD2-934C-83C5-A5C70E113C63}" srcOrd="0" destOrd="1" presId="urn:microsoft.com/office/officeart/2005/8/layout/process3"/>
+    <dgm:cxn modelId="{67FD47EC-85D5-5F46-9F95-D63A10AC6EBD}" srcId="{26117898-1D6E-3340-9889-98CAC460F41A}" destId="{277C3733-8AEC-F14B-9662-2580168B0F9D}" srcOrd="0" destOrd="0" parTransId="{95AF4B9B-4A81-4143-9766-301665185E5F}" sibTransId="{F55669F3-D338-1F48-B33C-E0F964CD19AE}"/>
+    <dgm:cxn modelId="{FC7BF3F2-EE36-3146-AEE5-72F3BE3CA3D1}" srcId="{35025888-FD8D-8744-A128-71A706B88DDE}" destId="{2488CF3A-3460-704C-A8E1-ACE282E88B0F}" srcOrd="0" destOrd="0" parTransId="{9CC15F14-B068-3D47-A9B5-30A439EE60D4}" sibTransId="{32765ABA-A82D-424C-A688-B6112AA6366E}"/>
+    <dgm:cxn modelId="{C1EDC9F3-580D-794F-9258-D758ED608E10}" srcId="{1FF27E07-8665-C945-9297-D904B93FFF1D}" destId="{0126AD6F-FCAD-D14A-8353-B8EA2B851EE5}" srcOrd="1" destOrd="0" parTransId="{65B48314-47B7-FC4F-B65F-273D453860E6}" sibTransId="{A5EF1ABC-D534-104D-8DF9-343203C874EB}"/>
+    <dgm:cxn modelId="{7A225C00-6816-7F4A-BDA6-06679F95EC0F}" type="presParOf" srcId="{B59C4841-4132-1B41-B2B7-37272BDFC9AE}" destId="{5F783564-809C-A243-B88E-1DB95090EA7B}" srcOrd="0" destOrd="0" presId="urn:microsoft.com/office/officeart/2005/8/layout/process3"/>
+    <dgm:cxn modelId="{37CFAD10-E6E5-214E-9A92-BFD8B49592CC}" type="presParOf" srcId="{5F783564-809C-A243-B88E-1DB95090EA7B}" destId="{D0500886-6026-C140-93C4-DAD1F5F29443}" srcOrd="0" destOrd="0" presId="urn:microsoft.com/office/officeart/2005/8/layout/process3"/>
+    <dgm:cxn modelId="{824EE9BD-D33A-E74F-82A7-B69833D2A1A8}" type="presParOf" srcId="{5F783564-809C-A243-B88E-1DB95090EA7B}" destId="{0D2FE111-8CA2-C349-AB56-C6828140202D}" srcOrd="1" destOrd="0" presId="urn:microsoft.com/office/officeart/2005/8/layout/process3"/>
+    <dgm:cxn modelId="{3A028331-A47B-6149-80BA-54F72FB089EF}" type="presParOf" srcId="{5F783564-809C-A243-B88E-1DB95090EA7B}" destId="{41D9FDBE-AAD2-934C-83C5-A5C70E113C63}" srcOrd="2" destOrd="0" presId="urn:microsoft.com/office/officeart/2005/8/layout/process3"/>
+    <dgm:cxn modelId="{CBACEA70-4C68-F247-B8DA-44BAC08204C3}" type="presParOf" srcId="{B59C4841-4132-1B41-B2B7-37272BDFC9AE}" destId="{BA97008B-6018-8E49-83E7-0B090F526192}" srcOrd="1" destOrd="0" presId="urn:microsoft.com/office/officeart/2005/8/layout/process3"/>
+    <dgm:cxn modelId="{FC0F3CBE-E263-3D4F-BF10-2186CAE0D38D}" type="presParOf" srcId="{BA97008B-6018-8E49-83E7-0B090F526192}" destId="{6F8A142E-BE58-4F4D-A442-D8BBD7181007}" srcOrd="0" destOrd="0" presId="urn:microsoft.com/office/officeart/2005/8/layout/process3"/>
+    <dgm:cxn modelId="{9A393736-E5DA-7143-9EE3-D50AD4594E46}" type="presParOf" srcId="{B59C4841-4132-1B41-B2B7-37272BDFC9AE}" destId="{DDFA797E-9C52-5B40-BBAF-3550EC1D340C}" srcOrd="2" destOrd="0" presId="urn:microsoft.com/office/officeart/2005/8/layout/process3"/>
+    <dgm:cxn modelId="{4FD54DF8-17C8-644E-BFA1-88057F6E55DE}" type="presParOf" srcId="{DDFA797E-9C52-5B40-BBAF-3550EC1D340C}" destId="{54F70A37-CA77-5A46-BA72-593BA53E909F}" srcOrd="0" destOrd="0" presId="urn:microsoft.com/office/officeart/2005/8/layout/process3"/>
+    <dgm:cxn modelId="{FC77B319-D93E-8B4C-83CD-1E78C15DA256}" type="presParOf" srcId="{DDFA797E-9C52-5B40-BBAF-3550EC1D340C}" destId="{74D8BB76-A676-D545-913C-D9061EE62F76}" srcOrd="1" destOrd="0" presId="urn:microsoft.com/office/officeart/2005/8/layout/process3"/>
+    <dgm:cxn modelId="{09BC487B-85B8-2A44-B71D-E8D9887B414B}" type="presParOf" srcId="{DDFA797E-9C52-5B40-BBAF-3550EC1D340C}" destId="{2158AAC2-E0B2-B14A-933A-2718451A24B5}" srcOrd="2" destOrd="0" presId="urn:microsoft.com/office/officeart/2005/8/layout/process3"/>
+    <dgm:cxn modelId="{DB104E5F-1FBC-C149-9655-E97681AEECAB}" type="presParOf" srcId="{B59C4841-4132-1B41-B2B7-37272BDFC9AE}" destId="{AA0C2FC1-640B-3E4D-B2B5-5B3D5FCEDE6B}" srcOrd="3" destOrd="0" presId="urn:microsoft.com/office/officeart/2005/8/layout/process3"/>
+    <dgm:cxn modelId="{56F6A1F7-3662-CF46-9FFA-B35DC7B37B2E}" type="presParOf" srcId="{AA0C2FC1-640B-3E4D-B2B5-5B3D5FCEDE6B}" destId="{E8C24078-41B4-024C-B588-3E494703454C}" srcOrd="0" destOrd="0" presId="urn:microsoft.com/office/officeart/2005/8/layout/process3"/>
+    <dgm:cxn modelId="{EE8DB309-EC38-9346-B9C1-4E7892F72DD7}" type="presParOf" srcId="{B59C4841-4132-1B41-B2B7-37272BDFC9AE}" destId="{FE3C7E81-0ED5-EA4F-B630-E14DF25385FF}" srcOrd="4" destOrd="0" presId="urn:microsoft.com/office/officeart/2005/8/layout/process3"/>
+    <dgm:cxn modelId="{F86154BD-312C-564F-95B3-4905D848437C}" type="presParOf" srcId="{FE3C7E81-0ED5-EA4F-B630-E14DF25385FF}" destId="{80FE26A3-9FD8-7048-9273-165FBCCE2E75}" srcOrd="0" destOrd="0" presId="urn:microsoft.com/office/officeart/2005/8/layout/process3"/>
+    <dgm:cxn modelId="{35AFC53E-7BBB-334C-850C-11B89B3517F1}" type="presParOf" srcId="{FE3C7E81-0ED5-EA4F-B630-E14DF25385FF}" destId="{C3AF2ECD-577C-104D-956E-E9A22772C6F1}" srcOrd="1" destOrd="0" presId="urn:microsoft.com/office/officeart/2005/8/layout/process3"/>
+    <dgm:cxn modelId="{91213372-E12A-CC44-BF61-8DDEFFF4D5FD}" type="presParOf" srcId="{FE3C7E81-0ED5-EA4F-B630-E14DF25385FF}" destId="{D966FE66-A74A-D744-9EB2-B25AF491C6C6}" srcOrd="2" destOrd="0" presId="urn:microsoft.com/office/officeart/2005/8/layout/process3"/>
+    <dgm:cxn modelId="{44AE4EFF-D46D-544D-9B0A-B5D51284AFC5}" type="presParOf" srcId="{B59C4841-4132-1B41-B2B7-37272BDFC9AE}" destId="{B35E5B03-B2F2-874D-A9EC-901BEAAC6287}" srcOrd="5" destOrd="0" presId="urn:microsoft.com/office/officeart/2005/8/layout/process3"/>
+    <dgm:cxn modelId="{2539FF23-CF01-784E-BE7C-970A6574B301}" type="presParOf" srcId="{B35E5B03-B2F2-874D-A9EC-901BEAAC6287}" destId="{5F973C4C-A852-4843-9C32-E0DA896BD5F7}" srcOrd="0" destOrd="0" presId="urn:microsoft.com/office/officeart/2005/8/layout/process3"/>
+    <dgm:cxn modelId="{EC9C47E1-C07F-1342-A879-2252D0E52BD1}" type="presParOf" srcId="{B59C4841-4132-1B41-B2B7-37272BDFC9AE}" destId="{0ACFA7E5-75FF-F04B-9240-1E15EE2DD056}" srcOrd="6" destOrd="0" presId="urn:microsoft.com/office/officeart/2005/8/layout/process3"/>
+    <dgm:cxn modelId="{F0A6C257-5773-8E44-93B1-88B6D956451A}" type="presParOf" srcId="{0ACFA7E5-75FF-F04B-9240-1E15EE2DD056}" destId="{55A476EA-3561-1B42-A084-0890F0185109}" srcOrd="0" destOrd="0" presId="urn:microsoft.com/office/officeart/2005/8/layout/process3"/>
+    <dgm:cxn modelId="{1931D58C-AEF0-9B4F-B8A4-4A3DF91570F5}" type="presParOf" srcId="{0ACFA7E5-75FF-F04B-9240-1E15EE2DD056}" destId="{092D8CA3-6324-264E-BF85-18C8A59AC1D8}" srcOrd="1" destOrd="0" presId="urn:microsoft.com/office/officeart/2005/8/layout/process3"/>
+    <dgm:cxn modelId="{821CC28A-371D-7142-9203-79C73838B1DD}" type="presParOf" srcId="{0ACFA7E5-75FF-F04B-9240-1E15EE2DD056}" destId="{5E24692E-E2F2-0E4C-9922-06D71F7390D2}" srcOrd="2" destOrd="0" presId="urn:microsoft.com/office/officeart/2005/8/layout/process3"/>
   </dgm:cxnLst>
   <dgm:bg/>
   <dgm:whole/>
@@ -7606,6 +10840,1537 @@
       <dsp:txXfrm>
         <a:off x="7663096" y="504670"/>
         <a:ext cx="987045" cy="997258"/>
+      </dsp:txXfrm>
+    </dsp:sp>
+  </dsp:spTree>
+</dsp:drawing>
+</file>
+
+<file path=ppt/diagrams/drawing4.xml><?xml version="1.0" encoding="utf-8"?>
+<dsp:drawing xmlns:dgm="http://schemas.openxmlformats.org/drawingml/2006/diagram" xmlns:dsp="http://schemas.microsoft.com/office/drawing/2008/diagram" xmlns:a="http://schemas.openxmlformats.org/drawingml/2006/main">
+  <dsp:spTree>
+    <dsp:nvGrpSpPr>
+      <dsp:cNvPr id="0" name=""/>
+      <dsp:cNvGrpSpPr/>
+    </dsp:nvGrpSpPr>
+    <dsp:grpSpPr/>
+    <dsp:sp modelId="{7F321D06-88EA-964A-A449-06F05C2C6941}">
+      <dsp:nvSpPr>
+        <dsp:cNvPr id="0" name=""/>
+        <dsp:cNvSpPr/>
+      </dsp:nvSpPr>
+      <dsp:spPr>
+        <a:xfrm>
+          <a:off x="875029" y="0"/>
+          <a:ext cx="9917006" cy="3903134"/>
+        </a:xfrm>
+        <a:prstGeom prst="rightArrow">
+          <a:avLst/>
+        </a:prstGeom>
+        <a:solidFill>
+          <a:schemeClr val="accent2">
+            <a:tint val="40000"/>
+            <a:hueOff val="0"/>
+            <a:satOff val="0"/>
+            <a:lumOff val="0"/>
+            <a:alphaOff val="0"/>
+          </a:schemeClr>
+        </a:solidFill>
+        <a:ln>
+          <a:noFill/>
+        </a:ln>
+        <a:effectLst/>
+      </dsp:spPr>
+      <dsp:style>
+        <a:lnRef idx="0">
+          <a:scrgbClr r="0" g="0" b="0"/>
+        </a:lnRef>
+        <a:fillRef idx="1">
+          <a:scrgbClr r="0" g="0" b="0"/>
+        </a:fillRef>
+        <a:effectRef idx="0">
+          <a:scrgbClr r="0" g="0" b="0"/>
+        </a:effectRef>
+        <a:fontRef idx="minor"/>
+      </dsp:style>
+    </dsp:sp>
+    <dsp:sp modelId="{A2D8E73C-D3C2-964C-B8A6-12E66C2CCAF7}">
+      <dsp:nvSpPr>
+        <dsp:cNvPr id="0" name=""/>
+        <dsp:cNvSpPr/>
+      </dsp:nvSpPr>
+      <dsp:spPr>
+        <a:xfrm>
+          <a:off x="4130" y="1170940"/>
+          <a:ext cx="2628009" cy="1561253"/>
+        </a:xfrm>
+        <a:prstGeom prst="roundRect">
+          <a:avLst/>
+        </a:prstGeom>
+        <a:solidFill>
+          <a:schemeClr val="accent2">
+            <a:hueOff val="0"/>
+            <a:satOff val="0"/>
+            <a:lumOff val="0"/>
+            <a:alphaOff val="0"/>
+          </a:schemeClr>
+        </a:solidFill>
+        <a:ln w="12700" cap="flat" cmpd="sng" algn="ctr">
+          <a:solidFill>
+            <a:schemeClr val="lt1">
+              <a:hueOff val="0"/>
+              <a:satOff val="0"/>
+              <a:lumOff val="0"/>
+              <a:alphaOff val="0"/>
+            </a:schemeClr>
+          </a:solidFill>
+          <a:prstDash val="solid"/>
+          <a:miter lim="800000"/>
+        </a:ln>
+        <a:effectLst/>
+      </dsp:spPr>
+      <dsp:style>
+        <a:lnRef idx="2">
+          <a:scrgbClr r="0" g="0" b="0"/>
+        </a:lnRef>
+        <a:fillRef idx="1">
+          <a:scrgbClr r="0" g="0" b="0"/>
+        </a:fillRef>
+        <a:effectRef idx="0">
+          <a:scrgbClr r="0" g="0" b="0"/>
+        </a:effectRef>
+        <a:fontRef idx="minor">
+          <a:schemeClr val="lt1"/>
+        </a:fontRef>
+      </dsp:style>
+      <dsp:txBody>
+        <a:bodyPr spcFirstLastPara="0" vert="horz" wrap="square" lIns="76200" tIns="76200" rIns="76200" bIns="76200" numCol="1" spcCol="1270" anchor="t" anchorCtr="0">
+          <a:noAutofit/>
+        </a:bodyPr>
+        <a:lstStyle/>
+        <a:p>
+          <a:pPr marL="0" lvl="0" indent="0" algn="l" defTabSz="889000">
+            <a:lnSpc>
+              <a:spcPct val="90000"/>
+            </a:lnSpc>
+            <a:spcBef>
+              <a:spcPct val="0"/>
+            </a:spcBef>
+            <a:spcAft>
+              <a:spcPct val="35000"/>
+            </a:spcAft>
+            <a:buNone/>
+          </a:pPr>
+          <a:r>
+            <a:rPr lang="en-US" sz="2000" b="1" kern="1200" dirty="0">
+              <a:latin typeface="Source Sans Pro" panose="020B0503030403020204" pitchFamily="34" charset="77"/>
+            </a:rPr>
+            <a:t>Spatial</a:t>
+          </a:r>
+        </a:p>
+        <a:p>
+          <a:pPr marL="171450" lvl="1" indent="-171450" algn="l" defTabSz="711200">
+            <a:lnSpc>
+              <a:spcPct val="90000"/>
+            </a:lnSpc>
+            <a:spcBef>
+              <a:spcPct val="0"/>
+            </a:spcBef>
+            <a:spcAft>
+              <a:spcPct val="15000"/>
+            </a:spcAft>
+            <a:buChar char="•"/>
+          </a:pPr>
+          <a:r>
+            <a:rPr lang="en-US" sz="1600" kern="1200" dirty="0">
+              <a:latin typeface="Source Sans Pro" panose="020B0503030403020204" pitchFamily="34" charset="77"/>
+            </a:rPr>
+            <a:t>Banking + Buffering</a:t>
+          </a:r>
+        </a:p>
+        <a:p>
+          <a:pPr marL="171450" lvl="1" indent="-171450" algn="l" defTabSz="711200">
+            <a:lnSpc>
+              <a:spcPct val="90000"/>
+            </a:lnSpc>
+            <a:spcBef>
+              <a:spcPct val="0"/>
+            </a:spcBef>
+            <a:spcAft>
+              <a:spcPct val="15000"/>
+            </a:spcAft>
+            <a:buChar char="•"/>
+          </a:pPr>
+          <a:r>
+            <a:rPr lang="en-US" sz="1600" kern="1200" dirty="0">
+              <a:latin typeface="Source Sans Pro" panose="020B0503030403020204" pitchFamily="34" charset="77"/>
+            </a:rPr>
+            <a:t>Loop Unrolling</a:t>
+          </a:r>
+        </a:p>
+      </dsp:txBody>
+      <dsp:txXfrm>
+        <a:off x="80344" y="1247154"/>
+        <a:ext cx="2475581" cy="1408825"/>
+      </dsp:txXfrm>
+    </dsp:sp>
+    <dsp:sp modelId="{0D297AB3-DCFC-914C-9557-A9A6C7F0C4D4}">
+      <dsp:nvSpPr>
+        <dsp:cNvPr id="0" name=""/>
+        <dsp:cNvSpPr/>
+      </dsp:nvSpPr>
+      <dsp:spPr>
+        <a:xfrm>
+          <a:off x="3014395" y="1170940"/>
+          <a:ext cx="2628009" cy="1561253"/>
+        </a:xfrm>
+        <a:prstGeom prst="roundRect">
+          <a:avLst/>
+        </a:prstGeom>
+        <a:solidFill>
+          <a:schemeClr val="accent3">
+            <a:hueOff val="0"/>
+            <a:satOff val="0"/>
+            <a:lumOff val="0"/>
+            <a:alphaOff val="0"/>
+          </a:schemeClr>
+        </a:solidFill>
+        <a:ln w="12700" cap="flat" cmpd="sng" algn="ctr">
+          <a:solidFill>
+            <a:schemeClr val="lt1">
+              <a:hueOff val="0"/>
+              <a:satOff val="0"/>
+              <a:lumOff val="0"/>
+              <a:alphaOff val="0"/>
+            </a:schemeClr>
+          </a:solidFill>
+          <a:prstDash val="solid"/>
+          <a:miter lim="800000"/>
+        </a:ln>
+        <a:effectLst/>
+      </dsp:spPr>
+      <dsp:style>
+        <a:lnRef idx="2">
+          <a:scrgbClr r="0" g="0" b="0"/>
+        </a:lnRef>
+        <a:fillRef idx="1">
+          <a:scrgbClr r="0" g="0" b="0"/>
+        </a:fillRef>
+        <a:effectRef idx="0">
+          <a:scrgbClr r="0" g="0" b="0"/>
+        </a:effectRef>
+        <a:fontRef idx="minor">
+          <a:schemeClr val="lt1"/>
+        </a:fontRef>
+      </dsp:style>
+      <dsp:txBody>
+        <a:bodyPr spcFirstLastPara="0" vert="horz" wrap="square" lIns="76200" tIns="76200" rIns="76200" bIns="76200" numCol="1" spcCol="1270" anchor="t" anchorCtr="0">
+          <a:noAutofit/>
+        </a:bodyPr>
+        <a:lstStyle/>
+        <a:p>
+          <a:pPr marL="0" lvl="0" indent="0" algn="l" defTabSz="889000">
+            <a:lnSpc>
+              <a:spcPct val="90000"/>
+            </a:lnSpc>
+            <a:spcBef>
+              <a:spcPct val="0"/>
+            </a:spcBef>
+            <a:spcAft>
+              <a:spcPct val="35000"/>
+            </a:spcAft>
+            <a:buNone/>
+          </a:pPr>
+          <a:r>
+            <a:rPr lang="en-US" sz="2000" b="1" kern="1200" dirty="0">
+              <a:latin typeface="Source Sans Pro" panose="020B0503030403020204" pitchFamily="34" charset="77"/>
+            </a:rPr>
+            <a:t>Plasticine IR</a:t>
+          </a:r>
+        </a:p>
+        <a:p>
+          <a:pPr marL="171450" lvl="1" indent="-171450" algn="l" defTabSz="711200">
+            <a:lnSpc>
+              <a:spcPct val="90000"/>
+            </a:lnSpc>
+            <a:spcBef>
+              <a:spcPct val="0"/>
+            </a:spcBef>
+            <a:spcAft>
+              <a:spcPct val="15000"/>
+            </a:spcAft>
+            <a:buChar char="•"/>
+          </a:pPr>
+          <a:r>
+            <a:rPr lang="en-US" sz="1600" kern="1200" dirty="0">
+              <a:latin typeface="Source Sans Pro" panose="020B0503030403020204" pitchFamily="34" charset="77"/>
+            </a:rPr>
+            <a:t>Compute Unit Allocation and Partitioning</a:t>
+          </a:r>
+        </a:p>
+        <a:p>
+          <a:pPr marL="171450" lvl="1" indent="-171450" algn="l" defTabSz="711200">
+            <a:lnSpc>
+              <a:spcPct val="90000"/>
+            </a:lnSpc>
+            <a:spcBef>
+              <a:spcPct val="0"/>
+            </a:spcBef>
+            <a:spcAft>
+              <a:spcPct val="15000"/>
+            </a:spcAft>
+            <a:buChar char="•"/>
+          </a:pPr>
+          <a:r>
+            <a:rPr lang="en-US" sz="1600" kern="1200" dirty="0">
+              <a:latin typeface="Source Sans Pro" panose="020B0503030403020204" pitchFamily="34" charset="77"/>
+            </a:rPr>
+            <a:t>Control Logic Allocation</a:t>
+          </a:r>
+        </a:p>
+      </dsp:txBody>
+      <dsp:txXfrm>
+        <a:off x="3090609" y="1247154"/>
+        <a:ext cx="2475581" cy="1408825"/>
+      </dsp:txXfrm>
+    </dsp:sp>
+    <dsp:sp modelId="{A344AAB6-699E-9540-AD34-59F6011B61B0}">
+      <dsp:nvSpPr>
+        <dsp:cNvPr id="0" name=""/>
+        <dsp:cNvSpPr/>
+      </dsp:nvSpPr>
+      <dsp:spPr>
+        <a:xfrm>
+          <a:off x="6024660" y="1170940"/>
+          <a:ext cx="2628009" cy="1561253"/>
+        </a:xfrm>
+        <a:prstGeom prst="roundRect">
+          <a:avLst/>
+        </a:prstGeom>
+        <a:solidFill>
+          <a:schemeClr val="accent4">
+            <a:hueOff val="0"/>
+            <a:satOff val="0"/>
+            <a:lumOff val="0"/>
+            <a:alphaOff val="0"/>
+          </a:schemeClr>
+        </a:solidFill>
+        <a:ln w="12700" cap="flat" cmpd="sng" algn="ctr">
+          <a:solidFill>
+            <a:schemeClr val="lt1">
+              <a:hueOff val="0"/>
+              <a:satOff val="0"/>
+              <a:lumOff val="0"/>
+              <a:alphaOff val="0"/>
+            </a:schemeClr>
+          </a:solidFill>
+          <a:prstDash val="solid"/>
+          <a:miter lim="800000"/>
+        </a:ln>
+        <a:effectLst/>
+      </dsp:spPr>
+      <dsp:style>
+        <a:lnRef idx="2">
+          <a:scrgbClr r="0" g="0" b="0"/>
+        </a:lnRef>
+        <a:fillRef idx="1">
+          <a:scrgbClr r="0" g="0" b="0"/>
+        </a:fillRef>
+        <a:effectRef idx="0">
+          <a:scrgbClr r="0" g="0" b="0"/>
+        </a:effectRef>
+        <a:fontRef idx="minor">
+          <a:schemeClr val="lt1"/>
+        </a:fontRef>
+      </dsp:style>
+      <dsp:txBody>
+        <a:bodyPr spcFirstLastPara="0" vert="horz" wrap="square" lIns="76200" tIns="76200" rIns="76200" bIns="76200" numCol="1" spcCol="1270" anchor="t" anchorCtr="0">
+          <a:noAutofit/>
+        </a:bodyPr>
+        <a:lstStyle/>
+        <a:p>
+          <a:pPr marL="0" lvl="0" indent="0" algn="l" defTabSz="889000">
+            <a:lnSpc>
+              <a:spcPct val="90000"/>
+            </a:lnSpc>
+            <a:spcBef>
+              <a:spcPct val="0"/>
+            </a:spcBef>
+            <a:spcAft>
+              <a:spcPct val="35000"/>
+            </a:spcAft>
+            <a:buNone/>
+          </a:pPr>
+          <a:r>
+            <a:rPr lang="en-US" sz="2000" b="1" kern="1200" dirty="0">
+              <a:latin typeface="Source Sans Pro" panose="020B0503030403020204" pitchFamily="34" charset="77"/>
+            </a:rPr>
+            <a:t>Mapping</a:t>
+          </a:r>
+        </a:p>
+        <a:p>
+          <a:pPr marL="171450" lvl="1" indent="-171450" algn="l" defTabSz="711200">
+            <a:lnSpc>
+              <a:spcPct val="90000"/>
+            </a:lnSpc>
+            <a:spcBef>
+              <a:spcPct val="0"/>
+            </a:spcBef>
+            <a:spcAft>
+              <a:spcPct val="15000"/>
+            </a:spcAft>
+            <a:buChar char="•"/>
+          </a:pPr>
+          <a:r>
+            <a:rPr lang="en-US" sz="1600" kern="1200" dirty="0">
+              <a:latin typeface="Source Sans Pro" panose="020B0503030403020204" pitchFamily="34" charset="77"/>
+            </a:rPr>
+            <a:t>Placement and Routing</a:t>
+          </a:r>
+        </a:p>
+        <a:p>
+          <a:pPr marL="171450" lvl="1" indent="-171450" algn="l" defTabSz="711200">
+            <a:lnSpc>
+              <a:spcPct val="90000"/>
+            </a:lnSpc>
+            <a:spcBef>
+              <a:spcPct val="0"/>
+            </a:spcBef>
+            <a:spcAft>
+              <a:spcPct val="15000"/>
+            </a:spcAft>
+            <a:buChar char="•"/>
+          </a:pPr>
+          <a:r>
+            <a:rPr lang="en-US" sz="1600" kern="1200" dirty="0">
+              <a:latin typeface="Source Sans Pro" panose="020B0503030403020204" pitchFamily="34" charset="77"/>
+            </a:rPr>
+            <a:t>VC Allocation</a:t>
+          </a:r>
+        </a:p>
+      </dsp:txBody>
+      <dsp:txXfrm>
+        <a:off x="6100874" y="1247154"/>
+        <a:ext cx="2475581" cy="1408825"/>
+      </dsp:txXfrm>
+    </dsp:sp>
+    <dsp:sp modelId="{1A9B96BC-57CD-C543-8A37-C32EA988B85E}">
+      <dsp:nvSpPr>
+        <dsp:cNvPr id="0" name=""/>
+        <dsp:cNvSpPr/>
+      </dsp:nvSpPr>
+      <dsp:spPr>
+        <a:xfrm>
+          <a:off x="9034926" y="1170940"/>
+          <a:ext cx="2628009" cy="1561253"/>
+        </a:xfrm>
+        <a:prstGeom prst="roundRect">
+          <a:avLst/>
+        </a:prstGeom>
+        <a:solidFill>
+          <a:schemeClr val="accent5">
+            <a:hueOff val="0"/>
+            <a:satOff val="0"/>
+            <a:lumOff val="0"/>
+            <a:alphaOff val="0"/>
+          </a:schemeClr>
+        </a:solidFill>
+        <a:ln w="12700" cap="flat" cmpd="sng" algn="ctr">
+          <a:solidFill>
+            <a:schemeClr val="lt1">
+              <a:hueOff val="0"/>
+              <a:satOff val="0"/>
+              <a:lumOff val="0"/>
+              <a:alphaOff val="0"/>
+            </a:schemeClr>
+          </a:solidFill>
+          <a:prstDash val="solid"/>
+          <a:miter lim="800000"/>
+        </a:ln>
+        <a:effectLst/>
+      </dsp:spPr>
+      <dsp:style>
+        <a:lnRef idx="2">
+          <a:scrgbClr r="0" g="0" b="0"/>
+        </a:lnRef>
+        <a:fillRef idx="1">
+          <a:scrgbClr r="0" g="0" b="0"/>
+        </a:fillRef>
+        <a:effectRef idx="0">
+          <a:scrgbClr r="0" g="0" b="0"/>
+        </a:effectRef>
+        <a:fontRef idx="minor">
+          <a:schemeClr val="lt1"/>
+        </a:fontRef>
+      </dsp:style>
+      <dsp:txBody>
+        <a:bodyPr spcFirstLastPara="0" vert="horz" wrap="square" lIns="76200" tIns="76200" rIns="76200" bIns="76200" numCol="1" spcCol="1270" anchor="t" anchorCtr="0">
+          <a:noAutofit/>
+        </a:bodyPr>
+        <a:lstStyle/>
+        <a:p>
+          <a:pPr marL="0" lvl="0" indent="0" algn="l" defTabSz="889000">
+            <a:lnSpc>
+              <a:spcPct val="90000"/>
+            </a:lnSpc>
+            <a:spcBef>
+              <a:spcPct val="0"/>
+            </a:spcBef>
+            <a:spcAft>
+              <a:spcPct val="35000"/>
+            </a:spcAft>
+            <a:buNone/>
+          </a:pPr>
+          <a:r>
+            <a:rPr lang="en-US" sz="2000" b="1" kern="1200" dirty="0">
+              <a:latin typeface="Source Sans Pro" panose="020B0503030403020204" pitchFamily="34" charset="77"/>
+            </a:rPr>
+            <a:t>Simulation</a:t>
+          </a:r>
+        </a:p>
+        <a:p>
+          <a:pPr marL="171450" lvl="1" indent="-171450" algn="l" defTabSz="711200">
+            <a:lnSpc>
+              <a:spcPct val="90000"/>
+            </a:lnSpc>
+            <a:spcBef>
+              <a:spcPct val="0"/>
+            </a:spcBef>
+            <a:spcAft>
+              <a:spcPct val="15000"/>
+            </a:spcAft>
+            <a:buChar char="•"/>
+          </a:pPr>
+          <a:r>
+            <a:rPr lang="en-US" sz="1600" kern="1200" dirty="0">
+              <a:latin typeface="Source Sans Pro" panose="020B0503030403020204" pitchFamily="34" charset="77"/>
+            </a:rPr>
+            <a:t>Fast Cycle Accurate Control Simulation</a:t>
+          </a:r>
+        </a:p>
+        <a:p>
+          <a:pPr marL="171450" lvl="1" indent="-171450" algn="l" defTabSz="711200">
+            <a:lnSpc>
+              <a:spcPct val="90000"/>
+            </a:lnSpc>
+            <a:spcBef>
+              <a:spcPct val="0"/>
+            </a:spcBef>
+            <a:spcAft>
+              <a:spcPct val="15000"/>
+            </a:spcAft>
+            <a:buChar char="•"/>
+          </a:pPr>
+          <a:r>
+            <a:rPr lang="en-US" sz="1600" kern="1200" dirty="0">
+              <a:latin typeface="Source Sans Pro" panose="020B0503030403020204" pitchFamily="34" charset="77"/>
+            </a:rPr>
+            <a:t>Integrated with </a:t>
+          </a:r>
+          <a:r>
+            <a:rPr lang="en-US" sz="1600" kern="1200" dirty="0" err="1">
+              <a:latin typeface="Source Sans Pro" panose="020B0503030403020204" pitchFamily="34" charset="77"/>
+            </a:rPr>
+            <a:t>DRAMSim</a:t>
+          </a:r>
+          <a:r>
+            <a:rPr lang="en-US" sz="1600" kern="1200" dirty="0">
+              <a:latin typeface="Source Sans Pro" panose="020B0503030403020204" pitchFamily="34" charset="77"/>
+            </a:rPr>
+            <a:t> and </a:t>
+          </a:r>
+          <a:r>
+            <a:rPr lang="en-US" sz="1600" kern="1200" dirty="0" err="1">
+              <a:latin typeface="Source Sans Pro" panose="020B0503030403020204" pitchFamily="34" charset="77"/>
+            </a:rPr>
+            <a:t>BookSim</a:t>
+          </a:r>
+          <a:endParaRPr lang="en-US" sz="1600" kern="1200" dirty="0">
+            <a:latin typeface="Source Sans Pro" panose="020B0503030403020204" pitchFamily="34" charset="77"/>
+          </a:endParaRPr>
+        </a:p>
+      </dsp:txBody>
+      <dsp:txXfrm>
+        <a:off x="9111140" y="1247154"/>
+        <a:ext cx="2475581" cy="1408825"/>
+      </dsp:txXfrm>
+    </dsp:sp>
+  </dsp:spTree>
+</dsp:drawing>
+</file>
+
+<file path=ppt/diagrams/drawing5.xml><?xml version="1.0" encoding="utf-8"?>
+<dsp:drawing xmlns:dgm="http://schemas.openxmlformats.org/drawingml/2006/diagram" xmlns:dsp="http://schemas.microsoft.com/office/drawing/2008/diagram" xmlns:a="http://schemas.openxmlformats.org/drawingml/2006/main">
+  <dsp:spTree>
+    <dsp:nvGrpSpPr>
+      <dsp:cNvPr id="0" name=""/>
+      <dsp:cNvGrpSpPr/>
+    </dsp:nvGrpSpPr>
+    <dsp:grpSpPr/>
+    <dsp:sp modelId="{0D2FE111-8CA2-C349-AB56-C6828140202D}">
+      <dsp:nvSpPr>
+        <dsp:cNvPr id="0" name=""/>
+        <dsp:cNvSpPr/>
+      </dsp:nvSpPr>
+      <dsp:spPr>
+        <a:xfrm>
+          <a:off x="8740" y="-255904"/>
+          <a:ext cx="1695827" cy="767712"/>
+        </a:xfrm>
+        <a:prstGeom prst="roundRect">
+          <a:avLst>
+            <a:gd name="adj" fmla="val 10000"/>
+          </a:avLst>
+        </a:prstGeom>
+        <a:solidFill>
+          <a:schemeClr val="accent2">
+            <a:hueOff val="0"/>
+            <a:satOff val="0"/>
+            <a:lumOff val="0"/>
+            <a:alphaOff val="0"/>
+          </a:schemeClr>
+        </a:solidFill>
+        <a:ln w="12700" cap="flat" cmpd="sng" algn="ctr">
+          <a:solidFill>
+            <a:schemeClr val="lt1">
+              <a:hueOff val="0"/>
+              <a:satOff val="0"/>
+              <a:lumOff val="0"/>
+              <a:alphaOff val="0"/>
+            </a:schemeClr>
+          </a:solidFill>
+          <a:prstDash val="solid"/>
+          <a:miter lim="800000"/>
+        </a:ln>
+        <a:effectLst/>
+      </dsp:spPr>
+      <dsp:style>
+        <a:lnRef idx="2">
+          <a:scrgbClr r="0" g="0" b="0"/>
+        </a:lnRef>
+        <a:fillRef idx="1">
+          <a:scrgbClr r="0" g="0" b="0"/>
+        </a:fillRef>
+        <a:effectRef idx="0">
+          <a:scrgbClr r="0" g="0" b="0"/>
+        </a:effectRef>
+        <a:fontRef idx="minor">
+          <a:schemeClr val="lt1"/>
+        </a:fontRef>
+      </dsp:style>
+      <dsp:txBody>
+        <a:bodyPr spcFirstLastPara="0" vert="horz" wrap="square" lIns="142240" tIns="142240" rIns="142240" bIns="76200" numCol="1" spcCol="1270" anchor="t" anchorCtr="0">
+          <a:noAutofit/>
+        </a:bodyPr>
+        <a:lstStyle/>
+        <a:p>
+          <a:pPr marL="0" lvl="0" indent="0" algn="l" defTabSz="889000">
+            <a:lnSpc>
+              <a:spcPct val="90000"/>
+            </a:lnSpc>
+            <a:spcBef>
+              <a:spcPct val="0"/>
+            </a:spcBef>
+            <a:spcAft>
+              <a:spcPct val="35000"/>
+            </a:spcAft>
+            <a:buNone/>
+          </a:pPr>
+          <a:r>
+            <a:rPr lang="en-US" sz="2000" b="1" kern="1200" dirty="0">
+              <a:latin typeface="Source Sans Pro" panose="020B0503030403020204" pitchFamily="34" charset="77"/>
+            </a:rPr>
+            <a:t>Spatial</a:t>
+          </a:r>
+        </a:p>
+      </dsp:txBody>
+      <dsp:txXfrm>
+        <a:off x="8740" y="-255904"/>
+        <a:ext cx="1695827" cy="511808"/>
+      </dsp:txXfrm>
+    </dsp:sp>
+    <dsp:sp modelId="{41D9FDBE-AAD2-934C-83C5-A5C70E113C63}">
+      <dsp:nvSpPr>
+        <dsp:cNvPr id="0" name=""/>
+        <dsp:cNvSpPr/>
+      </dsp:nvSpPr>
+      <dsp:spPr>
+        <a:xfrm>
+          <a:off x="277814" y="255904"/>
+          <a:ext cx="1851114" cy="1583264"/>
+        </a:xfrm>
+        <a:prstGeom prst="roundRect">
+          <a:avLst>
+            <a:gd name="adj" fmla="val 10000"/>
+          </a:avLst>
+        </a:prstGeom>
+        <a:solidFill>
+          <a:schemeClr val="lt1">
+            <a:alpha val="90000"/>
+            <a:hueOff val="0"/>
+            <a:satOff val="0"/>
+            <a:lumOff val="0"/>
+            <a:alphaOff val="0"/>
+          </a:schemeClr>
+        </a:solidFill>
+        <a:ln w="12700" cap="flat" cmpd="sng" algn="ctr">
+          <a:solidFill>
+            <a:schemeClr val="accent2">
+              <a:hueOff val="0"/>
+              <a:satOff val="0"/>
+              <a:lumOff val="0"/>
+              <a:alphaOff val="0"/>
+            </a:schemeClr>
+          </a:solidFill>
+          <a:prstDash val="solid"/>
+          <a:miter lim="800000"/>
+        </a:ln>
+        <a:effectLst/>
+      </dsp:spPr>
+      <dsp:style>
+        <a:lnRef idx="2">
+          <a:scrgbClr r="0" g="0" b="0"/>
+        </a:lnRef>
+        <a:fillRef idx="1">
+          <a:scrgbClr r="0" g="0" b="0"/>
+        </a:fillRef>
+        <a:effectRef idx="0">
+          <a:scrgbClr r="0" g="0" b="0"/>
+        </a:effectRef>
+        <a:fontRef idx="minor"/>
+      </dsp:style>
+      <dsp:txBody>
+        <a:bodyPr spcFirstLastPara="0" vert="horz" wrap="square" lIns="113792" tIns="113792" rIns="113792" bIns="113792" numCol="1" spcCol="1270" anchor="t" anchorCtr="0">
+          <a:noAutofit/>
+        </a:bodyPr>
+        <a:lstStyle/>
+        <a:p>
+          <a:pPr marL="171450" lvl="1" indent="-171450" algn="l" defTabSz="711200">
+            <a:lnSpc>
+              <a:spcPct val="90000"/>
+            </a:lnSpc>
+            <a:spcBef>
+              <a:spcPct val="0"/>
+            </a:spcBef>
+            <a:spcAft>
+              <a:spcPct val="15000"/>
+            </a:spcAft>
+            <a:buChar char="•"/>
+          </a:pPr>
+          <a:r>
+            <a:rPr lang="en-US" sz="1600" kern="1200" dirty="0">
+              <a:latin typeface="Source Sans Pro" panose="020B0503030403020204" pitchFamily="34" charset="77"/>
+            </a:rPr>
+            <a:t>Banking + Buffering</a:t>
+          </a:r>
+        </a:p>
+        <a:p>
+          <a:pPr marL="171450" lvl="1" indent="-171450" algn="l" defTabSz="711200">
+            <a:lnSpc>
+              <a:spcPct val="90000"/>
+            </a:lnSpc>
+            <a:spcBef>
+              <a:spcPct val="0"/>
+            </a:spcBef>
+            <a:spcAft>
+              <a:spcPct val="15000"/>
+            </a:spcAft>
+            <a:buChar char="•"/>
+          </a:pPr>
+          <a:r>
+            <a:rPr lang="en-US" sz="1600" kern="1200" dirty="0">
+              <a:latin typeface="Source Sans Pro" panose="020B0503030403020204" pitchFamily="34" charset="77"/>
+            </a:rPr>
+            <a:t>Loop Unrolling</a:t>
+          </a:r>
+        </a:p>
+      </dsp:txBody>
+      <dsp:txXfrm>
+        <a:off x="324186" y="302276"/>
+        <a:ext cx="1758370" cy="1490520"/>
+      </dsp:txXfrm>
+    </dsp:sp>
+    <dsp:sp modelId="{BA97008B-6018-8E49-83E7-0B090F526192}">
+      <dsp:nvSpPr>
+        <dsp:cNvPr id="0" name=""/>
+        <dsp:cNvSpPr/>
+      </dsp:nvSpPr>
+      <dsp:spPr>
+        <a:xfrm>
+          <a:off x="1980738" y="-210899"/>
+          <a:ext cx="585482" cy="421799"/>
+        </a:xfrm>
+        <a:prstGeom prst="rightArrow">
+          <a:avLst>
+            <a:gd name="adj1" fmla="val 60000"/>
+            <a:gd name="adj2" fmla="val 50000"/>
+          </a:avLst>
+        </a:prstGeom>
+        <a:solidFill>
+          <a:schemeClr val="accent2">
+            <a:hueOff val="0"/>
+            <a:satOff val="0"/>
+            <a:lumOff val="0"/>
+            <a:alphaOff val="0"/>
+          </a:schemeClr>
+        </a:solidFill>
+        <a:ln>
+          <a:noFill/>
+        </a:ln>
+        <a:effectLst/>
+      </dsp:spPr>
+      <dsp:style>
+        <a:lnRef idx="0">
+          <a:scrgbClr r="0" g="0" b="0"/>
+        </a:lnRef>
+        <a:fillRef idx="1">
+          <a:scrgbClr r="0" g="0" b="0"/>
+        </a:fillRef>
+        <a:effectRef idx="0">
+          <a:scrgbClr r="0" g="0" b="0"/>
+        </a:effectRef>
+        <a:fontRef idx="minor">
+          <a:schemeClr val="lt1"/>
+        </a:fontRef>
+      </dsp:style>
+      <dsp:txBody>
+        <a:bodyPr spcFirstLastPara="0" vert="horz" wrap="square" lIns="0" tIns="0" rIns="0" bIns="0" numCol="1" spcCol="1270" anchor="ctr" anchorCtr="0">
+          <a:noAutofit/>
+        </a:bodyPr>
+        <a:lstStyle/>
+        <a:p>
+          <a:pPr marL="0" lvl="0" indent="0" algn="ctr" defTabSz="177800">
+            <a:lnSpc>
+              <a:spcPct val="90000"/>
+            </a:lnSpc>
+            <a:spcBef>
+              <a:spcPct val="0"/>
+            </a:spcBef>
+            <a:spcAft>
+              <a:spcPct val="35000"/>
+            </a:spcAft>
+            <a:buNone/>
+          </a:pPr>
+          <a:endParaRPr lang="en-US" sz="400" kern="1200">
+            <a:latin typeface="Source Sans Pro" panose="020B0503030403020204" pitchFamily="34" charset="77"/>
+          </a:endParaRPr>
+        </a:p>
+      </dsp:txBody>
+      <dsp:txXfrm>
+        <a:off x="1980738" y="-126539"/>
+        <a:ext cx="458942" cy="253079"/>
+      </dsp:txXfrm>
+    </dsp:sp>
+    <dsp:sp modelId="{74D8BB76-A676-D545-913C-D9061EE62F76}">
+      <dsp:nvSpPr>
+        <dsp:cNvPr id="0" name=""/>
+        <dsp:cNvSpPr/>
+      </dsp:nvSpPr>
+      <dsp:spPr>
+        <a:xfrm>
+          <a:off x="2809251" y="-255904"/>
+          <a:ext cx="1695827" cy="767712"/>
+        </a:xfrm>
+        <a:prstGeom prst="roundRect">
+          <a:avLst>
+            <a:gd name="adj" fmla="val 10000"/>
+          </a:avLst>
+        </a:prstGeom>
+        <a:solidFill>
+          <a:schemeClr val="accent3">
+            <a:hueOff val="0"/>
+            <a:satOff val="0"/>
+            <a:lumOff val="0"/>
+            <a:alphaOff val="0"/>
+          </a:schemeClr>
+        </a:solidFill>
+        <a:ln w="12700" cap="flat" cmpd="sng" algn="ctr">
+          <a:solidFill>
+            <a:schemeClr val="lt1">
+              <a:hueOff val="0"/>
+              <a:satOff val="0"/>
+              <a:lumOff val="0"/>
+              <a:alphaOff val="0"/>
+            </a:schemeClr>
+          </a:solidFill>
+          <a:prstDash val="solid"/>
+          <a:miter lim="800000"/>
+        </a:ln>
+        <a:effectLst/>
+      </dsp:spPr>
+      <dsp:style>
+        <a:lnRef idx="2">
+          <a:scrgbClr r="0" g="0" b="0"/>
+        </a:lnRef>
+        <a:fillRef idx="1">
+          <a:scrgbClr r="0" g="0" b="0"/>
+        </a:fillRef>
+        <a:effectRef idx="0">
+          <a:scrgbClr r="0" g="0" b="0"/>
+        </a:effectRef>
+        <a:fontRef idx="minor">
+          <a:schemeClr val="lt1"/>
+        </a:fontRef>
+      </dsp:style>
+      <dsp:txBody>
+        <a:bodyPr spcFirstLastPara="0" vert="horz" wrap="square" lIns="142240" tIns="142240" rIns="142240" bIns="76200" numCol="1" spcCol="1270" anchor="t" anchorCtr="0">
+          <a:noAutofit/>
+        </a:bodyPr>
+        <a:lstStyle/>
+        <a:p>
+          <a:pPr marL="0" lvl="0" indent="0" algn="l" defTabSz="889000">
+            <a:lnSpc>
+              <a:spcPct val="90000"/>
+            </a:lnSpc>
+            <a:spcBef>
+              <a:spcPct val="0"/>
+            </a:spcBef>
+            <a:spcAft>
+              <a:spcPct val="35000"/>
+            </a:spcAft>
+            <a:buNone/>
+          </a:pPr>
+          <a:r>
+            <a:rPr lang="en-US" sz="2000" b="1" kern="1200" dirty="0">
+              <a:latin typeface="Source Sans Pro" panose="020B0503030403020204" pitchFamily="34" charset="77"/>
+            </a:rPr>
+            <a:t>Plasticine IR</a:t>
+          </a:r>
+        </a:p>
+      </dsp:txBody>
+      <dsp:txXfrm>
+        <a:off x="2809251" y="-255904"/>
+        <a:ext cx="1695827" cy="511808"/>
+      </dsp:txXfrm>
+    </dsp:sp>
+    <dsp:sp modelId="{2158AAC2-E0B2-B14A-933A-2718451A24B5}">
+      <dsp:nvSpPr>
+        <dsp:cNvPr id="0" name=""/>
+        <dsp:cNvSpPr/>
+      </dsp:nvSpPr>
+      <dsp:spPr>
+        <a:xfrm>
+          <a:off x="3062800" y="255904"/>
+          <a:ext cx="1882165" cy="1583264"/>
+        </a:xfrm>
+        <a:prstGeom prst="roundRect">
+          <a:avLst>
+            <a:gd name="adj" fmla="val 10000"/>
+          </a:avLst>
+        </a:prstGeom>
+        <a:solidFill>
+          <a:schemeClr val="lt1">
+            <a:alpha val="90000"/>
+            <a:hueOff val="0"/>
+            <a:satOff val="0"/>
+            <a:lumOff val="0"/>
+            <a:alphaOff val="0"/>
+          </a:schemeClr>
+        </a:solidFill>
+        <a:ln w="12700" cap="flat" cmpd="sng" algn="ctr">
+          <a:solidFill>
+            <a:schemeClr val="accent3">
+              <a:hueOff val="0"/>
+              <a:satOff val="0"/>
+              <a:lumOff val="0"/>
+              <a:alphaOff val="0"/>
+            </a:schemeClr>
+          </a:solidFill>
+          <a:prstDash val="solid"/>
+          <a:miter lim="800000"/>
+        </a:ln>
+        <a:effectLst/>
+      </dsp:spPr>
+      <dsp:style>
+        <a:lnRef idx="2">
+          <a:scrgbClr r="0" g="0" b="0"/>
+        </a:lnRef>
+        <a:fillRef idx="1">
+          <a:scrgbClr r="0" g="0" b="0"/>
+        </a:fillRef>
+        <a:effectRef idx="0">
+          <a:scrgbClr r="0" g="0" b="0"/>
+        </a:effectRef>
+        <a:fontRef idx="minor"/>
+      </dsp:style>
+      <dsp:txBody>
+        <a:bodyPr spcFirstLastPara="0" vert="horz" wrap="square" lIns="113792" tIns="113792" rIns="113792" bIns="113792" numCol="1" spcCol="1270" anchor="t" anchorCtr="0">
+          <a:noAutofit/>
+        </a:bodyPr>
+        <a:lstStyle/>
+        <a:p>
+          <a:pPr marL="171450" lvl="1" indent="-171450" algn="l" defTabSz="711200">
+            <a:lnSpc>
+              <a:spcPct val="90000"/>
+            </a:lnSpc>
+            <a:spcBef>
+              <a:spcPct val="0"/>
+            </a:spcBef>
+            <a:spcAft>
+              <a:spcPct val="15000"/>
+            </a:spcAft>
+            <a:buChar char="•"/>
+          </a:pPr>
+          <a:r>
+            <a:rPr lang="en-US" sz="1600" kern="1200" dirty="0">
+              <a:latin typeface="Source Sans Pro" panose="020B0503030403020204" pitchFamily="34" charset="77"/>
+            </a:rPr>
+            <a:t>Compute Unit Allocation and Partitioning</a:t>
+          </a:r>
+        </a:p>
+        <a:p>
+          <a:pPr marL="171450" lvl="1" indent="-171450" algn="l" defTabSz="711200">
+            <a:lnSpc>
+              <a:spcPct val="90000"/>
+            </a:lnSpc>
+            <a:spcBef>
+              <a:spcPct val="0"/>
+            </a:spcBef>
+            <a:spcAft>
+              <a:spcPct val="15000"/>
+            </a:spcAft>
+            <a:buChar char="•"/>
+          </a:pPr>
+          <a:r>
+            <a:rPr lang="en-US" sz="1600" kern="1200" dirty="0">
+              <a:latin typeface="Source Sans Pro" panose="020B0503030403020204" pitchFamily="34" charset="77"/>
+            </a:rPr>
+            <a:t>Control Logic Allocation</a:t>
+          </a:r>
+        </a:p>
+      </dsp:txBody>
+      <dsp:txXfrm>
+        <a:off x="3109172" y="302276"/>
+        <a:ext cx="1789421" cy="1490520"/>
+      </dsp:txXfrm>
+    </dsp:sp>
+    <dsp:sp modelId="{AA0C2FC1-640B-3E4D-B2B5-5B3D5FCEDE6B}">
+      <dsp:nvSpPr>
+        <dsp:cNvPr id="0" name=""/>
+        <dsp:cNvSpPr/>
+      </dsp:nvSpPr>
+      <dsp:spPr>
+        <a:xfrm>
+          <a:off x="4785130" y="-210899"/>
+          <a:ext cx="593710" cy="421799"/>
+        </a:xfrm>
+        <a:prstGeom prst="rightArrow">
+          <a:avLst>
+            <a:gd name="adj1" fmla="val 60000"/>
+            <a:gd name="adj2" fmla="val 50000"/>
+          </a:avLst>
+        </a:prstGeom>
+        <a:solidFill>
+          <a:schemeClr val="accent3">
+            <a:hueOff val="0"/>
+            <a:satOff val="0"/>
+            <a:lumOff val="0"/>
+            <a:alphaOff val="0"/>
+          </a:schemeClr>
+        </a:solidFill>
+        <a:ln>
+          <a:noFill/>
+        </a:ln>
+        <a:effectLst/>
+      </dsp:spPr>
+      <dsp:style>
+        <a:lnRef idx="0">
+          <a:scrgbClr r="0" g="0" b="0"/>
+        </a:lnRef>
+        <a:fillRef idx="1">
+          <a:scrgbClr r="0" g="0" b="0"/>
+        </a:fillRef>
+        <a:effectRef idx="0">
+          <a:scrgbClr r="0" g="0" b="0"/>
+        </a:effectRef>
+        <a:fontRef idx="minor">
+          <a:schemeClr val="lt1"/>
+        </a:fontRef>
+      </dsp:style>
+      <dsp:txBody>
+        <a:bodyPr spcFirstLastPara="0" vert="horz" wrap="square" lIns="0" tIns="0" rIns="0" bIns="0" numCol="1" spcCol="1270" anchor="ctr" anchorCtr="0">
+          <a:noAutofit/>
+        </a:bodyPr>
+        <a:lstStyle/>
+        <a:p>
+          <a:pPr marL="0" lvl="0" indent="0" algn="ctr" defTabSz="177800">
+            <a:lnSpc>
+              <a:spcPct val="90000"/>
+            </a:lnSpc>
+            <a:spcBef>
+              <a:spcPct val="0"/>
+            </a:spcBef>
+            <a:spcAft>
+              <a:spcPct val="35000"/>
+            </a:spcAft>
+            <a:buNone/>
+          </a:pPr>
+          <a:endParaRPr lang="en-US" sz="400" kern="1200">
+            <a:latin typeface="Source Sans Pro" panose="020B0503030403020204" pitchFamily="34" charset="77"/>
+          </a:endParaRPr>
+        </a:p>
+      </dsp:txBody>
+      <dsp:txXfrm>
+        <a:off x="4785130" y="-126539"/>
+        <a:ext cx="467170" cy="253079"/>
+      </dsp:txXfrm>
+    </dsp:sp>
+    <dsp:sp modelId="{C3AF2ECD-577C-104D-956E-E9A22772C6F1}">
+      <dsp:nvSpPr>
+        <dsp:cNvPr id="0" name=""/>
+        <dsp:cNvSpPr/>
+      </dsp:nvSpPr>
+      <dsp:spPr>
+        <a:xfrm>
+          <a:off x="5625287" y="-255904"/>
+          <a:ext cx="1695827" cy="767712"/>
+        </a:xfrm>
+        <a:prstGeom prst="roundRect">
+          <a:avLst>
+            <a:gd name="adj" fmla="val 10000"/>
+          </a:avLst>
+        </a:prstGeom>
+        <a:solidFill>
+          <a:schemeClr val="accent4">
+            <a:hueOff val="0"/>
+            <a:satOff val="0"/>
+            <a:lumOff val="0"/>
+            <a:alphaOff val="0"/>
+          </a:schemeClr>
+        </a:solidFill>
+        <a:ln w="12700" cap="flat" cmpd="sng" algn="ctr">
+          <a:solidFill>
+            <a:schemeClr val="lt1">
+              <a:hueOff val="0"/>
+              <a:satOff val="0"/>
+              <a:lumOff val="0"/>
+              <a:alphaOff val="0"/>
+            </a:schemeClr>
+          </a:solidFill>
+          <a:prstDash val="solid"/>
+          <a:miter lim="800000"/>
+        </a:ln>
+        <a:effectLst/>
+      </dsp:spPr>
+      <dsp:style>
+        <a:lnRef idx="2">
+          <a:scrgbClr r="0" g="0" b="0"/>
+        </a:lnRef>
+        <a:fillRef idx="1">
+          <a:scrgbClr r="0" g="0" b="0"/>
+        </a:fillRef>
+        <a:effectRef idx="0">
+          <a:scrgbClr r="0" g="0" b="0"/>
+        </a:effectRef>
+        <a:fontRef idx="minor">
+          <a:schemeClr val="lt1"/>
+        </a:fontRef>
+      </dsp:style>
+      <dsp:txBody>
+        <a:bodyPr spcFirstLastPara="0" vert="horz" wrap="square" lIns="142240" tIns="142240" rIns="142240" bIns="76200" numCol="1" spcCol="1270" anchor="t" anchorCtr="0">
+          <a:noAutofit/>
+        </a:bodyPr>
+        <a:lstStyle/>
+        <a:p>
+          <a:pPr marL="0" lvl="0" indent="0" algn="l" defTabSz="889000">
+            <a:lnSpc>
+              <a:spcPct val="90000"/>
+            </a:lnSpc>
+            <a:spcBef>
+              <a:spcPct val="0"/>
+            </a:spcBef>
+            <a:spcAft>
+              <a:spcPct val="35000"/>
+            </a:spcAft>
+            <a:buNone/>
+          </a:pPr>
+          <a:r>
+            <a:rPr lang="en-US" sz="2000" b="1" kern="1200" dirty="0">
+              <a:latin typeface="Source Sans Pro" panose="020B0503030403020204" pitchFamily="34" charset="77"/>
+            </a:rPr>
+            <a:t>Mapping</a:t>
+          </a:r>
+        </a:p>
+      </dsp:txBody>
+      <dsp:txXfrm>
+        <a:off x="5625287" y="-255904"/>
+        <a:ext cx="1695827" cy="511808"/>
+      </dsp:txXfrm>
+    </dsp:sp>
+    <dsp:sp modelId="{D966FE66-A74A-D744-9EB2-B25AF491C6C6}">
+      <dsp:nvSpPr>
+        <dsp:cNvPr id="0" name=""/>
+        <dsp:cNvSpPr/>
+      </dsp:nvSpPr>
+      <dsp:spPr>
+        <a:xfrm>
+          <a:off x="5849668" y="255904"/>
+          <a:ext cx="1940501" cy="1583264"/>
+        </a:xfrm>
+        <a:prstGeom prst="roundRect">
+          <a:avLst>
+            <a:gd name="adj" fmla="val 10000"/>
+          </a:avLst>
+        </a:prstGeom>
+        <a:solidFill>
+          <a:schemeClr val="lt1">
+            <a:alpha val="90000"/>
+            <a:hueOff val="0"/>
+            <a:satOff val="0"/>
+            <a:lumOff val="0"/>
+            <a:alphaOff val="0"/>
+          </a:schemeClr>
+        </a:solidFill>
+        <a:ln w="12700" cap="flat" cmpd="sng" algn="ctr">
+          <a:solidFill>
+            <a:schemeClr val="accent4">
+              <a:hueOff val="0"/>
+              <a:satOff val="0"/>
+              <a:lumOff val="0"/>
+              <a:alphaOff val="0"/>
+            </a:schemeClr>
+          </a:solidFill>
+          <a:prstDash val="solid"/>
+          <a:miter lim="800000"/>
+        </a:ln>
+        <a:effectLst/>
+      </dsp:spPr>
+      <dsp:style>
+        <a:lnRef idx="2">
+          <a:scrgbClr r="0" g="0" b="0"/>
+        </a:lnRef>
+        <a:fillRef idx="1">
+          <a:scrgbClr r="0" g="0" b="0"/>
+        </a:fillRef>
+        <a:effectRef idx="0">
+          <a:scrgbClr r="0" g="0" b="0"/>
+        </a:effectRef>
+        <a:fontRef idx="minor"/>
+      </dsp:style>
+      <dsp:txBody>
+        <a:bodyPr spcFirstLastPara="0" vert="horz" wrap="square" lIns="113792" tIns="113792" rIns="113792" bIns="113792" numCol="1" spcCol="1270" anchor="t" anchorCtr="0">
+          <a:noAutofit/>
+        </a:bodyPr>
+        <a:lstStyle/>
+        <a:p>
+          <a:pPr marL="171450" lvl="1" indent="-171450" algn="l" defTabSz="711200">
+            <a:lnSpc>
+              <a:spcPct val="90000"/>
+            </a:lnSpc>
+            <a:spcBef>
+              <a:spcPct val="0"/>
+            </a:spcBef>
+            <a:spcAft>
+              <a:spcPct val="15000"/>
+            </a:spcAft>
+            <a:buChar char="•"/>
+          </a:pPr>
+          <a:r>
+            <a:rPr lang="en-US" sz="1600" kern="1200" dirty="0">
+              <a:latin typeface="Source Sans Pro" panose="020B0503030403020204" pitchFamily="34" charset="77"/>
+            </a:rPr>
+            <a:t>Placement and Routing</a:t>
+          </a:r>
+        </a:p>
+        <a:p>
+          <a:pPr marL="171450" lvl="1" indent="-171450" algn="l" defTabSz="711200">
+            <a:lnSpc>
+              <a:spcPct val="90000"/>
+            </a:lnSpc>
+            <a:spcBef>
+              <a:spcPct val="0"/>
+            </a:spcBef>
+            <a:spcAft>
+              <a:spcPct val="15000"/>
+            </a:spcAft>
+            <a:buChar char="•"/>
+          </a:pPr>
+          <a:r>
+            <a:rPr lang="en-US" sz="1600" kern="1200" dirty="0">
+              <a:latin typeface="Source Sans Pro" panose="020B0503030403020204" pitchFamily="34" charset="77"/>
+            </a:rPr>
+            <a:t>VC Allocation</a:t>
+          </a:r>
+        </a:p>
+      </dsp:txBody>
+      <dsp:txXfrm>
+        <a:off x="5896040" y="302276"/>
+        <a:ext cx="1847757" cy="1490520"/>
+      </dsp:txXfrm>
+    </dsp:sp>
+    <dsp:sp modelId="{B35E5B03-B2F2-874D-A9EC-901BEAAC6287}">
+      <dsp:nvSpPr>
+        <dsp:cNvPr id="0" name=""/>
+        <dsp:cNvSpPr/>
+      </dsp:nvSpPr>
+      <dsp:spPr>
+        <a:xfrm>
+          <a:off x="7608459" y="-210899"/>
+          <a:ext cx="609169" cy="421799"/>
+        </a:xfrm>
+        <a:prstGeom prst="rightArrow">
+          <a:avLst>
+            <a:gd name="adj1" fmla="val 60000"/>
+            <a:gd name="adj2" fmla="val 50000"/>
+          </a:avLst>
+        </a:prstGeom>
+        <a:solidFill>
+          <a:schemeClr val="accent4">
+            <a:hueOff val="0"/>
+            <a:satOff val="0"/>
+            <a:lumOff val="0"/>
+            <a:alphaOff val="0"/>
+          </a:schemeClr>
+        </a:solidFill>
+        <a:ln>
+          <a:noFill/>
+        </a:ln>
+        <a:effectLst/>
+      </dsp:spPr>
+      <dsp:style>
+        <a:lnRef idx="0">
+          <a:scrgbClr r="0" g="0" b="0"/>
+        </a:lnRef>
+        <a:fillRef idx="1">
+          <a:scrgbClr r="0" g="0" b="0"/>
+        </a:fillRef>
+        <a:effectRef idx="0">
+          <a:scrgbClr r="0" g="0" b="0"/>
+        </a:effectRef>
+        <a:fontRef idx="minor">
+          <a:schemeClr val="lt1"/>
+        </a:fontRef>
+      </dsp:style>
+      <dsp:txBody>
+        <a:bodyPr spcFirstLastPara="0" vert="horz" wrap="square" lIns="0" tIns="0" rIns="0" bIns="0" numCol="1" spcCol="1270" anchor="ctr" anchorCtr="0">
+          <a:noAutofit/>
+        </a:bodyPr>
+        <a:lstStyle/>
+        <a:p>
+          <a:pPr marL="0" lvl="0" indent="0" algn="ctr" defTabSz="177800">
+            <a:lnSpc>
+              <a:spcPct val="90000"/>
+            </a:lnSpc>
+            <a:spcBef>
+              <a:spcPct val="0"/>
+            </a:spcBef>
+            <a:spcAft>
+              <a:spcPct val="35000"/>
+            </a:spcAft>
+            <a:buNone/>
+          </a:pPr>
+          <a:endParaRPr lang="en-US" sz="400" kern="1200">
+            <a:latin typeface="Source Sans Pro" panose="020B0503030403020204" pitchFamily="34" charset="77"/>
+          </a:endParaRPr>
+        </a:p>
+      </dsp:txBody>
+      <dsp:txXfrm>
+        <a:off x="7608459" y="-126539"/>
+        <a:ext cx="482629" cy="253079"/>
+      </dsp:txXfrm>
+    </dsp:sp>
+    <dsp:sp modelId="{092D8CA3-6324-264E-BF85-18C8A59AC1D8}">
+      <dsp:nvSpPr>
+        <dsp:cNvPr id="0" name=""/>
+        <dsp:cNvSpPr/>
+      </dsp:nvSpPr>
+      <dsp:spPr>
+        <a:xfrm>
+          <a:off x="8470491" y="-255904"/>
+          <a:ext cx="1695827" cy="767712"/>
+        </a:xfrm>
+        <a:prstGeom prst="roundRect">
+          <a:avLst>
+            <a:gd name="adj" fmla="val 10000"/>
+          </a:avLst>
+        </a:prstGeom>
+        <a:solidFill>
+          <a:schemeClr val="accent5">
+            <a:hueOff val="0"/>
+            <a:satOff val="0"/>
+            <a:lumOff val="0"/>
+            <a:alphaOff val="0"/>
+          </a:schemeClr>
+        </a:solidFill>
+        <a:ln w="12700" cap="flat" cmpd="sng" algn="ctr">
+          <a:solidFill>
+            <a:schemeClr val="lt1">
+              <a:hueOff val="0"/>
+              <a:satOff val="0"/>
+              <a:lumOff val="0"/>
+              <a:alphaOff val="0"/>
+            </a:schemeClr>
+          </a:solidFill>
+          <a:prstDash val="solid"/>
+          <a:miter lim="800000"/>
+        </a:ln>
+        <a:effectLst/>
+      </dsp:spPr>
+      <dsp:style>
+        <a:lnRef idx="2">
+          <a:scrgbClr r="0" g="0" b="0"/>
+        </a:lnRef>
+        <a:fillRef idx="1">
+          <a:scrgbClr r="0" g="0" b="0"/>
+        </a:fillRef>
+        <a:effectRef idx="0">
+          <a:scrgbClr r="0" g="0" b="0"/>
+        </a:effectRef>
+        <a:fontRef idx="minor">
+          <a:schemeClr val="lt1"/>
+        </a:fontRef>
+      </dsp:style>
+      <dsp:txBody>
+        <a:bodyPr spcFirstLastPara="0" vert="horz" wrap="square" lIns="142240" tIns="142240" rIns="142240" bIns="76200" numCol="1" spcCol="1270" anchor="t" anchorCtr="0">
+          <a:noAutofit/>
+        </a:bodyPr>
+        <a:lstStyle/>
+        <a:p>
+          <a:pPr marL="0" lvl="0" indent="0" algn="l" defTabSz="889000">
+            <a:lnSpc>
+              <a:spcPct val="90000"/>
+            </a:lnSpc>
+            <a:spcBef>
+              <a:spcPct val="0"/>
+            </a:spcBef>
+            <a:spcAft>
+              <a:spcPct val="35000"/>
+            </a:spcAft>
+            <a:buNone/>
+          </a:pPr>
+          <a:r>
+            <a:rPr lang="en-US" sz="2000" b="1" kern="1200" dirty="0">
+              <a:latin typeface="Source Sans Pro" panose="020B0503030403020204" pitchFamily="34" charset="77"/>
+            </a:rPr>
+            <a:t>Simulation</a:t>
+          </a:r>
+        </a:p>
+      </dsp:txBody>
+      <dsp:txXfrm>
+        <a:off x="8470491" y="-255904"/>
+        <a:ext cx="1695827" cy="511808"/>
+      </dsp:txXfrm>
+    </dsp:sp>
+    <dsp:sp modelId="{5E24692E-E2F2-0E4C-9922-06D71F7390D2}">
+      <dsp:nvSpPr>
+        <dsp:cNvPr id="0" name=""/>
+        <dsp:cNvSpPr/>
+      </dsp:nvSpPr>
+      <dsp:spPr>
+        <a:xfrm>
+          <a:off x="8654053" y="255904"/>
+          <a:ext cx="2022138" cy="1583264"/>
+        </a:xfrm>
+        <a:prstGeom prst="roundRect">
+          <a:avLst>
+            <a:gd name="adj" fmla="val 10000"/>
+          </a:avLst>
+        </a:prstGeom>
+        <a:solidFill>
+          <a:schemeClr val="lt1">
+            <a:alpha val="90000"/>
+            <a:hueOff val="0"/>
+            <a:satOff val="0"/>
+            <a:lumOff val="0"/>
+            <a:alphaOff val="0"/>
+          </a:schemeClr>
+        </a:solidFill>
+        <a:ln w="12700" cap="flat" cmpd="sng" algn="ctr">
+          <a:solidFill>
+            <a:schemeClr val="accent5">
+              <a:hueOff val="0"/>
+              <a:satOff val="0"/>
+              <a:lumOff val="0"/>
+              <a:alphaOff val="0"/>
+            </a:schemeClr>
+          </a:solidFill>
+          <a:prstDash val="solid"/>
+          <a:miter lim="800000"/>
+        </a:ln>
+        <a:effectLst/>
+      </dsp:spPr>
+      <dsp:style>
+        <a:lnRef idx="2">
+          <a:scrgbClr r="0" g="0" b="0"/>
+        </a:lnRef>
+        <a:fillRef idx="1">
+          <a:scrgbClr r="0" g="0" b="0"/>
+        </a:fillRef>
+        <a:effectRef idx="0">
+          <a:scrgbClr r="0" g="0" b="0"/>
+        </a:effectRef>
+        <a:fontRef idx="minor"/>
+      </dsp:style>
+      <dsp:txBody>
+        <a:bodyPr spcFirstLastPara="0" vert="horz" wrap="square" lIns="113792" tIns="113792" rIns="113792" bIns="113792" numCol="1" spcCol="1270" anchor="t" anchorCtr="0">
+          <a:noAutofit/>
+        </a:bodyPr>
+        <a:lstStyle/>
+        <a:p>
+          <a:pPr marL="171450" lvl="1" indent="-171450" algn="l" defTabSz="711200">
+            <a:lnSpc>
+              <a:spcPct val="90000"/>
+            </a:lnSpc>
+            <a:spcBef>
+              <a:spcPct val="0"/>
+            </a:spcBef>
+            <a:spcAft>
+              <a:spcPct val="15000"/>
+            </a:spcAft>
+            <a:buChar char="•"/>
+          </a:pPr>
+          <a:r>
+            <a:rPr lang="en-US" sz="1600" kern="1200" dirty="0">
+              <a:latin typeface="Source Sans Pro" panose="020B0503030403020204" pitchFamily="34" charset="77"/>
+            </a:rPr>
+            <a:t>Fast Cycle Accurate Control Simulator</a:t>
+          </a:r>
+        </a:p>
+        <a:p>
+          <a:pPr marL="171450" lvl="1" indent="-171450" algn="l" defTabSz="711200">
+            <a:lnSpc>
+              <a:spcPct val="90000"/>
+            </a:lnSpc>
+            <a:spcBef>
+              <a:spcPct val="0"/>
+            </a:spcBef>
+            <a:spcAft>
+              <a:spcPct val="15000"/>
+            </a:spcAft>
+            <a:buChar char="•"/>
+          </a:pPr>
+          <a:r>
+            <a:rPr lang="en-US" sz="1600" kern="1200" dirty="0">
+              <a:latin typeface="Source Sans Pro" panose="020B0503030403020204" pitchFamily="34" charset="77"/>
+            </a:rPr>
+            <a:t>Integrated with </a:t>
+          </a:r>
+          <a:r>
+            <a:rPr lang="en-US" sz="1600" kern="1200" dirty="0" err="1">
+              <a:latin typeface="Source Sans Pro" panose="020B0503030403020204" pitchFamily="34" charset="77"/>
+            </a:rPr>
+            <a:t>DRAMSim</a:t>
+          </a:r>
+          <a:r>
+            <a:rPr lang="en-US" sz="1600" kern="1200" dirty="0">
+              <a:latin typeface="Source Sans Pro" panose="020B0503030403020204" pitchFamily="34" charset="77"/>
+            </a:rPr>
+            <a:t> and </a:t>
+          </a:r>
+          <a:r>
+            <a:rPr lang="en-US" sz="1600" kern="1200" dirty="0" err="1">
+              <a:latin typeface="Source Sans Pro" panose="020B0503030403020204" pitchFamily="34" charset="77"/>
+            </a:rPr>
+            <a:t>BookSim</a:t>
+          </a:r>
+          <a:endParaRPr lang="en-US" sz="1600" kern="1200" dirty="0">
+            <a:latin typeface="Source Sans Pro" panose="020B0503030403020204" pitchFamily="34" charset="77"/>
+          </a:endParaRPr>
+        </a:p>
+      </dsp:txBody>
+      <dsp:txXfrm>
+        <a:off x="8700425" y="302276"/>
+        <a:ext cx="1929394" cy="1490520"/>
       </dsp:txXfrm>
     </dsp:sp>
   </dsp:spTree>
@@ -8404,6 +13169,461 @@
 </dgm:layoutDef>
 </file>
 
+<file path=ppt/diagrams/layout4.xml><?xml version="1.0" encoding="utf-8"?>
+<dgm:layoutDef xmlns:dgm="http://schemas.openxmlformats.org/drawingml/2006/diagram" xmlns:a="http://schemas.openxmlformats.org/drawingml/2006/main" uniqueId="urn:microsoft.com/office/officeart/2005/8/layout/hProcess9">
+  <dgm:title val=""/>
+  <dgm:desc val=""/>
+  <dgm:catLst>
+    <dgm:cat type="process" pri="5000"/>
+    <dgm:cat type="convert" pri="13000"/>
+  </dgm:catLst>
+  <dgm:sampData useDef="1">
+    <dgm:dataModel>
+      <dgm:ptLst/>
+      <dgm:bg/>
+      <dgm:whole/>
+    </dgm:dataModel>
+  </dgm:sampData>
+  <dgm:styleData>
+    <dgm:dataModel>
+      <dgm:ptLst>
+        <dgm:pt modelId="0" type="doc"/>
+        <dgm:pt modelId="1"/>
+        <dgm:pt modelId="2"/>
+      </dgm:ptLst>
+      <dgm:cxnLst>
+        <dgm:cxn modelId="3" srcId="0" destId="1" srcOrd="0" destOrd="0"/>
+        <dgm:cxn modelId="4" srcId="0" destId="2" srcOrd="1" destOrd="0"/>
+      </dgm:cxnLst>
+      <dgm:bg/>
+      <dgm:whole/>
+    </dgm:dataModel>
+  </dgm:styleData>
+  <dgm:clrData>
+    <dgm:dataModel>
+      <dgm:ptLst>
+        <dgm:pt modelId="0" type="doc"/>
+        <dgm:pt modelId="1"/>
+        <dgm:pt modelId="2"/>
+        <dgm:pt modelId="3"/>
+        <dgm:pt modelId="4"/>
+      </dgm:ptLst>
+      <dgm:cxnLst>
+        <dgm:cxn modelId="5" srcId="0" destId="1" srcOrd="0" destOrd="0"/>
+        <dgm:cxn modelId="6" srcId="0" destId="2" srcOrd="1" destOrd="0"/>
+        <dgm:cxn modelId="7" srcId="0" destId="3" srcOrd="2" destOrd="0"/>
+        <dgm:cxn modelId="8" srcId="0" destId="4" srcOrd="3" destOrd="0"/>
+      </dgm:cxnLst>
+      <dgm:bg/>
+      <dgm:whole/>
+    </dgm:dataModel>
+  </dgm:clrData>
+  <dgm:layoutNode name="CompostProcess">
+    <dgm:varLst>
+      <dgm:dir/>
+      <dgm:resizeHandles val="exact"/>
+    </dgm:varLst>
+    <dgm:alg type="composite">
+      <dgm:param type="horzAlign" val="ctr"/>
+      <dgm:param type="vertAlign" val="mid"/>
+    </dgm:alg>
+    <dgm:shape xmlns:r="http://schemas.openxmlformats.org/officeDocument/2006/relationships" r:blip="">
+      <dgm:adjLst/>
+    </dgm:shape>
+    <dgm:presOf/>
+    <dgm:constrLst>
+      <dgm:constr type="w" for="ch" forName="arrow" refType="w" fact="0.85"/>
+      <dgm:constr type="h" for="ch" forName="arrow" refType="h"/>
+      <dgm:constr type="ctrX" for="ch" forName="arrow" refType="w" fact="0.5"/>
+      <dgm:constr type="ctrY" for="ch" forName="arrow" refType="h" fact="0.5"/>
+      <dgm:constr type="w" for="ch" forName="linearProcess" refType="w"/>
+      <dgm:constr type="h" for="ch" forName="linearProcess" refType="h" fact="0.4"/>
+      <dgm:constr type="ctrX" for="ch" forName="linearProcess" refType="w" fact="0.5"/>
+      <dgm:constr type="ctrY" for="ch" forName="linearProcess" refType="h" fact="0.5"/>
+    </dgm:constrLst>
+    <dgm:ruleLst/>
+    <dgm:layoutNode name="arrow" styleLbl="bgShp">
+      <dgm:alg type="sp"/>
+      <dgm:choose name="Name0">
+        <dgm:if name="Name1" func="var" arg="dir" op="equ" val="norm">
+          <dgm:shape xmlns:r="http://schemas.openxmlformats.org/officeDocument/2006/relationships" type="rightArrow" r:blip="">
+            <dgm:adjLst/>
+          </dgm:shape>
+        </dgm:if>
+        <dgm:else name="Name2">
+          <dgm:shape xmlns:r="http://schemas.openxmlformats.org/officeDocument/2006/relationships" type="leftArrow" r:blip="">
+            <dgm:adjLst/>
+          </dgm:shape>
+        </dgm:else>
+      </dgm:choose>
+      <dgm:presOf/>
+      <dgm:constrLst/>
+      <dgm:ruleLst/>
+    </dgm:layoutNode>
+    <dgm:layoutNode name="linearProcess">
+      <dgm:choose name="Name3">
+        <dgm:if name="Name4" func="var" arg="dir" op="equ" val="norm">
+          <dgm:alg type="lin"/>
+        </dgm:if>
+        <dgm:else name="Name5">
+          <dgm:alg type="lin">
+            <dgm:param type="linDir" val="fromR"/>
+          </dgm:alg>
+        </dgm:else>
+      </dgm:choose>
+      <dgm:shape xmlns:r="http://schemas.openxmlformats.org/officeDocument/2006/relationships" r:blip="">
+        <dgm:adjLst/>
+      </dgm:shape>
+      <dgm:presOf/>
+      <dgm:constrLst>
+        <dgm:constr type="userA" for="ch" ptType="node" refType="w"/>
+        <dgm:constr type="h" for="ch" ptType="node" refType="h"/>
+        <dgm:constr type="w" for="ch" ptType="node" op="equ"/>
+        <dgm:constr type="w" for="ch" forName="sibTrans" refType="w" fact="0.05"/>
+        <dgm:constr type="primFontSz" for="ch" ptType="node" op="equ" val="65"/>
+      </dgm:constrLst>
+      <dgm:ruleLst/>
+      <dgm:forEach name="Name6" axis="ch" ptType="node">
+        <dgm:layoutNode name="textNode" styleLbl="node1">
+          <dgm:varLst>
+            <dgm:bulletEnabled val="1"/>
+          </dgm:varLst>
+          <dgm:alg type="tx"/>
+          <dgm:shape xmlns:r="http://schemas.openxmlformats.org/officeDocument/2006/relationships" type="roundRect" r:blip="">
+            <dgm:adjLst/>
+          </dgm:shape>
+          <dgm:presOf axis="desOrSelf" ptType="node"/>
+          <dgm:constrLst>
+            <dgm:constr type="userA"/>
+            <dgm:constr type="w" refType="userA" fact="0.3"/>
+            <dgm:constr type="tMarg" refType="primFontSz" fact="0.3"/>
+            <dgm:constr type="bMarg" refType="primFontSz" fact="0.3"/>
+            <dgm:constr type="lMarg" refType="primFontSz" fact="0.3"/>
+            <dgm:constr type="rMarg" refType="primFontSz" fact="0.3"/>
+          </dgm:constrLst>
+          <dgm:ruleLst>
+            <dgm:rule type="w" val="NaN" fact="1" max="NaN"/>
+            <dgm:rule type="primFontSz" val="5" fact="NaN" max="NaN"/>
+          </dgm:ruleLst>
+        </dgm:layoutNode>
+        <dgm:forEach name="Name7" axis="followSib" ptType="sibTrans" cnt="1">
+          <dgm:layoutNode name="sibTrans">
+            <dgm:alg type="sp"/>
+            <dgm:shape xmlns:r="http://schemas.openxmlformats.org/officeDocument/2006/relationships" r:blip="">
+              <dgm:adjLst/>
+            </dgm:shape>
+            <dgm:presOf/>
+            <dgm:constrLst/>
+            <dgm:ruleLst/>
+          </dgm:layoutNode>
+        </dgm:forEach>
+      </dgm:forEach>
+    </dgm:layoutNode>
+  </dgm:layoutNode>
+</dgm:layoutDef>
+</file>
+
+<file path=ppt/diagrams/layout5.xml><?xml version="1.0" encoding="utf-8"?>
+<dgm:layoutDef xmlns:dgm="http://schemas.openxmlformats.org/drawingml/2006/diagram" xmlns:a="http://schemas.openxmlformats.org/drawingml/2006/main" uniqueId="urn:microsoft.com/office/officeart/2005/8/layout/process3">
+  <dgm:title val=""/>
+  <dgm:desc val=""/>
+  <dgm:catLst>
+    <dgm:cat type="process" pri="2000"/>
+  </dgm:catLst>
+  <dgm:sampData>
+    <dgm:dataModel>
+      <dgm:ptLst>
+        <dgm:pt modelId="0" type="doc"/>
+        <dgm:pt modelId="1">
+          <dgm:prSet phldr="1"/>
+        </dgm:pt>
+        <dgm:pt modelId="11">
+          <dgm:prSet phldr="1"/>
+        </dgm:pt>
+        <dgm:pt modelId="2">
+          <dgm:prSet phldr="1"/>
+        </dgm:pt>
+        <dgm:pt modelId="21">
+          <dgm:prSet phldr="1"/>
+        </dgm:pt>
+        <dgm:pt modelId="3">
+          <dgm:prSet phldr="1"/>
+        </dgm:pt>
+        <dgm:pt modelId="31">
+          <dgm:prSet phldr="1"/>
+        </dgm:pt>
+      </dgm:ptLst>
+      <dgm:cxnLst>
+        <dgm:cxn modelId="4" srcId="0" destId="1" srcOrd="0" destOrd="0"/>
+        <dgm:cxn modelId="5" srcId="0" destId="2" srcOrd="1" destOrd="0"/>
+        <dgm:cxn modelId="6" srcId="0" destId="3" srcOrd="3" destOrd="0"/>
+        <dgm:cxn modelId="12" srcId="1" destId="11" srcOrd="0" destOrd="0"/>
+        <dgm:cxn modelId="23" srcId="2" destId="21" srcOrd="0" destOrd="0"/>
+        <dgm:cxn modelId="34" srcId="3" destId="31" srcOrd="0" destOrd="0"/>
+      </dgm:cxnLst>
+      <dgm:bg/>
+      <dgm:whole/>
+    </dgm:dataModel>
+  </dgm:sampData>
+  <dgm:styleData>
+    <dgm:dataModel>
+      <dgm:ptLst>
+        <dgm:pt modelId="0" type="doc"/>
+        <dgm:pt modelId="1">
+          <dgm:prSet phldr="1"/>
+        </dgm:pt>
+        <dgm:pt modelId="11">
+          <dgm:prSet phldr="1"/>
+        </dgm:pt>
+        <dgm:pt modelId="2">
+          <dgm:prSet phldr="1"/>
+        </dgm:pt>
+        <dgm:pt modelId="21">
+          <dgm:prSet phldr="1"/>
+        </dgm:pt>
+      </dgm:ptLst>
+      <dgm:cxnLst>
+        <dgm:cxn modelId="4" srcId="0" destId="1" srcOrd="0" destOrd="0"/>
+        <dgm:cxn modelId="5" srcId="0" destId="2" srcOrd="1" destOrd="0"/>
+        <dgm:cxn modelId="13" srcId="1" destId="11" srcOrd="0" destOrd="0"/>
+        <dgm:cxn modelId="23" srcId="2" destId="21" srcOrd="0" destOrd="0"/>
+      </dgm:cxnLst>
+      <dgm:bg/>
+      <dgm:whole/>
+    </dgm:dataModel>
+  </dgm:styleData>
+  <dgm:clrData>
+    <dgm:dataModel>
+      <dgm:ptLst>
+        <dgm:pt modelId="0" type="doc"/>
+        <dgm:pt modelId="1">
+          <dgm:prSet phldr="1"/>
+        </dgm:pt>
+        <dgm:pt modelId="11">
+          <dgm:prSet phldr="1"/>
+        </dgm:pt>
+        <dgm:pt modelId="2">
+          <dgm:prSet phldr="1"/>
+        </dgm:pt>
+        <dgm:pt modelId="21">
+          <dgm:prSet phldr="1"/>
+        </dgm:pt>
+        <dgm:pt modelId="3">
+          <dgm:prSet phldr="1"/>
+        </dgm:pt>
+        <dgm:pt modelId="31">
+          <dgm:prSet phldr="1"/>
+        </dgm:pt>
+        <dgm:pt modelId="4">
+          <dgm:prSet phldr="1"/>
+        </dgm:pt>
+        <dgm:pt modelId="41">
+          <dgm:prSet phldr="1"/>
+        </dgm:pt>
+      </dgm:ptLst>
+      <dgm:cxnLst>
+        <dgm:cxn modelId="5" srcId="0" destId="1" srcOrd="0" destOrd="0"/>
+        <dgm:cxn modelId="6" srcId="0" destId="2" srcOrd="1" destOrd="0"/>
+        <dgm:cxn modelId="7" srcId="0" destId="3" srcOrd="2" destOrd="0"/>
+        <dgm:cxn modelId="8" srcId="0" destId="4" srcOrd="3" destOrd="0"/>
+        <dgm:cxn modelId="13" srcId="1" destId="11" srcOrd="0" destOrd="0"/>
+        <dgm:cxn modelId="23" srcId="2" destId="21" srcOrd="0" destOrd="0"/>
+        <dgm:cxn modelId="33" srcId="3" destId="31" srcOrd="0" destOrd="0"/>
+        <dgm:cxn modelId="43" srcId="4" destId="41" srcOrd="0" destOrd="0"/>
+      </dgm:cxnLst>
+      <dgm:bg/>
+      <dgm:whole/>
+    </dgm:dataModel>
+  </dgm:clrData>
+  <dgm:layoutNode name="linearFlow">
+    <dgm:varLst>
+      <dgm:dir/>
+      <dgm:animLvl val="lvl"/>
+      <dgm:resizeHandles val="exact"/>
+    </dgm:varLst>
+    <dgm:choose name="Name0">
+      <dgm:if name="Name1" func="var" arg="dir" op="equ" val="norm">
+        <dgm:alg type="lin"/>
+      </dgm:if>
+      <dgm:else name="Name2">
+        <dgm:alg type="lin">
+          <dgm:param type="linDir" val="fromR"/>
+        </dgm:alg>
+      </dgm:else>
+    </dgm:choose>
+    <dgm:shape xmlns:r="http://schemas.openxmlformats.org/officeDocument/2006/relationships" r:blip="">
+      <dgm:adjLst/>
+    </dgm:shape>
+    <dgm:presOf/>
+    <dgm:constrLst>
+      <dgm:constr type="w" for="ch" forName="composite" refType="w"/>
+      <dgm:constr type="w" for="ch" ptType="sibTrans" refType="w" refFor="ch" refForName="composite" fact="0.3333"/>
+      <dgm:constr type="w" for="des" forName="parTx"/>
+      <dgm:constr type="h" for="des" forName="parTx" op="equ"/>
+      <dgm:constr type="h" for="des" forName="parSh" op="equ"/>
+      <dgm:constr type="w" for="des" forName="desTx"/>
+      <dgm:constr type="h" for="des" forName="desTx" op="equ"/>
+      <dgm:constr type="w" for="des" forName="parSh"/>
+      <dgm:constr type="primFontSz" for="des" forName="parTx" val="65"/>
+      <dgm:constr type="secFontSz" for="des" forName="desTx" refType="primFontSz" refFor="des" refForName="parTx" op="equ"/>
+      <dgm:constr type="primFontSz" for="des" forName="connTx" refType="primFontSz" refFor="des" refForName="parTx" fact="0.8"/>
+      <dgm:constr type="primFontSz" for="des" forName="connTx" refType="primFontSz" refFor="des" refForName="parTx" op="lte" fact="0.8"/>
+      <dgm:constr type="h" for="des" forName="parTx" refType="primFontSz" refFor="des" refForName="parTx" fact="0.8"/>
+      <dgm:constr type="h" for="des" forName="parSh" refType="primFontSz" refFor="des" refForName="parTx" fact="1.2"/>
+      <dgm:constr type="h" for="des" forName="desTx" refType="primFontSz" refFor="des" refForName="parTx" fact="1.6"/>
+      <dgm:constr type="h" for="des" forName="parSh" refType="h" refFor="des" refForName="parTx" op="lte" fact="1.5"/>
+      <dgm:constr type="h" for="des" forName="parSh" refType="h" refFor="des" refForName="parTx" op="gte" fact="1.5"/>
+    </dgm:constrLst>
+    <dgm:ruleLst>
+      <dgm:rule type="w" for="ch" forName="composite" val="0" fact="NaN" max="NaN"/>
+      <dgm:rule type="primFontSz" for="des" forName="parTx" val="5" fact="NaN" max="NaN"/>
+    </dgm:ruleLst>
+    <dgm:forEach name="Name3" axis="ch" ptType="node">
+      <dgm:layoutNode name="composite">
+        <dgm:alg type="composite"/>
+        <dgm:shape xmlns:r="http://schemas.openxmlformats.org/officeDocument/2006/relationships" r:blip="">
+          <dgm:adjLst/>
+        </dgm:shape>
+        <dgm:presOf/>
+        <dgm:choose name="Name4">
+          <dgm:if name="Name5" func="var" arg="dir" op="equ" val="norm">
+            <dgm:constrLst>
+              <dgm:constr type="h" refType="w" fact="1000"/>
+              <dgm:constr type="l" for="ch" forName="parTx"/>
+              <dgm:constr type="w" for="ch" forName="parTx" refType="w" fact="0.83"/>
+              <dgm:constr type="t" for="ch" forName="parTx"/>
+              <dgm:constr type="l" for="ch" forName="parSh"/>
+              <dgm:constr type="w" for="ch" forName="parSh" refType="w" refFor="ch" refForName="parTx"/>
+              <dgm:constr type="t" for="ch" forName="parSh"/>
+              <dgm:constr type="l" for="ch" forName="desTx" refType="w" fact="0.17"/>
+              <dgm:constr type="w" for="ch" forName="desTx" refType="w" refFor="ch" refForName="parTx"/>
+              <dgm:constr type="t" for="ch" forName="desTx" refType="h" refFor="ch" refForName="parTx"/>
+            </dgm:constrLst>
+          </dgm:if>
+          <dgm:else name="Name6">
+            <dgm:constrLst>
+              <dgm:constr type="h" refType="w" fact="1000"/>
+              <dgm:constr type="l" for="ch" forName="parTx" refType="w" fact="0.17"/>
+              <dgm:constr type="w" for="ch" forName="parTx" refType="w" fact="0.83"/>
+              <dgm:constr type="t" for="ch" forName="parTx"/>
+              <dgm:constr type="l" for="ch" forName="parSh" refType="w" fact="0.15"/>
+              <dgm:constr type="w" for="ch" forName="parSh" refType="w" refFor="ch" refForName="parTx"/>
+              <dgm:constr type="t" for="ch" forName="parSh"/>
+              <dgm:constr type="l" for="ch" forName="desTx"/>
+              <dgm:constr type="w" for="ch" forName="desTx" refType="w" refFor="ch" refForName="parTx"/>
+              <dgm:constr type="t" for="ch" forName="desTx" refType="h" refFor="ch" refForName="parTx"/>
+            </dgm:constrLst>
+          </dgm:else>
+        </dgm:choose>
+        <dgm:ruleLst>
+          <dgm:rule type="h" val="INF" fact="NaN" max="NaN"/>
+        </dgm:ruleLst>
+        <dgm:layoutNode name="parTx">
+          <dgm:varLst>
+            <dgm:chMax val="0"/>
+            <dgm:chPref val="0"/>
+            <dgm:bulletEnabled val="1"/>
+          </dgm:varLst>
+          <dgm:alg type="tx">
+            <dgm:param type="parTxLTRAlign" val="l"/>
+            <dgm:param type="parTxRTLAlign" val="r"/>
+            <dgm:param type="txAnchorVert" val="t"/>
+          </dgm:alg>
+          <dgm:shape xmlns:r="http://schemas.openxmlformats.org/officeDocument/2006/relationships" type="rect" r:blip="" zOrderOff="1" hideGeom="1">
+            <dgm:adjLst>
+              <dgm:adj idx="1" val="0.1"/>
+            </dgm:adjLst>
+          </dgm:shape>
+          <dgm:presOf axis="self" ptType="node"/>
+          <dgm:constrLst>
+            <dgm:constr type="h" refType="w" op="lte" fact="0.4"/>
+            <dgm:constr type="bMarg" refType="primFontSz" fact="0.3"/>
+            <dgm:constr type="h"/>
+          </dgm:constrLst>
+          <dgm:ruleLst>
+            <dgm:rule type="h" val="INF" fact="NaN" max="NaN"/>
+          </dgm:ruleLst>
+        </dgm:layoutNode>
+        <dgm:layoutNode name="parSh">
+          <dgm:alg type="sp"/>
+          <dgm:shape xmlns:r="http://schemas.openxmlformats.org/officeDocument/2006/relationships" type="roundRect" r:blip="">
+            <dgm:adjLst>
+              <dgm:adj idx="1" val="0.1"/>
+            </dgm:adjLst>
+          </dgm:shape>
+          <dgm:presOf axis="self" ptType="node"/>
+          <dgm:constrLst>
+            <dgm:constr type="h"/>
+          </dgm:constrLst>
+          <dgm:ruleLst/>
+        </dgm:layoutNode>
+        <dgm:layoutNode name="desTx" styleLbl="fgAcc1">
+          <dgm:varLst>
+            <dgm:bulletEnabled val="1"/>
+          </dgm:varLst>
+          <dgm:alg type="tx">
+            <dgm:param type="stBulletLvl" val="1"/>
+          </dgm:alg>
+          <dgm:shape xmlns:r="http://schemas.openxmlformats.org/officeDocument/2006/relationships" type="roundRect" r:blip="">
+            <dgm:adjLst>
+              <dgm:adj idx="1" val="0.1"/>
+            </dgm:adjLst>
+          </dgm:shape>
+          <dgm:presOf axis="des" ptType="node"/>
+          <dgm:constrLst>
+            <dgm:constr type="secFontSz" val="65"/>
+            <dgm:constr type="primFontSz" refType="secFontSz"/>
+            <dgm:constr type="h"/>
+          </dgm:constrLst>
+          <dgm:ruleLst>
+            <dgm:rule type="h" val="INF" fact="NaN" max="NaN"/>
+          </dgm:ruleLst>
+        </dgm:layoutNode>
+      </dgm:layoutNode>
+      <dgm:forEach name="sibTransForEach" axis="followSib" ptType="sibTrans" cnt="1">
+        <dgm:layoutNode name="sibTrans">
+          <dgm:alg type="conn">
+            <dgm:param type="begPts" val="auto"/>
+            <dgm:param type="endPts" val="auto"/>
+            <dgm:param type="srcNode" val="parTx"/>
+            <dgm:param type="dstNode" val="parTx"/>
+          </dgm:alg>
+          <dgm:shape xmlns:r="http://schemas.openxmlformats.org/officeDocument/2006/relationships" type="conn" r:blip="">
+            <dgm:adjLst/>
+          </dgm:shape>
+          <dgm:presOf axis="self"/>
+          <dgm:constrLst>
+            <dgm:constr type="h" refType="w" fact="0.62"/>
+            <dgm:constr type="connDist"/>
+            <dgm:constr type="begPad" refType="connDist" fact="0.25"/>
+            <dgm:constr type="endPad" refType="connDist" fact="0.22"/>
+          </dgm:constrLst>
+          <dgm:ruleLst/>
+          <dgm:layoutNode name="connTx">
+            <dgm:alg type="tx">
+              <dgm:param type="autoTxRot" val="grav"/>
+            </dgm:alg>
+            <dgm:shape xmlns:r="http://schemas.openxmlformats.org/officeDocument/2006/relationships" type="conn" r:blip="" hideGeom="1">
+              <dgm:adjLst/>
+            </dgm:shape>
+            <dgm:presOf axis="self"/>
+            <dgm:constrLst>
+              <dgm:constr type="lMarg"/>
+              <dgm:constr type="rMarg"/>
+              <dgm:constr type="tMarg"/>
+              <dgm:constr type="bMarg"/>
+            </dgm:constrLst>
+            <dgm:ruleLst>
+              <dgm:rule type="primFontSz" val="5" fact="NaN" max="NaN"/>
+            </dgm:ruleLst>
+          </dgm:layoutNode>
+        </dgm:layoutNode>
+      </dgm:forEach>
+    </dgm:forEach>
+  </dgm:layoutNode>
+</dgm:layoutDef>
+</file>
+
 <file path=ppt/diagrams/quickStyle1.xml><?xml version="1.0" encoding="utf-8"?>
 <dgm:styleDef xmlns:dgm="http://schemas.openxmlformats.org/drawingml/2006/diagram" xmlns:a="http://schemas.openxmlformats.org/drawingml/2006/main" uniqueId="urn:microsoft.com/office/officeart/2005/8/quickstyle/simple1">
   <dgm:title val=""/>
@@ -10473,6 +15693,2074 @@
 </file>
 
 <file path=ppt/diagrams/quickStyle3.xml><?xml version="1.0" encoding="utf-8"?>
+<dgm:styleDef xmlns:dgm="http://schemas.openxmlformats.org/drawingml/2006/diagram" xmlns:a="http://schemas.openxmlformats.org/drawingml/2006/main" uniqueId="urn:microsoft.com/office/officeart/2005/8/quickstyle/simple1">
+  <dgm:title val=""/>
+  <dgm:desc val=""/>
+  <dgm:catLst>
+    <dgm:cat type="simple" pri="10100"/>
+  </dgm:catLst>
+  <dgm:scene3d>
+    <a:camera prst="orthographicFront"/>
+    <a:lightRig rig="threePt" dir="t"/>
+  </dgm:scene3d>
+  <dgm:styleLbl name="node0">
+    <dgm:scene3d>
+      <a:camera prst="orthographicFront"/>
+      <a:lightRig rig="threePt" dir="t"/>
+    </dgm:scene3d>
+    <dgm:sp3d/>
+    <dgm:txPr/>
+    <dgm:style>
+      <a:lnRef idx="2">
+        <a:scrgbClr r="0" g="0" b="0"/>
+      </a:lnRef>
+      <a:fillRef idx="1">
+        <a:scrgbClr r="0" g="0" b="0"/>
+      </a:fillRef>
+      <a:effectRef idx="0">
+        <a:scrgbClr r="0" g="0" b="0"/>
+      </a:effectRef>
+      <a:fontRef idx="minor">
+        <a:schemeClr val="lt1"/>
+      </a:fontRef>
+    </dgm:style>
+  </dgm:styleLbl>
+  <dgm:styleLbl name="lnNode1">
+    <dgm:scene3d>
+      <a:camera prst="orthographicFront"/>
+      <a:lightRig rig="threePt" dir="t"/>
+    </dgm:scene3d>
+    <dgm:sp3d/>
+    <dgm:txPr/>
+    <dgm:style>
+      <a:lnRef idx="2">
+        <a:scrgbClr r="0" g="0" b="0"/>
+      </a:lnRef>
+      <a:fillRef idx="1">
+        <a:scrgbClr r="0" g="0" b="0"/>
+      </a:fillRef>
+      <a:effectRef idx="0">
+        <a:scrgbClr r="0" g="0" b="0"/>
+      </a:effectRef>
+      <a:fontRef idx="minor">
+        <a:schemeClr val="lt1"/>
+      </a:fontRef>
+    </dgm:style>
+  </dgm:styleLbl>
+  <dgm:styleLbl name="vennNode1">
+    <dgm:scene3d>
+      <a:camera prst="orthographicFront"/>
+      <a:lightRig rig="threePt" dir="t"/>
+    </dgm:scene3d>
+    <dgm:sp3d/>
+    <dgm:txPr/>
+    <dgm:style>
+      <a:lnRef idx="2">
+        <a:scrgbClr r="0" g="0" b="0"/>
+      </a:lnRef>
+      <a:fillRef idx="1">
+        <a:scrgbClr r="0" g="0" b="0"/>
+      </a:fillRef>
+      <a:effectRef idx="0">
+        <a:scrgbClr r="0" g="0" b="0"/>
+      </a:effectRef>
+      <a:fontRef idx="minor">
+        <a:schemeClr val="tx1"/>
+      </a:fontRef>
+    </dgm:style>
+  </dgm:styleLbl>
+  <dgm:styleLbl name="alignNode1">
+    <dgm:scene3d>
+      <a:camera prst="orthographicFront"/>
+      <a:lightRig rig="threePt" dir="t"/>
+    </dgm:scene3d>
+    <dgm:sp3d/>
+    <dgm:txPr/>
+    <dgm:style>
+      <a:lnRef idx="2">
+        <a:scrgbClr r="0" g="0" b="0"/>
+      </a:lnRef>
+      <a:fillRef idx="1">
+        <a:scrgbClr r="0" g="0" b="0"/>
+      </a:fillRef>
+      <a:effectRef idx="0">
+        <a:scrgbClr r="0" g="0" b="0"/>
+      </a:effectRef>
+      <a:fontRef idx="minor">
+        <a:schemeClr val="lt1"/>
+      </a:fontRef>
+    </dgm:style>
+  </dgm:styleLbl>
+  <dgm:styleLbl name="node1">
+    <dgm:scene3d>
+      <a:camera prst="orthographicFront"/>
+      <a:lightRig rig="threePt" dir="t"/>
+    </dgm:scene3d>
+    <dgm:sp3d/>
+    <dgm:txPr/>
+    <dgm:style>
+      <a:lnRef idx="2">
+        <a:scrgbClr r="0" g="0" b="0"/>
+      </a:lnRef>
+      <a:fillRef idx="1">
+        <a:scrgbClr r="0" g="0" b="0"/>
+      </a:fillRef>
+      <a:effectRef idx="0">
+        <a:scrgbClr r="0" g="0" b="0"/>
+      </a:effectRef>
+      <a:fontRef idx="minor">
+        <a:schemeClr val="lt1"/>
+      </a:fontRef>
+    </dgm:style>
+  </dgm:styleLbl>
+  <dgm:styleLbl name="node2">
+    <dgm:scene3d>
+      <a:camera prst="orthographicFront"/>
+      <a:lightRig rig="threePt" dir="t"/>
+    </dgm:scene3d>
+    <dgm:sp3d/>
+    <dgm:txPr/>
+    <dgm:style>
+      <a:lnRef idx="2">
+        <a:scrgbClr r="0" g="0" b="0"/>
+      </a:lnRef>
+      <a:fillRef idx="1">
+        <a:scrgbClr r="0" g="0" b="0"/>
+      </a:fillRef>
+      <a:effectRef idx="0">
+        <a:scrgbClr r="0" g="0" b="0"/>
+      </a:effectRef>
+      <a:fontRef idx="minor">
+        <a:schemeClr val="lt1"/>
+      </a:fontRef>
+    </dgm:style>
+  </dgm:styleLbl>
+  <dgm:styleLbl name="node3">
+    <dgm:scene3d>
+      <a:camera prst="orthographicFront"/>
+      <a:lightRig rig="threePt" dir="t"/>
+    </dgm:scene3d>
+    <dgm:sp3d/>
+    <dgm:txPr/>
+    <dgm:style>
+      <a:lnRef idx="2">
+        <a:scrgbClr r="0" g="0" b="0"/>
+      </a:lnRef>
+      <a:fillRef idx="1">
+        <a:scrgbClr r="0" g="0" b="0"/>
+      </a:fillRef>
+      <a:effectRef idx="0">
+        <a:scrgbClr r="0" g="0" b="0"/>
+      </a:effectRef>
+      <a:fontRef idx="minor">
+        <a:schemeClr val="lt1"/>
+      </a:fontRef>
+    </dgm:style>
+  </dgm:styleLbl>
+  <dgm:styleLbl name="node4">
+    <dgm:scene3d>
+      <a:camera prst="orthographicFront"/>
+      <a:lightRig rig="threePt" dir="t"/>
+    </dgm:scene3d>
+    <dgm:sp3d/>
+    <dgm:txPr/>
+    <dgm:style>
+      <a:lnRef idx="2">
+        <a:scrgbClr r="0" g="0" b="0"/>
+      </a:lnRef>
+      <a:fillRef idx="1">
+        <a:scrgbClr r="0" g="0" b="0"/>
+      </a:fillRef>
+      <a:effectRef idx="0">
+        <a:scrgbClr r="0" g="0" b="0"/>
+      </a:effectRef>
+      <a:fontRef idx="minor">
+        <a:schemeClr val="lt1"/>
+      </a:fontRef>
+    </dgm:style>
+  </dgm:styleLbl>
+  <dgm:styleLbl name="fgImgPlace1">
+    <dgm:scene3d>
+      <a:camera prst="orthographicFront"/>
+      <a:lightRig rig="threePt" dir="t"/>
+    </dgm:scene3d>
+    <dgm:sp3d/>
+    <dgm:txPr/>
+    <dgm:style>
+      <a:lnRef idx="2">
+        <a:scrgbClr r="0" g="0" b="0"/>
+      </a:lnRef>
+      <a:fillRef idx="1">
+        <a:scrgbClr r="0" g="0" b="0"/>
+      </a:fillRef>
+      <a:effectRef idx="0">
+        <a:scrgbClr r="0" g="0" b="0"/>
+      </a:effectRef>
+      <a:fontRef idx="minor"/>
+    </dgm:style>
+  </dgm:styleLbl>
+  <dgm:styleLbl name="alignImgPlace1">
+    <dgm:scene3d>
+      <a:camera prst="orthographicFront"/>
+      <a:lightRig rig="threePt" dir="t"/>
+    </dgm:scene3d>
+    <dgm:sp3d/>
+    <dgm:txPr/>
+    <dgm:style>
+      <a:lnRef idx="2">
+        <a:scrgbClr r="0" g="0" b="0"/>
+      </a:lnRef>
+      <a:fillRef idx="1">
+        <a:scrgbClr r="0" g="0" b="0"/>
+      </a:fillRef>
+      <a:effectRef idx="0">
+        <a:scrgbClr r="0" g="0" b="0"/>
+      </a:effectRef>
+      <a:fontRef idx="minor"/>
+    </dgm:style>
+  </dgm:styleLbl>
+  <dgm:styleLbl name="bgImgPlace1">
+    <dgm:scene3d>
+      <a:camera prst="orthographicFront"/>
+      <a:lightRig rig="threePt" dir="t"/>
+    </dgm:scene3d>
+    <dgm:sp3d/>
+    <dgm:txPr/>
+    <dgm:style>
+      <a:lnRef idx="2">
+        <a:scrgbClr r="0" g="0" b="0"/>
+      </a:lnRef>
+      <a:fillRef idx="1">
+        <a:scrgbClr r="0" g="0" b="0"/>
+      </a:fillRef>
+      <a:effectRef idx="0">
+        <a:scrgbClr r="0" g="0" b="0"/>
+      </a:effectRef>
+      <a:fontRef idx="minor"/>
+    </dgm:style>
+  </dgm:styleLbl>
+  <dgm:styleLbl name="sibTrans2D1">
+    <dgm:scene3d>
+      <a:camera prst="orthographicFront"/>
+      <a:lightRig rig="threePt" dir="t"/>
+    </dgm:scene3d>
+    <dgm:sp3d/>
+    <dgm:txPr/>
+    <dgm:style>
+      <a:lnRef idx="0">
+        <a:scrgbClr r="0" g="0" b="0"/>
+      </a:lnRef>
+      <a:fillRef idx="1">
+        <a:scrgbClr r="0" g="0" b="0"/>
+      </a:fillRef>
+      <a:effectRef idx="0">
+        <a:scrgbClr r="0" g="0" b="0"/>
+      </a:effectRef>
+      <a:fontRef idx="minor">
+        <a:schemeClr val="lt1"/>
+      </a:fontRef>
+    </dgm:style>
+  </dgm:styleLbl>
+  <dgm:styleLbl name="fgSibTrans2D1">
+    <dgm:scene3d>
+      <a:camera prst="orthographicFront"/>
+      <a:lightRig rig="threePt" dir="t"/>
+    </dgm:scene3d>
+    <dgm:sp3d/>
+    <dgm:txPr/>
+    <dgm:style>
+      <a:lnRef idx="0">
+        <a:scrgbClr r="0" g="0" b="0"/>
+      </a:lnRef>
+      <a:fillRef idx="1">
+        <a:scrgbClr r="0" g="0" b="0"/>
+      </a:fillRef>
+      <a:effectRef idx="0">
+        <a:scrgbClr r="0" g="0" b="0"/>
+      </a:effectRef>
+      <a:fontRef idx="minor">
+        <a:schemeClr val="lt1"/>
+      </a:fontRef>
+    </dgm:style>
+  </dgm:styleLbl>
+  <dgm:styleLbl name="bgSibTrans2D1">
+    <dgm:scene3d>
+      <a:camera prst="orthographicFront"/>
+      <a:lightRig rig="threePt" dir="t"/>
+    </dgm:scene3d>
+    <dgm:sp3d/>
+    <dgm:txPr/>
+    <dgm:style>
+      <a:lnRef idx="0">
+        <a:scrgbClr r="0" g="0" b="0"/>
+      </a:lnRef>
+      <a:fillRef idx="1">
+        <a:scrgbClr r="0" g="0" b="0"/>
+      </a:fillRef>
+      <a:effectRef idx="0">
+        <a:scrgbClr r="0" g="0" b="0"/>
+      </a:effectRef>
+      <a:fontRef idx="minor">
+        <a:schemeClr val="lt1"/>
+      </a:fontRef>
+    </dgm:style>
+  </dgm:styleLbl>
+  <dgm:styleLbl name="sibTrans1D1">
+    <dgm:scene3d>
+      <a:camera prst="orthographicFront"/>
+      <a:lightRig rig="threePt" dir="t"/>
+    </dgm:scene3d>
+    <dgm:sp3d/>
+    <dgm:txPr/>
+    <dgm:style>
+      <a:lnRef idx="1">
+        <a:scrgbClr r="0" g="0" b="0"/>
+      </a:lnRef>
+      <a:fillRef idx="0">
+        <a:scrgbClr r="0" g="0" b="0"/>
+      </a:fillRef>
+      <a:effectRef idx="0">
+        <a:scrgbClr r="0" g="0" b="0"/>
+      </a:effectRef>
+      <a:fontRef idx="minor"/>
+    </dgm:style>
+  </dgm:styleLbl>
+  <dgm:styleLbl name="callout">
+    <dgm:scene3d>
+      <a:camera prst="orthographicFront"/>
+      <a:lightRig rig="threePt" dir="t"/>
+    </dgm:scene3d>
+    <dgm:sp3d/>
+    <dgm:txPr/>
+    <dgm:style>
+      <a:lnRef idx="2">
+        <a:scrgbClr r="0" g="0" b="0"/>
+      </a:lnRef>
+      <a:fillRef idx="1">
+        <a:scrgbClr r="0" g="0" b="0"/>
+      </a:fillRef>
+      <a:effectRef idx="0">
+        <a:scrgbClr r="0" g="0" b="0"/>
+      </a:effectRef>
+      <a:fontRef idx="minor"/>
+    </dgm:style>
+  </dgm:styleLbl>
+  <dgm:styleLbl name="asst0">
+    <dgm:scene3d>
+      <a:camera prst="orthographicFront"/>
+      <a:lightRig rig="threePt" dir="t"/>
+    </dgm:scene3d>
+    <dgm:sp3d/>
+    <dgm:txPr/>
+    <dgm:style>
+      <a:lnRef idx="2">
+        <a:scrgbClr r="0" g="0" b="0"/>
+      </a:lnRef>
+      <a:fillRef idx="1">
+        <a:scrgbClr r="0" g="0" b="0"/>
+      </a:fillRef>
+      <a:effectRef idx="0">
+        <a:scrgbClr r="0" g="0" b="0"/>
+      </a:effectRef>
+      <a:fontRef idx="minor">
+        <a:schemeClr val="lt1"/>
+      </a:fontRef>
+    </dgm:style>
+  </dgm:styleLbl>
+  <dgm:styleLbl name="asst1">
+    <dgm:scene3d>
+      <a:camera prst="orthographicFront"/>
+      <a:lightRig rig="threePt" dir="t"/>
+    </dgm:scene3d>
+    <dgm:sp3d/>
+    <dgm:txPr/>
+    <dgm:style>
+      <a:lnRef idx="2">
+        <a:scrgbClr r="0" g="0" b="0"/>
+      </a:lnRef>
+      <a:fillRef idx="1">
+        <a:scrgbClr r="0" g="0" b="0"/>
+      </a:fillRef>
+      <a:effectRef idx="0">
+        <a:scrgbClr r="0" g="0" b="0"/>
+      </a:effectRef>
+      <a:fontRef idx="minor">
+        <a:schemeClr val="lt1"/>
+      </a:fontRef>
+    </dgm:style>
+  </dgm:styleLbl>
+  <dgm:styleLbl name="asst2">
+    <dgm:scene3d>
+      <a:camera prst="orthographicFront"/>
+      <a:lightRig rig="threePt" dir="t"/>
+    </dgm:scene3d>
+    <dgm:sp3d/>
+    <dgm:txPr/>
+    <dgm:style>
+      <a:lnRef idx="2">
+        <a:scrgbClr r="0" g="0" b="0"/>
+      </a:lnRef>
+      <a:fillRef idx="1">
+        <a:scrgbClr r="0" g="0" b="0"/>
+      </a:fillRef>
+      <a:effectRef idx="0">
+        <a:scrgbClr r="0" g="0" b="0"/>
+      </a:effectRef>
+      <a:fontRef idx="minor">
+        <a:schemeClr val="lt1"/>
+      </a:fontRef>
+    </dgm:style>
+  </dgm:styleLbl>
+  <dgm:styleLbl name="asst3">
+    <dgm:scene3d>
+      <a:camera prst="orthographicFront"/>
+      <a:lightRig rig="threePt" dir="t"/>
+    </dgm:scene3d>
+    <dgm:sp3d/>
+    <dgm:txPr/>
+    <dgm:style>
+      <a:lnRef idx="2">
+        <a:scrgbClr r="0" g="0" b="0"/>
+      </a:lnRef>
+      <a:fillRef idx="1">
+        <a:scrgbClr r="0" g="0" b="0"/>
+      </a:fillRef>
+      <a:effectRef idx="0">
+        <a:scrgbClr r="0" g="0" b="0"/>
+      </a:effectRef>
+      <a:fontRef idx="minor">
+        <a:schemeClr val="lt1"/>
+      </a:fontRef>
+    </dgm:style>
+  </dgm:styleLbl>
+  <dgm:styleLbl name="asst4">
+    <dgm:scene3d>
+      <a:camera prst="orthographicFront"/>
+      <a:lightRig rig="threePt" dir="t"/>
+    </dgm:scene3d>
+    <dgm:sp3d/>
+    <dgm:txPr/>
+    <dgm:style>
+      <a:lnRef idx="2">
+        <a:scrgbClr r="0" g="0" b="0"/>
+      </a:lnRef>
+      <a:fillRef idx="1">
+        <a:scrgbClr r="0" g="0" b="0"/>
+      </a:fillRef>
+      <a:effectRef idx="0">
+        <a:scrgbClr r="0" g="0" b="0"/>
+      </a:effectRef>
+      <a:fontRef idx="minor">
+        <a:schemeClr val="lt1"/>
+      </a:fontRef>
+    </dgm:style>
+  </dgm:styleLbl>
+  <dgm:styleLbl name="parChTrans2D1">
+    <dgm:scene3d>
+      <a:camera prst="orthographicFront"/>
+      <a:lightRig rig="threePt" dir="t"/>
+    </dgm:scene3d>
+    <dgm:sp3d/>
+    <dgm:txPr/>
+    <dgm:style>
+      <a:lnRef idx="2">
+        <a:scrgbClr r="0" g="0" b="0"/>
+      </a:lnRef>
+      <a:fillRef idx="1">
+        <a:scrgbClr r="0" g="0" b="0"/>
+      </a:fillRef>
+      <a:effectRef idx="0">
+        <a:scrgbClr r="0" g="0" b="0"/>
+      </a:effectRef>
+      <a:fontRef idx="minor">
+        <a:schemeClr val="lt1"/>
+      </a:fontRef>
+    </dgm:style>
+  </dgm:styleLbl>
+  <dgm:styleLbl name="parChTrans2D2">
+    <dgm:scene3d>
+      <a:camera prst="orthographicFront"/>
+      <a:lightRig rig="threePt" dir="t"/>
+    </dgm:scene3d>
+    <dgm:sp3d/>
+    <dgm:txPr/>
+    <dgm:style>
+      <a:lnRef idx="2">
+        <a:scrgbClr r="0" g="0" b="0"/>
+      </a:lnRef>
+      <a:fillRef idx="1">
+        <a:scrgbClr r="0" g="0" b="0"/>
+      </a:fillRef>
+      <a:effectRef idx="0">
+        <a:scrgbClr r="0" g="0" b="0"/>
+      </a:effectRef>
+      <a:fontRef idx="minor">
+        <a:schemeClr val="lt1"/>
+      </a:fontRef>
+    </dgm:style>
+  </dgm:styleLbl>
+  <dgm:styleLbl name="parChTrans2D3">
+    <dgm:scene3d>
+      <a:camera prst="orthographicFront"/>
+      <a:lightRig rig="threePt" dir="t"/>
+    </dgm:scene3d>
+    <dgm:sp3d/>
+    <dgm:txPr/>
+    <dgm:style>
+      <a:lnRef idx="2">
+        <a:scrgbClr r="0" g="0" b="0"/>
+      </a:lnRef>
+      <a:fillRef idx="1">
+        <a:scrgbClr r="0" g="0" b="0"/>
+      </a:fillRef>
+      <a:effectRef idx="0">
+        <a:scrgbClr r="0" g="0" b="0"/>
+      </a:effectRef>
+      <a:fontRef idx="minor">
+        <a:schemeClr val="lt1"/>
+      </a:fontRef>
+    </dgm:style>
+  </dgm:styleLbl>
+  <dgm:styleLbl name="parChTrans2D4">
+    <dgm:scene3d>
+      <a:camera prst="orthographicFront"/>
+      <a:lightRig rig="threePt" dir="t"/>
+    </dgm:scene3d>
+    <dgm:sp3d/>
+    <dgm:txPr/>
+    <dgm:style>
+      <a:lnRef idx="2">
+        <a:scrgbClr r="0" g="0" b="0"/>
+      </a:lnRef>
+      <a:fillRef idx="1">
+        <a:scrgbClr r="0" g="0" b="0"/>
+      </a:fillRef>
+      <a:effectRef idx="0">
+        <a:scrgbClr r="0" g="0" b="0"/>
+      </a:effectRef>
+      <a:fontRef idx="minor">
+        <a:schemeClr val="lt1"/>
+      </a:fontRef>
+    </dgm:style>
+  </dgm:styleLbl>
+  <dgm:styleLbl name="parChTrans1D1">
+    <dgm:scene3d>
+      <a:camera prst="orthographicFront"/>
+      <a:lightRig rig="threePt" dir="t"/>
+    </dgm:scene3d>
+    <dgm:sp3d/>
+    <dgm:txPr/>
+    <dgm:style>
+      <a:lnRef idx="2">
+        <a:scrgbClr r="0" g="0" b="0"/>
+      </a:lnRef>
+      <a:fillRef idx="0">
+        <a:scrgbClr r="0" g="0" b="0"/>
+      </a:fillRef>
+      <a:effectRef idx="0">
+        <a:scrgbClr r="0" g="0" b="0"/>
+      </a:effectRef>
+      <a:fontRef idx="minor"/>
+    </dgm:style>
+  </dgm:styleLbl>
+  <dgm:styleLbl name="parChTrans1D2">
+    <dgm:scene3d>
+      <a:camera prst="orthographicFront"/>
+      <a:lightRig rig="threePt" dir="t"/>
+    </dgm:scene3d>
+    <dgm:sp3d/>
+    <dgm:txPr/>
+    <dgm:style>
+      <a:lnRef idx="2">
+        <a:scrgbClr r="0" g="0" b="0"/>
+      </a:lnRef>
+      <a:fillRef idx="0">
+        <a:scrgbClr r="0" g="0" b="0"/>
+      </a:fillRef>
+      <a:effectRef idx="0">
+        <a:scrgbClr r="0" g="0" b="0"/>
+      </a:effectRef>
+      <a:fontRef idx="minor"/>
+    </dgm:style>
+  </dgm:styleLbl>
+  <dgm:styleLbl name="parChTrans1D3">
+    <dgm:scene3d>
+      <a:camera prst="orthographicFront"/>
+      <a:lightRig rig="threePt" dir="t"/>
+    </dgm:scene3d>
+    <dgm:sp3d/>
+    <dgm:txPr/>
+    <dgm:style>
+      <a:lnRef idx="2">
+        <a:scrgbClr r="0" g="0" b="0"/>
+      </a:lnRef>
+      <a:fillRef idx="0">
+        <a:scrgbClr r="0" g="0" b="0"/>
+      </a:fillRef>
+      <a:effectRef idx="0">
+        <a:scrgbClr r="0" g="0" b="0"/>
+      </a:effectRef>
+      <a:fontRef idx="minor"/>
+    </dgm:style>
+  </dgm:styleLbl>
+  <dgm:styleLbl name="parChTrans1D4">
+    <dgm:scene3d>
+      <a:camera prst="orthographicFront"/>
+      <a:lightRig rig="threePt" dir="t"/>
+    </dgm:scene3d>
+    <dgm:sp3d/>
+    <dgm:txPr/>
+    <dgm:style>
+      <a:lnRef idx="2">
+        <a:scrgbClr r="0" g="0" b="0"/>
+      </a:lnRef>
+      <a:fillRef idx="0">
+        <a:scrgbClr r="0" g="0" b="0"/>
+      </a:fillRef>
+      <a:effectRef idx="0">
+        <a:scrgbClr r="0" g="0" b="0"/>
+      </a:effectRef>
+      <a:fontRef idx="minor"/>
+    </dgm:style>
+  </dgm:styleLbl>
+  <dgm:styleLbl name="fgAcc1">
+    <dgm:scene3d>
+      <a:camera prst="orthographicFront"/>
+      <a:lightRig rig="threePt" dir="t"/>
+    </dgm:scene3d>
+    <dgm:sp3d/>
+    <dgm:txPr/>
+    <dgm:style>
+      <a:lnRef idx="2">
+        <a:scrgbClr r="0" g="0" b="0"/>
+      </a:lnRef>
+      <a:fillRef idx="1">
+        <a:scrgbClr r="0" g="0" b="0"/>
+      </a:fillRef>
+      <a:effectRef idx="0">
+        <a:scrgbClr r="0" g="0" b="0"/>
+      </a:effectRef>
+      <a:fontRef idx="minor"/>
+    </dgm:style>
+  </dgm:styleLbl>
+  <dgm:styleLbl name="conFgAcc1">
+    <dgm:scene3d>
+      <a:camera prst="orthographicFront"/>
+      <a:lightRig rig="threePt" dir="t"/>
+    </dgm:scene3d>
+    <dgm:sp3d/>
+    <dgm:txPr/>
+    <dgm:style>
+      <a:lnRef idx="2">
+        <a:scrgbClr r="0" g="0" b="0"/>
+      </a:lnRef>
+      <a:fillRef idx="1">
+        <a:scrgbClr r="0" g="0" b="0"/>
+      </a:fillRef>
+      <a:effectRef idx="0">
+        <a:scrgbClr r="0" g="0" b="0"/>
+      </a:effectRef>
+      <a:fontRef idx="minor"/>
+    </dgm:style>
+  </dgm:styleLbl>
+  <dgm:styleLbl name="alignAcc1">
+    <dgm:scene3d>
+      <a:camera prst="orthographicFront"/>
+      <a:lightRig rig="threePt" dir="t"/>
+    </dgm:scene3d>
+    <dgm:sp3d/>
+    <dgm:txPr/>
+    <dgm:style>
+      <a:lnRef idx="2">
+        <a:scrgbClr r="0" g="0" b="0"/>
+      </a:lnRef>
+      <a:fillRef idx="1">
+        <a:scrgbClr r="0" g="0" b="0"/>
+      </a:fillRef>
+      <a:effectRef idx="0">
+        <a:scrgbClr r="0" g="0" b="0"/>
+      </a:effectRef>
+      <a:fontRef idx="minor"/>
+    </dgm:style>
+  </dgm:styleLbl>
+  <dgm:styleLbl name="trAlignAcc1">
+    <dgm:scene3d>
+      <a:camera prst="orthographicFront"/>
+      <a:lightRig rig="threePt" dir="t"/>
+    </dgm:scene3d>
+    <dgm:sp3d/>
+    <dgm:txPr/>
+    <dgm:style>
+      <a:lnRef idx="1">
+        <a:scrgbClr r="0" g="0" b="0"/>
+      </a:lnRef>
+      <a:fillRef idx="1">
+        <a:scrgbClr r="0" g="0" b="0"/>
+      </a:fillRef>
+      <a:effectRef idx="0">
+        <a:scrgbClr r="0" g="0" b="0"/>
+      </a:effectRef>
+      <a:fontRef idx="minor"/>
+    </dgm:style>
+  </dgm:styleLbl>
+  <dgm:styleLbl name="bgAcc1">
+    <dgm:scene3d>
+      <a:camera prst="orthographicFront"/>
+      <a:lightRig rig="threePt" dir="t"/>
+    </dgm:scene3d>
+    <dgm:sp3d/>
+    <dgm:txPr/>
+    <dgm:style>
+      <a:lnRef idx="2">
+        <a:scrgbClr r="0" g="0" b="0"/>
+      </a:lnRef>
+      <a:fillRef idx="1">
+        <a:scrgbClr r="0" g="0" b="0"/>
+      </a:fillRef>
+      <a:effectRef idx="0">
+        <a:scrgbClr r="0" g="0" b="0"/>
+      </a:effectRef>
+      <a:fontRef idx="minor"/>
+    </dgm:style>
+  </dgm:styleLbl>
+  <dgm:styleLbl name="solidFgAcc1">
+    <dgm:scene3d>
+      <a:camera prst="orthographicFront"/>
+      <a:lightRig rig="threePt" dir="t"/>
+    </dgm:scene3d>
+    <dgm:sp3d/>
+    <dgm:txPr/>
+    <dgm:style>
+      <a:lnRef idx="2">
+        <a:scrgbClr r="0" g="0" b="0"/>
+      </a:lnRef>
+      <a:fillRef idx="1">
+        <a:scrgbClr r="0" g="0" b="0"/>
+      </a:fillRef>
+      <a:effectRef idx="0">
+        <a:scrgbClr r="0" g="0" b="0"/>
+      </a:effectRef>
+      <a:fontRef idx="minor"/>
+    </dgm:style>
+  </dgm:styleLbl>
+  <dgm:styleLbl name="solidAlignAcc1">
+    <dgm:scene3d>
+      <a:camera prst="orthographicFront"/>
+      <a:lightRig rig="threePt" dir="t"/>
+    </dgm:scene3d>
+    <dgm:sp3d/>
+    <dgm:txPr/>
+    <dgm:style>
+      <a:lnRef idx="2">
+        <a:scrgbClr r="0" g="0" b="0"/>
+      </a:lnRef>
+      <a:fillRef idx="1">
+        <a:scrgbClr r="0" g="0" b="0"/>
+      </a:fillRef>
+      <a:effectRef idx="0">
+        <a:scrgbClr r="0" g="0" b="0"/>
+      </a:effectRef>
+      <a:fontRef idx="minor"/>
+    </dgm:style>
+  </dgm:styleLbl>
+  <dgm:styleLbl name="solidBgAcc1">
+    <dgm:scene3d>
+      <a:camera prst="orthographicFront"/>
+      <a:lightRig rig="threePt" dir="t"/>
+    </dgm:scene3d>
+    <dgm:sp3d/>
+    <dgm:txPr/>
+    <dgm:style>
+      <a:lnRef idx="2">
+        <a:scrgbClr r="0" g="0" b="0"/>
+      </a:lnRef>
+      <a:fillRef idx="1">
+        <a:scrgbClr r="0" g="0" b="0"/>
+      </a:fillRef>
+      <a:effectRef idx="0">
+        <a:scrgbClr r="0" g="0" b="0"/>
+      </a:effectRef>
+      <a:fontRef idx="minor"/>
+    </dgm:style>
+  </dgm:styleLbl>
+  <dgm:styleLbl name="fgAccFollowNode1">
+    <dgm:scene3d>
+      <a:camera prst="orthographicFront"/>
+      <a:lightRig rig="threePt" dir="t"/>
+    </dgm:scene3d>
+    <dgm:sp3d/>
+    <dgm:txPr/>
+    <dgm:style>
+      <a:lnRef idx="2">
+        <a:scrgbClr r="0" g="0" b="0"/>
+      </a:lnRef>
+      <a:fillRef idx="1">
+        <a:scrgbClr r="0" g="0" b="0"/>
+      </a:fillRef>
+      <a:effectRef idx="0">
+        <a:scrgbClr r="0" g="0" b="0"/>
+      </a:effectRef>
+      <a:fontRef idx="minor"/>
+    </dgm:style>
+  </dgm:styleLbl>
+  <dgm:styleLbl name="alignAccFollowNode1">
+    <dgm:scene3d>
+      <a:camera prst="orthographicFront"/>
+      <a:lightRig rig="threePt" dir="t"/>
+    </dgm:scene3d>
+    <dgm:sp3d/>
+    <dgm:txPr/>
+    <dgm:style>
+      <a:lnRef idx="2">
+        <a:scrgbClr r="0" g="0" b="0"/>
+      </a:lnRef>
+      <a:fillRef idx="1">
+        <a:scrgbClr r="0" g="0" b="0"/>
+      </a:fillRef>
+      <a:effectRef idx="0">
+        <a:scrgbClr r="0" g="0" b="0"/>
+      </a:effectRef>
+      <a:fontRef idx="minor"/>
+    </dgm:style>
+  </dgm:styleLbl>
+  <dgm:styleLbl name="bgAccFollowNode1">
+    <dgm:scene3d>
+      <a:camera prst="orthographicFront"/>
+      <a:lightRig rig="threePt" dir="t"/>
+    </dgm:scene3d>
+    <dgm:sp3d/>
+    <dgm:txPr/>
+    <dgm:style>
+      <a:lnRef idx="2">
+        <a:scrgbClr r="0" g="0" b="0"/>
+      </a:lnRef>
+      <a:fillRef idx="1">
+        <a:scrgbClr r="0" g="0" b="0"/>
+      </a:fillRef>
+      <a:effectRef idx="0">
+        <a:scrgbClr r="0" g="0" b="0"/>
+      </a:effectRef>
+      <a:fontRef idx="minor"/>
+    </dgm:style>
+  </dgm:styleLbl>
+  <dgm:styleLbl name="fgAcc0">
+    <dgm:scene3d>
+      <a:camera prst="orthographicFront"/>
+      <a:lightRig rig="threePt" dir="t"/>
+    </dgm:scene3d>
+    <dgm:sp3d/>
+    <dgm:txPr/>
+    <dgm:style>
+      <a:lnRef idx="2">
+        <a:scrgbClr r="0" g="0" b="0"/>
+      </a:lnRef>
+      <a:fillRef idx="1">
+        <a:scrgbClr r="0" g="0" b="0"/>
+      </a:fillRef>
+      <a:effectRef idx="0">
+        <a:scrgbClr r="0" g="0" b="0"/>
+      </a:effectRef>
+      <a:fontRef idx="minor"/>
+    </dgm:style>
+  </dgm:styleLbl>
+  <dgm:styleLbl name="fgAcc2">
+    <dgm:scene3d>
+      <a:camera prst="orthographicFront"/>
+      <a:lightRig rig="threePt" dir="t"/>
+    </dgm:scene3d>
+    <dgm:sp3d/>
+    <dgm:txPr/>
+    <dgm:style>
+      <a:lnRef idx="2">
+        <a:scrgbClr r="0" g="0" b="0"/>
+      </a:lnRef>
+      <a:fillRef idx="1">
+        <a:scrgbClr r="0" g="0" b="0"/>
+      </a:fillRef>
+      <a:effectRef idx="0">
+        <a:scrgbClr r="0" g="0" b="0"/>
+      </a:effectRef>
+      <a:fontRef idx="minor"/>
+    </dgm:style>
+  </dgm:styleLbl>
+  <dgm:styleLbl name="fgAcc3">
+    <dgm:scene3d>
+      <a:camera prst="orthographicFront"/>
+      <a:lightRig rig="threePt" dir="t"/>
+    </dgm:scene3d>
+    <dgm:sp3d/>
+    <dgm:txPr/>
+    <dgm:style>
+      <a:lnRef idx="2">
+        <a:scrgbClr r="0" g="0" b="0"/>
+      </a:lnRef>
+      <a:fillRef idx="1">
+        <a:scrgbClr r="0" g="0" b="0"/>
+      </a:fillRef>
+      <a:effectRef idx="0">
+        <a:scrgbClr r="0" g="0" b="0"/>
+      </a:effectRef>
+      <a:fontRef idx="minor"/>
+    </dgm:style>
+  </dgm:styleLbl>
+  <dgm:styleLbl name="fgAcc4">
+    <dgm:scene3d>
+      <a:camera prst="orthographicFront"/>
+      <a:lightRig rig="threePt" dir="t"/>
+    </dgm:scene3d>
+    <dgm:sp3d/>
+    <dgm:txPr/>
+    <dgm:style>
+      <a:lnRef idx="2">
+        <a:scrgbClr r="0" g="0" b="0"/>
+      </a:lnRef>
+      <a:fillRef idx="1">
+        <a:scrgbClr r="0" g="0" b="0"/>
+      </a:fillRef>
+      <a:effectRef idx="0">
+        <a:scrgbClr r="0" g="0" b="0"/>
+      </a:effectRef>
+      <a:fontRef idx="minor"/>
+    </dgm:style>
+  </dgm:styleLbl>
+  <dgm:styleLbl name="bgShp">
+    <dgm:scene3d>
+      <a:camera prst="orthographicFront"/>
+      <a:lightRig rig="threePt" dir="t"/>
+    </dgm:scene3d>
+    <dgm:sp3d/>
+    <dgm:txPr/>
+    <dgm:style>
+      <a:lnRef idx="0">
+        <a:scrgbClr r="0" g="0" b="0"/>
+      </a:lnRef>
+      <a:fillRef idx="1">
+        <a:scrgbClr r="0" g="0" b="0"/>
+      </a:fillRef>
+      <a:effectRef idx="0">
+        <a:scrgbClr r="0" g="0" b="0"/>
+      </a:effectRef>
+      <a:fontRef idx="minor"/>
+    </dgm:style>
+  </dgm:styleLbl>
+  <dgm:styleLbl name="dkBgShp">
+    <dgm:scene3d>
+      <a:camera prst="orthographicFront"/>
+      <a:lightRig rig="threePt" dir="t"/>
+    </dgm:scene3d>
+    <dgm:sp3d/>
+    <dgm:txPr/>
+    <dgm:style>
+      <a:lnRef idx="0">
+        <a:scrgbClr r="0" g="0" b="0"/>
+      </a:lnRef>
+      <a:fillRef idx="1">
+        <a:scrgbClr r="0" g="0" b="0"/>
+      </a:fillRef>
+      <a:effectRef idx="0">
+        <a:scrgbClr r="0" g="0" b="0"/>
+      </a:effectRef>
+      <a:fontRef idx="minor"/>
+    </dgm:style>
+  </dgm:styleLbl>
+  <dgm:styleLbl name="trBgShp">
+    <dgm:scene3d>
+      <a:camera prst="orthographicFront"/>
+      <a:lightRig rig="threePt" dir="t"/>
+    </dgm:scene3d>
+    <dgm:sp3d/>
+    <dgm:txPr/>
+    <dgm:style>
+      <a:lnRef idx="0">
+        <a:scrgbClr r="0" g="0" b="0"/>
+      </a:lnRef>
+      <a:fillRef idx="1">
+        <a:scrgbClr r="0" g="0" b="0"/>
+      </a:fillRef>
+      <a:effectRef idx="0">
+        <a:scrgbClr r="0" g="0" b="0"/>
+      </a:effectRef>
+      <a:fontRef idx="minor"/>
+    </dgm:style>
+  </dgm:styleLbl>
+  <dgm:styleLbl name="fgShp">
+    <dgm:scene3d>
+      <a:camera prst="orthographicFront"/>
+      <a:lightRig rig="threePt" dir="t"/>
+    </dgm:scene3d>
+    <dgm:sp3d/>
+    <dgm:txPr/>
+    <dgm:style>
+      <a:lnRef idx="2">
+        <a:scrgbClr r="0" g="0" b="0"/>
+      </a:lnRef>
+      <a:fillRef idx="1">
+        <a:scrgbClr r="0" g="0" b="0"/>
+      </a:fillRef>
+      <a:effectRef idx="0">
+        <a:scrgbClr r="0" g="0" b="0"/>
+      </a:effectRef>
+      <a:fontRef idx="minor"/>
+    </dgm:style>
+  </dgm:styleLbl>
+  <dgm:styleLbl name="revTx">
+    <dgm:scene3d>
+      <a:camera prst="orthographicFront"/>
+      <a:lightRig rig="threePt" dir="t"/>
+    </dgm:scene3d>
+    <dgm:sp3d/>
+    <dgm:txPr/>
+    <dgm:style>
+      <a:lnRef idx="0">
+        <a:scrgbClr r="0" g="0" b="0"/>
+      </a:lnRef>
+      <a:fillRef idx="0">
+        <a:scrgbClr r="0" g="0" b="0"/>
+      </a:fillRef>
+      <a:effectRef idx="0">
+        <a:scrgbClr r="0" g="0" b="0"/>
+      </a:effectRef>
+      <a:fontRef idx="minor"/>
+    </dgm:style>
+  </dgm:styleLbl>
+</dgm:styleDef>
+</file>
+
+<file path=ppt/diagrams/quickStyle4.xml><?xml version="1.0" encoding="utf-8"?>
+<dgm:styleDef xmlns:dgm="http://schemas.openxmlformats.org/drawingml/2006/diagram" xmlns:a="http://schemas.openxmlformats.org/drawingml/2006/main" uniqueId="urn:microsoft.com/office/officeart/2005/8/quickstyle/simple1">
+  <dgm:title val=""/>
+  <dgm:desc val=""/>
+  <dgm:catLst>
+    <dgm:cat type="simple" pri="10100"/>
+  </dgm:catLst>
+  <dgm:scene3d>
+    <a:camera prst="orthographicFront"/>
+    <a:lightRig rig="threePt" dir="t"/>
+  </dgm:scene3d>
+  <dgm:styleLbl name="node0">
+    <dgm:scene3d>
+      <a:camera prst="orthographicFront"/>
+      <a:lightRig rig="threePt" dir="t"/>
+    </dgm:scene3d>
+    <dgm:sp3d/>
+    <dgm:txPr/>
+    <dgm:style>
+      <a:lnRef idx="2">
+        <a:scrgbClr r="0" g="0" b="0"/>
+      </a:lnRef>
+      <a:fillRef idx="1">
+        <a:scrgbClr r="0" g="0" b="0"/>
+      </a:fillRef>
+      <a:effectRef idx="0">
+        <a:scrgbClr r="0" g="0" b="0"/>
+      </a:effectRef>
+      <a:fontRef idx="minor">
+        <a:schemeClr val="lt1"/>
+      </a:fontRef>
+    </dgm:style>
+  </dgm:styleLbl>
+  <dgm:styleLbl name="lnNode1">
+    <dgm:scene3d>
+      <a:camera prst="orthographicFront"/>
+      <a:lightRig rig="threePt" dir="t"/>
+    </dgm:scene3d>
+    <dgm:sp3d/>
+    <dgm:txPr/>
+    <dgm:style>
+      <a:lnRef idx="2">
+        <a:scrgbClr r="0" g="0" b="0"/>
+      </a:lnRef>
+      <a:fillRef idx="1">
+        <a:scrgbClr r="0" g="0" b="0"/>
+      </a:fillRef>
+      <a:effectRef idx="0">
+        <a:scrgbClr r="0" g="0" b="0"/>
+      </a:effectRef>
+      <a:fontRef idx="minor">
+        <a:schemeClr val="lt1"/>
+      </a:fontRef>
+    </dgm:style>
+  </dgm:styleLbl>
+  <dgm:styleLbl name="vennNode1">
+    <dgm:scene3d>
+      <a:camera prst="orthographicFront"/>
+      <a:lightRig rig="threePt" dir="t"/>
+    </dgm:scene3d>
+    <dgm:sp3d/>
+    <dgm:txPr/>
+    <dgm:style>
+      <a:lnRef idx="2">
+        <a:scrgbClr r="0" g="0" b="0"/>
+      </a:lnRef>
+      <a:fillRef idx="1">
+        <a:scrgbClr r="0" g="0" b="0"/>
+      </a:fillRef>
+      <a:effectRef idx="0">
+        <a:scrgbClr r="0" g="0" b="0"/>
+      </a:effectRef>
+      <a:fontRef idx="minor">
+        <a:schemeClr val="tx1"/>
+      </a:fontRef>
+    </dgm:style>
+  </dgm:styleLbl>
+  <dgm:styleLbl name="alignNode1">
+    <dgm:scene3d>
+      <a:camera prst="orthographicFront"/>
+      <a:lightRig rig="threePt" dir="t"/>
+    </dgm:scene3d>
+    <dgm:sp3d/>
+    <dgm:txPr/>
+    <dgm:style>
+      <a:lnRef idx="2">
+        <a:scrgbClr r="0" g="0" b="0"/>
+      </a:lnRef>
+      <a:fillRef idx="1">
+        <a:scrgbClr r="0" g="0" b="0"/>
+      </a:fillRef>
+      <a:effectRef idx="0">
+        <a:scrgbClr r="0" g="0" b="0"/>
+      </a:effectRef>
+      <a:fontRef idx="minor">
+        <a:schemeClr val="lt1"/>
+      </a:fontRef>
+    </dgm:style>
+  </dgm:styleLbl>
+  <dgm:styleLbl name="node1">
+    <dgm:scene3d>
+      <a:camera prst="orthographicFront"/>
+      <a:lightRig rig="threePt" dir="t"/>
+    </dgm:scene3d>
+    <dgm:sp3d/>
+    <dgm:txPr/>
+    <dgm:style>
+      <a:lnRef idx="2">
+        <a:scrgbClr r="0" g="0" b="0"/>
+      </a:lnRef>
+      <a:fillRef idx="1">
+        <a:scrgbClr r="0" g="0" b="0"/>
+      </a:fillRef>
+      <a:effectRef idx="0">
+        <a:scrgbClr r="0" g="0" b="0"/>
+      </a:effectRef>
+      <a:fontRef idx="minor">
+        <a:schemeClr val="lt1"/>
+      </a:fontRef>
+    </dgm:style>
+  </dgm:styleLbl>
+  <dgm:styleLbl name="node2">
+    <dgm:scene3d>
+      <a:camera prst="orthographicFront"/>
+      <a:lightRig rig="threePt" dir="t"/>
+    </dgm:scene3d>
+    <dgm:sp3d/>
+    <dgm:txPr/>
+    <dgm:style>
+      <a:lnRef idx="2">
+        <a:scrgbClr r="0" g="0" b="0"/>
+      </a:lnRef>
+      <a:fillRef idx="1">
+        <a:scrgbClr r="0" g="0" b="0"/>
+      </a:fillRef>
+      <a:effectRef idx="0">
+        <a:scrgbClr r="0" g="0" b="0"/>
+      </a:effectRef>
+      <a:fontRef idx="minor">
+        <a:schemeClr val="lt1"/>
+      </a:fontRef>
+    </dgm:style>
+  </dgm:styleLbl>
+  <dgm:styleLbl name="node3">
+    <dgm:scene3d>
+      <a:camera prst="orthographicFront"/>
+      <a:lightRig rig="threePt" dir="t"/>
+    </dgm:scene3d>
+    <dgm:sp3d/>
+    <dgm:txPr/>
+    <dgm:style>
+      <a:lnRef idx="2">
+        <a:scrgbClr r="0" g="0" b="0"/>
+      </a:lnRef>
+      <a:fillRef idx="1">
+        <a:scrgbClr r="0" g="0" b="0"/>
+      </a:fillRef>
+      <a:effectRef idx="0">
+        <a:scrgbClr r="0" g="0" b="0"/>
+      </a:effectRef>
+      <a:fontRef idx="minor">
+        <a:schemeClr val="lt1"/>
+      </a:fontRef>
+    </dgm:style>
+  </dgm:styleLbl>
+  <dgm:styleLbl name="node4">
+    <dgm:scene3d>
+      <a:camera prst="orthographicFront"/>
+      <a:lightRig rig="threePt" dir="t"/>
+    </dgm:scene3d>
+    <dgm:sp3d/>
+    <dgm:txPr/>
+    <dgm:style>
+      <a:lnRef idx="2">
+        <a:scrgbClr r="0" g="0" b="0"/>
+      </a:lnRef>
+      <a:fillRef idx="1">
+        <a:scrgbClr r="0" g="0" b="0"/>
+      </a:fillRef>
+      <a:effectRef idx="0">
+        <a:scrgbClr r="0" g="0" b="0"/>
+      </a:effectRef>
+      <a:fontRef idx="minor">
+        <a:schemeClr val="lt1"/>
+      </a:fontRef>
+    </dgm:style>
+  </dgm:styleLbl>
+  <dgm:styleLbl name="fgImgPlace1">
+    <dgm:scene3d>
+      <a:camera prst="orthographicFront"/>
+      <a:lightRig rig="threePt" dir="t"/>
+    </dgm:scene3d>
+    <dgm:sp3d/>
+    <dgm:txPr/>
+    <dgm:style>
+      <a:lnRef idx="2">
+        <a:scrgbClr r="0" g="0" b="0"/>
+      </a:lnRef>
+      <a:fillRef idx="1">
+        <a:scrgbClr r="0" g="0" b="0"/>
+      </a:fillRef>
+      <a:effectRef idx="0">
+        <a:scrgbClr r="0" g="0" b="0"/>
+      </a:effectRef>
+      <a:fontRef idx="minor"/>
+    </dgm:style>
+  </dgm:styleLbl>
+  <dgm:styleLbl name="alignImgPlace1">
+    <dgm:scene3d>
+      <a:camera prst="orthographicFront"/>
+      <a:lightRig rig="threePt" dir="t"/>
+    </dgm:scene3d>
+    <dgm:sp3d/>
+    <dgm:txPr/>
+    <dgm:style>
+      <a:lnRef idx="2">
+        <a:scrgbClr r="0" g="0" b="0"/>
+      </a:lnRef>
+      <a:fillRef idx="1">
+        <a:scrgbClr r="0" g="0" b="0"/>
+      </a:fillRef>
+      <a:effectRef idx="0">
+        <a:scrgbClr r="0" g="0" b="0"/>
+      </a:effectRef>
+      <a:fontRef idx="minor"/>
+    </dgm:style>
+  </dgm:styleLbl>
+  <dgm:styleLbl name="bgImgPlace1">
+    <dgm:scene3d>
+      <a:camera prst="orthographicFront"/>
+      <a:lightRig rig="threePt" dir="t"/>
+    </dgm:scene3d>
+    <dgm:sp3d/>
+    <dgm:txPr/>
+    <dgm:style>
+      <a:lnRef idx="2">
+        <a:scrgbClr r="0" g="0" b="0"/>
+      </a:lnRef>
+      <a:fillRef idx="1">
+        <a:scrgbClr r="0" g="0" b="0"/>
+      </a:fillRef>
+      <a:effectRef idx="0">
+        <a:scrgbClr r="0" g="0" b="0"/>
+      </a:effectRef>
+      <a:fontRef idx="minor"/>
+    </dgm:style>
+  </dgm:styleLbl>
+  <dgm:styleLbl name="sibTrans2D1">
+    <dgm:scene3d>
+      <a:camera prst="orthographicFront"/>
+      <a:lightRig rig="threePt" dir="t"/>
+    </dgm:scene3d>
+    <dgm:sp3d/>
+    <dgm:txPr/>
+    <dgm:style>
+      <a:lnRef idx="0">
+        <a:scrgbClr r="0" g="0" b="0"/>
+      </a:lnRef>
+      <a:fillRef idx="1">
+        <a:scrgbClr r="0" g="0" b="0"/>
+      </a:fillRef>
+      <a:effectRef idx="0">
+        <a:scrgbClr r="0" g="0" b="0"/>
+      </a:effectRef>
+      <a:fontRef idx="minor">
+        <a:schemeClr val="lt1"/>
+      </a:fontRef>
+    </dgm:style>
+  </dgm:styleLbl>
+  <dgm:styleLbl name="fgSibTrans2D1">
+    <dgm:scene3d>
+      <a:camera prst="orthographicFront"/>
+      <a:lightRig rig="threePt" dir="t"/>
+    </dgm:scene3d>
+    <dgm:sp3d/>
+    <dgm:txPr/>
+    <dgm:style>
+      <a:lnRef idx="0">
+        <a:scrgbClr r="0" g="0" b="0"/>
+      </a:lnRef>
+      <a:fillRef idx="1">
+        <a:scrgbClr r="0" g="0" b="0"/>
+      </a:fillRef>
+      <a:effectRef idx="0">
+        <a:scrgbClr r="0" g="0" b="0"/>
+      </a:effectRef>
+      <a:fontRef idx="minor">
+        <a:schemeClr val="lt1"/>
+      </a:fontRef>
+    </dgm:style>
+  </dgm:styleLbl>
+  <dgm:styleLbl name="bgSibTrans2D1">
+    <dgm:scene3d>
+      <a:camera prst="orthographicFront"/>
+      <a:lightRig rig="threePt" dir="t"/>
+    </dgm:scene3d>
+    <dgm:sp3d/>
+    <dgm:txPr/>
+    <dgm:style>
+      <a:lnRef idx="0">
+        <a:scrgbClr r="0" g="0" b="0"/>
+      </a:lnRef>
+      <a:fillRef idx="1">
+        <a:scrgbClr r="0" g="0" b="0"/>
+      </a:fillRef>
+      <a:effectRef idx="0">
+        <a:scrgbClr r="0" g="0" b="0"/>
+      </a:effectRef>
+      <a:fontRef idx="minor">
+        <a:schemeClr val="lt1"/>
+      </a:fontRef>
+    </dgm:style>
+  </dgm:styleLbl>
+  <dgm:styleLbl name="sibTrans1D1">
+    <dgm:scene3d>
+      <a:camera prst="orthographicFront"/>
+      <a:lightRig rig="threePt" dir="t"/>
+    </dgm:scene3d>
+    <dgm:sp3d/>
+    <dgm:txPr/>
+    <dgm:style>
+      <a:lnRef idx="1">
+        <a:scrgbClr r="0" g="0" b="0"/>
+      </a:lnRef>
+      <a:fillRef idx="0">
+        <a:scrgbClr r="0" g="0" b="0"/>
+      </a:fillRef>
+      <a:effectRef idx="0">
+        <a:scrgbClr r="0" g="0" b="0"/>
+      </a:effectRef>
+      <a:fontRef idx="minor"/>
+    </dgm:style>
+  </dgm:styleLbl>
+  <dgm:styleLbl name="callout">
+    <dgm:scene3d>
+      <a:camera prst="orthographicFront"/>
+      <a:lightRig rig="threePt" dir="t"/>
+    </dgm:scene3d>
+    <dgm:sp3d/>
+    <dgm:txPr/>
+    <dgm:style>
+      <a:lnRef idx="2">
+        <a:scrgbClr r="0" g="0" b="0"/>
+      </a:lnRef>
+      <a:fillRef idx="1">
+        <a:scrgbClr r="0" g="0" b="0"/>
+      </a:fillRef>
+      <a:effectRef idx="0">
+        <a:scrgbClr r="0" g="0" b="0"/>
+      </a:effectRef>
+      <a:fontRef idx="minor"/>
+    </dgm:style>
+  </dgm:styleLbl>
+  <dgm:styleLbl name="asst0">
+    <dgm:scene3d>
+      <a:camera prst="orthographicFront"/>
+      <a:lightRig rig="threePt" dir="t"/>
+    </dgm:scene3d>
+    <dgm:sp3d/>
+    <dgm:txPr/>
+    <dgm:style>
+      <a:lnRef idx="2">
+        <a:scrgbClr r="0" g="0" b="0"/>
+      </a:lnRef>
+      <a:fillRef idx="1">
+        <a:scrgbClr r="0" g="0" b="0"/>
+      </a:fillRef>
+      <a:effectRef idx="0">
+        <a:scrgbClr r="0" g="0" b="0"/>
+      </a:effectRef>
+      <a:fontRef idx="minor">
+        <a:schemeClr val="lt1"/>
+      </a:fontRef>
+    </dgm:style>
+  </dgm:styleLbl>
+  <dgm:styleLbl name="asst1">
+    <dgm:scene3d>
+      <a:camera prst="orthographicFront"/>
+      <a:lightRig rig="threePt" dir="t"/>
+    </dgm:scene3d>
+    <dgm:sp3d/>
+    <dgm:txPr/>
+    <dgm:style>
+      <a:lnRef idx="2">
+        <a:scrgbClr r="0" g="0" b="0"/>
+      </a:lnRef>
+      <a:fillRef idx="1">
+        <a:scrgbClr r="0" g="0" b="0"/>
+      </a:fillRef>
+      <a:effectRef idx="0">
+        <a:scrgbClr r="0" g="0" b="0"/>
+      </a:effectRef>
+      <a:fontRef idx="minor">
+        <a:schemeClr val="lt1"/>
+      </a:fontRef>
+    </dgm:style>
+  </dgm:styleLbl>
+  <dgm:styleLbl name="asst2">
+    <dgm:scene3d>
+      <a:camera prst="orthographicFront"/>
+      <a:lightRig rig="threePt" dir="t"/>
+    </dgm:scene3d>
+    <dgm:sp3d/>
+    <dgm:txPr/>
+    <dgm:style>
+      <a:lnRef idx="2">
+        <a:scrgbClr r="0" g="0" b="0"/>
+      </a:lnRef>
+      <a:fillRef idx="1">
+        <a:scrgbClr r="0" g="0" b="0"/>
+      </a:fillRef>
+      <a:effectRef idx="0">
+        <a:scrgbClr r="0" g="0" b="0"/>
+      </a:effectRef>
+      <a:fontRef idx="minor">
+        <a:schemeClr val="lt1"/>
+      </a:fontRef>
+    </dgm:style>
+  </dgm:styleLbl>
+  <dgm:styleLbl name="asst3">
+    <dgm:scene3d>
+      <a:camera prst="orthographicFront"/>
+      <a:lightRig rig="threePt" dir="t"/>
+    </dgm:scene3d>
+    <dgm:sp3d/>
+    <dgm:txPr/>
+    <dgm:style>
+      <a:lnRef idx="2">
+        <a:scrgbClr r="0" g="0" b="0"/>
+      </a:lnRef>
+      <a:fillRef idx="1">
+        <a:scrgbClr r="0" g="0" b="0"/>
+      </a:fillRef>
+      <a:effectRef idx="0">
+        <a:scrgbClr r="0" g="0" b="0"/>
+      </a:effectRef>
+      <a:fontRef idx="minor">
+        <a:schemeClr val="lt1"/>
+      </a:fontRef>
+    </dgm:style>
+  </dgm:styleLbl>
+  <dgm:styleLbl name="asst4">
+    <dgm:scene3d>
+      <a:camera prst="orthographicFront"/>
+      <a:lightRig rig="threePt" dir="t"/>
+    </dgm:scene3d>
+    <dgm:sp3d/>
+    <dgm:txPr/>
+    <dgm:style>
+      <a:lnRef idx="2">
+        <a:scrgbClr r="0" g="0" b="0"/>
+      </a:lnRef>
+      <a:fillRef idx="1">
+        <a:scrgbClr r="0" g="0" b="0"/>
+      </a:fillRef>
+      <a:effectRef idx="0">
+        <a:scrgbClr r="0" g="0" b="0"/>
+      </a:effectRef>
+      <a:fontRef idx="minor">
+        <a:schemeClr val="lt1"/>
+      </a:fontRef>
+    </dgm:style>
+  </dgm:styleLbl>
+  <dgm:styleLbl name="parChTrans2D1">
+    <dgm:scene3d>
+      <a:camera prst="orthographicFront"/>
+      <a:lightRig rig="threePt" dir="t"/>
+    </dgm:scene3d>
+    <dgm:sp3d/>
+    <dgm:txPr/>
+    <dgm:style>
+      <a:lnRef idx="2">
+        <a:scrgbClr r="0" g="0" b="0"/>
+      </a:lnRef>
+      <a:fillRef idx="1">
+        <a:scrgbClr r="0" g="0" b="0"/>
+      </a:fillRef>
+      <a:effectRef idx="0">
+        <a:scrgbClr r="0" g="0" b="0"/>
+      </a:effectRef>
+      <a:fontRef idx="minor">
+        <a:schemeClr val="lt1"/>
+      </a:fontRef>
+    </dgm:style>
+  </dgm:styleLbl>
+  <dgm:styleLbl name="parChTrans2D2">
+    <dgm:scene3d>
+      <a:camera prst="orthographicFront"/>
+      <a:lightRig rig="threePt" dir="t"/>
+    </dgm:scene3d>
+    <dgm:sp3d/>
+    <dgm:txPr/>
+    <dgm:style>
+      <a:lnRef idx="2">
+        <a:scrgbClr r="0" g="0" b="0"/>
+      </a:lnRef>
+      <a:fillRef idx="1">
+        <a:scrgbClr r="0" g="0" b="0"/>
+      </a:fillRef>
+      <a:effectRef idx="0">
+        <a:scrgbClr r="0" g="0" b="0"/>
+      </a:effectRef>
+      <a:fontRef idx="minor">
+        <a:schemeClr val="lt1"/>
+      </a:fontRef>
+    </dgm:style>
+  </dgm:styleLbl>
+  <dgm:styleLbl name="parChTrans2D3">
+    <dgm:scene3d>
+      <a:camera prst="orthographicFront"/>
+      <a:lightRig rig="threePt" dir="t"/>
+    </dgm:scene3d>
+    <dgm:sp3d/>
+    <dgm:txPr/>
+    <dgm:style>
+      <a:lnRef idx="2">
+        <a:scrgbClr r="0" g="0" b="0"/>
+      </a:lnRef>
+      <a:fillRef idx="1">
+        <a:scrgbClr r="0" g="0" b="0"/>
+      </a:fillRef>
+      <a:effectRef idx="0">
+        <a:scrgbClr r="0" g="0" b="0"/>
+      </a:effectRef>
+      <a:fontRef idx="minor">
+        <a:schemeClr val="lt1"/>
+      </a:fontRef>
+    </dgm:style>
+  </dgm:styleLbl>
+  <dgm:styleLbl name="parChTrans2D4">
+    <dgm:scene3d>
+      <a:camera prst="orthographicFront"/>
+      <a:lightRig rig="threePt" dir="t"/>
+    </dgm:scene3d>
+    <dgm:sp3d/>
+    <dgm:txPr/>
+    <dgm:style>
+      <a:lnRef idx="2">
+        <a:scrgbClr r="0" g="0" b="0"/>
+      </a:lnRef>
+      <a:fillRef idx="1">
+        <a:scrgbClr r="0" g="0" b="0"/>
+      </a:fillRef>
+      <a:effectRef idx="0">
+        <a:scrgbClr r="0" g="0" b="0"/>
+      </a:effectRef>
+      <a:fontRef idx="minor">
+        <a:schemeClr val="lt1"/>
+      </a:fontRef>
+    </dgm:style>
+  </dgm:styleLbl>
+  <dgm:styleLbl name="parChTrans1D1">
+    <dgm:scene3d>
+      <a:camera prst="orthographicFront"/>
+      <a:lightRig rig="threePt" dir="t"/>
+    </dgm:scene3d>
+    <dgm:sp3d/>
+    <dgm:txPr/>
+    <dgm:style>
+      <a:lnRef idx="2">
+        <a:scrgbClr r="0" g="0" b="0"/>
+      </a:lnRef>
+      <a:fillRef idx="0">
+        <a:scrgbClr r="0" g="0" b="0"/>
+      </a:fillRef>
+      <a:effectRef idx="0">
+        <a:scrgbClr r="0" g="0" b="0"/>
+      </a:effectRef>
+      <a:fontRef idx="minor"/>
+    </dgm:style>
+  </dgm:styleLbl>
+  <dgm:styleLbl name="parChTrans1D2">
+    <dgm:scene3d>
+      <a:camera prst="orthographicFront"/>
+      <a:lightRig rig="threePt" dir="t"/>
+    </dgm:scene3d>
+    <dgm:sp3d/>
+    <dgm:txPr/>
+    <dgm:style>
+      <a:lnRef idx="2">
+        <a:scrgbClr r="0" g="0" b="0"/>
+      </a:lnRef>
+      <a:fillRef idx="0">
+        <a:scrgbClr r="0" g="0" b="0"/>
+      </a:fillRef>
+      <a:effectRef idx="0">
+        <a:scrgbClr r="0" g="0" b="0"/>
+      </a:effectRef>
+      <a:fontRef idx="minor"/>
+    </dgm:style>
+  </dgm:styleLbl>
+  <dgm:styleLbl name="parChTrans1D3">
+    <dgm:scene3d>
+      <a:camera prst="orthographicFront"/>
+      <a:lightRig rig="threePt" dir="t"/>
+    </dgm:scene3d>
+    <dgm:sp3d/>
+    <dgm:txPr/>
+    <dgm:style>
+      <a:lnRef idx="2">
+        <a:scrgbClr r="0" g="0" b="0"/>
+      </a:lnRef>
+      <a:fillRef idx="0">
+        <a:scrgbClr r="0" g="0" b="0"/>
+      </a:fillRef>
+      <a:effectRef idx="0">
+        <a:scrgbClr r="0" g="0" b="0"/>
+      </a:effectRef>
+      <a:fontRef idx="minor"/>
+    </dgm:style>
+  </dgm:styleLbl>
+  <dgm:styleLbl name="parChTrans1D4">
+    <dgm:scene3d>
+      <a:camera prst="orthographicFront"/>
+      <a:lightRig rig="threePt" dir="t"/>
+    </dgm:scene3d>
+    <dgm:sp3d/>
+    <dgm:txPr/>
+    <dgm:style>
+      <a:lnRef idx="2">
+        <a:scrgbClr r="0" g="0" b="0"/>
+      </a:lnRef>
+      <a:fillRef idx="0">
+        <a:scrgbClr r="0" g="0" b="0"/>
+      </a:fillRef>
+      <a:effectRef idx="0">
+        <a:scrgbClr r="0" g="0" b="0"/>
+      </a:effectRef>
+      <a:fontRef idx="minor"/>
+    </dgm:style>
+  </dgm:styleLbl>
+  <dgm:styleLbl name="fgAcc1">
+    <dgm:scene3d>
+      <a:camera prst="orthographicFront"/>
+      <a:lightRig rig="threePt" dir="t"/>
+    </dgm:scene3d>
+    <dgm:sp3d/>
+    <dgm:txPr/>
+    <dgm:style>
+      <a:lnRef idx="2">
+        <a:scrgbClr r="0" g="0" b="0"/>
+      </a:lnRef>
+      <a:fillRef idx="1">
+        <a:scrgbClr r="0" g="0" b="0"/>
+      </a:fillRef>
+      <a:effectRef idx="0">
+        <a:scrgbClr r="0" g="0" b="0"/>
+      </a:effectRef>
+      <a:fontRef idx="minor"/>
+    </dgm:style>
+  </dgm:styleLbl>
+  <dgm:styleLbl name="conFgAcc1">
+    <dgm:scene3d>
+      <a:camera prst="orthographicFront"/>
+      <a:lightRig rig="threePt" dir="t"/>
+    </dgm:scene3d>
+    <dgm:sp3d/>
+    <dgm:txPr/>
+    <dgm:style>
+      <a:lnRef idx="2">
+        <a:scrgbClr r="0" g="0" b="0"/>
+      </a:lnRef>
+      <a:fillRef idx="1">
+        <a:scrgbClr r="0" g="0" b="0"/>
+      </a:fillRef>
+      <a:effectRef idx="0">
+        <a:scrgbClr r="0" g="0" b="0"/>
+      </a:effectRef>
+      <a:fontRef idx="minor"/>
+    </dgm:style>
+  </dgm:styleLbl>
+  <dgm:styleLbl name="alignAcc1">
+    <dgm:scene3d>
+      <a:camera prst="orthographicFront"/>
+      <a:lightRig rig="threePt" dir="t"/>
+    </dgm:scene3d>
+    <dgm:sp3d/>
+    <dgm:txPr/>
+    <dgm:style>
+      <a:lnRef idx="2">
+        <a:scrgbClr r="0" g="0" b="0"/>
+      </a:lnRef>
+      <a:fillRef idx="1">
+        <a:scrgbClr r="0" g="0" b="0"/>
+      </a:fillRef>
+      <a:effectRef idx="0">
+        <a:scrgbClr r="0" g="0" b="0"/>
+      </a:effectRef>
+      <a:fontRef idx="minor"/>
+    </dgm:style>
+  </dgm:styleLbl>
+  <dgm:styleLbl name="trAlignAcc1">
+    <dgm:scene3d>
+      <a:camera prst="orthographicFront"/>
+      <a:lightRig rig="threePt" dir="t"/>
+    </dgm:scene3d>
+    <dgm:sp3d/>
+    <dgm:txPr/>
+    <dgm:style>
+      <a:lnRef idx="1">
+        <a:scrgbClr r="0" g="0" b="0"/>
+      </a:lnRef>
+      <a:fillRef idx="1">
+        <a:scrgbClr r="0" g="0" b="0"/>
+      </a:fillRef>
+      <a:effectRef idx="0">
+        <a:scrgbClr r="0" g="0" b="0"/>
+      </a:effectRef>
+      <a:fontRef idx="minor"/>
+    </dgm:style>
+  </dgm:styleLbl>
+  <dgm:styleLbl name="bgAcc1">
+    <dgm:scene3d>
+      <a:camera prst="orthographicFront"/>
+      <a:lightRig rig="threePt" dir="t"/>
+    </dgm:scene3d>
+    <dgm:sp3d/>
+    <dgm:txPr/>
+    <dgm:style>
+      <a:lnRef idx="2">
+        <a:scrgbClr r="0" g="0" b="0"/>
+      </a:lnRef>
+      <a:fillRef idx="1">
+        <a:scrgbClr r="0" g="0" b="0"/>
+      </a:fillRef>
+      <a:effectRef idx="0">
+        <a:scrgbClr r="0" g="0" b="0"/>
+      </a:effectRef>
+      <a:fontRef idx="minor"/>
+    </dgm:style>
+  </dgm:styleLbl>
+  <dgm:styleLbl name="solidFgAcc1">
+    <dgm:scene3d>
+      <a:camera prst="orthographicFront"/>
+      <a:lightRig rig="threePt" dir="t"/>
+    </dgm:scene3d>
+    <dgm:sp3d/>
+    <dgm:txPr/>
+    <dgm:style>
+      <a:lnRef idx="2">
+        <a:scrgbClr r="0" g="0" b="0"/>
+      </a:lnRef>
+      <a:fillRef idx="1">
+        <a:scrgbClr r="0" g="0" b="0"/>
+      </a:fillRef>
+      <a:effectRef idx="0">
+        <a:scrgbClr r="0" g="0" b="0"/>
+      </a:effectRef>
+      <a:fontRef idx="minor"/>
+    </dgm:style>
+  </dgm:styleLbl>
+  <dgm:styleLbl name="solidAlignAcc1">
+    <dgm:scene3d>
+      <a:camera prst="orthographicFront"/>
+      <a:lightRig rig="threePt" dir="t"/>
+    </dgm:scene3d>
+    <dgm:sp3d/>
+    <dgm:txPr/>
+    <dgm:style>
+      <a:lnRef idx="2">
+        <a:scrgbClr r="0" g="0" b="0"/>
+      </a:lnRef>
+      <a:fillRef idx="1">
+        <a:scrgbClr r="0" g="0" b="0"/>
+      </a:fillRef>
+      <a:effectRef idx="0">
+        <a:scrgbClr r="0" g="0" b="0"/>
+      </a:effectRef>
+      <a:fontRef idx="minor"/>
+    </dgm:style>
+  </dgm:styleLbl>
+  <dgm:styleLbl name="solidBgAcc1">
+    <dgm:scene3d>
+      <a:camera prst="orthographicFront"/>
+      <a:lightRig rig="threePt" dir="t"/>
+    </dgm:scene3d>
+    <dgm:sp3d/>
+    <dgm:txPr/>
+    <dgm:style>
+      <a:lnRef idx="2">
+        <a:scrgbClr r="0" g="0" b="0"/>
+      </a:lnRef>
+      <a:fillRef idx="1">
+        <a:scrgbClr r="0" g="0" b="0"/>
+      </a:fillRef>
+      <a:effectRef idx="0">
+        <a:scrgbClr r="0" g="0" b="0"/>
+      </a:effectRef>
+      <a:fontRef idx="minor"/>
+    </dgm:style>
+  </dgm:styleLbl>
+  <dgm:styleLbl name="fgAccFollowNode1">
+    <dgm:scene3d>
+      <a:camera prst="orthographicFront"/>
+      <a:lightRig rig="threePt" dir="t"/>
+    </dgm:scene3d>
+    <dgm:sp3d/>
+    <dgm:txPr/>
+    <dgm:style>
+      <a:lnRef idx="2">
+        <a:scrgbClr r="0" g="0" b="0"/>
+      </a:lnRef>
+      <a:fillRef idx="1">
+        <a:scrgbClr r="0" g="0" b="0"/>
+      </a:fillRef>
+      <a:effectRef idx="0">
+        <a:scrgbClr r="0" g="0" b="0"/>
+      </a:effectRef>
+      <a:fontRef idx="minor"/>
+    </dgm:style>
+  </dgm:styleLbl>
+  <dgm:styleLbl name="alignAccFollowNode1">
+    <dgm:scene3d>
+      <a:camera prst="orthographicFront"/>
+      <a:lightRig rig="threePt" dir="t"/>
+    </dgm:scene3d>
+    <dgm:sp3d/>
+    <dgm:txPr/>
+    <dgm:style>
+      <a:lnRef idx="2">
+        <a:scrgbClr r="0" g="0" b="0"/>
+      </a:lnRef>
+      <a:fillRef idx="1">
+        <a:scrgbClr r="0" g="0" b="0"/>
+      </a:fillRef>
+      <a:effectRef idx="0">
+        <a:scrgbClr r="0" g="0" b="0"/>
+      </a:effectRef>
+      <a:fontRef idx="minor"/>
+    </dgm:style>
+  </dgm:styleLbl>
+  <dgm:styleLbl name="bgAccFollowNode1">
+    <dgm:scene3d>
+      <a:camera prst="orthographicFront"/>
+      <a:lightRig rig="threePt" dir="t"/>
+    </dgm:scene3d>
+    <dgm:sp3d/>
+    <dgm:txPr/>
+    <dgm:style>
+      <a:lnRef idx="2">
+        <a:scrgbClr r="0" g="0" b="0"/>
+      </a:lnRef>
+      <a:fillRef idx="1">
+        <a:scrgbClr r="0" g="0" b="0"/>
+      </a:fillRef>
+      <a:effectRef idx="0">
+        <a:scrgbClr r="0" g="0" b="0"/>
+      </a:effectRef>
+      <a:fontRef idx="minor"/>
+    </dgm:style>
+  </dgm:styleLbl>
+  <dgm:styleLbl name="fgAcc0">
+    <dgm:scene3d>
+      <a:camera prst="orthographicFront"/>
+      <a:lightRig rig="threePt" dir="t"/>
+    </dgm:scene3d>
+    <dgm:sp3d/>
+    <dgm:txPr/>
+    <dgm:style>
+      <a:lnRef idx="2">
+        <a:scrgbClr r="0" g="0" b="0"/>
+      </a:lnRef>
+      <a:fillRef idx="1">
+        <a:scrgbClr r="0" g="0" b="0"/>
+      </a:fillRef>
+      <a:effectRef idx="0">
+        <a:scrgbClr r="0" g="0" b="0"/>
+      </a:effectRef>
+      <a:fontRef idx="minor"/>
+    </dgm:style>
+  </dgm:styleLbl>
+  <dgm:styleLbl name="fgAcc2">
+    <dgm:scene3d>
+      <a:camera prst="orthographicFront"/>
+      <a:lightRig rig="threePt" dir="t"/>
+    </dgm:scene3d>
+    <dgm:sp3d/>
+    <dgm:txPr/>
+    <dgm:style>
+      <a:lnRef idx="2">
+        <a:scrgbClr r="0" g="0" b="0"/>
+      </a:lnRef>
+      <a:fillRef idx="1">
+        <a:scrgbClr r="0" g="0" b="0"/>
+      </a:fillRef>
+      <a:effectRef idx="0">
+        <a:scrgbClr r="0" g="0" b="0"/>
+      </a:effectRef>
+      <a:fontRef idx="minor"/>
+    </dgm:style>
+  </dgm:styleLbl>
+  <dgm:styleLbl name="fgAcc3">
+    <dgm:scene3d>
+      <a:camera prst="orthographicFront"/>
+      <a:lightRig rig="threePt" dir="t"/>
+    </dgm:scene3d>
+    <dgm:sp3d/>
+    <dgm:txPr/>
+    <dgm:style>
+      <a:lnRef idx="2">
+        <a:scrgbClr r="0" g="0" b="0"/>
+      </a:lnRef>
+      <a:fillRef idx="1">
+        <a:scrgbClr r="0" g="0" b="0"/>
+      </a:fillRef>
+      <a:effectRef idx="0">
+        <a:scrgbClr r="0" g="0" b="0"/>
+      </a:effectRef>
+      <a:fontRef idx="minor"/>
+    </dgm:style>
+  </dgm:styleLbl>
+  <dgm:styleLbl name="fgAcc4">
+    <dgm:scene3d>
+      <a:camera prst="orthographicFront"/>
+      <a:lightRig rig="threePt" dir="t"/>
+    </dgm:scene3d>
+    <dgm:sp3d/>
+    <dgm:txPr/>
+    <dgm:style>
+      <a:lnRef idx="2">
+        <a:scrgbClr r="0" g="0" b="0"/>
+      </a:lnRef>
+      <a:fillRef idx="1">
+        <a:scrgbClr r="0" g="0" b="0"/>
+      </a:fillRef>
+      <a:effectRef idx="0">
+        <a:scrgbClr r="0" g="0" b="0"/>
+      </a:effectRef>
+      <a:fontRef idx="minor"/>
+    </dgm:style>
+  </dgm:styleLbl>
+  <dgm:styleLbl name="bgShp">
+    <dgm:scene3d>
+      <a:camera prst="orthographicFront"/>
+      <a:lightRig rig="threePt" dir="t"/>
+    </dgm:scene3d>
+    <dgm:sp3d/>
+    <dgm:txPr/>
+    <dgm:style>
+      <a:lnRef idx="0">
+        <a:scrgbClr r="0" g="0" b="0"/>
+      </a:lnRef>
+      <a:fillRef idx="1">
+        <a:scrgbClr r="0" g="0" b="0"/>
+      </a:fillRef>
+      <a:effectRef idx="0">
+        <a:scrgbClr r="0" g="0" b="0"/>
+      </a:effectRef>
+      <a:fontRef idx="minor"/>
+    </dgm:style>
+  </dgm:styleLbl>
+  <dgm:styleLbl name="dkBgShp">
+    <dgm:scene3d>
+      <a:camera prst="orthographicFront"/>
+      <a:lightRig rig="threePt" dir="t"/>
+    </dgm:scene3d>
+    <dgm:sp3d/>
+    <dgm:txPr/>
+    <dgm:style>
+      <a:lnRef idx="0">
+        <a:scrgbClr r="0" g="0" b="0"/>
+      </a:lnRef>
+      <a:fillRef idx="1">
+        <a:scrgbClr r="0" g="0" b="0"/>
+      </a:fillRef>
+      <a:effectRef idx="0">
+        <a:scrgbClr r="0" g="0" b="0"/>
+      </a:effectRef>
+      <a:fontRef idx="minor"/>
+    </dgm:style>
+  </dgm:styleLbl>
+  <dgm:styleLbl name="trBgShp">
+    <dgm:scene3d>
+      <a:camera prst="orthographicFront"/>
+      <a:lightRig rig="threePt" dir="t"/>
+    </dgm:scene3d>
+    <dgm:sp3d/>
+    <dgm:txPr/>
+    <dgm:style>
+      <a:lnRef idx="0">
+        <a:scrgbClr r="0" g="0" b="0"/>
+      </a:lnRef>
+      <a:fillRef idx="1">
+        <a:scrgbClr r="0" g="0" b="0"/>
+      </a:fillRef>
+      <a:effectRef idx="0">
+        <a:scrgbClr r="0" g="0" b="0"/>
+      </a:effectRef>
+      <a:fontRef idx="minor"/>
+    </dgm:style>
+  </dgm:styleLbl>
+  <dgm:styleLbl name="fgShp">
+    <dgm:scene3d>
+      <a:camera prst="orthographicFront"/>
+      <a:lightRig rig="threePt" dir="t"/>
+    </dgm:scene3d>
+    <dgm:sp3d/>
+    <dgm:txPr/>
+    <dgm:style>
+      <a:lnRef idx="2">
+        <a:scrgbClr r="0" g="0" b="0"/>
+      </a:lnRef>
+      <a:fillRef idx="1">
+        <a:scrgbClr r="0" g="0" b="0"/>
+      </a:fillRef>
+      <a:effectRef idx="0">
+        <a:scrgbClr r="0" g="0" b="0"/>
+      </a:effectRef>
+      <a:fontRef idx="minor"/>
+    </dgm:style>
+  </dgm:styleLbl>
+  <dgm:styleLbl name="revTx">
+    <dgm:scene3d>
+      <a:camera prst="orthographicFront"/>
+      <a:lightRig rig="threePt" dir="t"/>
+    </dgm:scene3d>
+    <dgm:sp3d/>
+    <dgm:txPr/>
+    <dgm:style>
+      <a:lnRef idx="0">
+        <a:scrgbClr r="0" g="0" b="0"/>
+      </a:lnRef>
+      <a:fillRef idx="0">
+        <a:scrgbClr r="0" g="0" b="0"/>
+      </a:fillRef>
+      <a:effectRef idx="0">
+        <a:scrgbClr r="0" g="0" b="0"/>
+      </a:effectRef>
+      <a:fontRef idx="minor"/>
+    </dgm:style>
+  </dgm:styleLbl>
+</dgm:styleDef>
+</file>
+
+<file path=ppt/diagrams/quickStyle5.xml><?xml version="1.0" encoding="utf-8"?>
 <dgm:styleDef xmlns:dgm="http://schemas.openxmlformats.org/drawingml/2006/diagram" xmlns:a="http://schemas.openxmlformats.org/drawingml/2006/main" uniqueId="urn:microsoft.com/office/officeart/2005/8/quickstyle/simple1">
   <dgm:title val=""/>
   <dgm:desc val=""/>
@@ -14849,7 +22137,7 @@
           <p:nvPr>
             <p:extLst>
               <p:ext uri="{D42A27DB-BD31-4B8C-83A1-F6EECF244321}">
-                <p14:modId xmlns:p14="http://schemas.microsoft.com/office/powerpoint/2010/main" val="2021205302"/>
+                <p14:modId xmlns:p14="http://schemas.microsoft.com/office/powerpoint/2010/main" val="189564294"/>
               </p:ext>
             </p:extLst>
           </p:nvPr>
@@ -14868,6 +22156,122 @@
     <p:extLst>
       <p:ext uri="{BB962C8B-B14F-4D97-AF65-F5344CB8AC3E}">
         <p14:creationId xmlns:p14="http://schemas.microsoft.com/office/powerpoint/2010/main" val="3867303637"/>
+      </p:ext>
+    </p:extLst>
+  </p:cSld>
+  <p:clrMapOvr>
+    <a:masterClrMapping/>
+  </p:clrMapOvr>
+</p:sld>
+</file>
+
+<file path=ppt/slides/slide4.xml><?xml version="1.0" encoding="utf-8"?>
+<p:sld xmlns:a="http://schemas.openxmlformats.org/drawingml/2006/main" xmlns:r="http://schemas.openxmlformats.org/officeDocument/2006/relationships" xmlns:p="http://schemas.openxmlformats.org/presentationml/2006/main">
+  <p:cSld>
+    <p:spTree>
+      <p:nvGrpSpPr>
+        <p:cNvPr id="1" name=""/>
+        <p:cNvGrpSpPr/>
+        <p:nvPr/>
+      </p:nvGrpSpPr>
+      <p:grpSpPr>
+        <a:xfrm>
+          <a:off x="0" y="0"/>
+          <a:ext cx="0" cy="0"/>
+          <a:chOff x="0" y="0"/>
+          <a:chExt cx="0" cy="0"/>
+        </a:xfrm>
+      </p:grpSpPr>
+      <p:graphicFrame>
+        <p:nvGraphicFramePr>
+          <p:cNvPr id="4" name="Diagram 3">
+            <a:extLst>
+              <a:ext uri="{FF2B5EF4-FFF2-40B4-BE49-F238E27FC236}">
+                <a16:creationId xmlns:a16="http://schemas.microsoft.com/office/drawing/2014/main" id="{8B815534-3CFB-5D43-964E-3CF758579A52}"/>
+              </a:ext>
+            </a:extLst>
+          </p:cNvPr>
+          <p:cNvGraphicFramePr/>
+          <p:nvPr>
+            <p:extLst>
+              <p:ext uri="{D42A27DB-BD31-4B8C-83A1-F6EECF244321}">
+                <p14:modId xmlns:p14="http://schemas.microsoft.com/office/powerpoint/2010/main" val="3610245010"/>
+              </p:ext>
+            </p:extLst>
+          </p:nvPr>
+        </p:nvGraphicFramePr>
+        <p:xfrm>
+          <a:off x="338667" y="719667"/>
+          <a:ext cx="11667066" cy="3903134"/>
+        </p:xfrm>
+        <a:graphic>
+          <a:graphicData uri="http://schemas.openxmlformats.org/drawingml/2006/diagram">
+            <dgm:relIds xmlns:dgm="http://schemas.openxmlformats.org/drawingml/2006/diagram" xmlns:r="http://schemas.openxmlformats.org/officeDocument/2006/relationships" r:dm="rId2" r:lo="rId3" r:qs="rId4" r:cs="rId5"/>
+          </a:graphicData>
+        </a:graphic>
+      </p:graphicFrame>
+    </p:spTree>
+    <p:extLst>
+      <p:ext uri="{BB962C8B-B14F-4D97-AF65-F5344CB8AC3E}">
+        <p14:creationId xmlns:p14="http://schemas.microsoft.com/office/powerpoint/2010/main" val="1496458526"/>
+      </p:ext>
+    </p:extLst>
+  </p:cSld>
+  <p:clrMapOvr>
+    <a:masterClrMapping/>
+  </p:clrMapOvr>
+</p:sld>
+</file>
+
+<file path=ppt/slides/slide5.xml><?xml version="1.0" encoding="utf-8"?>
+<p:sld xmlns:a="http://schemas.openxmlformats.org/drawingml/2006/main" xmlns:r="http://schemas.openxmlformats.org/officeDocument/2006/relationships" xmlns:p="http://schemas.openxmlformats.org/presentationml/2006/main">
+  <p:cSld>
+    <p:spTree>
+      <p:nvGrpSpPr>
+        <p:cNvPr id="1" name=""/>
+        <p:cNvGrpSpPr/>
+        <p:nvPr/>
+      </p:nvGrpSpPr>
+      <p:grpSpPr>
+        <a:xfrm>
+          <a:off x="0" y="0"/>
+          <a:ext cx="0" cy="0"/>
+          <a:chOff x="0" y="0"/>
+          <a:chExt cx="0" cy="0"/>
+        </a:xfrm>
+      </p:grpSpPr>
+      <p:graphicFrame>
+        <p:nvGraphicFramePr>
+          <p:cNvPr id="4" name="Diagram 3">
+            <a:extLst>
+              <a:ext uri="{FF2B5EF4-FFF2-40B4-BE49-F238E27FC236}">
+                <a16:creationId xmlns:a16="http://schemas.microsoft.com/office/drawing/2014/main" id="{8B815534-3CFB-5D43-964E-3CF758579A52}"/>
+              </a:ext>
+            </a:extLst>
+          </p:cNvPr>
+          <p:cNvGraphicFramePr/>
+          <p:nvPr>
+            <p:extLst>
+              <p:ext uri="{D42A27DB-BD31-4B8C-83A1-F6EECF244321}">
+                <p14:modId xmlns:p14="http://schemas.microsoft.com/office/powerpoint/2010/main" val="729295395"/>
+              </p:ext>
+            </p:extLst>
+          </p:nvPr>
+        </p:nvGraphicFramePr>
+        <p:xfrm>
+          <a:off x="338666" y="719668"/>
+          <a:ext cx="10684933" cy="1583265"/>
+        </p:xfrm>
+        <a:graphic>
+          <a:graphicData uri="http://schemas.openxmlformats.org/drawingml/2006/diagram">
+            <dgm:relIds xmlns:dgm="http://schemas.openxmlformats.org/drawingml/2006/diagram" xmlns:r="http://schemas.openxmlformats.org/officeDocument/2006/relationships" r:dm="rId2" r:lo="rId3" r:qs="rId4" r:cs="rId5"/>
+          </a:graphicData>
+        </a:graphic>
+      </p:graphicFrame>
+    </p:spTree>
+    <p:extLst>
+      <p:ext uri="{BB962C8B-B14F-4D97-AF65-F5344CB8AC3E}">
+        <p14:creationId xmlns:p14="http://schemas.microsoft.com/office/powerpoint/2010/main" val="1099383273"/>
       </p:ext>
     </p:extLst>
   </p:cSld>

--- a/figs/flow.pptx
+++ b/figs/flow.pptx
@@ -4,6 +4,9 @@
   <p:sldMasterIdLst>
     <p:sldMasterId id="2147483648" r:id="rId1"/>
   </p:sldMasterIdLst>
+  <p:notesMasterIdLst>
+    <p:notesMasterId r:id="rId7"/>
+  </p:notesMasterIdLst>
   <p:sldIdLst>
     <p:sldId id="256" r:id="rId2"/>
     <p:sldId id="258" r:id="rId3"/>
@@ -108,6 +111,11 @@
       </a:defRPr>
     </a:lvl9pPr>
   </p:defaultTextStyle>
+  <p:extLst>
+    <p:ext uri="{EFAFB233-063F-42B5-8137-9DF3F51BA10A}">
+      <p15:sldGuideLst xmlns:p15="http://schemas.microsoft.com/office/powerpoint/2012/main"/>
+    </p:ext>
+  </p:extLst>
 </p:presentation>
 </file>
 
@@ -5402,7 +5410,7 @@
   <dgm:whole/>
   <dgm:extLst>
     <a:ext uri="http://schemas.microsoft.com/office/drawing/2008/diagram">
-      <dsp:dataModelExt xmlns:dsp="http://schemas.microsoft.com/office/drawing/2008/diagram" relId="rId6" minVer="http://schemas.openxmlformats.org/drawingml/2006/diagram"/>
+      <dsp:dataModelExt xmlns:dsp="http://schemas.microsoft.com/office/drawing/2008/diagram" relId="rId7" minVer="http://schemas.openxmlformats.org/drawingml/2006/diagram"/>
     </a:ext>
   </dgm:extLst>
 </dgm:dataModel>
@@ -6931,7 +6939,7 @@
         <a:lstStyle/>
         <a:p>
           <a:r>
-            <a:rPr lang="en-US" sz="2000" b="1" dirty="0">
+            <a:rPr lang="en-US" sz="2800" b="1" dirty="0">
               <a:latin typeface="Source Sans Pro" panose="020B0503030403020204" pitchFamily="34" charset="77"/>
             </a:rPr>
             <a:t>Spatial</a:t>
@@ -6946,7 +6954,7 @@
         <a:bodyPr/>
         <a:lstStyle/>
         <a:p>
-          <a:endParaRPr lang="en-US">
+          <a:endParaRPr lang="en-US" sz="2400">
             <a:latin typeface="Source Sans Pro" panose="020B0503030403020204" pitchFamily="34" charset="77"/>
           </a:endParaRPr>
         </a:p>
@@ -6959,7 +6967,7 @@
         <a:bodyPr/>
         <a:lstStyle/>
         <a:p>
-          <a:endParaRPr lang="en-US">
+          <a:endParaRPr lang="en-US" sz="2400">
             <a:latin typeface="Source Sans Pro" panose="020B0503030403020204" pitchFamily="34" charset="77"/>
           </a:endParaRPr>
         </a:p>
@@ -6973,7 +6981,7 @@
         <a:lstStyle/>
         <a:p>
           <a:r>
-            <a:rPr lang="en-US" sz="1600" dirty="0">
+            <a:rPr lang="en-US" sz="2000" dirty="0">
               <a:latin typeface="Source Sans Pro" panose="020B0503030403020204" pitchFamily="34" charset="77"/>
             </a:rPr>
             <a:t>Banking + Buffering</a:t>
@@ -6988,7 +6996,7 @@
         <a:bodyPr/>
         <a:lstStyle/>
         <a:p>
-          <a:endParaRPr lang="en-US">
+          <a:endParaRPr lang="en-US" sz="2400">
             <a:latin typeface="Source Sans Pro" panose="020B0503030403020204" pitchFamily="34" charset="77"/>
           </a:endParaRPr>
         </a:p>
@@ -7001,7 +7009,7 @@
         <a:bodyPr/>
         <a:lstStyle/>
         <a:p>
-          <a:endParaRPr lang="en-US">
+          <a:endParaRPr lang="en-US" sz="2400">
             <a:latin typeface="Source Sans Pro" panose="020B0503030403020204" pitchFamily="34" charset="77"/>
           </a:endParaRPr>
         </a:p>
@@ -7015,7 +7023,7 @@
         <a:lstStyle/>
         <a:p>
           <a:r>
-            <a:rPr lang="en-US" sz="1600" dirty="0">
+            <a:rPr lang="en-US" sz="2000" dirty="0">
               <a:latin typeface="Source Sans Pro" panose="020B0503030403020204" pitchFamily="34" charset="77"/>
             </a:rPr>
             <a:t>Loop Unrolling</a:t>
@@ -7030,7 +7038,7 @@
         <a:bodyPr/>
         <a:lstStyle/>
         <a:p>
-          <a:endParaRPr lang="en-US">
+          <a:endParaRPr lang="en-US" sz="2400">
             <a:latin typeface="Source Sans Pro" panose="020B0503030403020204" pitchFamily="34" charset="77"/>
           </a:endParaRPr>
         </a:p>
@@ -7043,7 +7051,7 @@
         <a:bodyPr/>
         <a:lstStyle/>
         <a:p>
-          <a:endParaRPr lang="en-US">
+          <a:endParaRPr lang="en-US" sz="2400">
             <a:latin typeface="Source Sans Pro" panose="020B0503030403020204" pitchFamily="34" charset="77"/>
           </a:endParaRPr>
         </a:p>
@@ -7057,7 +7065,7 @@
         <a:lstStyle/>
         <a:p>
           <a:r>
-            <a:rPr lang="en-US" sz="2000" b="1" dirty="0">
+            <a:rPr lang="en-US" sz="2800" b="1" dirty="0">
               <a:latin typeface="Source Sans Pro" panose="020B0503030403020204" pitchFamily="34" charset="77"/>
             </a:rPr>
             <a:t>Plasticine IR</a:t>
@@ -7072,7 +7080,7 @@
         <a:bodyPr/>
         <a:lstStyle/>
         <a:p>
-          <a:endParaRPr lang="en-US">
+          <a:endParaRPr lang="en-US" sz="2400">
             <a:latin typeface="Source Sans Pro" panose="020B0503030403020204" pitchFamily="34" charset="77"/>
           </a:endParaRPr>
         </a:p>
@@ -7085,7 +7093,7 @@
         <a:bodyPr/>
         <a:lstStyle/>
         <a:p>
-          <a:endParaRPr lang="en-US">
+          <a:endParaRPr lang="en-US" sz="2400">
             <a:latin typeface="Source Sans Pro" panose="020B0503030403020204" pitchFamily="34" charset="77"/>
           </a:endParaRPr>
         </a:p>
@@ -7099,7 +7107,7 @@
         <a:lstStyle/>
         <a:p>
           <a:r>
-            <a:rPr lang="en-US" sz="1600" dirty="0">
+            <a:rPr lang="en-US" sz="2000" dirty="0">
               <a:latin typeface="Source Sans Pro" panose="020B0503030403020204" pitchFamily="34" charset="77"/>
             </a:rPr>
             <a:t>Compute Unit Allocation and Partitioning</a:t>
@@ -7114,7 +7122,7 @@
         <a:bodyPr/>
         <a:lstStyle/>
         <a:p>
-          <a:endParaRPr lang="en-US">
+          <a:endParaRPr lang="en-US" sz="2400">
             <a:latin typeface="Source Sans Pro" panose="020B0503030403020204" pitchFamily="34" charset="77"/>
           </a:endParaRPr>
         </a:p>
@@ -7127,7 +7135,7 @@
         <a:bodyPr/>
         <a:lstStyle/>
         <a:p>
-          <a:endParaRPr lang="en-US">
+          <a:endParaRPr lang="en-US" sz="2400">
             <a:latin typeface="Source Sans Pro" panose="020B0503030403020204" pitchFamily="34" charset="77"/>
           </a:endParaRPr>
         </a:p>
@@ -7141,7 +7149,7 @@
         <a:lstStyle/>
         <a:p>
           <a:r>
-            <a:rPr lang="en-US" sz="1600" dirty="0">
+            <a:rPr lang="en-US" sz="2000" dirty="0">
               <a:latin typeface="Source Sans Pro" panose="020B0503030403020204" pitchFamily="34" charset="77"/>
             </a:rPr>
             <a:t>Control Logic Allocation</a:t>
@@ -7156,7 +7164,7 @@
         <a:bodyPr/>
         <a:lstStyle/>
         <a:p>
-          <a:endParaRPr lang="en-US">
+          <a:endParaRPr lang="en-US" sz="2400">
             <a:latin typeface="Source Sans Pro" panose="020B0503030403020204" pitchFamily="34" charset="77"/>
           </a:endParaRPr>
         </a:p>
@@ -7169,7 +7177,7 @@
         <a:bodyPr/>
         <a:lstStyle/>
         <a:p>
-          <a:endParaRPr lang="en-US">
+          <a:endParaRPr lang="en-US" sz="2400">
             <a:latin typeface="Source Sans Pro" panose="020B0503030403020204" pitchFamily="34" charset="77"/>
           </a:endParaRPr>
         </a:p>
@@ -7183,7 +7191,7 @@
         <a:lstStyle/>
         <a:p>
           <a:r>
-            <a:rPr lang="en-US" sz="2000" b="1" dirty="0">
+            <a:rPr lang="en-US" sz="2800" b="1" dirty="0">
               <a:latin typeface="Source Sans Pro" panose="020B0503030403020204" pitchFamily="34" charset="77"/>
             </a:rPr>
             <a:t>Mapping</a:t>
@@ -7198,7 +7206,7 @@
         <a:bodyPr/>
         <a:lstStyle/>
         <a:p>
-          <a:endParaRPr lang="en-US">
+          <a:endParaRPr lang="en-US" sz="2400">
             <a:latin typeface="Source Sans Pro" panose="020B0503030403020204" pitchFamily="34" charset="77"/>
           </a:endParaRPr>
         </a:p>
@@ -7211,7 +7219,7 @@
         <a:bodyPr/>
         <a:lstStyle/>
         <a:p>
-          <a:endParaRPr lang="en-US">
+          <a:endParaRPr lang="en-US" sz="2400">
             <a:latin typeface="Source Sans Pro" panose="020B0503030403020204" pitchFamily="34" charset="77"/>
           </a:endParaRPr>
         </a:p>
@@ -7225,7 +7233,7 @@
         <a:lstStyle/>
         <a:p>
           <a:r>
-            <a:rPr lang="en-US" sz="1600" dirty="0">
+            <a:rPr lang="en-US" sz="2000" dirty="0">
               <a:latin typeface="Source Sans Pro" panose="020B0503030403020204" pitchFamily="34" charset="77"/>
             </a:rPr>
             <a:t>Placement and Routing</a:t>
@@ -7240,7 +7248,7 @@
         <a:bodyPr/>
         <a:lstStyle/>
         <a:p>
-          <a:endParaRPr lang="en-US">
+          <a:endParaRPr lang="en-US" sz="2400">
             <a:latin typeface="Source Sans Pro" panose="020B0503030403020204" pitchFamily="34" charset="77"/>
           </a:endParaRPr>
         </a:p>
@@ -7253,7 +7261,7 @@
         <a:bodyPr/>
         <a:lstStyle/>
         <a:p>
-          <a:endParaRPr lang="en-US">
+          <a:endParaRPr lang="en-US" sz="2400">
             <a:latin typeface="Source Sans Pro" panose="020B0503030403020204" pitchFamily="34" charset="77"/>
           </a:endParaRPr>
         </a:p>
@@ -7267,7 +7275,7 @@
         <a:lstStyle/>
         <a:p>
           <a:r>
-            <a:rPr lang="en-US" sz="1600" dirty="0">
+            <a:rPr lang="en-US" sz="2000" dirty="0">
               <a:latin typeface="Source Sans Pro" panose="020B0503030403020204" pitchFamily="34" charset="77"/>
             </a:rPr>
             <a:t>VC Allocation</a:t>
@@ -7282,7 +7290,7 @@
         <a:bodyPr/>
         <a:lstStyle/>
         <a:p>
-          <a:endParaRPr lang="en-US">
+          <a:endParaRPr lang="en-US" sz="2400">
             <a:latin typeface="Source Sans Pro" panose="020B0503030403020204" pitchFamily="34" charset="77"/>
           </a:endParaRPr>
         </a:p>
@@ -7295,7 +7303,7 @@
         <a:bodyPr/>
         <a:lstStyle/>
         <a:p>
-          <a:endParaRPr lang="en-US">
+          <a:endParaRPr lang="en-US" sz="2400">
             <a:latin typeface="Source Sans Pro" panose="020B0503030403020204" pitchFamily="34" charset="77"/>
           </a:endParaRPr>
         </a:p>
@@ -7309,7 +7317,7 @@
         <a:lstStyle/>
         <a:p>
           <a:r>
-            <a:rPr lang="en-US" sz="2000" b="1" dirty="0">
+            <a:rPr lang="en-US" sz="2800" b="1" dirty="0">
               <a:latin typeface="Source Sans Pro" panose="020B0503030403020204" pitchFamily="34" charset="77"/>
             </a:rPr>
             <a:t>Simulation</a:t>
@@ -7324,7 +7332,7 @@
         <a:bodyPr/>
         <a:lstStyle/>
         <a:p>
-          <a:endParaRPr lang="en-US">
+          <a:endParaRPr lang="en-US" sz="2400">
             <a:latin typeface="Source Sans Pro" panose="020B0503030403020204" pitchFamily="34" charset="77"/>
           </a:endParaRPr>
         </a:p>
@@ -7337,7 +7345,7 @@
         <a:bodyPr/>
         <a:lstStyle/>
         <a:p>
-          <a:endParaRPr lang="en-US">
+          <a:endParaRPr lang="en-US" sz="2400">
             <a:latin typeface="Source Sans Pro" panose="020B0503030403020204" pitchFamily="34" charset="77"/>
           </a:endParaRPr>
         </a:p>
@@ -7351,7 +7359,7 @@
         <a:lstStyle/>
         <a:p>
           <a:r>
-            <a:rPr lang="en-US" sz="1600" dirty="0">
+            <a:rPr lang="en-US" sz="2000" dirty="0">
               <a:latin typeface="Source Sans Pro" panose="020B0503030403020204" pitchFamily="34" charset="77"/>
             </a:rPr>
             <a:t>Fast Cycle Accurate Control Simulation</a:t>
@@ -7366,7 +7374,7 @@
         <a:bodyPr/>
         <a:lstStyle/>
         <a:p>
-          <a:endParaRPr lang="en-US">
+          <a:endParaRPr lang="en-US" sz="2400">
             <a:latin typeface="Source Sans Pro" panose="020B0503030403020204" pitchFamily="34" charset="77"/>
           </a:endParaRPr>
         </a:p>
@@ -7379,7 +7387,7 @@
         <a:bodyPr/>
         <a:lstStyle/>
         <a:p>
-          <a:endParaRPr lang="en-US">
+          <a:endParaRPr lang="en-US" sz="2400">
             <a:latin typeface="Source Sans Pro" panose="020B0503030403020204" pitchFamily="34" charset="77"/>
           </a:endParaRPr>
         </a:p>
@@ -7393,30 +7401,30 @@
         <a:lstStyle/>
         <a:p>
           <a:r>
-            <a:rPr lang="en-US" sz="1600" dirty="0">
+            <a:rPr lang="en-US" sz="2000" dirty="0">
               <a:latin typeface="Source Sans Pro" panose="020B0503030403020204" pitchFamily="34" charset="77"/>
             </a:rPr>
             <a:t>Integrated with </a:t>
           </a:r>
           <a:r>
-            <a:rPr lang="en-US" sz="1600" dirty="0" err="1">
+            <a:rPr lang="en-US" sz="2000" dirty="0" err="1">
               <a:latin typeface="Source Sans Pro" panose="020B0503030403020204" pitchFamily="34" charset="77"/>
             </a:rPr>
             <a:t>DRAMSim</a:t>
           </a:r>
           <a:r>
-            <a:rPr lang="en-US" sz="1600" dirty="0">
+            <a:rPr lang="en-US" sz="2000" dirty="0">
               <a:latin typeface="Source Sans Pro" panose="020B0503030403020204" pitchFamily="34" charset="77"/>
             </a:rPr>
             <a:t> and </a:t>
           </a:r>
           <a:r>
-            <a:rPr lang="en-US" sz="1600" dirty="0" err="1">
+            <a:rPr lang="en-US" sz="2000" dirty="0" err="1">
               <a:latin typeface="Source Sans Pro" panose="020B0503030403020204" pitchFamily="34" charset="77"/>
             </a:rPr>
             <a:t>BookSim</a:t>
           </a:r>
-          <a:endParaRPr lang="en-US" sz="1600" dirty="0">
+          <a:endParaRPr lang="en-US" sz="2000" dirty="0">
             <a:latin typeface="Source Sans Pro" panose="020B0503030403020204" pitchFamily="34" charset="77"/>
           </a:endParaRPr>
         </a:p>
@@ -7429,7 +7437,7 @@
         <a:bodyPr/>
         <a:lstStyle/>
         <a:p>
-          <a:endParaRPr lang="en-US">
+          <a:endParaRPr lang="en-US" sz="2400">
             <a:latin typeface="Source Sans Pro" panose="020B0503030403020204" pitchFamily="34" charset="77"/>
           </a:endParaRPr>
         </a:p>
@@ -7442,7 +7450,7 @@
         <a:bodyPr/>
         <a:lstStyle/>
         <a:p>
-          <a:endParaRPr lang="en-US">
+          <a:endParaRPr lang="en-US" sz="2400">
             <a:latin typeface="Source Sans Pro" panose="020B0503030403020204" pitchFamily="34" charset="77"/>
           </a:endParaRPr>
         </a:p>
@@ -7458,7 +7466,7 @@
       <dgm:spPr/>
     </dgm:pt>
     <dgm:pt modelId="{7F321D06-88EA-964A-A449-06F05C2C6941}" type="pres">
-      <dgm:prSet presAssocID="{1FF27E07-8665-C945-9297-D904B93FFF1D}" presName="arrow" presStyleLbl="bgShp" presStyleIdx="0" presStyleCnt="1"/>
+      <dgm:prSet presAssocID="{1FF27E07-8665-C945-9297-D904B93FFF1D}" presName="arrow" presStyleLbl="bgShp" presStyleIdx="0" presStyleCnt="1" custScaleX="108427"/>
       <dgm:spPr/>
     </dgm:pt>
     <dgm:pt modelId="{8B281EE0-F8DC-B44E-8BFE-1BD5787D4A1D}" type="pres">
@@ -10861,8 +10869,8 @@
       </dsp:nvSpPr>
       <dsp:spPr>
         <a:xfrm>
-          <a:off x="875029" y="0"/>
-          <a:ext cx="9917006" cy="3903134"/>
+          <a:off x="457176" y="0"/>
+          <a:ext cx="10752712" cy="6866466"/>
         </a:xfrm>
         <a:prstGeom prst="rightArrow">
           <a:avLst/>
@@ -10901,8 +10909,8 @@
       </dsp:nvSpPr>
       <dsp:spPr>
         <a:xfrm>
-          <a:off x="4130" y="1170940"/>
-          <a:ext cx="2628009" cy="1561253"/>
+          <a:off x="3987" y="2059939"/>
+          <a:ext cx="2590908" cy="2746586"/>
         </a:xfrm>
         <a:prstGeom prst="roundRect">
           <a:avLst/>
@@ -10944,12 +10952,12 @@
         </a:fontRef>
       </dsp:style>
       <dsp:txBody>
-        <a:bodyPr spcFirstLastPara="0" vert="horz" wrap="square" lIns="76200" tIns="76200" rIns="76200" bIns="76200" numCol="1" spcCol="1270" anchor="t" anchorCtr="0">
+        <a:bodyPr spcFirstLastPara="0" vert="horz" wrap="square" lIns="106680" tIns="106680" rIns="106680" bIns="106680" numCol="1" spcCol="1270" anchor="t" anchorCtr="0">
           <a:noAutofit/>
         </a:bodyPr>
         <a:lstStyle/>
         <a:p>
-          <a:pPr marL="0" lvl="0" indent="0" algn="l" defTabSz="889000">
+          <a:pPr marL="0" lvl="0" indent="0" algn="l" defTabSz="1244600">
             <a:lnSpc>
               <a:spcPct val="90000"/>
             </a:lnSpc>
@@ -10962,14 +10970,14 @@
             <a:buNone/>
           </a:pPr>
           <a:r>
-            <a:rPr lang="en-US" sz="2000" b="1" kern="1200" dirty="0">
+            <a:rPr lang="en-US" sz="2800" b="1" kern="1200" dirty="0">
               <a:latin typeface="Source Sans Pro" panose="020B0503030403020204" pitchFamily="34" charset="77"/>
             </a:rPr>
             <a:t>Spatial</a:t>
           </a:r>
         </a:p>
         <a:p>
-          <a:pPr marL="171450" lvl="1" indent="-171450" algn="l" defTabSz="711200">
+          <a:pPr marL="228600" lvl="1" indent="-228600" algn="l" defTabSz="889000">
             <a:lnSpc>
               <a:spcPct val="90000"/>
             </a:lnSpc>
@@ -10982,14 +10990,14 @@
             <a:buChar char="•"/>
           </a:pPr>
           <a:r>
-            <a:rPr lang="en-US" sz="1600" kern="1200" dirty="0">
+            <a:rPr lang="en-US" sz="2000" kern="1200" dirty="0">
               <a:latin typeface="Source Sans Pro" panose="020B0503030403020204" pitchFamily="34" charset="77"/>
             </a:rPr>
             <a:t>Banking + Buffering</a:t>
           </a:r>
         </a:p>
         <a:p>
-          <a:pPr marL="171450" lvl="1" indent="-171450" algn="l" defTabSz="711200">
+          <a:pPr marL="228600" lvl="1" indent="-228600" algn="l" defTabSz="889000">
             <a:lnSpc>
               <a:spcPct val="90000"/>
             </a:lnSpc>
@@ -11002,7 +11010,7 @@
             <a:buChar char="•"/>
           </a:pPr>
           <a:r>
-            <a:rPr lang="en-US" sz="1600" kern="1200" dirty="0">
+            <a:rPr lang="en-US" sz="2000" kern="1200" dirty="0">
               <a:latin typeface="Source Sans Pro" panose="020B0503030403020204" pitchFamily="34" charset="77"/>
             </a:rPr>
             <a:t>Loop Unrolling</a:t>
@@ -11010,8 +11018,8 @@
         </a:p>
       </dsp:txBody>
       <dsp:txXfrm>
-        <a:off x="80344" y="1247154"/>
-        <a:ext cx="2475581" cy="1408825"/>
+        <a:off x="130465" y="2186417"/>
+        <a:ext cx="2337952" cy="2493630"/>
       </dsp:txXfrm>
     </dsp:sp>
     <dsp:sp modelId="{0D297AB3-DCFC-914C-9557-A9A6C7F0C4D4}">
@@ -11021,8 +11029,8 @@
       </dsp:nvSpPr>
       <dsp:spPr>
         <a:xfrm>
-          <a:off x="3014395" y="1170940"/>
-          <a:ext cx="2628009" cy="1561253"/>
+          <a:off x="3026714" y="2059939"/>
+          <a:ext cx="2590908" cy="2746586"/>
         </a:xfrm>
         <a:prstGeom prst="roundRect">
           <a:avLst/>
@@ -11064,12 +11072,12 @@
         </a:fontRef>
       </dsp:style>
       <dsp:txBody>
-        <a:bodyPr spcFirstLastPara="0" vert="horz" wrap="square" lIns="76200" tIns="76200" rIns="76200" bIns="76200" numCol="1" spcCol="1270" anchor="t" anchorCtr="0">
+        <a:bodyPr spcFirstLastPara="0" vert="horz" wrap="square" lIns="106680" tIns="106680" rIns="106680" bIns="106680" numCol="1" spcCol="1270" anchor="t" anchorCtr="0">
           <a:noAutofit/>
         </a:bodyPr>
         <a:lstStyle/>
         <a:p>
-          <a:pPr marL="0" lvl="0" indent="0" algn="l" defTabSz="889000">
+          <a:pPr marL="0" lvl="0" indent="0" algn="l" defTabSz="1244600">
             <a:lnSpc>
               <a:spcPct val="90000"/>
             </a:lnSpc>
@@ -11082,14 +11090,14 @@
             <a:buNone/>
           </a:pPr>
           <a:r>
-            <a:rPr lang="en-US" sz="2000" b="1" kern="1200" dirty="0">
+            <a:rPr lang="en-US" sz="2800" b="1" kern="1200" dirty="0">
               <a:latin typeface="Source Sans Pro" panose="020B0503030403020204" pitchFamily="34" charset="77"/>
             </a:rPr>
             <a:t>Plasticine IR</a:t>
           </a:r>
         </a:p>
         <a:p>
-          <a:pPr marL="171450" lvl="1" indent="-171450" algn="l" defTabSz="711200">
+          <a:pPr marL="228600" lvl="1" indent="-228600" algn="l" defTabSz="889000">
             <a:lnSpc>
               <a:spcPct val="90000"/>
             </a:lnSpc>
@@ -11102,14 +11110,14 @@
             <a:buChar char="•"/>
           </a:pPr>
           <a:r>
-            <a:rPr lang="en-US" sz="1600" kern="1200" dirty="0">
+            <a:rPr lang="en-US" sz="2000" kern="1200" dirty="0">
               <a:latin typeface="Source Sans Pro" panose="020B0503030403020204" pitchFamily="34" charset="77"/>
             </a:rPr>
             <a:t>Compute Unit Allocation and Partitioning</a:t>
           </a:r>
         </a:p>
         <a:p>
-          <a:pPr marL="171450" lvl="1" indent="-171450" algn="l" defTabSz="711200">
+          <a:pPr marL="228600" lvl="1" indent="-228600" algn="l" defTabSz="889000">
             <a:lnSpc>
               <a:spcPct val="90000"/>
             </a:lnSpc>
@@ -11122,7 +11130,7 @@
             <a:buChar char="•"/>
           </a:pPr>
           <a:r>
-            <a:rPr lang="en-US" sz="1600" kern="1200" dirty="0">
+            <a:rPr lang="en-US" sz="2000" kern="1200" dirty="0">
               <a:latin typeface="Source Sans Pro" panose="020B0503030403020204" pitchFamily="34" charset="77"/>
             </a:rPr>
             <a:t>Control Logic Allocation</a:t>
@@ -11130,8 +11138,8 @@
         </a:p>
       </dsp:txBody>
       <dsp:txXfrm>
-        <a:off x="3090609" y="1247154"/>
-        <a:ext cx="2475581" cy="1408825"/>
+        <a:off x="3153192" y="2186417"/>
+        <a:ext cx="2337952" cy="2493630"/>
       </dsp:txXfrm>
     </dsp:sp>
     <dsp:sp modelId="{A344AAB6-699E-9540-AD34-59F6011B61B0}">
@@ -11141,8 +11149,8 @@
       </dsp:nvSpPr>
       <dsp:spPr>
         <a:xfrm>
-          <a:off x="6024660" y="1170940"/>
-          <a:ext cx="2628009" cy="1561253"/>
+          <a:off x="6049442" y="2059939"/>
+          <a:ext cx="2590908" cy="2746586"/>
         </a:xfrm>
         <a:prstGeom prst="roundRect">
           <a:avLst/>
@@ -11184,12 +11192,12 @@
         </a:fontRef>
       </dsp:style>
       <dsp:txBody>
-        <a:bodyPr spcFirstLastPara="0" vert="horz" wrap="square" lIns="76200" tIns="76200" rIns="76200" bIns="76200" numCol="1" spcCol="1270" anchor="t" anchorCtr="0">
+        <a:bodyPr spcFirstLastPara="0" vert="horz" wrap="square" lIns="106680" tIns="106680" rIns="106680" bIns="106680" numCol="1" spcCol="1270" anchor="t" anchorCtr="0">
           <a:noAutofit/>
         </a:bodyPr>
         <a:lstStyle/>
         <a:p>
-          <a:pPr marL="0" lvl="0" indent="0" algn="l" defTabSz="889000">
+          <a:pPr marL="0" lvl="0" indent="0" algn="l" defTabSz="1244600">
             <a:lnSpc>
               <a:spcPct val="90000"/>
             </a:lnSpc>
@@ -11202,14 +11210,14 @@
             <a:buNone/>
           </a:pPr>
           <a:r>
-            <a:rPr lang="en-US" sz="2000" b="1" kern="1200" dirty="0">
+            <a:rPr lang="en-US" sz="2800" b="1" kern="1200" dirty="0">
               <a:latin typeface="Source Sans Pro" panose="020B0503030403020204" pitchFamily="34" charset="77"/>
             </a:rPr>
             <a:t>Mapping</a:t>
           </a:r>
         </a:p>
         <a:p>
-          <a:pPr marL="171450" lvl="1" indent="-171450" algn="l" defTabSz="711200">
+          <a:pPr marL="228600" lvl="1" indent="-228600" algn="l" defTabSz="889000">
             <a:lnSpc>
               <a:spcPct val="90000"/>
             </a:lnSpc>
@@ -11222,14 +11230,14 @@
             <a:buChar char="•"/>
           </a:pPr>
           <a:r>
-            <a:rPr lang="en-US" sz="1600" kern="1200" dirty="0">
+            <a:rPr lang="en-US" sz="2000" kern="1200" dirty="0">
               <a:latin typeface="Source Sans Pro" panose="020B0503030403020204" pitchFamily="34" charset="77"/>
             </a:rPr>
             <a:t>Placement and Routing</a:t>
           </a:r>
         </a:p>
         <a:p>
-          <a:pPr marL="171450" lvl="1" indent="-171450" algn="l" defTabSz="711200">
+          <a:pPr marL="228600" lvl="1" indent="-228600" algn="l" defTabSz="889000">
             <a:lnSpc>
               <a:spcPct val="90000"/>
             </a:lnSpc>
@@ -11242,7 +11250,7 @@
             <a:buChar char="•"/>
           </a:pPr>
           <a:r>
-            <a:rPr lang="en-US" sz="1600" kern="1200" dirty="0">
+            <a:rPr lang="en-US" sz="2000" kern="1200" dirty="0">
               <a:latin typeface="Source Sans Pro" panose="020B0503030403020204" pitchFamily="34" charset="77"/>
             </a:rPr>
             <a:t>VC Allocation</a:t>
@@ -11250,8 +11258,8 @@
         </a:p>
       </dsp:txBody>
       <dsp:txXfrm>
-        <a:off x="6100874" y="1247154"/>
-        <a:ext cx="2475581" cy="1408825"/>
+        <a:off x="6175920" y="2186417"/>
+        <a:ext cx="2337952" cy="2493630"/>
       </dsp:txXfrm>
     </dsp:sp>
     <dsp:sp modelId="{1A9B96BC-57CD-C543-8A37-C32EA988B85E}">
@@ -11261,8 +11269,8 @@
       </dsp:nvSpPr>
       <dsp:spPr>
         <a:xfrm>
-          <a:off x="9034926" y="1170940"/>
-          <a:ext cx="2628009" cy="1561253"/>
+          <a:off x="9072169" y="2059939"/>
+          <a:ext cx="2590908" cy="2746586"/>
         </a:xfrm>
         <a:prstGeom prst="roundRect">
           <a:avLst/>
@@ -11304,12 +11312,12 @@
         </a:fontRef>
       </dsp:style>
       <dsp:txBody>
-        <a:bodyPr spcFirstLastPara="0" vert="horz" wrap="square" lIns="76200" tIns="76200" rIns="76200" bIns="76200" numCol="1" spcCol="1270" anchor="t" anchorCtr="0">
+        <a:bodyPr spcFirstLastPara="0" vert="horz" wrap="square" lIns="106680" tIns="106680" rIns="106680" bIns="106680" numCol="1" spcCol="1270" anchor="t" anchorCtr="0">
           <a:noAutofit/>
         </a:bodyPr>
         <a:lstStyle/>
         <a:p>
-          <a:pPr marL="0" lvl="0" indent="0" algn="l" defTabSz="889000">
+          <a:pPr marL="0" lvl="0" indent="0" algn="l" defTabSz="1244600">
             <a:lnSpc>
               <a:spcPct val="90000"/>
             </a:lnSpc>
@@ -11322,14 +11330,14 @@
             <a:buNone/>
           </a:pPr>
           <a:r>
-            <a:rPr lang="en-US" sz="2000" b="1" kern="1200" dirty="0">
+            <a:rPr lang="en-US" sz="2800" b="1" kern="1200" dirty="0">
               <a:latin typeface="Source Sans Pro" panose="020B0503030403020204" pitchFamily="34" charset="77"/>
             </a:rPr>
             <a:t>Simulation</a:t>
           </a:r>
         </a:p>
         <a:p>
-          <a:pPr marL="171450" lvl="1" indent="-171450" algn="l" defTabSz="711200">
+          <a:pPr marL="228600" lvl="1" indent="-228600" algn="l" defTabSz="889000">
             <a:lnSpc>
               <a:spcPct val="90000"/>
             </a:lnSpc>
@@ -11342,14 +11350,14 @@
             <a:buChar char="•"/>
           </a:pPr>
           <a:r>
-            <a:rPr lang="en-US" sz="1600" kern="1200" dirty="0">
+            <a:rPr lang="en-US" sz="2000" kern="1200" dirty="0">
               <a:latin typeface="Source Sans Pro" panose="020B0503030403020204" pitchFamily="34" charset="77"/>
             </a:rPr>
             <a:t>Fast Cycle Accurate Control Simulation</a:t>
           </a:r>
         </a:p>
         <a:p>
-          <a:pPr marL="171450" lvl="1" indent="-171450" algn="l" defTabSz="711200">
+          <a:pPr marL="228600" lvl="1" indent="-228600" algn="l" defTabSz="889000">
             <a:lnSpc>
               <a:spcPct val="90000"/>
             </a:lnSpc>
@@ -11362,37 +11370,37 @@
             <a:buChar char="•"/>
           </a:pPr>
           <a:r>
-            <a:rPr lang="en-US" sz="1600" kern="1200" dirty="0">
+            <a:rPr lang="en-US" sz="2000" kern="1200" dirty="0">
               <a:latin typeface="Source Sans Pro" panose="020B0503030403020204" pitchFamily="34" charset="77"/>
             </a:rPr>
             <a:t>Integrated with </a:t>
           </a:r>
           <a:r>
-            <a:rPr lang="en-US" sz="1600" kern="1200" dirty="0" err="1">
+            <a:rPr lang="en-US" sz="2000" kern="1200" dirty="0" err="1">
               <a:latin typeface="Source Sans Pro" panose="020B0503030403020204" pitchFamily="34" charset="77"/>
             </a:rPr>
             <a:t>DRAMSim</a:t>
           </a:r>
           <a:r>
-            <a:rPr lang="en-US" sz="1600" kern="1200" dirty="0">
+            <a:rPr lang="en-US" sz="2000" kern="1200" dirty="0">
               <a:latin typeface="Source Sans Pro" panose="020B0503030403020204" pitchFamily="34" charset="77"/>
             </a:rPr>
             <a:t> and </a:t>
           </a:r>
           <a:r>
-            <a:rPr lang="en-US" sz="1600" kern="1200" dirty="0" err="1">
+            <a:rPr lang="en-US" sz="2000" kern="1200" dirty="0" err="1">
               <a:latin typeface="Source Sans Pro" panose="020B0503030403020204" pitchFamily="34" charset="77"/>
             </a:rPr>
             <a:t>BookSim</a:t>
           </a:r>
-          <a:endParaRPr lang="en-US" sz="1600" kern="1200" dirty="0">
+          <a:endParaRPr lang="en-US" sz="2000" kern="1200" dirty="0">
             <a:latin typeface="Source Sans Pro" panose="020B0503030403020204" pitchFamily="34" charset="77"/>
           </a:endParaRPr>
         </a:p>
       </dsp:txBody>
       <dsp:txXfrm>
-        <a:off x="9111140" y="1247154"/>
-        <a:ext cx="2475581" cy="1408825"/>
+        <a:off x="9198647" y="2186417"/>
+        <a:ext cx="2337952" cy="2493630"/>
       </dsp:txXfrm>
     </dsp:sp>
   </dsp:spTree>
@@ -18794,6 +18802,439 @@
 </dgm:styleDef>
 </file>
 
+<file path=ppt/notesMasters/notesMaster1.xml><?xml version="1.0" encoding="utf-8"?>
+<p:notesMaster xmlns:a="http://schemas.openxmlformats.org/drawingml/2006/main" xmlns:r="http://schemas.openxmlformats.org/officeDocument/2006/relationships" xmlns:p="http://schemas.openxmlformats.org/presentationml/2006/main">
+  <p:cSld>
+    <p:bg>
+      <p:bgRef idx="1001">
+        <a:schemeClr val="bg1"/>
+      </p:bgRef>
+    </p:bg>
+    <p:spTree>
+      <p:nvGrpSpPr>
+        <p:cNvPr id="1" name=""/>
+        <p:cNvGrpSpPr/>
+        <p:nvPr/>
+      </p:nvGrpSpPr>
+      <p:grpSpPr>
+        <a:xfrm>
+          <a:off x="0" y="0"/>
+          <a:ext cx="0" cy="0"/>
+          <a:chOff x="0" y="0"/>
+          <a:chExt cx="0" cy="0"/>
+        </a:xfrm>
+      </p:grpSpPr>
+      <p:sp>
+        <p:nvSpPr>
+          <p:cNvPr id="2" name="Header Placeholder 1"/>
+          <p:cNvSpPr>
+            <a:spLocks noGrp="1"/>
+          </p:cNvSpPr>
+          <p:nvPr>
+            <p:ph type="hdr" sz="quarter"/>
+          </p:nvPr>
+        </p:nvSpPr>
+        <p:spPr>
+          <a:xfrm>
+            <a:off x="0" y="0"/>
+            <a:ext cx="2971800" cy="458788"/>
+          </a:xfrm>
+          <a:prstGeom prst="rect">
+            <a:avLst/>
+          </a:prstGeom>
+        </p:spPr>
+        <p:txBody>
+          <a:bodyPr vert="horz" lIns="91440" tIns="45720" rIns="91440" bIns="45720" rtlCol="0"/>
+          <a:lstStyle>
+            <a:lvl1pPr algn="l">
+              <a:defRPr sz="1200"/>
+            </a:lvl1pPr>
+          </a:lstStyle>
+          <a:p>
+            <a:endParaRPr lang="en-US"/>
+          </a:p>
+        </p:txBody>
+      </p:sp>
+      <p:sp>
+        <p:nvSpPr>
+          <p:cNvPr id="3" name="Date Placeholder 2"/>
+          <p:cNvSpPr>
+            <a:spLocks noGrp="1"/>
+          </p:cNvSpPr>
+          <p:nvPr>
+            <p:ph type="dt" idx="1"/>
+          </p:nvPr>
+        </p:nvSpPr>
+        <p:spPr>
+          <a:xfrm>
+            <a:off x="3884613" y="0"/>
+            <a:ext cx="2971800" cy="458788"/>
+          </a:xfrm>
+          <a:prstGeom prst="rect">
+            <a:avLst/>
+          </a:prstGeom>
+        </p:spPr>
+        <p:txBody>
+          <a:bodyPr vert="horz" lIns="91440" tIns="45720" rIns="91440" bIns="45720" rtlCol="0"/>
+          <a:lstStyle>
+            <a:lvl1pPr algn="r">
+              <a:defRPr sz="1200"/>
+            </a:lvl1pPr>
+          </a:lstStyle>
+          <a:p>
+            <a:fld id="{7A42072F-3F53-2D47-B28A-DE283BEF777E}" type="datetimeFigureOut">
+              <a:rPr lang="en-US" smtClean="0"/>
+              <a:t>9/11/18</a:t>
+            </a:fld>
+            <a:endParaRPr lang="en-US"/>
+          </a:p>
+        </p:txBody>
+      </p:sp>
+      <p:sp>
+        <p:nvSpPr>
+          <p:cNvPr id="4" name="Slide Image Placeholder 3"/>
+          <p:cNvSpPr>
+            <a:spLocks noGrp="1" noRot="1" noChangeAspect="1"/>
+          </p:cNvSpPr>
+          <p:nvPr>
+            <p:ph type="sldImg" idx="2"/>
+          </p:nvPr>
+        </p:nvSpPr>
+        <p:spPr>
+          <a:xfrm>
+            <a:off x="685800" y="1143000"/>
+            <a:ext cx="5486400" cy="3086100"/>
+          </a:xfrm>
+          <a:prstGeom prst="rect">
+            <a:avLst/>
+          </a:prstGeom>
+          <a:noFill/>
+          <a:ln w="12700">
+            <a:solidFill>
+              <a:prstClr val="black"/>
+            </a:solidFill>
+          </a:ln>
+        </p:spPr>
+        <p:txBody>
+          <a:bodyPr vert="horz" lIns="91440" tIns="45720" rIns="91440" bIns="45720" rtlCol="0" anchor="ctr"/>
+          <a:lstStyle/>
+          <a:p>
+            <a:endParaRPr lang="en-US"/>
+          </a:p>
+        </p:txBody>
+      </p:sp>
+      <p:sp>
+        <p:nvSpPr>
+          <p:cNvPr id="5" name="Notes Placeholder 4"/>
+          <p:cNvSpPr>
+            <a:spLocks noGrp="1"/>
+          </p:cNvSpPr>
+          <p:nvPr>
+            <p:ph type="body" sz="quarter" idx="3"/>
+          </p:nvPr>
+        </p:nvSpPr>
+        <p:spPr>
+          <a:xfrm>
+            <a:off x="685800" y="4400550"/>
+            <a:ext cx="5486400" cy="3600450"/>
+          </a:xfrm>
+          <a:prstGeom prst="rect">
+            <a:avLst/>
+          </a:prstGeom>
+        </p:spPr>
+        <p:txBody>
+          <a:bodyPr vert="horz" lIns="91440" tIns="45720" rIns="91440" bIns="45720" rtlCol="0"/>
+          <a:lstStyle/>
+          <a:p>
+            <a:pPr lvl="0"/>
+            <a:r>
+              <a:rPr lang="en-US"/>
+              <a:t>Edit Master text styles</a:t>
+            </a:r>
+          </a:p>
+          <a:p>
+            <a:pPr lvl="1"/>
+            <a:r>
+              <a:rPr lang="en-US"/>
+              <a:t>Second level</a:t>
+            </a:r>
+          </a:p>
+          <a:p>
+            <a:pPr lvl="2"/>
+            <a:r>
+              <a:rPr lang="en-US"/>
+              <a:t>Third level</a:t>
+            </a:r>
+          </a:p>
+          <a:p>
+            <a:pPr lvl="3"/>
+            <a:r>
+              <a:rPr lang="en-US"/>
+              <a:t>Fourth level</a:t>
+            </a:r>
+          </a:p>
+          <a:p>
+            <a:pPr lvl="4"/>
+            <a:r>
+              <a:rPr lang="en-US"/>
+              <a:t>Fifth level</a:t>
+            </a:r>
+          </a:p>
+        </p:txBody>
+      </p:sp>
+      <p:sp>
+        <p:nvSpPr>
+          <p:cNvPr id="6" name="Footer Placeholder 5"/>
+          <p:cNvSpPr>
+            <a:spLocks noGrp="1"/>
+          </p:cNvSpPr>
+          <p:nvPr>
+            <p:ph type="ftr" sz="quarter" idx="4"/>
+          </p:nvPr>
+        </p:nvSpPr>
+        <p:spPr>
+          <a:xfrm>
+            <a:off x="0" y="8685213"/>
+            <a:ext cx="2971800" cy="458787"/>
+          </a:xfrm>
+          <a:prstGeom prst="rect">
+            <a:avLst/>
+          </a:prstGeom>
+        </p:spPr>
+        <p:txBody>
+          <a:bodyPr vert="horz" lIns="91440" tIns="45720" rIns="91440" bIns="45720" rtlCol="0" anchor="b"/>
+          <a:lstStyle>
+            <a:lvl1pPr algn="l">
+              <a:defRPr sz="1200"/>
+            </a:lvl1pPr>
+          </a:lstStyle>
+          <a:p>
+            <a:endParaRPr lang="en-US"/>
+          </a:p>
+        </p:txBody>
+      </p:sp>
+      <p:sp>
+        <p:nvSpPr>
+          <p:cNvPr id="7" name="Slide Number Placeholder 6"/>
+          <p:cNvSpPr>
+            <a:spLocks noGrp="1"/>
+          </p:cNvSpPr>
+          <p:nvPr>
+            <p:ph type="sldNum" sz="quarter" idx="5"/>
+          </p:nvPr>
+        </p:nvSpPr>
+        <p:spPr>
+          <a:xfrm>
+            <a:off x="3884613" y="8685213"/>
+            <a:ext cx="2971800" cy="458787"/>
+          </a:xfrm>
+          <a:prstGeom prst="rect">
+            <a:avLst/>
+          </a:prstGeom>
+        </p:spPr>
+        <p:txBody>
+          <a:bodyPr vert="horz" lIns="91440" tIns="45720" rIns="91440" bIns="45720" rtlCol="0" anchor="b"/>
+          <a:lstStyle>
+            <a:lvl1pPr algn="r">
+              <a:defRPr sz="1200"/>
+            </a:lvl1pPr>
+          </a:lstStyle>
+          <a:p>
+            <a:fld id="{878EC928-24A1-4D42-97E8-66937E0B1D07}" type="slidenum">
+              <a:rPr lang="en-US" smtClean="0"/>
+              <a:t>‹#›</a:t>
+            </a:fld>
+            <a:endParaRPr lang="en-US"/>
+          </a:p>
+        </p:txBody>
+      </p:sp>
+    </p:spTree>
+    <p:extLst>
+      <p:ext uri="{BB962C8B-B14F-4D97-AF65-F5344CB8AC3E}">
+        <p14:creationId xmlns:p14="http://schemas.microsoft.com/office/powerpoint/2010/main" val="2822319475"/>
+      </p:ext>
+    </p:extLst>
+  </p:cSld>
+  <p:clrMap bg1="lt1" tx1="dk1" bg2="lt2" tx2="dk2" accent1="accent1" accent2="accent2" accent3="accent3" accent4="accent4" accent5="accent5" accent6="accent6" hlink="hlink" folHlink="folHlink"/>
+  <p:notesStyle>
+    <a:lvl1pPr marL="0" algn="l" defTabSz="914400" rtl="0" eaLnBrk="1" latinLnBrk="0" hangingPunct="1">
+      <a:defRPr sz="1200" kern="1200">
+        <a:solidFill>
+          <a:schemeClr val="tx1"/>
+        </a:solidFill>
+        <a:latin typeface="+mn-lt"/>
+        <a:ea typeface="+mn-ea"/>
+        <a:cs typeface="+mn-cs"/>
+      </a:defRPr>
+    </a:lvl1pPr>
+    <a:lvl2pPr marL="457200" algn="l" defTabSz="914400" rtl="0" eaLnBrk="1" latinLnBrk="0" hangingPunct="1">
+      <a:defRPr sz="1200" kern="1200">
+        <a:solidFill>
+          <a:schemeClr val="tx1"/>
+        </a:solidFill>
+        <a:latin typeface="+mn-lt"/>
+        <a:ea typeface="+mn-ea"/>
+        <a:cs typeface="+mn-cs"/>
+      </a:defRPr>
+    </a:lvl2pPr>
+    <a:lvl3pPr marL="914400" algn="l" defTabSz="914400" rtl="0" eaLnBrk="1" latinLnBrk="0" hangingPunct="1">
+      <a:defRPr sz="1200" kern="1200">
+        <a:solidFill>
+          <a:schemeClr val="tx1"/>
+        </a:solidFill>
+        <a:latin typeface="+mn-lt"/>
+        <a:ea typeface="+mn-ea"/>
+        <a:cs typeface="+mn-cs"/>
+      </a:defRPr>
+    </a:lvl3pPr>
+    <a:lvl4pPr marL="1371600" algn="l" defTabSz="914400" rtl="0" eaLnBrk="1" latinLnBrk="0" hangingPunct="1">
+      <a:defRPr sz="1200" kern="1200">
+        <a:solidFill>
+          <a:schemeClr val="tx1"/>
+        </a:solidFill>
+        <a:latin typeface="+mn-lt"/>
+        <a:ea typeface="+mn-ea"/>
+        <a:cs typeface="+mn-cs"/>
+      </a:defRPr>
+    </a:lvl4pPr>
+    <a:lvl5pPr marL="1828800" algn="l" defTabSz="914400" rtl="0" eaLnBrk="1" latinLnBrk="0" hangingPunct="1">
+      <a:defRPr sz="1200" kern="1200">
+        <a:solidFill>
+          <a:schemeClr val="tx1"/>
+        </a:solidFill>
+        <a:latin typeface="+mn-lt"/>
+        <a:ea typeface="+mn-ea"/>
+        <a:cs typeface="+mn-cs"/>
+      </a:defRPr>
+    </a:lvl5pPr>
+    <a:lvl6pPr marL="2286000" algn="l" defTabSz="914400" rtl="0" eaLnBrk="1" latinLnBrk="0" hangingPunct="1">
+      <a:defRPr sz="1200" kern="1200">
+        <a:solidFill>
+          <a:schemeClr val="tx1"/>
+        </a:solidFill>
+        <a:latin typeface="+mn-lt"/>
+        <a:ea typeface="+mn-ea"/>
+        <a:cs typeface="+mn-cs"/>
+      </a:defRPr>
+    </a:lvl6pPr>
+    <a:lvl7pPr marL="2743200" algn="l" defTabSz="914400" rtl="0" eaLnBrk="1" latinLnBrk="0" hangingPunct="1">
+      <a:defRPr sz="1200" kern="1200">
+        <a:solidFill>
+          <a:schemeClr val="tx1"/>
+        </a:solidFill>
+        <a:latin typeface="+mn-lt"/>
+        <a:ea typeface="+mn-ea"/>
+        <a:cs typeface="+mn-cs"/>
+      </a:defRPr>
+    </a:lvl7pPr>
+    <a:lvl8pPr marL="3200400" algn="l" defTabSz="914400" rtl="0" eaLnBrk="1" latinLnBrk="0" hangingPunct="1">
+      <a:defRPr sz="1200" kern="1200">
+        <a:solidFill>
+          <a:schemeClr val="tx1"/>
+        </a:solidFill>
+        <a:latin typeface="+mn-lt"/>
+        <a:ea typeface="+mn-ea"/>
+        <a:cs typeface="+mn-cs"/>
+      </a:defRPr>
+    </a:lvl8pPr>
+    <a:lvl9pPr marL="3657600" algn="l" defTabSz="914400" rtl="0" eaLnBrk="1" latinLnBrk="0" hangingPunct="1">
+      <a:defRPr sz="1200" kern="1200">
+        <a:solidFill>
+          <a:schemeClr val="tx1"/>
+        </a:solidFill>
+        <a:latin typeface="+mn-lt"/>
+        <a:ea typeface="+mn-ea"/>
+        <a:cs typeface="+mn-cs"/>
+      </a:defRPr>
+    </a:lvl9pPr>
+  </p:notesStyle>
+</p:notesMaster>
+</file>
+
+<file path=ppt/notesSlides/notesSlide1.xml><?xml version="1.0" encoding="utf-8"?>
+<p:notes xmlns:a="http://schemas.openxmlformats.org/drawingml/2006/main" xmlns:r="http://schemas.openxmlformats.org/officeDocument/2006/relationships" xmlns:p="http://schemas.openxmlformats.org/presentationml/2006/main">
+  <p:cSld>
+    <p:spTree>
+      <p:nvGrpSpPr>
+        <p:cNvPr id="1" name=""/>
+        <p:cNvGrpSpPr/>
+        <p:nvPr/>
+      </p:nvGrpSpPr>
+      <p:grpSpPr>
+        <a:xfrm>
+          <a:off x="0" y="0"/>
+          <a:ext cx="0" cy="0"/>
+          <a:chOff x="0" y="0"/>
+          <a:chExt cx="0" cy="0"/>
+        </a:xfrm>
+      </p:grpSpPr>
+      <p:sp>
+        <p:nvSpPr>
+          <p:cNvPr id="2" name="Slide Image Placeholder 1"/>
+          <p:cNvSpPr>
+            <a:spLocks noGrp="1" noRot="1" noChangeAspect="1"/>
+          </p:cNvSpPr>
+          <p:nvPr>
+            <p:ph type="sldImg"/>
+          </p:nvPr>
+        </p:nvSpPr>
+        <p:spPr/>
+      </p:sp>
+      <p:sp>
+        <p:nvSpPr>
+          <p:cNvPr id="3" name="Notes Placeholder 2"/>
+          <p:cNvSpPr>
+            <a:spLocks noGrp="1"/>
+          </p:cNvSpPr>
+          <p:nvPr>
+            <p:ph type="body" idx="1"/>
+          </p:nvPr>
+        </p:nvSpPr>
+        <p:spPr/>
+        <p:txBody>
+          <a:bodyPr/>
+          <a:lstStyle/>
+          <a:p>
+            <a:endParaRPr lang="en-US" dirty="0"/>
+          </a:p>
+        </p:txBody>
+      </p:sp>
+      <p:sp>
+        <p:nvSpPr>
+          <p:cNvPr id="4" name="Slide Number Placeholder 3"/>
+          <p:cNvSpPr>
+            <a:spLocks noGrp="1"/>
+          </p:cNvSpPr>
+          <p:nvPr>
+            <p:ph type="sldNum" sz="quarter" idx="5"/>
+          </p:nvPr>
+        </p:nvSpPr>
+        <p:spPr/>
+        <p:txBody>
+          <a:bodyPr/>
+          <a:lstStyle/>
+          <a:p>
+            <a:fld id="{878EC928-24A1-4D42-97E8-66937E0B1D07}" type="slidenum">
+              <a:rPr lang="en-US" smtClean="0"/>
+              <a:t>1</a:t>
+            </a:fld>
+            <a:endParaRPr lang="en-US"/>
+          </a:p>
+        </p:txBody>
+      </p:sp>
+    </p:spTree>
+    <p:extLst>
+      <p:ext uri="{BB962C8B-B14F-4D97-AF65-F5344CB8AC3E}">
+        <p14:creationId xmlns:p14="http://schemas.microsoft.com/office/powerpoint/2010/main" val="3558992628"/>
+      </p:ext>
+    </p:extLst>
+  </p:cSld>
+  <p:clrMapOvr>
+    <a:masterClrMapping/>
+  </p:clrMapOvr>
+</p:notes>
+</file>
+
 <file path=ppt/slideLayouts/slideLayout1.xml><?xml version="1.0" encoding="utf-8"?>
 <p:sldLayout xmlns:a="http://schemas.openxmlformats.org/drawingml/2006/main" xmlns:r="http://schemas.openxmlformats.org/officeDocument/2006/relationships" xmlns:p="http://schemas.openxmlformats.org/presentationml/2006/main" type="title" preserve="1">
   <p:cSld name="Title Slide">
@@ -18941,7 +19382,7 @@
           <a:p>
             <a:fld id="{207B30AF-5B0B-1F4F-88C4-9E49E2733A4F}" type="datetimeFigureOut">
               <a:rPr lang="en-US" smtClean="0"/>
-              <a:t>9/10/18</a:t>
+              <a:t>9/11/18</a:t>
             </a:fld>
             <a:endParaRPr lang="en-US"/>
           </a:p>
@@ -19139,7 +19580,7 @@
           <a:p>
             <a:fld id="{207B30AF-5B0B-1F4F-88C4-9E49E2733A4F}" type="datetimeFigureOut">
               <a:rPr lang="en-US" smtClean="0"/>
-              <a:t>9/10/18</a:t>
+              <a:t>9/11/18</a:t>
             </a:fld>
             <a:endParaRPr lang="en-US"/>
           </a:p>
@@ -19347,7 +19788,7 @@
           <a:p>
             <a:fld id="{207B30AF-5B0B-1F4F-88C4-9E49E2733A4F}" type="datetimeFigureOut">
               <a:rPr lang="en-US" smtClean="0"/>
-              <a:t>9/10/18</a:t>
+              <a:t>9/11/18</a:t>
             </a:fld>
             <a:endParaRPr lang="en-US"/>
           </a:p>
@@ -19545,7 +19986,7 @@
           <a:p>
             <a:fld id="{207B30AF-5B0B-1F4F-88C4-9E49E2733A4F}" type="datetimeFigureOut">
               <a:rPr lang="en-US" smtClean="0"/>
-              <a:t>9/10/18</a:t>
+              <a:t>9/11/18</a:t>
             </a:fld>
             <a:endParaRPr lang="en-US"/>
           </a:p>
@@ -19820,7 +20261,7 @@
           <a:p>
             <a:fld id="{207B30AF-5B0B-1F4F-88C4-9E49E2733A4F}" type="datetimeFigureOut">
               <a:rPr lang="en-US" smtClean="0"/>
-              <a:t>9/10/18</a:t>
+              <a:t>9/11/18</a:t>
             </a:fld>
             <a:endParaRPr lang="en-US"/>
           </a:p>
@@ -20085,7 +20526,7 @@
           <a:p>
             <a:fld id="{207B30AF-5B0B-1F4F-88C4-9E49E2733A4F}" type="datetimeFigureOut">
               <a:rPr lang="en-US" smtClean="0"/>
-              <a:t>9/10/18</a:t>
+              <a:t>9/11/18</a:t>
             </a:fld>
             <a:endParaRPr lang="en-US"/>
           </a:p>
@@ -20497,7 +20938,7 @@
           <a:p>
             <a:fld id="{207B30AF-5B0B-1F4F-88C4-9E49E2733A4F}" type="datetimeFigureOut">
               <a:rPr lang="en-US" smtClean="0"/>
-              <a:t>9/10/18</a:t>
+              <a:t>9/11/18</a:t>
             </a:fld>
             <a:endParaRPr lang="en-US"/>
           </a:p>
@@ -20638,7 +21079,7 @@
           <a:p>
             <a:fld id="{207B30AF-5B0B-1F4F-88C4-9E49E2733A4F}" type="datetimeFigureOut">
               <a:rPr lang="en-US" smtClean="0"/>
-              <a:t>9/10/18</a:t>
+              <a:t>9/11/18</a:t>
             </a:fld>
             <a:endParaRPr lang="en-US"/>
           </a:p>
@@ -20751,7 +21192,7 @@
           <a:p>
             <a:fld id="{207B30AF-5B0B-1F4F-88C4-9E49E2733A4F}" type="datetimeFigureOut">
               <a:rPr lang="en-US" smtClean="0"/>
-              <a:t>9/10/18</a:t>
+              <a:t>9/11/18</a:t>
             </a:fld>
             <a:endParaRPr lang="en-US"/>
           </a:p>
@@ -21062,7 +21503,7 @@
           <a:p>
             <a:fld id="{207B30AF-5B0B-1F4F-88C4-9E49E2733A4F}" type="datetimeFigureOut">
               <a:rPr lang="en-US" smtClean="0"/>
-              <a:t>9/10/18</a:t>
+              <a:t>9/11/18</a:t>
             </a:fld>
             <a:endParaRPr lang="en-US"/>
           </a:p>
@@ -21350,7 +21791,7 @@
           <a:p>
             <a:fld id="{207B30AF-5B0B-1F4F-88C4-9E49E2733A4F}" type="datetimeFigureOut">
               <a:rPr lang="en-US" smtClean="0"/>
-              <a:t>9/10/18</a:t>
+              <a:t>9/11/18</a:t>
             </a:fld>
             <a:endParaRPr lang="en-US"/>
           </a:p>
@@ -21591,7 +22032,7 @@
           <a:p>
             <a:fld id="{207B30AF-5B0B-1F4F-88C4-9E49E2733A4F}" type="datetimeFigureOut">
               <a:rPr lang="en-US" smtClean="0"/>
-              <a:t>9/10/18</a:t>
+              <a:t>9/11/18</a:t>
             </a:fld>
             <a:endParaRPr lang="en-US"/>
           </a:p>
@@ -22008,6 +22449,64 @@
           <a:chExt cx="0" cy="0"/>
         </a:xfrm>
       </p:grpSpPr>
+      <p:sp>
+        <p:nvSpPr>
+          <p:cNvPr id="3" name="Right Arrow 2">
+            <a:extLst>
+              <a:ext uri="{FF2B5EF4-FFF2-40B4-BE49-F238E27FC236}">
+                <a16:creationId xmlns:a16="http://schemas.microsoft.com/office/drawing/2014/main" id="{CA433424-EA28-444E-8954-4C3B5CF1BCC2}"/>
+              </a:ext>
+            </a:extLst>
+          </p:cNvPr>
+          <p:cNvSpPr/>
+          <p:nvPr/>
+        </p:nvSpPr>
+        <p:spPr>
+          <a:xfrm>
+            <a:off x="1422400" y="4690534"/>
+            <a:ext cx="9347200" cy="1117601"/>
+          </a:xfrm>
+          <a:prstGeom prst="rightArrow">
+            <a:avLst/>
+          </a:prstGeom>
+        </p:spPr>
+        <p:style>
+          <a:lnRef idx="0">
+            <a:schemeClr val="dk1">
+              <a:hueOff val="0"/>
+              <a:satOff val="0"/>
+              <a:lumOff val="0"/>
+              <a:alphaOff val="0"/>
+            </a:schemeClr>
+          </a:lnRef>
+          <a:fillRef idx="1">
+            <a:schemeClr val="accent2">
+              <a:tint val="40000"/>
+              <a:hueOff val="0"/>
+              <a:satOff val="0"/>
+              <a:lumOff val="0"/>
+              <a:alphaOff val="0"/>
+            </a:schemeClr>
+          </a:fillRef>
+          <a:effectRef idx="0">
+            <a:schemeClr val="accent2">
+              <a:tint val="40000"/>
+              <a:hueOff val="0"/>
+              <a:satOff val="0"/>
+              <a:lumOff val="0"/>
+              <a:alphaOff val="0"/>
+            </a:schemeClr>
+          </a:effectRef>
+          <a:fontRef idx="minor">
+            <a:schemeClr val="dk1">
+              <a:hueOff val="0"/>
+              <a:satOff val="0"/>
+              <a:lumOff val="0"/>
+              <a:alphaOff val="0"/>
+            </a:schemeClr>
+          </a:fontRef>
+        </p:style>
+      </p:sp>
       <p:graphicFrame>
         <p:nvGraphicFramePr>
           <p:cNvPr id="4" name="Diagram 3">
@@ -22032,7 +22531,7 @@
         </p:xfrm>
         <a:graphic>
           <a:graphicData uri="http://schemas.openxmlformats.org/drawingml/2006/diagram">
-            <dgm:relIds xmlns:dgm="http://schemas.openxmlformats.org/drawingml/2006/diagram" xmlns:r="http://schemas.openxmlformats.org/officeDocument/2006/relationships" r:dm="rId2" r:lo="rId3" r:qs="rId4" r:cs="rId5"/>
+            <dgm:relIds xmlns:dgm="http://schemas.openxmlformats.org/drawingml/2006/diagram" xmlns:r="http://schemas.openxmlformats.org/officeDocument/2006/relationships" r:dm="rId3" r:lo="rId4" r:qs="rId5" r:cs="rId6"/>
           </a:graphicData>
         </a:graphic>
       </p:graphicFrame>
@@ -22195,14 +22694,14 @@
           <p:nvPr>
             <p:extLst>
               <p:ext uri="{D42A27DB-BD31-4B8C-83A1-F6EECF244321}">
-                <p14:modId xmlns:p14="http://schemas.microsoft.com/office/powerpoint/2010/main" val="3610245010"/>
+                <p14:modId xmlns:p14="http://schemas.microsoft.com/office/powerpoint/2010/main" val="1146834057"/>
               </p:ext>
             </p:extLst>
           </p:nvPr>
         </p:nvGraphicFramePr>
         <p:xfrm>
-          <a:off x="338667" y="719667"/>
-          <a:ext cx="11667066" cy="3903134"/>
+          <a:off x="372533" y="414867"/>
+          <a:ext cx="11667066" cy="6866466"/>
         </p:xfrm>
         <a:graphic>
           <a:graphicData uri="http://schemas.openxmlformats.org/drawingml/2006/diagram">
@@ -22574,4 +23073,299 @@
     </a:ext>
   </a:extLst>
 </a:theme>
+</file>
+
+<file path=ppt/theme/theme2.xml><?xml version="1.0" encoding="utf-8"?>
+<a:theme xmlns:a="http://schemas.openxmlformats.org/drawingml/2006/main" name="Office Theme">
+  <a:themeElements>
+    <a:clrScheme name="Office">
+      <a:dk1>
+        <a:sysClr val="windowText" lastClr="000000"/>
+      </a:dk1>
+      <a:lt1>
+        <a:sysClr val="window" lastClr="FFFFFF"/>
+      </a:lt1>
+      <a:dk2>
+        <a:srgbClr val="44546A"/>
+      </a:dk2>
+      <a:lt2>
+        <a:srgbClr val="E7E6E6"/>
+      </a:lt2>
+      <a:accent1>
+        <a:srgbClr val="4472C4"/>
+      </a:accent1>
+      <a:accent2>
+        <a:srgbClr val="ED7D31"/>
+      </a:accent2>
+      <a:accent3>
+        <a:srgbClr val="A5A5A5"/>
+      </a:accent3>
+      <a:accent4>
+        <a:srgbClr val="FFC000"/>
+      </a:accent4>
+      <a:accent5>
+        <a:srgbClr val="5B9BD5"/>
+      </a:accent5>
+      <a:accent6>
+        <a:srgbClr val="70AD47"/>
+      </a:accent6>
+      <a:hlink>
+        <a:srgbClr val="0563C1"/>
+      </a:hlink>
+      <a:folHlink>
+        <a:srgbClr val="954F72"/>
+      </a:folHlink>
+    </a:clrScheme>
+    <a:fontScheme name="Office">
+      <a:majorFont>
+        <a:latin typeface="Calibri Light" panose="020F0302020204030204"/>
+        <a:ea typeface=""/>
+        <a:cs typeface=""/>
+        <a:font script="Jpan" typeface="游ゴシック Light"/>
+        <a:font script="Hang" typeface="맑은 고딕"/>
+        <a:font script="Hans" typeface="等线 Light"/>
+        <a:font script="Hant" typeface="新細明體"/>
+        <a:font script="Arab" typeface="Times New Roman"/>
+        <a:font script="Hebr" typeface="Times New Roman"/>
+        <a:font script="Thai" typeface="Angsana New"/>
+        <a:font script="Ethi" typeface="Nyala"/>
+        <a:font script="Beng" typeface="Vrinda"/>
+        <a:font script="Gujr" typeface="Shruti"/>
+        <a:font script="Khmr" typeface="MoolBoran"/>
+        <a:font script="Knda" typeface="Tunga"/>
+        <a:font script="Guru" typeface="Raavi"/>
+        <a:font script="Cans" typeface="Euphemia"/>
+        <a:font script="Cher" typeface="Plantagenet Cherokee"/>
+        <a:font script="Yiii" typeface="Microsoft Yi Baiti"/>
+        <a:font script="Tibt" typeface="Microsoft Himalaya"/>
+        <a:font script="Thaa" typeface="MV Boli"/>
+        <a:font script="Deva" typeface="Mangal"/>
+        <a:font script="Telu" typeface="Gautami"/>
+        <a:font script="Taml" typeface="Latha"/>
+        <a:font script="Syrc" typeface="Estrangelo Edessa"/>
+        <a:font script="Orya" typeface="Kalinga"/>
+        <a:font script="Mlym" typeface="Kartika"/>
+        <a:font script="Laoo" typeface="DokChampa"/>
+        <a:font script="Sinh" typeface="Iskoola Pota"/>
+        <a:font script="Mong" typeface="Mongolian Baiti"/>
+        <a:font script="Viet" typeface="Times New Roman"/>
+        <a:font script="Uigh" typeface="Microsoft Uighur"/>
+        <a:font script="Geor" typeface="Sylfaen"/>
+        <a:font script="Armn" typeface="Arial"/>
+        <a:font script="Bugi" typeface="Leelawadee UI"/>
+        <a:font script="Bopo" typeface="Microsoft JhengHei"/>
+        <a:font script="Java" typeface="Javanese Text"/>
+        <a:font script="Lisu" typeface="Segoe UI"/>
+        <a:font script="Mymr" typeface="Myanmar Text"/>
+        <a:font script="Nkoo" typeface="Ebrima"/>
+        <a:font script="Olck" typeface="Nirmala UI"/>
+        <a:font script="Osma" typeface="Ebrima"/>
+        <a:font script="Phag" typeface="Phagspa"/>
+        <a:font script="Syrn" typeface="Estrangelo Edessa"/>
+        <a:font script="Syrj" typeface="Estrangelo Edessa"/>
+        <a:font script="Syre" typeface="Estrangelo Edessa"/>
+        <a:font script="Sora" typeface="Nirmala UI"/>
+        <a:font script="Tale" typeface="Microsoft Tai Le"/>
+        <a:font script="Talu" typeface="Microsoft New Tai Lue"/>
+        <a:font script="Tfng" typeface="Ebrima"/>
+      </a:majorFont>
+      <a:minorFont>
+        <a:latin typeface="Calibri" panose="020F0502020204030204"/>
+        <a:ea typeface=""/>
+        <a:cs typeface=""/>
+        <a:font script="Jpan" typeface="游ゴシック"/>
+        <a:font script="Hang" typeface="맑은 고딕"/>
+        <a:font script="Hans" typeface="等线"/>
+        <a:font script="Hant" typeface="新細明體"/>
+        <a:font script="Arab" typeface="Arial"/>
+        <a:font script="Hebr" typeface="Arial"/>
+        <a:font script="Thai" typeface="Cordia New"/>
+        <a:font script="Ethi" typeface="Nyala"/>
+        <a:font script="Beng" typeface="Vrinda"/>
+        <a:font script="Gujr" typeface="Shruti"/>
+        <a:font script="Khmr" typeface="DaunPenh"/>
+        <a:font script="Knda" typeface="Tunga"/>
+        <a:font script="Guru" typeface="Raavi"/>
+        <a:font script="Cans" typeface="Euphemia"/>
+        <a:font script="Cher" typeface="Plantagenet Cherokee"/>
+        <a:font script="Yiii" typeface="Microsoft Yi Baiti"/>
+        <a:font script="Tibt" typeface="Microsoft Himalaya"/>
+        <a:font script="Thaa" typeface="MV Boli"/>
+        <a:font script="Deva" typeface="Mangal"/>
+        <a:font script="Telu" typeface="Gautami"/>
+        <a:font script="Taml" typeface="Latha"/>
+        <a:font script="Syrc" typeface="Estrangelo Edessa"/>
+        <a:font script="Orya" typeface="Kalinga"/>
+        <a:font script="Mlym" typeface="Kartika"/>
+        <a:font script="Laoo" typeface="DokChampa"/>
+        <a:font script="Sinh" typeface="Iskoola Pota"/>
+        <a:font script="Mong" typeface="Mongolian Baiti"/>
+        <a:font script="Viet" typeface="Arial"/>
+        <a:font script="Uigh" typeface="Microsoft Uighur"/>
+        <a:font script="Geor" typeface="Sylfaen"/>
+        <a:font script="Armn" typeface="Arial"/>
+        <a:font script="Bugi" typeface="Leelawadee UI"/>
+        <a:font script="Bopo" typeface="Microsoft JhengHei"/>
+        <a:font script="Java" typeface="Javanese Text"/>
+        <a:font script="Lisu" typeface="Segoe UI"/>
+        <a:font script="Mymr" typeface="Myanmar Text"/>
+        <a:font script="Nkoo" typeface="Ebrima"/>
+        <a:font script="Olck" typeface="Nirmala UI"/>
+        <a:font script="Osma" typeface="Ebrima"/>
+        <a:font script="Phag" typeface="Phagspa"/>
+        <a:font script="Syrn" typeface="Estrangelo Edessa"/>
+        <a:font script="Syrj" typeface="Estrangelo Edessa"/>
+        <a:font script="Syre" typeface="Estrangelo Edessa"/>
+        <a:font script="Sora" typeface="Nirmala UI"/>
+        <a:font script="Tale" typeface="Microsoft Tai Le"/>
+        <a:font script="Talu" typeface="Microsoft New Tai Lue"/>
+        <a:font script="Tfng" typeface="Ebrima"/>
+      </a:minorFont>
+    </a:fontScheme>
+    <a:fmtScheme name="Office">
+      <a:fillStyleLst>
+        <a:solidFill>
+          <a:schemeClr val="phClr"/>
+        </a:solidFill>
+        <a:gradFill rotWithShape="1">
+          <a:gsLst>
+            <a:gs pos="0">
+              <a:schemeClr val="phClr">
+                <a:lumMod val="110000"/>
+                <a:satMod val="105000"/>
+                <a:tint val="67000"/>
+              </a:schemeClr>
+            </a:gs>
+            <a:gs pos="50000">
+              <a:schemeClr val="phClr">
+                <a:lumMod val="105000"/>
+                <a:satMod val="103000"/>
+                <a:tint val="73000"/>
+              </a:schemeClr>
+            </a:gs>
+            <a:gs pos="100000">
+              <a:schemeClr val="phClr">
+                <a:lumMod val="105000"/>
+                <a:satMod val="109000"/>
+                <a:tint val="81000"/>
+              </a:schemeClr>
+            </a:gs>
+          </a:gsLst>
+          <a:lin ang="5400000" scaled="0"/>
+        </a:gradFill>
+        <a:gradFill rotWithShape="1">
+          <a:gsLst>
+            <a:gs pos="0">
+              <a:schemeClr val="phClr">
+                <a:satMod val="103000"/>
+                <a:lumMod val="102000"/>
+                <a:tint val="94000"/>
+              </a:schemeClr>
+            </a:gs>
+            <a:gs pos="50000">
+              <a:schemeClr val="phClr">
+                <a:satMod val="110000"/>
+                <a:lumMod val="100000"/>
+                <a:shade val="100000"/>
+              </a:schemeClr>
+            </a:gs>
+            <a:gs pos="100000">
+              <a:schemeClr val="phClr">
+                <a:lumMod val="99000"/>
+                <a:satMod val="120000"/>
+                <a:shade val="78000"/>
+              </a:schemeClr>
+            </a:gs>
+          </a:gsLst>
+          <a:lin ang="5400000" scaled="0"/>
+        </a:gradFill>
+      </a:fillStyleLst>
+      <a:lnStyleLst>
+        <a:ln w="6350" cap="flat" cmpd="sng" algn="ctr">
+          <a:solidFill>
+            <a:schemeClr val="phClr"/>
+          </a:solidFill>
+          <a:prstDash val="solid"/>
+          <a:miter lim="800000"/>
+        </a:ln>
+        <a:ln w="12700" cap="flat" cmpd="sng" algn="ctr">
+          <a:solidFill>
+            <a:schemeClr val="phClr"/>
+          </a:solidFill>
+          <a:prstDash val="solid"/>
+          <a:miter lim="800000"/>
+        </a:ln>
+        <a:ln w="19050" cap="flat" cmpd="sng" algn="ctr">
+          <a:solidFill>
+            <a:schemeClr val="phClr"/>
+          </a:solidFill>
+          <a:prstDash val="solid"/>
+          <a:miter lim="800000"/>
+        </a:ln>
+      </a:lnStyleLst>
+      <a:effectStyleLst>
+        <a:effectStyle>
+          <a:effectLst/>
+        </a:effectStyle>
+        <a:effectStyle>
+          <a:effectLst/>
+        </a:effectStyle>
+        <a:effectStyle>
+          <a:effectLst>
+            <a:outerShdw blurRad="57150" dist="19050" dir="5400000" algn="ctr" rotWithShape="0">
+              <a:srgbClr val="000000">
+                <a:alpha val="63000"/>
+              </a:srgbClr>
+            </a:outerShdw>
+          </a:effectLst>
+        </a:effectStyle>
+      </a:effectStyleLst>
+      <a:bgFillStyleLst>
+        <a:solidFill>
+          <a:schemeClr val="phClr"/>
+        </a:solidFill>
+        <a:solidFill>
+          <a:schemeClr val="phClr">
+            <a:tint val="95000"/>
+            <a:satMod val="170000"/>
+          </a:schemeClr>
+        </a:solidFill>
+        <a:gradFill rotWithShape="1">
+          <a:gsLst>
+            <a:gs pos="0">
+              <a:schemeClr val="phClr">
+                <a:tint val="93000"/>
+                <a:satMod val="150000"/>
+                <a:shade val="98000"/>
+                <a:lumMod val="102000"/>
+              </a:schemeClr>
+            </a:gs>
+            <a:gs pos="50000">
+              <a:schemeClr val="phClr">
+                <a:tint val="98000"/>
+                <a:satMod val="130000"/>
+                <a:shade val="90000"/>
+                <a:lumMod val="103000"/>
+              </a:schemeClr>
+            </a:gs>
+            <a:gs pos="100000">
+              <a:schemeClr val="phClr">
+                <a:shade val="63000"/>
+                <a:satMod val="120000"/>
+              </a:schemeClr>
+            </a:gs>
+          </a:gsLst>
+          <a:lin ang="5400000" scaled="0"/>
+        </a:gradFill>
+      </a:bgFillStyleLst>
+    </a:fmtScheme>
+  </a:themeElements>
+  <a:objectDefaults/>
+  <a:extraClrSchemeLst/>
+  <a:extLst>
+    <a:ext uri="{05A4C25C-085E-4340-85A3-A5531E510DB2}">
+      <thm15:themeFamily xmlns:thm15="http://schemas.microsoft.com/office/thememl/2012/main" name="Office Theme" id="{62F939B6-93AF-4DB8-9C6B-D6C7DFDC589F}" vid="{4A3C46E8-61CC-4603-A589-7422A47A8E4A}"/>
+    </a:ext>
+  </a:extLst>
+</a:theme>
 </file>
--- a/figs/flow.pptx
+++ b/figs/flow.pptx
@@ -6933,11 +6933,18 @@
     </dgm:pt>
     <dgm:pt modelId="{26117898-1D6E-3340-9889-98CAC460F41A}">
       <dgm:prSet phldrT="[Text]" custT="1"/>
-      <dgm:spPr/>
+      <dgm:spPr>
+        <a:solidFill>
+          <a:srgbClr val="9F241A"/>
+        </a:solidFill>
+      </dgm:spPr>
       <dgm:t>
         <a:bodyPr/>
         <a:lstStyle/>
         <a:p>
+          <a:pPr>
+            <a:buNone/>
+          </a:pPr>
           <a:r>
             <a:rPr lang="en-US" sz="2800" b="1" dirty="0">
               <a:latin typeface="Source Sans Pro" panose="020B0503030403020204" pitchFamily="34" charset="77"/>
@@ -6954,7 +6961,7 @@
         <a:bodyPr/>
         <a:lstStyle/>
         <a:p>
-          <a:endParaRPr lang="en-US" sz="2400">
+          <a:endParaRPr lang="en-US" sz="2000">
             <a:latin typeface="Source Sans Pro" panose="020B0503030403020204" pitchFamily="34" charset="77"/>
           </a:endParaRPr>
         </a:p>
@@ -6967,61 +6974,27 @@
         <a:bodyPr/>
         <a:lstStyle/>
         <a:p>
-          <a:endParaRPr lang="en-US" sz="2400">
+          <a:endParaRPr lang="en-US" sz="2000">
             <a:latin typeface="Source Sans Pro" panose="020B0503030403020204" pitchFamily="34" charset="77"/>
           </a:endParaRPr>
         </a:p>
       </dgm:t>
     </dgm:pt>
-    <dgm:pt modelId="{277C3733-8AEC-F14B-9662-2580168B0F9D}">
+    <dgm:pt modelId="{44E6FEF5-80C3-D547-9BF8-E0ED9CD18CA7}">
       <dgm:prSet phldrT="[Text]" custT="1"/>
-      <dgm:spPr/>
+      <dgm:spPr>
+        <a:solidFill>
+          <a:srgbClr val="9F241A"/>
+        </a:solidFill>
+      </dgm:spPr>
       <dgm:t>
         <a:bodyPr/>
         <a:lstStyle/>
         <a:p>
-          <a:r>
-            <a:rPr lang="en-US" sz="2000" dirty="0">
-              <a:latin typeface="Source Sans Pro" panose="020B0503030403020204" pitchFamily="34" charset="77"/>
-            </a:rPr>
-            <a:t>Banking + Buffering</a:t>
-          </a:r>
-        </a:p>
-      </dgm:t>
-    </dgm:pt>
-    <dgm:pt modelId="{95AF4B9B-4A81-4143-9766-301665185E5F}" type="parTrans" cxnId="{67FD47EC-85D5-5F46-9F95-D63A10AC6EBD}">
-      <dgm:prSet/>
-      <dgm:spPr/>
-      <dgm:t>
-        <a:bodyPr/>
-        <a:lstStyle/>
-        <a:p>
-          <a:endParaRPr lang="en-US" sz="2400">
-            <a:latin typeface="Source Sans Pro" panose="020B0503030403020204" pitchFamily="34" charset="77"/>
-          </a:endParaRPr>
-        </a:p>
-      </dgm:t>
-    </dgm:pt>
-    <dgm:pt modelId="{F55669F3-D338-1F48-B33C-E0F964CD19AE}" type="sibTrans" cxnId="{67FD47EC-85D5-5F46-9F95-D63A10AC6EBD}">
-      <dgm:prSet/>
-      <dgm:spPr/>
-      <dgm:t>
-        <a:bodyPr/>
-        <a:lstStyle/>
-        <a:p>
-          <a:endParaRPr lang="en-US" sz="2400">
-            <a:latin typeface="Source Sans Pro" panose="020B0503030403020204" pitchFamily="34" charset="77"/>
-          </a:endParaRPr>
-        </a:p>
-      </dgm:t>
-    </dgm:pt>
-    <dgm:pt modelId="{44E6FEF5-80C3-D547-9BF8-E0ED9CD18CA7}">
-      <dgm:prSet phldrT="[Text]" custT="1"/>
-      <dgm:spPr/>
-      <dgm:t>
-        <a:bodyPr/>
-        <a:lstStyle/>
-        <a:p>
+          <a:pPr>
+            <a:buFont typeface="Arial" panose="020B0604020202020204" pitchFamily="34" charset="0"/>
+            <a:buChar char="•"/>
+          </a:pPr>
           <a:r>
             <a:rPr lang="en-US" sz="2000" dirty="0">
               <a:latin typeface="Source Sans Pro" panose="020B0503030403020204" pitchFamily="34" charset="77"/>
@@ -7038,7 +7011,7 @@
         <a:bodyPr/>
         <a:lstStyle/>
         <a:p>
-          <a:endParaRPr lang="en-US" sz="2400">
+          <a:endParaRPr lang="en-US" sz="2000">
             <a:latin typeface="Source Sans Pro" panose="020B0503030403020204" pitchFamily="34" charset="77"/>
           </a:endParaRPr>
         </a:p>
@@ -7051,7 +7024,7 @@
         <a:bodyPr/>
         <a:lstStyle/>
         <a:p>
-          <a:endParaRPr lang="en-US" sz="2400">
+          <a:endParaRPr lang="en-US" sz="2000">
             <a:latin typeface="Source Sans Pro" panose="020B0503030403020204" pitchFamily="34" charset="77"/>
           </a:endParaRPr>
         </a:p>
@@ -7059,11 +7032,18 @@
     </dgm:pt>
     <dgm:pt modelId="{0126AD6F-FCAD-D14A-8353-B8EA2B851EE5}">
       <dgm:prSet phldrT="[Text]" custT="1"/>
-      <dgm:spPr/>
+      <dgm:spPr>
+        <a:solidFill>
+          <a:srgbClr val="D2C295"/>
+        </a:solidFill>
+      </dgm:spPr>
       <dgm:t>
         <a:bodyPr/>
         <a:lstStyle/>
         <a:p>
+          <a:pPr>
+            <a:buNone/>
+          </a:pPr>
           <a:r>
             <a:rPr lang="en-US" sz="2800" b="1" dirty="0">
               <a:latin typeface="Source Sans Pro" panose="020B0503030403020204" pitchFamily="34" charset="77"/>
@@ -7080,7 +7060,7 @@
         <a:bodyPr/>
         <a:lstStyle/>
         <a:p>
-          <a:endParaRPr lang="en-US" sz="2400">
+          <a:endParaRPr lang="en-US" sz="2000">
             <a:latin typeface="Source Sans Pro" panose="020B0503030403020204" pitchFamily="34" charset="77"/>
           </a:endParaRPr>
         </a:p>
@@ -7093,7 +7073,7 @@
         <a:bodyPr/>
         <a:lstStyle/>
         <a:p>
-          <a:endParaRPr lang="en-US" sz="2400">
+          <a:endParaRPr lang="en-US" sz="2000">
             <a:latin typeface="Source Sans Pro" panose="020B0503030403020204" pitchFamily="34" charset="77"/>
           </a:endParaRPr>
         </a:p>
@@ -7101,11 +7081,19 @@
     </dgm:pt>
     <dgm:pt modelId="{3C721F0F-E112-8747-8256-86E74B510CEB}">
       <dgm:prSet phldrT="[Text]" custT="1"/>
-      <dgm:spPr/>
+      <dgm:spPr>
+        <a:solidFill>
+          <a:srgbClr val="D2C295"/>
+        </a:solidFill>
+      </dgm:spPr>
       <dgm:t>
         <a:bodyPr/>
         <a:lstStyle/>
         <a:p>
+          <a:pPr>
+            <a:buFont typeface="Arial" panose="020B0604020202020204" pitchFamily="34" charset="0"/>
+            <a:buChar char="•"/>
+          </a:pPr>
           <a:r>
             <a:rPr lang="en-US" sz="2000" dirty="0">
               <a:latin typeface="Source Sans Pro" panose="020B0503030403020204" pitchFamily="34" charset="77"/>
@@ -7122,7 +7110,7 @@
         <a:bodyPr/>
         <a:lstStyle/>
         <a:p>
-          <a:endParaRPr lang="en-US" sz="2400">
+          <a:endParaRPr lang="en-US" sz="2000">
             <a:latin typeface="Source Sans Pro" panose="020B0503030403020204" pitchFamily="34" charset="77"/>
           </a:endParaRPr>
         </a:p>
@@ -7135,7 +7123,7 @@
         <a:bodyPr/>
         <a:lstStyle/>
         <a:p>
-          <a:endParaRPr lang="en-US" sz="2400">
+          <a:endParaRPr lang="en-US" sz="2000">
             <a:latin typeface="Source Sans Pro" panose="020B0503030403020204" pitchFamily="34" charset="77"/>
           </a:endParaRPr>
         </a:p>
@@ -7143,11 +7131,19 @@
     </dgm:pt>
     <dgm:pt modelId="{9AA4E197-FEB2-3C43-8458-5FC043D0AF9F}">
       <dgm:prSet phldrT="[Text]" custT="1"/>
-      <dgm:spPr/>
+      <dgm:spPr>
+        <a:solidFill>
+          <a:srgbClr val="D2C295"/>
+        </a:solidFill>
+      </dgm:spPr>
       <dgm:t>
         <a:bodyPr/>
         <a:lstStyle/>
         <a:p>
+          <a:pPr>
+            <a:buFont typeface="Arial" panose="020B0604020202020204" pitchFamily="34" charset="0"/>
+            <a:buChar char="•"/>
+          </a:pPr>
           <a:r>
             <a:rPr lang="en-US" sz="2000" dirty="0">
               <a:latin typeface="Source Sans Pro" panose="020B0503030403020204" pitchFamily="34" charset="77"/>
@@ -7164,7 +7160,7 @@
         <a:bodyPr/>
         <a:lstStyle/>
         <a:p>
-          <a:endParaRPr lang="en-US" sz="2400">
+          <a:endParaRPr lang="en-US" sz="2000">
             <a:latin typeface="Source Sans Pro" panose="020B0503030403020204" pitchFamily="34" charset="77"/>
           </a:endParaRPr>
         </a:p>
@@ -7177,7 +7173,7 @@
         <a:bodyPr/>
         <a:lstStyle/>
         <a:p>
-          <a:endParaRPr lang="en-US" sz="2400">
+          <a:endParaRPr lang="en-US" sz="2000">
             <a:latin typeface="Source Sans Pro" panose="020B0503030403020204" pitchFamily="34" charset="77"/>
           </a:endParaRPr>
         </a:p>
@@ -7185,17 +7181,27 @@
     </dgm:pt>
     <dgm:pt modelId="{35025888-FD8D-8744-A128-71A706B88DDE}">
       <dgm:prSet phldrT="[Text]" custT="1"/>
-      <dgm:spPr/>
+      <dgm:spPr>
+        <a:solidFill>
+          <a:srgbClr val="2E2D29"/>
+        </a:solidFill>
+      </dgm:spPr>
       <dgm:t>
         <a:bodyPr/>
         <a:lstStyle/>
         <a:p>
+          <a:pPr>
+            <a:buNone/>
+          </a:pPr>
           <a:r>
             <a:rPr lang="en-US" sz="2800" b="1" dirty="0">
               <a:latin typeface="Source Sans Pro" panose="020B0503030403020204" pitchFamily="34" charset="77"/>
             </a:rPr>
             <a:t>Mapping</a:t>
           </a:r>
+          <a:endParaRPr lang="en-US" sz="2400" b="1" dirty="0">
+            <a:latin typeface="Source Sans Pro" panose="020B0503030403020204" pitchFamily="34" charset="77"/>
+          </a:endParaRPr>
         </a:p>
       </dgm:t>
     </dgm:pt>
@@ -7206,7 +7212,7 @@
         <a:bodyPr/>
         <a:lstStyle/>
         <a:p>
-          <a:endParaRPr lang="en-US" sz="2400">
+          <a:endParaRPr lang="en-US" sz="2000">
             <a:latin typeface="Source Sans Pro" panose="020B0503030403020204" pitchFamily="34" charset="77"/>
           </a:endParaRPr>
         </a:p>
@@ -7219,7 +7225,7 @@
         <a:bodyPr/>
         <a:lstStyle/>
         <a:p>
-          <a:endParaRPr lang="en-US" sz="2400">
+          <a:endParaRPr lang="en-US" sz="2000">
             <a:latin typeface="Source Sans Pro" panose="020B0503030403020204" pitchFamily="34" charset="77"/>
           </a:endParaRPr>
         </a:p>
@@ -7227,11 +7233,19 @@
     </dgm:pt>
     <dgm:pt modelId="{2488CF3A-3460-704C-A8E1-ACE282E88B0F}">
       <dgm:prSet phldrT="[Text]" custT="1"/>
-      <dgm:spPr/>
+      <dgm:spPr>
+        <a:solidFill>
+          <a:srgbClr val="2E2D29"/>
+        </a:solidFill>
+      </dgm:spPr>
       <dgm:t>
         <a:bodyPr/>
         <a:lstStyle/>
         <a:p>
+          <a:pPr>
+            <a:buFont typeface="Arial" panose="020B0604020202020204" pitchFamily="34" charset="0"/>
+            <a:buChar char="•"/>
+          </a:pPr>
           <a:r>
             <a:rPr lang="en-US" sz="2000" dirty="0">
               <a:latin typeface="Source Sans Pro" panose="020B0503030403020204" pitchFamily="34" charset="77"/>
@@ -7248,7 +7262,7 @@
         <a:bodyPr/>
         <a:lstStyle/>
         <a:p>
-          <a:endParaRPr lang="en-US" sz="2400">
+          <a:endParaRPr lang="en-US" sz="2000">
             <a:latin typeface="Source Sans Pro" panose="020B0503030403020204" pitchFamily="34" charset="77"/>
           </a:endParaRPr>
         </a:p>
@@ -7261,7 +7275,7 @@
         <a:bodyPr/>
         <a:lstStyle/>
         <a:p>
-          <a:endParaRPr lang="en-US" sz="2400">
+          <a:endParaRPr lang="en-US" sz="2000">
             <a:latin typeface="Source Sans Pro" panose="020B0503030403020204" pitchFamily="34" charset="77"/>
           </a:endParaRPr>
         </a:p>
@@ -7269,11 +7283,19 @@
     </dgm:pt>
     <dgm:pt modelId="{E2576C8E-B3AC-8E47-8F4E-4B3048AF5F20}">
       <dgm:prSet phldrT="[Text]" custT="1"/>
-      <dgm:spPr/>
+      <dgm:spPr>
+        <a:solidFill>
+          <a:srgbClr val="2E2D29"/>
+        </a:solidFill>
+      </dgm:spPr>
       <dgm:t>
         <a:bodyPr/>
         <a:lstStyle/>
         <a:p>
+          <a:pPr>
+            <a:buFont typeface="Arial" panose="020B0604020202020204" pitchFamily="34" charset="0"/>
+            <a:buChar char="•"/>
+          </a:pPr>
           <a:r>
             <a:rPr lang="en-US" sz="2000" dirty="0">
               <a:latin typeface="Source Sans Pro" panose="020B0503030403020204" pitchFamily="34" charset="77"/>
@@ -7290,7 +7312,7 @@
         <a:bodyPr/>
         <a:lstStyle/>
         <a:p>
-          <a:endParaRPr lang="en-US" sz="2400">
+          <a:endParaRPr lang="en-US" sz="2000">
             <a:latin typeface="Source Sans Pro" panose="020B0503030403020204" pitchFamily="34" charset="77"/>
           </a:endParaRPr>
         </a:p>
@@ -7303,7 +7325,7 @@
         <a:bodyPr/>
         <a:lstStyle/>
         <a:p>
-          <a:endParaRPr lang="en-US" sz="2400">
+          <a:endParaRPr lang="en-US" sz="2000">
             <a:latin typeface="Source Sans Pro" panose="020B0503030403020204" pitchFamily="34" charset="77"/>
           </a:endParaRPr>
         </a:p>
@@ -7311,11 +7333,18 @@
     </dgm:pt>
     <dgm:pt modelId="{0FCC7809-694A-7B46-94D1-6545DFBEDE61}">
       <dgm:prSet custT="1"/>
-      <dgm:spPr/>
+      <dgm:spPr>
+        <a:solidFill>
+          <a:srgbClr val="928B81"/>
+        </a:solidFill>
+      </dgm:spPr>
       <dgm:t>
         <a:bodyPr/>
         <a:lstStyle/>
         <a:p>
+          <a:pPr>
+            <a:buNone/>
+          </a:pPr>
           <a:r>
             <a:rPr lang="en-US" sz="2800" b="1" dirty="0">
               <a:latin typeface="Source Sans Pro" panose="020B0503030403020204" pitchFamily="34" charset="77"/>
@@ -7332,7 +7361,7 @@
         <a:bodyPr/>
         <a:lstStyle/>
         <a:p>
-          <a:endParaRPr lang="en-US" sz="2400">
+          <a:endParaRPr lang="en-US" sz="2000">
             <a:latin typeface="Source Sans Pro" panose="020B0503030403020204" pitchFamily="34" charset="77"/>
           </a:endParaRPr>
         </a:p>
@@ -7345,7 +7374,7 @@
         <a:bodyPr/>
         <a:lstStyle/>
         <a:p>
-          <a:endParaRPr lang="en-US" sz="2400">
+          <a:endParaRPr lang="en-US" sz="2000">
             <a:latin typeface="Source Sans Pro" panose="020B0503030403020204" pitchFamily="34" charset="77"/>
           </a:endParaRPr>
         </a:p>
@@ -7353,16 +7382,24 @@
     </dgm:pt>
     <dgm:pt modelId="{D4D17A9C-EA6A-0241-9430-5DCFC3D9780E}">
       <dgm:prSet custT="1"/>
-      <dgm:spPr/>
+      <dgm:spPr>
+        <a:solidFill>
+          <a:srgbClr val="928B81"/>
+        </a:solidFill>
+      </dgm:spPr>
       <dgm:t>
         <a:bodyPr/>
         <a:lstStyle/>
         <a:p>
+          <a:pPr>
+            <a:buFont typeface="Arial" panose="020B0604020202020204" pitchFamily="34" charset="0"/>
+            <a:buChar char="•"/>
+          </a:pPr>
           <a:r>
             <a:rPr lang="en-US" sz="2000" dirty="0">
               <a:latin typeface="Source Sans Pro" panose="020B0503030403020204" pitchFamily="34" charset="77"/>
             </a:rPr>
-            <a:t>Fast Cycle Accurate Control Simulation</a:t>
+            <a:t>Fast Cycle Accurate Simulator</a:t>
           </a:r>
         </a:p>
       </dgm:t>
@@ -7374,7 +7411,7 @@
         <a:bodyPr/>
         <a:lstStyle/>
         <a:p>
-          <a:endParaRPr lang="en-US" sz="2400">
+          <a:endParaRPr lang="en-US" sz="2000">
             <a:latin typeface="Source Sans Pro" panose="020B0503030403020204" pitchFamily="34" charset="77"/>
           </a:endParaRPr>
         </a:p>
@@ -7387,7 +7424,7 @@
         <a:bodyPr/>
         <a:lstStyle/>
         <a:p>
-          <a:endParaRPr lang="en-US" sz="2400">
+          <a:endParaRPr lang="en-US" sz="2000">
             <a:latin typeface="Source Sans Pro" panose="020B0503030403020204" pitchFamily="34" charset="77"/>
           </a:endParaRPr>
         </a:p>
@@ -7395,11 +7432,19 @@
     </dgm:pt>
     <dgm:pt modelId="{2E7BFF9E-117E-8146-A601-CD247E87743F}">
       <dgm:prSet custT="1"/>
-      <dgm:spPr/>
+      <dgm:spPr>
+        <a:solidFill>
+          <a:srgbClr val="928B81"/>
+        </a:solidFill>
+      </dgm:spPr>
       <dgm:t>
         <a:bodyPr/>
         <a:lstStyle/>
         <a:p>
+          <a:pPr>
+            <a:buFont typeface="Arial" panose="020B0604020202020204" pitchFamily="34" charset="0"/>
+            <a:buChar char="•"/>
+          </a:pPr>
           <a:r>
             <a:rPr lang="en-US" sz="2000" dirty="0">
               <a:latin typeface="Source Sans Pro" panose="020B0503030403020204" pitchFamily="34" charset="77"/>
@@ -7437,7 +7482,7 @@
         <a:bodyPr/>
         <a:lstStyle/>
         <a:p>
-          <a:endParaRPr lang="en-US" sz="2400">
+          <a:endParaRPr lang="en-US" sz="2000">
             <a:latin typeface="Source Sans Pro" panose="020B0503030403020204" pitchFamily="34" charset="77"/>
           </a:endParaRPr>
         </a:p>
@@ -7450,7 +7495,57 @@
         <a:bodyPr/>
         <a:lstStyle/>
         <a:p>
-          <a:endParaRPr lang="en-US" sz="2400">
+          <a:endParaRPr lang="en-US" sz="2000">
+            <a:latin typeface="Source Sans Pro" panose="020B0503030403020204" pitchFamily="34" charset="77"/>
+          </a:endParaRPr>
+        </a:p>
+      </dgm:t>
+    </dgm:pt>
+    <dgm:pt modelId="{277C3733-8AEC-F14B-9662-2580168B0F9D}">
+      <dgm:prSet phldrT="[Text]" custT="1"/>
+      <dgm:spPr>
+        <a:solidFill>
+          <a:srgbClr val="9F241A"/>
+        </a:solidFill>
+      </dgm:spPr>
+      <dgm:t>
+        <a:bodyPr/>
+        <a:lstStyle/>
+        <a:p>
+          <a:pPr>
+            <a:buFont typeface="Arial" panose="020B0604020202020204" pitchFamily="34" charset="0"/>
+            <a:buChar char="•"/>
+          </a:pPr>
+          <a:r>
+            <a:rPr lang="en-US" sz="2000" dirty="0">
+              <a:latin typeface="Source Sans Pro" panose="020B0503030403020204" pitchFamily="34" charset="77"/>
+            </a:rPr>
+            <a:t>Banking + Buffering</a:t>
+          </a:r>
+        </a:p>
+      </dgm:t>
+    </dgm:pt>
+    <dgm:pt modelId="{F55669F3-D338-1F48-B33C-E0F964CD19AE}" type="sibTrans" cxnId="{67FD47EC-85D5-5F46-9F95-D63A10AC6EBD}">
+      <dgm:prSet/>
+      <dgm:spPr/>
+      <dgm:t>
+        <a:bodyPr/>
+        <a:lstStyle/>
+        <a:p>
+          <a:endParaRPr lang="en-US" sz="2000">
+            <a:latin typeface="Source Sans Pro" panose="020B0503030403020204" pitchFamily="34" charset="77"/>
+          </a:endParaRPr>
+        </a:p>
+      </dgm:t>
+    </dgm:pt>
+    <dgm:pt modelId="{95AF4B9B-4A81-4143-9766-301665185E5F}" type="parTrans" cxnId="{67FD47EC-85D5-5F46-9F95-D63A10AC6EBD}">
+      <dgm:prSet/>
+      <dgm:spPr/>
+      <dgm:t>
+        <a:bodyPr/>
+        <a:lstStyle/>
+        <a:p>
+          <a:endParaRPr lang="en-US" sz="2000">
             <a:latin typeface="Source Sans Pro" panose="020B0503030403020204" pitchFamily="34" charset="77"/>
           </a:endParaRPr>
         </a:p>
@@ -7467,14 +7562,18 @@
     </dgm:pt>
     <dgm:pt modelId="{7F321D06-88EA-964A-A449-06F05C2C6941}" type="pres">
       <dgm:prSet presAssocID="{1FF27E07-8665-C945-9297-D904B93FFF1D}" presName="arrow" presStyleLbl="bgShp" presStyleIdx="0" presStyleCnt="1" custScaleX="108427"/>
-      <dgm:spPr/>
+      <dgm:spPr>
+        <a:solidFill>
+          <a:srgbClr val="DAD7CB"/>
+        </a:solidFill>
+      </dgm:spPr>
     </dgm:pt>
     <dgm:pt modelId="{8B281EE0-F8DC-B44E-8BFE-1BD5787D4A1D}" type="pres">
       <dgm:prSet presAssocID="{1FF27E07-8665-C945-9297-D904B93FFF1D}" presName="linearProcess" presStyleCnt="0"/>
       <dgm:spPr/>
     </dgm:pt>
     <dgm:pt modelId="{A2D8E73C-D3C2-964C-B8A6-12E66C2CCAF7}" type="pres">
-      <dgm:prSet presAssocID="{26117898-1D6E-3340-9889-98CAC460F41A}" presName="textNode" presStyleLbl="node1" presStyleIdx="0" presStyleCnt="4">
+      <dgm:prSet presAssocID="{26117898-1D6E-3340-9889-98CAC460F41A}" presName="textNode" presStyleLbl="node1" presStyleIdx="0" presStyleCnt="4" custScaleY="111932">
         <dgm:presLayoutVars>
           <dgm:bulletEnabled val="1"/>
         </dgm:presLayoutVars>
@@ -7486,7 +7585,7 @@
       <dgm:spPr/>
     </dgm:pt>
     <dgm:pt modelId="{0D297AB3-DCFC-914C-9557-A9A6C7F0C4D4}" type="pres">
-      <dgm:prSet presAssocID="{0126AD6F-FCAD-D14A-8353-B8EA2B851EE5}" presName="textNode" presStyleLbl="node1" presStyleIdx="1" presStyleCnt="4">
+      <dgm:prSet presAssocID="{0126AD6F-FCAD-D14A-8353-B8EA2B851EE5}" presName="textNode" presStyleLbl="node1" presStyleIdx="1" presStyleCnt="4" custScaleY="109740">
         <dgm:presLayoutVars>
           <dgm:bulletEnabled val="1"/>
         </dgm:presLayoutVars>
@@ -7498,7 +7597,7 @@
       <dgm:spPr/>
     </dgm:pt>
     <dgm:pt modelId="{A344AAB6-699E-9540-AD34-59F6011B61B0}" type="pres">
-      <dgm:prSet presAssocID="{35025888-FD8D-8744-A128-71A706B88DDE}" presName="textNode" presStyleLbl="node1" presStyleIdx="2" presStyleCnt="4">
+      <dgm:prSet presAssocID="{35025888-FD8D-8744-A128-71A706B88DDE}" presName="textNode" presStyleLbl="node1" presStyleIdx="2" presStyleCnt="4" custScaleY="113028">
         <dgm:presLayoutVars>
           <dgm:bulletEnabled val="1"/>
         </dgm:presLayoutVars>
@@ -7510,7 +7609,7 @@
       <dgm:spPr/>
     </dgm:pt>
     <dgm:pt modelId="{1A9B96BC-57CD-C543-8A37-C32EA988B85E}" type="pres">
-      <dgm:prSet presAssocID="{0FCC7809-694A-7B46-94D1-6545DFBEDE61}" presName="textNode" presStyleLbl="node1" presStyleIdx="3" presStyleCnt="4">
+      <dgm:prSet presAssocID="{0FCC7809-694A-7B46-94D1-6545DFBEDE61}" presName="textNode" presStyleLbl="node1" presStyleIdx="3" presStyleCnt="4" custScaleX="112853" custScaleY="114123">
         <dgm:presLayoutVars>
           <dgm:bulletEnabled val="1"/>
         </dgm:presLayoutVars>
@@ -7558,7 +7657,7 @@
   <dgm:whole/>
   <dgm:extLst>
     <a:ext uri="http://schemas.microsoft.com/office/drawing/2008/diagram">
-      <dsp:dataModelExt xmlns:dsp="http://schemas.microsoft.com/office/drawing/2008/diagram" relId="rId6" minVer="http://schemas.openxmlformats.org/drawingml/2006/diagram"/>
+      <dsp:dataModelExt xmlns:dsp="http://schemas.microsoft.com/office/drawing/2008/diagram" relId="rId7" minVer="http://schemas.openxmlformats.org/drawingml/2006/diagram"/>
     </a:ext>
   </dgm:extLst>
 </dgm:dataModel>
@@ -10869,20 +10968,14 @@
       </dsp:nvSpPr>
       <dsp:spPr>
         <a:xfrm>
-          <a:off x="457176" y="0"/>
-          <a:ext cx="10752712" cy="6866466"/>
+          <a:off x="463148" y="0"/>
+          <a:ext cx="10893170" cy="5715579"/>
         </a:xfrm>
         <a:prstGeom prst="rightArrow">
           <a:avLst/>
         </a:prstGeom>
         <a:solidFill>
-          <a:schemeClr val="accent2">
-            <a:tint val="40000"/>
-            <a:hueOff val="0"/>
-            <a:satOff val="0"/>
-            <a:lumOff val="0"/>
-            <a:alphaOff val="0"/>
-          </a:schemeClr>
+          <a:srgbClr val="DAD7CB"/>
         </a:solidFill>
         <a:ln>
           <a:noFill/>
@@ -10909,19 +11002,14 @@
       </dsp:nvSpPr>
       <dsp:spPr>
         <a:xfrm>
-          <a:off x="3987" y="2059939"/>
-          <a:ext cx="2590908" cy="2746586"/>
+          <a:off x="3647" y="1578277"/>
+          <a:ext cx="2552035" cy="2559024"/>
         </a:xfrm>
         <a:prstGeom prst="roundRect">
           <a:avLst/>
         </a:prstGeom>
         <a:solidFill>
-          <a:schemeClr val="accent2">
-            <a:hueOff val="0"/>
-            <a:satOff val="0"/>
-            <a:lumOff val="0"/>
-            <a:alphaOff val="0"/>
-          </a:schemeClr>
+          <a:srgbClr val="9F241A"/>
         </a:solidFill>
         <a:ln w="12700" cap="flat" cmpd="sng" algn="ctr">
           <a:solidFill>
@@ -10987,6 +11075,7 @@
             <a:spcAft>
               <a:spcPct val="15000"/>
             </a:spcAft>
+            <a:buFont typeface="Arial" panose="020B0604020202020204" pitchFamily="34" charset="0"/>
             <a:buChar char="•"/>
           </a:pPr>
           <a:r>
@@ -11007,6 +11096,7 @@
             <a:spcAft>
               <a:spcPct val="15000"/>
             </a:spcAft>
+            <a:buFont typeface="Arial" panose="020B0604020202020204" pitchFamily="34" charset="0"/>
             <a:buChar char="•"/>
           </a:pPr>
           <a:r>
@@ -11018,8 +11108,8 @@
         </a:p>
       </dsp:txBody>
       <dsp:txXfrm>
-        <a:off x="130465" y="2186417"/>
-        <a:ext cx="2337952" cy="2493630"/>
+        <a:off x="128227" y="1702857"/>
+        <a:ext cx="2302875" cy="2309864"/>
       </dsp:txXfrm>
     </dsp:sp>
     <dsp:sp modelId="{0D297AB3-DCFC-914C-9557-A9A6C7F0C4D4}">
@@ -11029,19 +11119,14 @@
       </dsp:nvSpPr>
       <dsp:spPr>
         <a:xfrm>
-          <a:off x="3026714" y="2059939"/>
-          <a:ext cx="2590908" cy="2746586"/>
+          <a:off x="2981022" y="1603334"/>
+          <a:ext cx="2552035" cy="2508910"/>
         </a:xfrm>
         <a:prstGeom prst="roundRect">
           <a:avLst/>
         </a:prstGeom>
         <a:solidFill>
-          <a:schemeClr val="accent3">
-            <a:hueOff val="0"/>
-            <a:satOff val="0"/>
-            <a:lumOff val="0"/>
-            <a:alphaOff val="0"/>
-          </a:schemeClr>
+          <a:srgbClr val="D2C295"/>
         </a:solidFill>
         <a:ln w="12700" cap="flat" cmpd="sng" algn="ctr">
           <a:solidFill>
@@ -11107,6 +11192,7 @@
             <a:spcAft>
               <a:spcPct val="15000"/>
             </a:spcAft>
+            <a:buFont typeface="Arial" panose="020B0604020202020204" pitchFamily="34" charset="0"/>
             <a:buChar char="•"/>
           </a:pPr>
           <a:r>
@@ -11127,6 +11213,7 @@
             <a:spcAft>
               <a:spcPct val="15000"/>
             </a:spcAft>
+            <a:buFont typeface="Arial" panose="020B0604020202020204" pitchFamily="34" charset="0"/>
             <a:buChar char="•"/>
           </a:pPr>
           <a:r>
@@ -11138,8 +11225,8 @@
         </a:p>
       </dsp:txBody>
       <dsp:txXfrm>
-        <a:off x="3153192" y="2186417"/>
-        <a:ext cx="2337952" cy="2493630"/>
+        <a:off x="3103497" y="1725809"/>
+        <a:ext cx="2307085" cy="2263960"/>
       </dsp:txXfrm>
     </dsp:sp>
     <dsp:sp modelId="{A344AAB6-699E-9540-AD34-59F6011B61B0}">
@@ -11149,19 +11236,14 @@
       </dsp:nvSpPr>
       <dsp:spPr>
         <a:xfrm>
-          <a:off x="6049442" y="2059939"/>
-          <a:ext cx="2590908" cy="2746586"/>
+          <a:off x="5958397" y="1565748"/>
+          <a:ext cx="2552035" cy="2584081"/>
         </a:xfrm>
         <a:prstGeom prst="roundRect">
           <a:avLst/>
         </a:prstGeom>
         <a:solidFill>
-          <a:schemeClr val="accent4">
-            <a:hueOff val="0"/>
-            <a:satOff val="0"/>
-            <a:lumOff val="0"/>
-            <a:alphaOff val="0"/>
-          </a:schemeClr>
+          <a:srgbClr val="2E2D29"/>
         </a:solidFill>
         <a:ln w="12700" cap="flat" cmpd="sng" algn="ctr">
           <a:solidFill>
@@ -11215,6 +11297,9 @@
             </a:rPr>
             <a:t>Mapping</a:t>
           </a:r>
+          <a:endParaRPr lang="en-US" sz="2400" b="1" kern="1200" dirty="0">
+            <a:latin typeface="Source Sans Pro" panose="020B0503030403020204" pitchFamily="34" charset="77"/>
+          </a:endParaRPr>
         </a:p>
         <a:p>
           <a:pPr marL="228600" lvl="1" indent="-228600" algn="l" defTabSz="889000">
@@ -11227,6 +11312,7 @@
             <a:spcAft>
               <a:spcPct val="15000"/>
             </a:spcAft>
+            <a:buFont typeface="Arial" panose="020B0604020202020204" pitchFamily="34" charset="0"/>
             <a:buChar char="•"/>
           </a:pPr>
           <a:r>
@@ -11247,6 +11333,7 @@
             <a:spcAft>
               <a:spcPct val="15000"/>
             </a:spcAft>
+            <a:buFont typeface="Arial" panose="020B0604020202020204" pitchFamily="34" charset="0"/>
             <a:buChar char="•"/>
           </a:pPr>
           <a:r>
@@ -11258,8 +11345,8 @@
         </a:p>
       </dsp:txBody>
       <dsp:txXfrm>
-        <a:off x="6175920" y="2186417"/>
-        <a:ext cx="2337952" cy="2493630"/>
+        <a:off x="6082977" y="1690328"/>
+        <a:ext cx="2302875" cy="2334921"/>
       </dsp:txXfrm>
     </dsp:sp>
     <dsp:sp modelId="{1A9B96BC-57CD-C543-8A37-C32EA988B85E}">
@@ -11269,19 +11356,14 @@
       </dsp:nvSpPr>
       <dsp:spPr>
         <a:xfrm>
-          <a:off x="9072169" y="2059939"/>
-          <a:ext cx="2590908" cy="2746586"/>
+          <a:off x="8935771" y="1553231"/>
+          <a:ext cx="2880048" cy="2609116"/>
         </a:xfrm>
         <a:prstGeom prst="roundRect">
           <a:avLst/>
         </a:prstGeom>
         <a:solidFill>
-          <a:schemeClr val="accent5">
-            <a:hueOff val="0"/>
-            <a:satOff val="0"/>
-            <a:lumOff val="0"/>
-            <a:alphaOff val="0"/>
-          </a:schemeClr>
+          <a:srgbClr val="928B81"/>
         </a:solidFill>
         <a:ln w="12700" cap="flat" cmpd="sng" algn="ctr">
           <a:solidFill>
@@ -11347,13 +11429,14 @@
             <a:spcAft>
               <a:spcPct val="15000"/>
             </a:spcAft>
+            <a:buFont typeface="Arial" panose="020B0604020202020204" pitchFamily="34" charset="0"/>
             <a:buChar char="•"/>
           </a:pPr>
           <a:r>
             <a:rPr lang="en-US" sz="2000" kern="1200" dirty="0">
               <a:latin typeface="Source Sans Pro" panose="020B0503030403020204" pitchFamily="34" charset="77"/>
             </a:rPr>
-            <a:t>Fast Cycle Accurate Control Simulation</a:t>
+            <a:t>Fast Cycle Accurate Simulator</a:t>
           </a:r>
         </a:p>
         <a:p>
@@ -11367,6 +11450,7 @@
             <a:spcAft>
               <a:spcPct val="15000"/>
             </a:spcAft>
+            <a:buFont typeface="Arial" panose="020B0604020202020204" pitchFamily="34" charset="0"/>
             <a:buChar char="•"/>
           </a:pPr>
           <a:r>
@@ -11399,8 +11483,8 @@
         </a:p>
       </dsp:txBody>
       <dsp:txXfrm>
-        <a:off x="9198647" y="2186417"/>
-        <a:ext cx="2337952" cy="2493630"/>
+        <a:off x="9063138" y="1680598"/>
+        <a:ext cx="2625314" cy="2354382"/>
       </dsp:txXfrm>
     </dsp:sp>
   </dsp:spTree>
@@ -18884,7 +18968,7 @@
           <a:p>
             <a:fld id="{7A42072F-3F53-2D47-B28A-DE283BEF777E}" type="datetimeFigureOut">
               <a:rPr lang="en-US" smtClean="0"/>
-              <a:t>9/11/18</a:t>
+              <a:t>9/12/18</a:t>
             </a:fld>
             <a:endParaRPr lang="en-US"/>
           </a:p>
@@ -19235,6 +19319,90 @@
 </p:notes>
 </file>
 
+<file path=ppt/notesSlides/notesSlide2.xml><?xml version="1.0" encoding="utf-8"?>
+<p:notes xmlns:a="http://schemas.openxmlformats.org/drawingml/2006/main" xmlns:r="http://schemas.openxmlformats.org/officeDocument/2006/relationships" xmlns:p="http://schemas.openxmlformats.org/presentationml/2006/main">
+  <p:cSld>
+    <p:spTree>
+      <p:nvGrpSpPr>
+        <p:cNvPr id="1" name=""/>
+        <p:cNvGrpSpPr/>
+        <p:nvPr/>
+      </p:nvGrpSpPr>
+      <p:grpSpPr>
+        <a:xfrm>
+          <a:off x="0" y="0"/>
+          <a:ext cx="0" cy="0"/>
+          <a:chOff x="0" y="0"/>
+          <a:chExt cx="0" cy="0"/>
+        </a:xfrm>
+      </p:grpSpPr>
+      <p:sp>
+        <p:nvSpPr>
+          <p:cNvPr id="2" name="Slide Image Placeholder 1"/>
+          <p:cNvSpPr>
+            <a:spLocks noGrp="1" noRot="1" noChangeAspect="1"/>
+          </p:cNvSpPr>
+          <p:nvPr>
+            <p:ph type="sldImg"/>
+          </p:nvPr>
+        </p:nvSpPr>
+        <p:spPr/>
+      </p:sp>
+      <p:sp>
+        <p:nvSpPr>
+          <p:cNvPr id="3" name="Notes Placeholder 2"/>
+          <p:cNvSpPr>
+            <a:spLocks noGrp="1"/>
+          </p:cNvSpPr>
+          <p:nvPr>
+            <p:ph type="body" idx="1"/>
+          </p:nvPr>
+        </p:nvSpPr>
+        <p:spPr/>
+        <p:txBody>
+          <a:bodyPr/>
+          <a:lstStyle/>
+          <a:p>
+            <a:endParaRPr lang="en-US" dirty="0"/>
+          </a:p>
+        </p:txBody>
+      </p:sp>
+      <p:sp>
+        <p:nvSpPr>
+          <p:cNvPr id="4" name="Slide Number Placeholder 3"/>
+          <p:cNvSpPr>
+            <a:spLocks noGrp="1"/>
+          </p:cNvSpPr>
+          <p:nvPr>
+            <p:ph type="sldNum" sz="quarter" idx="5"/>
+          </p:nvPr>
+        </p:nvSpPr>
+        <p:spPr/>
+        <p:txBody>
+          <a:bodyPr/>
+          <a:lstStyle/>
+          <a:p>
+            <a:fld id="{878EC928-24A1-4D42-97E8-66937E0B1D07}" type="slidenum">
+              <a:rPr lang="en-US" smtClean="0"/>
+              <a:t>4</a:t>
+            </a:fld>
+            <a:endParaRPr lang="en-US"/>
+          </a:p>
+        </p:txBody>
+      </p:sp>
+    </p:spTree>
+    <p:extLst>
+      <p:ext uri="{BB962C8B-B14F-4D97-AF65-F5344CB8AC3E}">
+        <p14:creationId xmlns:p14="http://schemas.microsoft.com/office/powerpoint/2010/main" val="2613189429"/>
+      </p:ext>
+    </p:extLst>
+  </p:cSld>
+  <p:clrMapOvr>
+    <a:masterClrMapping/>
+  </p:clrMapOvr>
+</p:notes>
+</file>
+
 <file path=ppt/slideLayouts/slideLayout1.xml><?xml version="1.0" encoding="utf-8"?>
 <p:sldLayout xmlns:a="http://schemas.openxmlformats.org/drawingml/2006/main" xmlns:r="http://schemas.openxmlformats.org/officeDocument/2006/relationships" xmlns:p="http://schemas.openxmlformats.org/presentationml/2006/main" type="title" preserve="1">
   <p:cSld name="Title Slide">
@@ -19382,7 +19550,7 @@
           <a:p>
             <a:fld id="{207B30AF-5B0B-1F4F-88C4-9E49E2733A4F}" type="datetimeFigureOut">
               <a:rPr lang="en-US" smtClean="0"/>
-              <a:t>9/11/18</a:t>
+              <a:t>9/12/18</a:t>
             </a:fld>
             <a:endParaRPr lang="en-US"/>
           </a:p>
@@ -19580,7 +19748,7 @@
           <a:p>
             <a:fld id="{207B30AF-5B0B-1F4F-88C4-9E49E2733A4F}" type="datetimeFigureOut">
               <a:rPr lang="en-US" smtClean="0"/>
-              <a:t>9/11/18</a:t>
+              <a:t>9/12/18</a:t>
             </a:fld>
             <a:endParaRPr lang="en-US"/>
           </a:p>
@@ -19788,7 +19956,7 @@
           <a:p>
             <a:fld id="{207B30AF-5B0B-1F4F-88C4-9E49E2733A4F}" type="datetimeFigureOut">
               <a:rPr lang="en-US" smtClean="0"/>
-              <a:t>9/11/18</a:t>
+              <a:t>9/12/18</a:t>
             </a:fld>
             <a:endParaRPr lang="en-US"/>
           </a:p>
@@ -19986,7 +20154,7 @@
           <a:p>
             <a:fld id="{207B30AF-5B0B-1F4F-88C4-9E49E2733A4F}" type="datetimeFigureOut">
               <a:rPr lang="en-US" smtClean="0"/>
-              <a:t>9/11/18</a:t>
+              <a:t>9/12/18</a:t>
             </a:fld>
             <a:endParaRPr lang="en-US"/>
           </a:p>
@@ -20261,7 +20429,7 @@
           <a:p>
             <a:fld id="{207B30AF-5B0B-1F4F-88C4-9E49E2733A4F}" type="datetimeFigureOut">
               <a:rPr lang="en-US" smtClean="0"/>
-              <a:t>9/11/18</a:t>
+              <a:t>9/12/18</a:t>
             </a:fld>
             <a:endParaRPr lang="en-US"/>
           </a:p>
@@ -20526,7 +20694,7 @@
           <a:p>
             <a:fld id="{207B30AF-5B0B-1F4F-88C4-9E49E2733A4F}" type="datetimeFigureOut">
               <a:rPr lang="en-US" smtClean="0"/>
-              <a:t>9/11/18</a:t>
+              <a:t>9/12/18</a:t>
             </a:fld>
             <a:endParaRPr lang="en-US"/>
           </a:p>
@@ -20938,7 +21106,7 @@
           <a:p>
             <a:fld id="{207B30AF-5B0B-1F4F-88C4-9E49E2733A4F}" type="datetimeFigureOut">
               <a:rPr lang="en-US" smtClean="0"/>
-              <a:t>9/11/18</a:t>
+              <a:t>9/12/18</a:t>
             </a:fld>
             <a:endParaRPr lang="en-US"/>
           </a:p>
@@ -21079,7 +21247,7 @@
           <a:p>
             <a:fld id="{207B30AF-5B0B-1F4F-88C4-9E49E2733A4F}" type="datetimeFigureOut">
               <a:rPr lang="en-US" smtClean="0"/>
-              <a:t>9/11/18</a:t>
+              <a:t>9/12/18</a:t>
             </a:fld>
             <a:endParaRPr lang="en-US"/>
           </a:p>
@@ -21192,7 +21360,7 @@
           <a:p>
             <a:fld id="{207B30AF-5B0B-1F4F-88C4-9E49E2733A4F}" type="datetimeFigureOut">
               <a:rPr lang="en-US" smtClean="0"/>
-              <a:t>9/11/18</a:t>
+              <a:t>9/12/18</a:t>
             </a:fld>
             <a:endParaRPr lang="en-US"/>
           </a:p>
@@ -21503,7 +21671,7 @@
           <a:p>
             <a:fld id="{207B30AF-5B0B-1F4F-88C4-9E49E2733A4F}" type="datetimeFigureOut">
               <a:rPr lang="en-US" smtClean="0"/>
-              <a:t>9/11/18</a:t>
+              <a:t>9/12/18</a:t>
             </a:fld>
             <a:endParaRPr lang="en-US"/>
           </a:p>
@@ -21791,7 +21959,7 @@
           <a:p>
             <a:fld id="{207B30AF-5B0B-1F4F-88C4-9E49E2733A4F}" type="datetimeFigureOut">
               <a:rPr lang="en-US" smtClean="0"/>
-              <a:t>9/11/18</a:t>
+              <a:t>9/12/18</a:t>
             </a:fld>
             <a:endParaRPr lang="en-US"/>
           </a:p>
@@ -22032,7 +22200,7 @@
           <a:p>
             <a:fld id="{207B30AF-5B0B-1F4F-88C4-9E49E2733A4F}" type="datetimeFigureOut">
               <a:rPr lang="en-US" smtClean="0"/>
-              <a:t>9/11/18</a:t>
+              <a:t>9/12/18</a:t>
             </a:fld>
             <a:endParaRPr lang="en-US"/>
           </a:p>
@@ -22694,18 +22862,18 @@
           <p:nvPr>
             <p:extLst>
               <p:ext uri="{D42A27DB-BD31-4B8C-83A1-F6EECF244321}">
-                <p14:modId xmlns:p14="http://schemas.microsoft.com/office/powerpoint/2010/main" val="1146834057"/>
+                <p14:modId xmlns:p14="http://schemas.microsoft.com/office/powerpoint/2010/main" val="1926263112"/>
               </p:ext>
             </p:extLst>
           </p:nvPr>
         </p:nvGraphicFramePr>
         <p:xfrm>
-          <a:off x="372533" y="414867"/>
-          <a:ext cx="11667066" cy="6866466"/>
+          <a:off x="197167" y="839244"/>
+          <a:ext cx="11819468" cy="5715579"/>
         </p:xfrm>
         <a:graphic>
           <a:graphicData uri="http://schemas.openxmlformats.org/drawingml/2006/diagram">
-            <dgm:relIds xmlns:dgm="http://schemas.openxmlformats.org/drawingml/2006/diagram" xmlns:r="http://schemas.openxmlformats.org/officeDocument/2006/relationships" r:dm="rId2" r:lo="rId3" r:qs="rId4" r:cs="rId5"/>
+            <dgm:relIds xmlns:dgm="http://schemas.openxmlformats.org/drawingml/2006/diagram" xmlns:r="http://schemas.openxmlformats.org/officeDocument/2006/relationships" r:dm="rId3" r:lo="rId4" r:qs="rId5" r:cs="rId6"/>
           </a:graphicData>
         </a:graphic>
       </p:graphicFrame>
